--- a/doc/slac_slides.pptx
+++ b/doc/slac_slides.pptx
@@ -5,13 +5,15 @@
     <p:sldMasterId id="2147483648" r:id="rId1"/>
   </p:sldMasterIdLst>
   <p:notesMasterIdLst>
-    <p:notesMasterId r:id="rId6"/>
+    <p:notesMasterId r:id="rId8"/>
   </p:notesMasterIdLst>
   <p:sldIdLst>
     <p:sldId id="256" r:id="rId2"/>
-    <p:sldId id="258" r:id="rId3"/>
-    <p:sldId id="257" r:id="rId4"/>
-    <p:sldId id="259" r:id="rId5"/>
+    <p:sldId id="257" r:id="rId3"/>
+    <p:sldId id="259" r:id="rId4"/>
+    <p:sldId id="258" r:id="rId5"/>
+    <p:sldId id="260" r:id="rId6"/>
+    <p:sldId id="261" r:id="rId7"/>
   </p:sldIdLst>
   <p:sldSz cx="12192000" cy="6858000"/>
   <p:notesSz cx="6858000" cy="9144000"/>
@@ -110,7 +112,31 @@
       </a:defRPr>
     </a:lvl9pPr>
   </p:defaultTextStyle>
+  <p:extLst>
+    <p:ext uri="{EFAFB233-063F-42B5-8137-9DF3F51BA10A}">
+      <p15:sldGuideLst xmlns:p15="http://schemas.microsoft.com/office/powerpoint/2012/main"/>
+    </p:ext>
+  </p:extLst>
 </p:presentation>
+</file>
+
+<file path=ppt/commentAuthors.xml><?xml version="1.0" encoding="utf-8"?>
+<p:cmAuthorLst xmlns:a="http://schemas.openxmlformats.org/drawingml/2006/main" xmlns:r="http://schemas.openxmlformats.org/officeDocument/2006/relationships" xmlns:p="http://schemas.openxmlformats.org/presentationml/2006/main">
+  <p:cmAuthor id="1" name="Trish Nestor" initials="TN" lastIdx="1" clrIdx="0">
+    <p:extLst>
+      <p:ext uri="{19B8F6BF-5375-455C-9EA6-DF929625EA0E}">
+        <p15:presenceInfo xmlns:p15="http://schemas.microsoft.com/office/powerpoint/2012/main" userId="" providerId=""/>
+      </p:ext>
+    </p:extLst>
+  </p:cmAuthor>
+  <p:cmAuthor id="2" name="Trish Nestor" initials="TN [2]" lastIdx="1" clrIdx="1">
+    <p:extLst>
+      <p:ext uri="{19B8F6BF-5375-455C-9EA6-DF929625EA0E}">
+        <p15:presenceInfo xmlns:p15="http://schemas.microsoft.com/office/powerpoint/2012/main" userId="" providerId=""/>
+      </p:ext>
+    </p:extLst>
+  </p:cmAuthor>
+</p:cmAuthorLst>
 </file>
 
 <file path=ppt/notesMasters/notesMaster1.xml><?xml version="1.0" encoding="utf-8"?>
@@ -461,6 +487,296 @@
     </a:lvl9pPr>
   </p:notesStyle>
 </p:notesMaster>
+</file>
+
+<file path=ppt/notesSlides/notesSlide1.xml><?xml version="1.0" encoding="utf-8"?>
+<p:notes xmlns:a="http://schemas.openxmlformats.org/drawingml/2006/main" xmlns:r="http://schemas.openxmlformats.org/officeDocument/2006/relationships" xmlns:p="http://schemas.openxmlformats.org/presentationml/2006/main">
+  <p:cSld>
+    <p:spTree>
+      <p:nvGrpSpPr>
+        <p:cNvPr id="1" name=""/>
+        <p:cNvGrpSpPr/>
+        <p:nvPr/>
+      </p:nvGrpSpPr>
+      <p:grpSpPr>
+        <a:xfrm>
+          <a:off x="0" y="0"/>
+          <a:ext cx="0" cy="0"/>
+          <a:chOff x="0" y="0"/>
+          <a:chExt cx="0" cy="0"/>
+        </a:xfrm>
+      </p:grpSpPr>
+      <p:sp>
+        <p:nvSpPr>
+          <p:cNvPr id="2" name="Slide Image Placeholder 1"/>
+          <p:cNvSpPr>
+            <a:spLocks noGrp="1" noRot="1" noChangeAspect="1"/>
+          </p:cNvSpPr>
+          <p:nvPr>
+            <p:ph type="sldImg"/>
+          </p:nvPr>
+        </p:nvSpPr>
+        <p:spPr/>
+      </p:sp>
+      <p:sp>
+        <p:nvSpPr>
+          <p:cNvPr id="3" name="Notes Placeholder 2"/>
+          <p:cNvSpPr>
+            <a:spLocks noGrp="1"/>
+          </p:cNvSpPr>
+          <p:nvPr>
+            <p:ph type="body" idx="1"/>
+          </p:nvPr>
+        </p:nvSpPr>
+        <p:spPr/>
+        <p:txBody>
+          <a:bodyPr/>
+          <a:lstStyle/>
+          <a:p>
+            <a:r>
+              <a:rPr lang="en-US" dirty="0" smtClean="0"/>
+              <a:t>Code:</a:t>
+            </a:r>
+          </a:p>
+          <a:p>
+            <a:r>
+              <a:rPr lang="en-US" dirty="0" smtClean="0"/>
+              <a:t>1. Module</a:t>
+            </a:r>
+            <a:r>
+              <a:rPr lang="en-US" baseline="0" dirty="0" smtClean="0"/>
+              <a:t> dependency (http)</a:t>
+            </a:r>
+          </a:p>
+          <a:p>
+            <a:r>
+              <a:rPr lang="en-US" baseline="0" dirty="0" smtClean="0"/>
+              <a:t>2. Constants</a:t>
+            </a:r>
+          </a:p>
+          <a:p>
+            <a:r>
+              <a:rPr lang="en-US" baseline="0" dirty="0" smtClean="0"/>
+              <a:t>3. Anonymous function</a:t>
+            </a:r>
+          </a:p>
+          <a:p>
+            <a:r>
+              <a:rPr lang="en-US" baseline="0" dirty="0" smtClean="0"/>
+              <a:t>4. No </a:t>
+            </a:r>
+            <a:r>
+              <a:rPr lang="en-US" baseline="0" dirty="0" err="1" smtClean="0"/>
+              <a:t>parm</a:t>
+            </a:r>
+            <a:r>
+              <a:rPr lang="en-US" baseline="0" dirty="0" smtClean="0"/>
+              <a:t> anonymous callback</a:t>
+            </a:r>
+          </a:p>
+          <a:p>
+            <a:endParaRPr lang="en-US" baseline="0" dirty="0" smtClean="0"/>
+          </a:p>
+          <a:p>
+            <a:r>
+              <a:rPr lang="en-US" baseline="0" dirty="0" smtClean="0"/>
+              <a:t>Execution:</a:t>
+            </a:r>
+          </a:p>
+          <a:p>
+            <a:r>
+              <a:rPr lang="en-US" baseline="0" dirty="0" smtClean="0"/>
+              <a:t>1. curl or browser</a:t>
+            </a:r>
+          </a:p>
+          <a:p>
+            <a:r>
+              <a:rPr lang="en-US" baseline="0" dirty="0" smtClean="0"/>
+              <a:t> </a:t>
+            </a:r>
+            <a:endParaRPr lang="en-US" dirty="0"/>
+          </a:p>
+        </p:txBody>
+      </p:sp>
+      <p:sp>
+        <p:nvSpPr>
+          <p:cNvPr id="4" name="Slide Number Placeholder 3"/>
+          <p:cNvSpPr>
+            <a:spLocks noGrp="1"/>
+          </p:cNvSpPr>
+          <p:nvPr>
+            <p:ph type="sldNum" sz="quarter" idx="10"/>
+          </p:nvPr>
+        </p:nvSpPr>
+        <p:spPr/>
+        <p:txBody>
+          <a:bodyPr/>
+          <a:lstStyle/>
+          <a:p>
+            <a:fld id="{F2525AB9-A250-384A-A45B-2B27F02B4CAC}" type="slidenum">
+              <a:rPr lang="en-US" smtClean="0"/>
+              <a:t>5</a:t>
+            </a:fld>
+            <a:endParaRPr lang="en-US"/>
+          </a:p>
+        </p:txBody>
+      </p:sp>
+    </p:spTree>
+    <p:extLst>
+      <p:ext uri="{BB962C8B-B14F-4D97-AF65-F5344CB8AC3E}">
+        <p14:creationId xmlns:p14="http://schemas.microsoft.com/office/powerpoint/2010/main" val="707311444"/>
+      </p:ext>
+    </p:extLst>
+  </p:cSld>
+  <p:clrMapOvr>
+    <a:masterClrMapping/>
+  </p:clrMapOvr>
+</p:notes>
+</file>
+
+<file path=ppt/notesSlides/notesSlide2.xml><?xml version="1.0" encoding="utf-8"?>
+<p:notes xmlns:a="http://schemas.openxmlformats.org/drawingml/2006/main" xmlns:r="http://schemas.openxmlformats.org/officeDocument/2006/relationships" xmlns:p="http://schemas.openxmlformats.org/presentationml/2006/main">
+  <p:cSld>
+    <p:spTree>
+      <p:nvGrpSpPr>
+        <p:cNvPr id="1" name=""/>
+        <p:cNvGrpSpPr/>
+        <p:nvPr/>
+      </p:nvGrpSpPr>
+      <p:grpSpPr>
+        <a:xfrm>
+          <a:off x="0" y="0"/>
+          <a:ext cx="0" cy="0"/>
+          <a:chOff x="0" y="0"/>
+          <a:chExt cx="0" cy="0"/>
+        </a:xfrm>
+      </p:grpSpPr>
+      <p:sp>
+        <p:nvSpPr>
+          <p:cNvPr id="2" name="Slide Image Placeholder 1"/>
+          <p:cNvSpPr>
+            <a:spLocks noGrp="1" noRot="1" noChangeAspect="1"/>
+          </p:cNvSpPr>
+          <p:nvPr>
+            <p:ph type="sldImg"/>
+          </p:nvPr>
+        </p:nvSpPr>
+        <p:spPr/>
+      </p:sp>
+      <p:sp>
+        <p:nvSpPr>
+          <p:cNvPr id="3" name="Notes Placeholder 2"/>
+          <p:cNvSpPr>
+            <a:spLocks noGrp="1"/>
+          </p:cNvSpPr>
+          <p:nvPr>
+            <p:ph type="body" idx="1"/>
+          </p:nvPr>
+        </p:nvSpPr>
+        <p:spPr/>
+        <p:txBody>
+          <a:bodyPr/>
+          <a:lstStyle/>
+          <a:p>
+            <a:r>
+              <a:rPr lang="en-US" dirty="0" smtClean="0"/>
+              <a:t>Code:</a:t>
+            </a:r>
+          </a:p>
+          <a:p>
+            <a:r>
+              <a:rPr lang="en-US" dirty="0" smtClean="0"/>
+              <a:t>1. Module</a:t>
+            </a:r>
+            <a:r>
+              <a:rPr lang="en-US" baseline="0" dirty="0" smtClean="0"/>
+              <a:t> dependency (http)</a:t>
+            </a:r>
+          </a:p>
+          <a:p>
+            <a:r>
+              <a:rPr lang="en-US" baseline="0" dirty="0" smtClean="0"/>
+              <a:t>2. Constants</a:t>
+            </a:r>
+          </a:p>
+          <a:p>
+            <a:r>
+              <a:rPr lang="en-US" baseline="0" dirty="0" smtClean="0"/>
+              <a:t>3. Anonymous function</a:t>
+            </a:r>
+          </a:p>
+          <a:p>
+            <a:r>
+              <a:rPr lang="en-US" baseline="0" dirty="0" smtClean="0"/>
+              <a:t>4. No </a:t>
+            </a:r>
+            <a:r>
+              <a:rPr lang="en-US" baseline="0" dirty="0" err="1" smtClean="0"/>
+              <a:t>parm</a:t>
+            </a:r>
+            <a:r>
+              <a:rPr lang="en-US" baseline="0" dirty="0" smtClean="0"/>
+              <a:t> anonymous callback</a:t>
+            </a:r>
+          </a:p>
+          <a:p>
+            <a:endParaRPr lang="en-US" baseline="0" dirty="0" smtClean="0"/>
+          </a:p>
+          <a:p>
+            <a:r>
+              <a:rPr lang="en-US" baseline="0" dirty="0" smtClean="0"/>
+              <a:t>Execution:</a:t>
+            </a:r>
+          </a:p>
+          <a:p>
+            <a:r>
+              <a:rPr lang="en-US" baseline="0" dirty="0" smtClean="0"/>
+              <a:t>1. curl or browser</a:t>
+            </a:r>
+          </a:p>
+          <a:p>
+            <a:r>
+              <a:rPr lang="en-US" baseline="0" dirty="0" smtClean="0"/>
+              <a:t> </a:t>
+            </a:r>
+            <a:endParaRPr lang="en-US" dirty="0"/>
+          </a:p>
+        </p:txBody>
+      </p:sp>
+      <p:sp>
+        <p:nvSpPr>
+          <p:cNvPr id="4" name="Slide Number Placeholder 3"/>
+          <p:cNvSpPr>
+            <a:spLocks noGrp="1"/>
+          </p:cNvSpPr>
+          <p:nvPr>
+            <p:ph type="sldNum" sz="quarter" idx="10"/>
+          </p:nvPr>
+        </p:nvSpPr>
+        <p:spPr/>
+        <p:txBody>
+          <a:bodyPr/>
+          <a:lstStyle/>
+          <a:p>
+            <a:fld id="{F2525AB9-A250-384A-A45B-2B27F02B4CAC}" type="slidenum">
+              <a:rPr lang="en-US" smtClean="0"/>
+              <a:t>6</a:t>
+            </a:fld>
+            <a:endParaRPr lang="en-US"/>
+          </a:p>
+        </p:txBody>
+      </p:sp>
+    </p:spTree>
+    <p:extLst>
+      <p:ext uri="{BB962C8B-B14F-4D97-AF65-F5344CB8AC3E}">
+        <p14:creationId xmlns:p14="http://schemas.microsoft.com/office/powerpoint/2010/main" val="1317143504"/>
+      </p:ext>
+    </p:extLst>
+  </p:cSld>
+  <p:clrMapOvr>
+    <a:masterClrMapping/>
+  </p:clrMapOvr>
+</p:notes>
 </file>
 
 <file path=ppt/slideLayouts/slideLayout1.xml><?xml version="1.0" encoding="utf-8"?>
@@ -3491,7 +3807,23 @@
                 <a:ea typeface="Courier" charset="0"/>
                 <a:cs typeface="Courier" charset="0"/>
               </a:rPr>
-              <a:t>Node.js Housekeeping</a:t>
+              <a:t>ES6 and </a:t>
+            </a:r>
+            <a:r>
+              <a:rPr lang="en-US" dirty="0" err="1" smtClean="0">
+                <a:latin typeface="Courier" charset="0"/>
+                <a:ea typeface="Courier" charset="0"/>
+                <a:cs typeface="Courier" charset="0"/>
+              </a:rPr>
+              <a:t>node.js</a:t>
+            </a:r>
+            <a:r>
+              <a:rPr lang="en-US" dirty="0" smtClean="0">
+                <a:latin typeface="Courier" charset="0"/>
+                <a:ea typeface="Courier" charset="0"/>
+                <a:cs typeface="Courier" charset="0"/>
+              </a:rPr>
+              <a:t> </a:t>
             </a:r>
             <a:endParaRPr lang="en-US" dirty="0">
               <a:latin typeface="Courier" charset="0"/>
@@ -3503,7 +3835,7 @@
       </p:sp>
       <p:sp>
         <p:nvSpPr>
-          <p:cNvPr id="5" name="Content Placeholder 4"/>
+          <p:cNvPr id="3" name="Content Placeholder 2"/>
           <p:cNvSpPr>
             <a:spLocks noGrp="1"/>
           </p:cNvSpPr>
@@ -3511,279 +3843,99 @@
             <p:ph idx="1"/>
           </p:nvPr>
         </p:nvSpPr>
-        <p:spPr>
-          <a:xfrm>
-            <a:off x="838200" y="1825625"/>
-            <a:ext cx="10515600" cy="1222375"/>
-          </a:xfrm>
-          <a:solidFill>
-            <a:schemeClr val="accent6">
-              <a:lumMod val="75000"/>
-            </a:schemeClr>
-          </a:solidFill>
-          <a:ln>
-            <a:solidFill>
-              <a:schemeClr val="tx1"/>
-            </a:solidFill>
-          </a:ln>
-        </p:spPr>
-        <p:txBody>
-          <a:bodyPr/>
-          <a:lstStyle/>
-          <a:p>
-            <a:pPr marL="0" indent="0">
-              <a:buNone/>
-            </a:pPr>
+        <p:spPr/>
+        <p:txBody>
+          <a:bodyPr/>
+          <a:lstStyle/>
+          <a:p>
             <a:r>
               <a:rPr lang="en-US" dirty="0" smtClean="0">
-                <a:solidFill>
-                  <a:srgbClr val="FFFF00"/>
-                </a:solidFill>
-                <a:latin typeface="Courier" charset="0"/>
-                <a:ea typeface="Courier" charset="0"/>
-                <a:cs typeface="Courier" charset="0"/>
-              </a:rPr>
-              <a:t>bash-3.2$ node </a:t>
-            </a:r>
-            <a:r>
-              <a:rPr lang="mr-IN" dirty="0" smtClean="0">
-                <a:solidFill>
-                  <a:srgbClr val="FFFF00"/>
-                </a:solidFill>
-                <a:latin typeface="Courier" charset="0"/>
-                <a:ea typeface="Courier" charset="0"/>
-                <a:cs typeface="Courier" charset="0"/>
-              </a:rPr>
-              <a:t>–</a:t>
-            </a:r>
+                <a:latin typeface="Courier" charset="0"/>
+                <a:ea typeface="Courier" charset="0"/>
+                <a:cs typeface="Courier" charset="0"/>
+              </a:rPr>
+              <a:t>ECMAScript 2015 (ES6) - a significant evolution of the language.</a:t>
+            </a:r>
+          </a:p>
+          <a:p>
             <a:r>
               <a:rPr lang="en-US" dirty="0" smtClean="0">
-                <a:solidFill>
-                  <a:srgbClr val="FFFF00"/>
-                </a:solidFill>
-                <a:latin typeface="Courier" charset="0"/>
-                <a:ea typeface="Courier" charset="0"/>
-                <a:cs typeface="Courier" charset="0"/>
-              </a:rPr>
-              <a:t>version</a:t>
-            </a:r>
-          </a:p>
-          <a:p>
-            <a:pPr marL="0" indent="0">
-              <a:buNone/>
-            </a:pPr>
+                <a:latin typeface="Courier" charset="0"/>
+                <a:ea typeface="Courier" charset="0"/>
+                <a:cs typeface="Courier" charset="0"/>
+              </a:rPr>
+              <a:t>Compatible with most modern browsers (</a:t>
+            </a:r>
             <a:r>
               <a:rPr lang="en-US" dirty="0" smtClean="0">
-                <a:solidFill>
-                  <a:srgbClr val="FFFF00"/>
-                </a:solidFill>
-                <a:latin typeface="Courier" charset="0"/>
-                <a:ea typeface="Courier" charset="0"/>
-                <a:cs typeface="Courier" charset="0"/>
-              </a:rPr>
-              <a:t>v6.11.2</a:t>
-            </a:r>
-            <a:endParaRPr lang="en-US" dirty="0">
-              <a:solidFill>
-                <a:srgbClr val="FFFF00"/>
-              </a:solidFill>
+                <a:latin typeface="Courier" charset="0"/>
+                <a:ea typeface="Courier" charset="0"/>
+                <a:cs typeface="Courier" charset="0"/>
+                <a:hlinkClick r:id="rId2"/>
+              </a:rPr>
+              <a:t>http://kangax.github.io/compat-table/es6/</a:t>
+            </a:r>
+            <a:r>
+              <a:rPr lang="en-US" dirty="0">
+                <a:latin typeface="Courier" charset="0"/>
+                <a:ea typeface="Courier" charset="0"/>
+                <a:cs typeface="Courier" charset="0"/>
+              </a:rPr>
+              <a:t>)</a:t>
+            </a:r>
+            <a:endParaRPr lang="en-US" dirty="0" smtClean="0">
               <a:latin typeface="Courier" charset="0"/>
               <a:ea typeface="Courier" charset="0"/>
               <a:cs typeface="Courier" charset="0"/>
             </a:endParaRPr>
           </a:p>
-        </p:txBody>
-      </p:sp>
-      <p:sp>
-        <p:nvSpPr>
-          <p:cNvPr id="7" name="TextBox 6"/>
-          <p:cNvSpPr txBox="1"/>
-          <p:nvPr/>
-        </p:nvSpPr>
-        <p:spPr>
-          <a:xfrm>
-            <a:off x="838200" y="3454399"/>
-            <a:ext cx="10515600" cy="2677656"/>
-          </a:xfrm>
-          <a:prstGeom prst="rect">
-            <a:avLst/>
-          </a:prstGeom>
-          <a:noFill/>
-        </p:spPr>
-        <p:txBody>
-          <a:bodyPr wrap="square" rtlCol="0">
-            <a:spAutoFit/>
-          </a:bodyPr>
-          <a:lstStyle/>
-          <a:p>
-            <a:pPr marL="285750" indent="-285750">
-              <a:buFont typeface="Arial" charset="0"/>
-              <a:buChar char="•"/>
-            </a:pPr>
-            <a:r>
-              <a:rPr lang="en-US" sz="2800" dirty="0" smtClean="0">
-                <a:latin typeface="Courier" charset="0"/>
-                <a:ea typeface="Courier" charset="0"/>
-                <a:cs typeface="Courier" charset="0"/>
-              </a:rPr>
-              <a:t>Install </a:t>
-            </a:r>
-            <a:r>
-              <a:rPr lang="en-US" sz="2800" dirty="0" smtClean="0">
-                <a:latin typeface="Courier" charset="0"/>
-                <a:ea typeface="Courier" charset="0"/>
-                <a:cs typeface="Courier" charset="0"/>
-                <a:hlinkClick r:id="rId2"/>
-              </a:rPr>
-              <a:t>node.js</a:t>
-            </a:r>
-            <a:endParaRPr lang="en-US" sz="2800" dirty="0" smtClean="0">
+          <a:p>
+            <a:r>
+              <a:rPr lang="en-US" dirty="0" smtClean="0">
+                <a:latin typeface="Courier" charset="0"/>
+                <a:ea typeface="Courier" charset="0"/>
+                <a:cs typeface="Courier" charset="0"/>
+              </a:rPr>
+              <a:t>Node.js </a:t>
+            </a:r>
+            <a:r>
+              <a:rPr lang="mr-IN" dirty="0" smtClean="0">
+                <a:latin typeface="Courier" charset="0"/>
+                <a:ea typeface="Courier" charset="0"/>
+                <a:cs typeface="Courier" charset="0"/>
+              </a:rPr>
+              <a:t>–</a:t>
+            </a:r>
+            <a:r>
+              <a:rPr lang="en-US" dirty="0" smtClean="0">
+                <a:latin typeface="Courier" charset="0"/>
+                <a:ea typeface="Courier" charset="0"/>
+                <a:cs typeface="Courier" charset="0"/>
+              </a:rPr>
+              <a:t> Server side JavaScript using Chrome V8 </a:t>
+            </a:r>
+          </a:p>
+          <a:p>
+            <a:r>
+              <a:rPr lang="en-US" dirty="0" smtClean="0">
+                <a:latin typeface="Courier" charset="0"/>
+                <a:ea typeface="Courier" charset="0"/>
+                <a:cs typeface="Courier" charset="0"/>
+              </a:rPr>
+              <a:t>Node.js is and extremely performant, event based platform that is ideal serverless implementations</a:t>
+            </a:r>
+            <a:endParaRPr lang="en-US" dirty="0">
               <a:latin typeface="Courier" charset="0"/>
               <a:ea typeface="Courier" charset="0"/>
               <a:cs typeface="Courier" charset="0"/>
             </a:endParaRPr>
           </a:p>
-          <a:p>
-            <a:pPr marL="285750" indent="-285750">
-              <a:buFont typeface="Arial" charset="0"/>
-              <a:buChar char="•"/>
-            </a:pPr>
-            <a:r>
-              <a:rPr lang="en-US" sz="2800" dirty="0" smtClean="0">
-                <a:latin typeface="Courier" charset="0"/>
-                <a:ea typeface="Courier" charset="0"/>
-                <a:cs typeface="Courier" charset="0"/>
-              </a:rPr>
-              <a:t>Editor/IDE preferably with language auto-completion (tip:  A great </a:t>
-            </a:r>
-            <a:r>
-              <a:rPr lang="en-US" sz="2800" dirty="0" smtClean="0">
-                <a:latin typeface="Courier" charset="0"/>
-                <a:ea typeface="Courier" charset="0"/>
-                <a:cs typeface="Courier" charset="0"/>
-                <a:hlinkClick r:id="rId3"/>
-              </a:rPr>
-              <a:t>VS Code</a:t>
-            </a:r>
-            <a:r>
-              <a:rPr lang="en-US" sz="2800" dirty="0" smtClean="0">
-                <a:latin typeface="Courier" charset="0"/>
-                <a:ea typeface="Courier" charset="0"/>
-                <a:cs typeface="Courier" charset="0"/>
-              </a:rPr>
-              <a:t> extension is </a:t>
-            </a:r>
-            <a:r>
-              <a:rPr lang="en-US" sz="2800" dirty="0">
-                <a:latin typeface="Courier" charset="0"/>
-                <a:ea typeface="Courier" charset="0"/>
-                <a:cs typeface="Courier" charset="0"/>
-                <a:hlinkClick r:id="rId4"/>
-              </a:rPr>
-              <a:t>Node.js Modules </a:t>
-            </a:r>
-            <a:r>
-              <a:rPr lang="en-US" sz="2800" dirty="0" smtClean="0">
-                <a:latin typeface="Courier" charset="0"/>
-                <a:ea typeface="Courier" charset="0"/>
-                <a:cs typeface="Courier" charset="0"/>
-                <a:hlinkClick r:id="rId4"/>
-              </a:rPr>
-              <a:t>Intellisense</a:t>
-            </a:r>
-            <a:endParaRPr lang="en-US" sz="2800" dirty="0" smtClean="0">
-              <a:latin typeface="Courier" charset="0"/>
-              <a:ea typeface="Courier" charset="0"/>
-              <a:cs typeface="Courier" charset="0"/>
-            </a:endParaRPr>
-          </a:p>
-          <a:p>
-            <a:pPr marL="285750" indent="-285750">
-              <a:buFont typeface="Arial" charset="0"/>
-              <a:buChar char="•"/>
-            </a:pPr>
-            <a:r>
-              <a:rPr lang="en-US" sz="2800" dirty="0" smtClean="0">
-                <a:latin typeface="Courier" charset="0"/>
-                <a:ea typeface="Courier" charset="0"/>
-                <a:cs typeface="Courier" charset="0"/>
-              </a:rPr>
-              <a:t>Clone the SLAC repo (</a:t>
-            </a:r>
-            <a:r>
-              <a:rPr lang="en-US" sz="2800" dirty="0" smtClean="0">
-                <a:latin typeface="Courier" charset="0"/>
-                <a:ea typeface="Courier" charset="0"/>
-                <a:cs typeface="Courier" charset="0"/>
-                <a:hlinkClick r:id="rId5"/>
-              </a:rPr>
-              <a:t>https://</a:t>
-            </a:r>
-            <a:r>
-              <a:rPr lang="en-US" sz="2800" dirty="0" err="1" smtClean="0">
-                <a:latin typeface="Courier" charset="0"/>
-                <a:ea typeface="Courier" charset="0"/>
-                <a:cs typeface="Courier" charset="0"/>
-                <a:hlinkClick r:id="rId5"/>
-              </a:rPr>
-              <a:t>github.com</a:t>
-            </a:r>
-            <a:r>
-              <a:rPr lang="en-US" sz="2800" dirty="0" smtClean="0">
-                <a:latin typeface="Courier" charset="0"/>
-                <a:ea typeface="Courier" charset="0"/>
-                <a:cs typeface="Courier" charset="0"/>
-                <a:hlinkClick r:id="rId5"/>
-              </a:rPr>
-              <a:t>/</a:t>
-            </a:r>
-            <a:r>
-              <a:rPr lang="en-US" sz="2800" dirty="0" err="1" smtClean="0">
-                <a:latin typeface="Courier" charset="0"/>
-                <a:ea typeface="Courier" charset="0"/>
-                <a:cs typeface="Courier" charset="0"/>
-                <a:hlinkClick r:id="rId5"/>
-              </a:rPr>
-              <a:t>rsnestor</a:t>
-            </a:r>
-            <a:r>
-              <a:rPr lang="en-US" sz="2800" dirty="0" smtClean="0">
-                <a:latin typeface="Courier" charset="0"/>
-                <a:ea typeface="Courier" charset="0"/>
-                <a:cs typeface="Courier" charset="0"/>
-                <a:hlinkClick r:id="rId5"/>
-              </a:rPr>
-              <a:t>/</a:t>
-            </a:r>
-            <a:r>
-              <a:rPr lang="en-US" sz="2800" dirty="0" err="1" smtClean="0">
-                <a:latin typeface="Courier" charset="0"/>
-                <a:ea typeface="Courier" charset="0"/>
-                <a:cs typeface="Courier" charset="0"/>
-                <a:hlinkClick r:id="rId5"/>
-              </a:rPr>
-              <a:t>slac.git</a:t>
-            </a:r>
-            <a:r>
-              <a:rPr lang="en-US" sz="2800" dirty="0" smtClean="0">
-                <a:latin typeface="Courier" charset="0"/>
-                <a:ea typeface="Courier" charset="0"/>
-                <a:cs typeface="Courier" charset="0"/>
-              </a:rPr>
-              <a:t>)</a:t>
-            </a:r>
-            <a:endParaRPr lang="en-US" sz="2800" dirty="0">
-              <a:latin typeface="Courier" charset="0"/>
-              <a:ea typeface="Courier" charset="0"/>
-              <a:cs typeface="Courier" charset="0"/>
-            </a:endParaRPr>
-          </a:p>
         </p:txBody>
       </p:sp>
     </p:spTree>
     <p:extLst>
       <p:ext uri="{BB962C8B-B14F-4D97-AF65-F5344CB8AC3E}">
-        <p14:creationId xmlns:p14="http://schemas.microsoft.com/office/powerpoint/2010/main" val="1126229569"/>
+        <p14:creationId xmlns:p14="http://schemas.microsoft.com/office/powerpoint/2010/main" val="270903119"/>
       </p:ext>
     </p:extLst>
   </p:cSld>
@@ -3838,23 +3990,7 @@
                 <a:ea typeface="Courier" charset="0"/>
                 <a:cs typeface="Courier" charset="0"/>
               </a:rPr>
-              <a:t>ES6 and </a:t>
-            </a:r>
-            <a:r>
-              <a:rPr lang="en-US" dirty="0" err="1" smtClean="0">
-                <a:latin typeface="Courier" charset="0"/>
-                <a:ea typeface="Courier" charset="0"/>
-                <a:cs typeface="Courier" charset="0"/>
-              </a:rPr>
-              <a:t>node.js</a:t>
-            </a:r>
-            <a:r>
-              <a:rPr lang="en-US" dirty="0" smtClean="0">
-                <a:latin typeface="Courier" charset="0"/>
-                <a:ea typeface="Courier" charset="0"/>
-                <a:cs typeface="Courier" charset="0"/>
-              </a:rPr>
-              <a:t> </a:t>
+              <a:t>Node.js - A Brief Discussion</a:t>
             </a:r>
             <a:endParaRPr lang="en-US" dirty="0">
               <a:latin typeface="Courier" charset="0"/>
@@ -3879,46 +4015,43 @@
           <a:bodyPr/>
           <a:lstStyle/>
           <a:p>
+            <a:pPr marL="0" indent="0">
+              <a:buNone/>
+            </a:pPr>
             <a:r>
               <a:rPr lang="en-US" dirty="0" smtClean="0">
                 <a:latin typeface="Courier" charset="0"/>
                 <a:ea typeface="Courier" charset="0"/>
                 <a:cs typeface="Courier" charset="0"/>
               </a:rPr>
-              <a:t>ECMAScript 2015 (ES6) - a significant evolution of the language.</a:t>
-            </a:r>
-          </a:p>
-          <a:p>
+              <a:t>“Threaded concurrency is a leaky abstraction” - Ryan Dahl (</a:t>
+            </a:r>
+            <a:r>
+              <a:rPr lang="en-US" dirty="0">
+                <a:latin typeface="Courier" charset="0"/>
+                <a:ea typeface="Courier" charset="0"/>
+                <a:cs typeface="Courier" charset="0"/>
+                <a:hlinkClick r:id="rId2"/>
+              </a:rPr>
+              <a:t>https://</a:t>
+            </a:r>
             <a:r>
               <a:rPr lang="en-US" dirty="0" smtClean="0">
                 <a:latin typeface="Courier" charset="0"/>
                 <a:ea typeface="Courier" charset="0"/>
                 <a:cs typeface="Courier" charset="0"/>
-              </a:rPr>
-              <a:t>Compatible with most modern browsers (</a:t>
+                <a:hlinkClick r:id="rId2"/>
+              </a:rPr>
+              <a:t>youtu.be/ztspvPYybIY</a:t>
             </a:r>
             <a:r>
               <a:rPr lang="en-US" dirty="0" smtClean="0">
                 <a:latin typeface="Courier" charset="0"/>
                 <a:ea typeface="Courier" charset="0"/>
                 <a:cs typeface="Courier" charset="0"/>
-                <a:hlinkClick r:id="rId2"/>
-              </a:rPr>
-              <a:t>http://kangax.github.io/compat-table/es6/</a:t>
-            </a:r>
-            <a:r>
-              <a:rPr lang="en-US" dirty="0">
-                <a:latin typeface="Courier" charset="0"/>
-                <a:ea typeface="Courier" charset="0"/>
-                <a:cs typeface="Courier" charset="0"/>
               </a:rPr>
               <a:t>)</a:t>
             </a:r>
-            <a:endParaRPr lang="en-US" dirty="0" smtClean="0">
-              <a:latin typeface="Courier" charset="0"/>
-              <a:ea typeface="Courier" charset="0"/>
-              <a:cs typeface="Courier" charset="0"/>
-            </a:endParaRPr>
           </a:p>
           <a:p>
             <a:r>
@@ -3927,23 +4060,17 @@
                 <a:ea typeface="Courier" charset="0"/>
                 <a:cs typeface="Courier" charset="0"/>
               </a:rPr>
-              <a:t>Node.js </a:t>
-            </a:r>
-            <a:r>
-              <a:rPr lang="mr-IN" dirty="0" smtClean="0">
-                <a:latin typeface="Courier" charset="0"/>
-                <a:ea typeface="Courier" charset="0"/>
-                <a:cs typeface="Courier" charset="0"/>
-              </a:rPr>
-              <a:t>–</a:t>
-            </a:r>
+              <a:t>I/O is extremely fast</a:t>
+            </a:r>
+          </a:p>
+          <a:p>
             <a:r>
               <a:rPr lang="en-US" dirty="0" smtClean="0">
                 <a:latin typeface="Courier" charset="0"/>
                 <a:ea typeface="Courier" charset="0"/>
                 <a:cs typeface="Courier" charset="0"/>
               </a:rPr>
-              <a:t> Server side JavaScript using Chrome V8 </a:t>
+              <a:t>Single threaded ”event loop” vs. multiple threads</a:t>
             </a:r>
           </a:p>
           <a:p>
@@ -3953,20 +4080,41 @@
                 <a:ea typeface="Courier" charset="0"/>
                 <a:cs typeface="Courier" charset="0"/>
               </a:rPr>
-              <a:t>Node.js is and extremely performant, event based platform that is ideal serverless implementations</a:t>
-            </a:r>
-            <a:endParaRPr lang="en-US" dirty="0">
-              <a:latin typeface="Courier" charset="0"/>
-              <a:ea typeface="Courier" charset="0"/>
-              <a:cs typeface="Courier" charset="0"/>
-            </a:endParaRPr>
+              <a:t>Multithreading emulates concurrency but is expensive (context switching and memory)</a:t>
+            </a:r>
+          </a:p>
+          <a:p>
+            <a:r>
+              <a:rPr lang="en-US" dirty="0" smtClean="0">
+                <a:latin typeface="Courier" charset="0"/>
+                <a:ea typeface="Courier" charset="0"/>
+                <a:cs typeface="Courier" charset="0"/>
+              </a:rPr>
+              <a:t>Blocking operations can be performed asynchronously via callbacks (</a:t>
+            </a:r>
+            <a:r>
+              <a:rPr lang="en-US" i="1" dirty="0" smtClean="0">
+                <a:latin typeface="Courier" charset="0"/>
+                <a:ea typeface="Courier" charset="0"/>
+                <a:cs typeface="Courier" charset="0"/>
+              </a:rPr>
+              <a:t>key concept</a:t>
+            </a:r>
+            <a:r>
+              <a:rPr lang="en-US" dirty="0" smtClean="0">
+                <a:latin typeface="Courier" charset="0"/>
+                <a:ea typeface="Courier" charset="0"/>
+                <a:cs typeface="Courier" charset="0"/>
+              </a:rPr>
+              <a:t>)</a:t>
+            </a:r>
           </a:p>
         </p:txBody>
       </p:sp>
     </p:spTree>
     <p:extLst>
       <p:ext uri="{BB962C8B-B14F-4D97-AF65-F5344CB8AC3E}">
-        <p14:creationId xmlns:p14="http://schemas.microsoft.com/office/powerpoint/2010/main" val="270903119"/>
+        <p14:creationId xmlns:p14="http://schemas.microsoft.com/office/powerpoint/2010/main" val="1059941437"/>
       </p:ext>
     </p:extLst>
   </p:cSld>
@@ -4021,7 +4169,7 @@
                 <a:ea typeface="Courier" charset="0"/>
                 <a:cs typeface="Courier" charset="0"/>
               </a:rPr>
-              <a:t>Node.js - A Brief Discussion</a:t>
+              <a:t>Node.js Housekeeping</a:t>
             </a:r>
             <a:endParaRPr lang="en-US" dirty="0">
               <a:latin typeface="Courier" charset="0"/>
@@ -4033,7 +4181,7 @@
       </p:sp>
       <p:sp>
         <p:nvSpPr>
-          <p:cNvPr id="3" name="Content Placeholder 2"/>
+          <p:cNvPr id="5" name="Content Placeholder 4"/>
           <p:cNvSpPr>
             <a:spLocks noGrp="1"/>
           </p:cNvSpPr>
@@ -4041,7 +4189,22 @@
             <p:ph idx="1"/>
           </p:nvPr>
         </p:nvSpPr>
-        <p:spPr/>
+        <p:spPr>
+          <a:xfrm>
+            <a:off x="838200" y="1825625"/>
+            <a:ext cx="10515600" cy="1222375"/>
+          </a:xfrm>
+          <a:solidFill>
+            <a:schemeClr val="accent6">
+              <a:lumMod val="75000"/>
+            </a:schemeClr>
+          </a:solidFill>
+          <a:ln>
+            <a:solidFill>
+              <a:schemeClr val="tx1"/>
+            </a:solidFill>
+          </a:ln>
+        </p:spPr>
         <p:txBody>
           <a:bodyPr/>
           <a:lstStyle/>
@@ -4051,101 +4214,532 @@
             </a:pPr>
             <a:r>
               <a:rPr lang="en-US" dirty="0" smtClean="0">
-                <a:latin typeface="Courier" charset="0"/>
-                <a:ea typeface="Courier" charset="0"/>
-                <a:cs typeface="Courier" charset="0"/>
-              </a:rPr>
-              <a:t>“Threaded concurrency is a leaky abstraction” - Ryan Dahl (</a:t>
-            </a:r>
-            <a:r>
-              <a:rPr lang="en-US" dirty="0">
+                <a:solidFill>
+                  <a:srgbClr val="FFFF00"/>
+                </a:solidFill>
+                <a:latin typeface="Courier" charset="0"/>
+                <a:ea typeface="Courier" charset="0"/>
+                <a:cs typeface="Courier" charset="0"/>
+              </a:rPr>
+              <a:t>bash-3.2$ node </a:t>
+            </a:r>
+            <a:r>
+              <a:rPr lang="mr-IN" dirty="0" smtClean="0">
+                <a:solidFill>
+                  <a:srgbClr val="FFFF00"/>
+                </a:solidFill>
+                <a:latin typeface="Courier" charset="0"/>
+                <a:ea typeface="Courier" charset="0"/>
+                <a:cs typeface="Courier" charset="0"/>
+              </a:rPr>
+              <a:t>–</a:t>
+            </a:r>
+            <a:r>
+              <a:rPr lang="en-US" dirty="0" smtClean="0">
+                <a:solidFill>
+                  <a:srgbClr val="FFFF00"/>
+                </a:solidFill>
+                <a:latin typeface="Courier" charset="0"/>
+                <a:ea typeface="Courier" charset="0"/>
+                <a:cs typeface="Courier" charset="0"/>
+              </a:rPr>
+              <a:t>version</a:t>
+            </a:r>
+          </a:p>
+          <a:p>
+            <a:pPr marL="0" indent="0">
+              <a:buNone/>
+            </a:pPr>
+            <a:r>
+              <a:rPr lang="en-US" dirty="0" smtClean="0">
+                <a:solidFill>
+                  <a:srgbClr val="FFFF00"/>
+                </a:solidFill>
+                <a:latin typeface="Courier" charset="0"/>
+                <a:ea typeface="Courier" charset="0"/>
+                <a:cs typeface="Courier" charset="0"/>
+              </a:rPr>
+              <a:t>v6.11.2</a:t>
+            </a:r>
+            <a:endParaRPr lang="en-US" dirty="0">
+              <a:solidFill>
+                <a:srgbClr val="FFFF00"/>
+              </a:solidFill>
+              <a:latin typeface="Courier" charset="0"/>
+              <a:ea typeface="Courier" charset="0"/>
+              <a:cs typeface="Courier" charset="0"/>
+            </a:endParaRPr>
+          </a:p>
+        </p:txBody>
+      </p:sp>
+      <p:sp>
+        <p:nvSpPr>
+          <p:cNvPr id="7" name="TextBox 6"/>
+          <p:cNvSpPr txBox="1"/>
+          <p:nvPr/>
+        </p:nvSpPr>
+        <p:spPr>
+          <a:xfrm>
+            <a:off x="838200" y="3454399"/>
+            <a:ext cx="10515600" cy="2677656"/>
+          </a:xfrm>
+          <a:prstGeom prst="rect">
+            <a:avLst/>
+          </a:prstGeom>
+          <a:noFill/>
+        </p:spPr>
+        <p:txBody>
+          <a:bodyPr wrap="square" rtlCol="0">
+            <a:spAutoFit/>
+          </a:bodyPr>
+          <a:lstStyle/>
+          <a:p>
+            <a:pPr marL="285750" indent="-285750">
+              <a:buFont typeface="Arial" charset="0"/>
+              <a:buChar char="•"/>
+            </a:pPr>
+            <a:r>
+              <a:rPr lang="en-US" sz="2800" dirty="0" smtClean="0">
+                <a:latin typeface="Courier" charset="0"/>
+                <a:ea typeface="Courier" charset="0"/>
+                <a:cs typeface="Courier" charset="0"/>
+              </a:rPr>
+              <a:t>Install </a:t>
+            </a:r>
+            <a:r>
+              <a:rPr lang="en-US" sz="2800" dirty="0" smtClean="0">
                 <a:latin typeface="Courier" charset="0"/>
                 <a:ea typeface="Courier" charset="0"/>
                 <a:cs typeface="Courier" charset="0"/>
                 <a:hlinkClick r:id="rId2"/>
               </a:rPr>
+              <a:t>node.js</a:t>
+            </a:r>
+            <a:endParaRPr lang="en-US" sz="2800" dirty="0" smtClean="0">
+              <a:latin typeface="Courier" charset="0"/>
+              <a:ea typeface="Courier" charset="0"/>
+              <a:cs typeface="Courier" charset="0"/>
+            </a:endParaRPr>
+          </a:p>
+          <a:p>
+            <a:pPr marL="285750" indent="-285750">
+              <a:buFont typeface="Arial" charset="0"/>
+              <a:buChar char="•"/>
+            </a:pPr>
+            <a:r>
+              <a:rPr lang="en-US" sz="2800" dirty="0" smtClean="0">
+                <a:latin typeface="Courier" charset="0"/>
+                <a:ea typeface="Courier" charset="0"/>
+                <a:cs typeface="Courier" charset="0"/>
+              </a:rPr>
+              <a:t>Editor/IDE preferably with language auto-completion (tip:  A great </a:t>
+            </a:r>
+            <a:r>
+              <a:rPr lang="en-US" sz="2800" dirty="0" smtClean="0">
+                <a:latin typeface="Courier" charset="0"/>
+                <a:ea typeface="Courier" charset="0"/>
+                <a:cs typeface="Courier" charset="0"/>
+                <a:hlinkClick r:id="rId3"/>
+              </a:rPr>
+              <a:t>VS Code</a:t>
+            </a:r>
+            <a:r>
+              <a:rPr lang="en-US" sz="2800" dirty="0" smtClean="0">
+                <a:latin typeface="Courier" charset="0"/>
+                <a:ea typeface="Courier" charset="0"/>
+                <a:cs typeface="Courier" charset="0"/>
+              </a:rPr>
+              <a:t> extension is </a:t>
+            </a:r>
+            <a:r>
+              <a:rPr lang="en-US" sz="2800" dirty="0">
+                <a:latin typeface="Courier" charset="0"/>
+                <a:ea typeface="Courier" charset="0"/>
+                <a:cs typeface="Courier" charset="0"/>
+                <a:hlinkClick r:id="rId4"/>
+              </a:rPr>
+              <a:t>Node.js Modules </a:t>
+            </a:r>
+            <a:r>
+              <a:rPr lang="en-US" sz="2800" dirty="0" smtClean="0">
+                <a:latin typeface="Courier" charset="0"/>
+                <a:ea typeface="Courier" charset="0"/>
+                <a:cs typeface="Courier" charset="0"/>
+                <a:hlinkClick r:id="rId4"/>
+              </a:rPr>
+              <a:t>Intellisense</a:t>
+            </a:r>
+            <a:endParaRPr lang="en-US" sz="2800" dirty="0" smtClean="0">
+              <a:latin typeface="Courier" charset="0"/>
+              <a:ea typeface="Courier" charset="0"/>
+              <a:cs typeface="Courier" charset="0"/>
+            </a:endParaRPr>
+          </a:p>
+          <a:p>
+            <a:pPr marL="285750" indent="-285750">
+              <a:buFont typeface="Arial" charset="0"/>
+              <a:buChar char="•"/>
+            </a:pPr>
+            <a:r>
+              <a:rPr lang="en-US" sz="2800" dirty="0" smtClean="0">
+                <a:latin typeface="Courier" charset="0"/>
+                <a:ea typeface="Courier" charset="0"/>
+                <a:cs typeface="Courier" charset="0"/>
+              </a:rPr>
+              <a:t>Clone the SLAC repo (</a:t>
+            </a:r>
+            <a:r>
+              <a:rPr lang="en-US" sz="2800" dirty="0" smtClean="0">
+                <a:latin typeface="Courier" charset="0"/>
+                <a:ea typeface="Courier" charset="0"/>
+                <a:cs typeface="Courier" charset="0"/>
+                <a:hlinkClick r:id="rId5"/>
+              </a:rPr>
               <a:t>https://</a:t>
             </a:r>
             <a:r>
-              <a:rPr lang="en-US" dirty="0" smtClean="0">
-                <a:latin typeface="Courier" charset="0"/>
-                <a:ea typeface="Courier" charset="0"/>
-                <a:cs typeface="Courier" charset="0"/>
-                <a:hlinkClick r:id="rId2"/>
-              </a:rPr>
-              <a:t>youtu.be/ztspvPYybIY</a:t>
-            </a:r>
-            <a:r>
-              <a:rPr lang="en-US" dirty="0" smtClean="0">
+              <a:rPr lang="en-US" sz="2800" dirty="0" err="1" smtClean="0">
+                <a:latin typeface="Courier" charset="0"/>
+                <a:ea typeface="Courier" charset="0"/>
+                <a:cs typeface="Courier" charset="0"/>
+                <a:hlinkClick r:id="rId5"/>
+              </a:rPr>
+              <a:t>github.com</a:t>
+            </a:r>
+            <a:r>
+              <a:rPr lang="en-US" sz="2800" dirty="0" smtClean="0">
+                <a:latin typeface="Courier" charset="0"/>
+                <a:ea typeface="Courier" charset="0"/>
+                <a:cs typeface="Courier" charset="0"/>
+                <a:hlinkClick r:id="rId5"/>
+              </a:rPr>
+              <a:t>/</a:t>
+            </a:r>
+            <a:r>
+              <a:rPr lang="en-US" sz="2800" dirty="0" err="1" smtClean="0">
+                <a:latin typeface="Courier" charset="0"/>
+                <a:ea typeface="Courier" charset="0"/>
+                <a:cs typeface="Courier" charset="0"/>
+                <a:hlinkClick r:id="rId5"/>
+              </a:rPr>
+              <a:t>rsnestor</a:t>
+            </a:r>
+            <a:r>
+              <a:rPr lang="en-US" sz="2800" dirty="0" smtClean="0">
+                <a:latin typeface="Courier" charset="0"/>
+                <a:ea typeface="Courier" charset="0"/>
+                <a:cs typeface="Courier" charset="0"/>
+                <a:hlinkClick r:id="rId5"/>
+              </a:rPr>
+              <a:t>/</a:t>
+            </a:r>
+            <a:r>
+              <a:rPr lang="en-US" sz="2800" dirty="0" err="1" smtClean="0">
+                <a:latin typeface="Courier" charset="0"/>
+                <a:ea typeface="Courier" charset="0"/>
+                <a:cs typeface="Courier" charset="0"/>
+                <a:hlinkClick r:id="rId5"/>
+              </a:rPr>
+              <a:t>slac.git</a:t>
+            </a:r>
+            <a:r>
+              <a:rPr lang="en-US" sz="2800" dirty="0" smtClean="0">
                 <a:latin typeface="Courier" charset="0"/>
                 <a:ea typeface="Courier" charset="0"/>
                 <a:cs typeface="Courier" charset="0"/>
               </a:rPr>
               <a:t>)</a:t>
             </a:r>
-          </a:p>
-          <a:p>
-            <a:r>
-              <a:rPr lang="en-US" dirty="0" smtClean="0">
-                <a:latin typeface="Courier" charset="0"/>
-                <a:ea typeface="Courier" charset="0"/>
-                <a:cs typeface="Courier" charset="0"/>
-              </a:rPr>
-              <a:t>I/O is extremely fast</a:t>
-            </a:r>
-          </a:p>
-          <a:p>
-            <a:r>
-              <a:rPr lang="en-US" dirty="0" smtClean="0">
-                <a:latin typeface="Courier" charset="0"/>
-                <a:ea typeface="Courier" charset="0"/>
-                <a:cs typeface="Courier" charset="0"/>
-              </a:rPr>
-              <a:t>Single threaded ”event loop” vs. multiple threads</a:t>
-            </a:r>
-          </a:p>
-          <a:p>
-            <a:r>
-              <a:rPr lang="en-US" dirty="0" smtClean="0">
-                <a:latin typeface="Courier" charset="0"/>
-                <a:ea typeface="Courier" charset="0"/>
-                <a:cs typeface="Courier" charset="0"/>
-              </a:rPr>
-              <a:t>Multithreading emulates concurrency but is expensive (context switching and memory)</a:t>
-            </a:r>
-          </a:p>
-          <a:p>
-            <a:r>
-              <a:rPr lang="en-US" dirty="0" smtClean="0">
-                <a:latin typeface="Courier" charset="0"/>
-                <a:ea typeface="Courier" charset="0"/>
-                <a:cs typeface="Courier" charset="0"/>
-              </a:rPr>
-              <a:t>Blocking operations can be performed asynchronously via callbacks (</a:t>
-            </a:r>
-            <a:r>
-              <a:rPr lang="en-US" i="1" dirty="0" smtClean="0">
-                <a:latin typeface="Courier" charset="0"/>
-                <a:ea typeface="Courier" charset="0"/>
-                <a:cs typeface="Courier" charset="0"/>
-              </a:rPr>
-              <a:t>key concept</a:t>
-            </a:r>
-            <a:r>
-              <a:rPr lang="en-US" dirty="0" smtClean="0">
-                <a:latin typeface="Courier" charset="0"/>
-                <a:ea typeface="Courier" charset="0"/>
-                <a:cs typeface="Courier" charset="0"/>
-              </a:rPr>
-              <a:t>)</a:t>
-            </a:r>
+            <a:endParaRPr lang="en-US" sz="2800" dirty="0">
+              <a:latin typeface="Courier" charset="0"/>
+              <a:ea typeface="Courier" charset="0"/>
+              <a:cs typeface="Courier" charset="0"/>
+            </a:endParaRPr>
           </a:p>
         </p:txBody>
       </p:sp>
     </p:spTree>
     <p:extLst>
       <p:ext uri="{BB962C8B-B14F-4D97-AF65-F5344CB8AC3E}">
-        <p14:creationId xmlns:p14="http://schemas.microsoft.com/office/powerpoint/2010/main" val="1059941437"/>
+        <p14:creationId xmlns:p14="http://schemas.microsoft.com/office/powerpoint/2010/main" val="1126229569"/>
+      </p:ext>
+    </p:extLst>
+  </p:cSld>
+  <p:clrMapOvr>
+    <a:masterClrMapping/>
+  </p:clrMapOvr>
+  <p:timing>
+    <p:tnLst>
+      <p:par>
+        <p:cTn id="1" dur="indefinite" restart="never" nodeType="tmRoot"/>
+      </p:par>
+    </p:tnLst>
+  </p:timing>
+</p:sld>
+</file>
+
+<file path=ppt/slides/slide5.xml><?xml version="1.0" encoding="utf-8"?>
+<p:sld xmlns:a="http://schemas.openxmlformats.org/drawingml/2006/main" xmlns:r="http://schemas.openxmlformats.org/officeDocument/2006/relationships" xmlns:p="http://schemas.openxmlformats.org/presentationml/2006/main">
+  <p:cSld>
+    <p:spTree>
+      <p:nvGrpSpPr>
+        <p:cNvPr id="1" name=""/>
+        <p:cNvGrpSpPr/>
+        <p:nvPr/>
+      </p:nvGrpSpPr>
+      <p:grpSpPr>
+        <a:xfrm>
+          <a:off x="0" y="0"/>
+          <a:ext cx="0" cy="0"/>
+          <a:chOff x="0" y="0"/>
+          <a:chExt cx="0" cy="0"/>
+        </a:xfrm>
+      </p:grpSpPr>
+      <p:sp>
+        <p:nvSpPr>
+          <p:cNvPr id="2" name="Title 1"/>
+          <p:cNvSpPr>
+            <a:spLocks noGrp="1"/>
+          </p:cNvSpPr>
+          <p:nvPr>
+            <p:ph type="title"/>
+          </p:nvPr>
+        </p:nvSpPr>
+        <p:spPr/>
+        <p:txBody>
+          <a:bodyPr/>
+          <a:lstStyle/>
+          <a:p>
+            <a:r>
+              <a:rPr lang="en-US" dirty="0" err="1" smtClean="0">
+                <a:latin typeface="Courier" charset="0"/>
+                <a:ea typeface="Courier" charset="0"/>
+                <a:cs typeface="Courier" charset="0"/>
+              </a:rPr>
+              <a:t>Node.js</a:t>
+            </a:r>
+            <a:r>
+              <a:rPr lang="en-US" dirty="0">
+                <a:latin typeface="Courier" charset="0"/>
+                <a:ea typeface="Courier" charset="0"/>
+                <a:cs typeface="Courier" charset="0"/>
+              </a:rPr>
+              <a:t> </a:t>
+            </a:r>
+            <a:r>
+              <a:rPr lang="en-US" dirty="0" smtClean="0">
+                <a:latin typeface="Courier" charset="0"/>
+                <a:ea typeface="Courier" charset="0"/>
+                <a:cs typeface="Courier" charset="0"/>
+              </a:rPr>
+              <a:t>Getting Started </a:t>
+            </a:r>
+            <a:endParaRPr lang="en-US" dirty="0">
+              <a:latin typeface="Courier" charset="0"/>
+              <a:ea typeface="Courier" charset="0"/>
+              <a:cs typeface="Courier" charset="0"/>
+            </a:endParaRPr>
+          </a:p>
+        </p:txBody>
+      </p:sp>
+      <mc:AlternateContent xmlns:mc="http://schemas.openxmlformats.org/markup-compatibility/2006">
+        <mc:Choice xmlns:we="http://schemas.microsoft.com/office/webextensions/webextension/2010/11" xmlns:pca="http://schemas.microsoft.com/office/powerpoint/2013/contentapp" Requires="we pca">
+          <p:graphicFrame>
+            <p:nvGraphicFramePr>
+              <p:cNvPr id="4" name="Content Placeholder 3" title="Code Presenter Pro"/>
+              <p:cNvGraphicFramePr>
+                <a:graphicFrameLocks noGrp="1"/>
+              </p:cNvGraphicFramePr>
+              <p:nvPr>
+                <p:ph idx="1"/>
+                <p:extLst>
+                  <p:ext uri="{D42A27DB-BD31-4B8C-83A1-F6EECF244321}">
+                    <p14:modId xmlns:p14="http://schemas.microsoft.com/office/powerpoint/2010/main" val="1808517320"/>
+                  </p:ext>
+                </p:extLst>
+              </p:nvPr>
+            </p:nvGraphicFramePr>
+            <p:xfrm>
+              <a:off x="838200" y="1825625"/>
+              <a:ext cx="10515600" cy="3813175"/>
+            </p:xfrm>
+            <a:graphic>
+              <a:graphicData uri="http://schemas.microsoft.com/office/webextensions/webextension/2010/11">
+                <we:webextensionref xmlns:we="http://schemas.microsoft.com/office/webextensions/webextension/2010/11" xmlns:r="http://schemas.openxmlformats.org/officeDocument/2006/relationships" r:id="rId3"/>
+              </a:graphicData>
+            </a:graphic>
+          </p:graphicFrame>
+        </mc:Choice>
+        <mc:Fallback>
+          <p:pic>
+            <p:nvPicPr>
+              <p:cNvPr id="4" name="Content Placeholder 3" title="Code Presenter Pro"/>
+              <p:cNvPicPr>
+                <a:picLocks noGrp="1" noRot="1" noChangeAspect="1" noMove="1" noResize="1" noEditPoints="1" noAdjustHandles="1" noChangeArrowheads="1" noChangeShapeType="1"/>
+              </p:cNvPicPr>
+              <p:nvPr/>
+            </p:nvPicPr>
+            <p:blipFill>
+              <a:blip r:embed="rId4"/>
+              <a:stretch>
+                <a:fillRect/>
+              </a:stretch>
+            </p:blipFill>
+            <p:spPr>
+              <a:xfrm>
+                <a:off x="838200" y="1825625"/>
+                <a:ext cx="10515600" cy="3813175"/>
+              </a:xfrm>
+              <a:prstGeom prst="rect">
+                <a:avLst/>
+              </a:prstGeom>
+            </p:spPr>
+          </p:pic>
+        </mc:Fallback>
+      </mc:AlternateContent>
+    </p:spTree>
+    <p:extLst>
+      <p:ext uri="{BB962C8B-B14F-4D97-AF65-F5344CB8AC3E}">
+        <p14:creationId xmlns:p14="http://schemas.microsoft.com/office/powerpoint/2010/main" val="1853653160"/>
+      </p:ext>
+    </p:extLst>
+  </p:cSld>
+  <p:clrMapOvr>
+    <a:masterClrMapping/>
+  </p:clrMapOvr>
+  <p:timing>
+    <p:tnLst>
+      <p:par>
+        <p:cTn id="1" dur="indefinite" restart="never" nodeType="tmRoot"/>
+      </p:par>
+    </p:tnLst>
+  </p:timing>
+</p:sld>
+</file>
+
+<file path=ppt/slides/slide6.xml><?xml version="1.0" encoding="utf-8"?>
+<p:sld xmlns:a="http://schemas.openxmlformats.org/drawingml/2006/main" xmlns:r="http://schemas.openxmlformats.org/officeDocument/2006/relationships" xmlns:p="http://schemas.openxmlformats.org/presentationml/2006/main">
+  <p:cSld>
+    <p:spTree>
+      <p:nvGrpSpPr>
+        <p:cNvPr id="1" name=""/>
+        <p:cNvGrpSpPr/>
+        <p:nvPr/>
+      </p:nvGrpSpPr>
+      <p:grpSpPr>
+        <a:xfrm>
+          <a:off x="0" y="0"/>
+          <a:ext cx="0" cy="0"/>
+          <a:chOff x="0" y="0"/>
+          <a:chExt cx="0" cy="0"/>
+        </a:xfrm>
+      </p:grpSpPr>
+      <p:sp>
+        <p:nvSpPr>
+          <p:cNvPr id="2" name="Title 1"/>
+          <p:cNvSpPr>
+            <a:spLocks noGrp="1"/>
+          </p:cNvSpPr>
+          <p:nvPr>
+            <p:ph type="title"/>
+          </p:nvPr>
+        </p:nvSpPr>
+        <p:spPr/>
+        <p:txBody>
+          <a:bodyPr/>
+          <a:lstStyle/>
+          <a:p>
+            <a:r>
+              <a:rPr lang="en-US" dirty="0" err="1" smtClean="0">
+                <a:latin typeface="Courier" charset="0"/>
+                <a:ea typeface="Courier" charset="0"/>
+                <a:cs typeface="Courier" charset="0"/>
+              </a:rPr>
+              <a:t>Node.js</a:t>
+            </a:r>
+            <a:r>
+              <a:rPr lang="en-US" dirty="0">
+                <a:latin typeface="Courier" charset="0"/>
+                <a:ea typeface="Courier" charset="0"/>
+                <a:cs typeface="Courier" charset="0"/>
+              </a:rPr>
+              <a:t> </a:t>
+            </a:r>
+            <a:r>
+              <a:rPr lang="en-US" dirty="0" smtClean="0">
+                <a:latin typeface="Courier" charset="0"/>
+                <a:ea typeface="Courier" charset="0"/>
+                <a:cs typeface="Courier" charset="0"/>
+              </a:rPr>
+              <a:t>Client Example </a:t>
+            </a:r>
+            <a:endParaRPr lang="en-US" dirty="0">
+              <a:latin typeface="Courier" charset="0"/>
+              <a:ea typeface="Courier" charset="0"/>
+              <a:cs typeface="Courier" charset="0"/>
+            </a:endParaRPr>
+          </a:p>
+        </p:txBody>
+      </p:sp>
+      <mc:AlternateContent xmlns:mc="http://schemas.openxmlformats.org/markup-compatibility/2006">
+        <mc:Choice xmlns:we="http://schemas.microsoft.com/office/webextensions/webextension/2010/11" xmlns:pca="http://schemas.microsoft.com/office/powerpoint/2013/contentapp" Requires="we pca">
+          <p:graphicFrame>
+            <p:nvGraphicFramePr>
+              <p:cNvPr id="4" name="Content Placeholder 3" title="Code Presenter Pro"/>
+              <p:cNvGraphicFramePr>
+                <a:graphicFrameLocks noGrp="1"/>
+              </p:cNvGraphicFramePr>
+              <p:nvPr>
+                <p:ph idx="1"/>
+                <p:extLst>
+                  <p:ext uri="{D42A27DB-BD31-4B8C-83A1-F6EECF244321}">
+                    <p14:modId xmlns:p14="http://schemas.microsoft.com/office/powerpoint/2010/main" val="1808517320"/>
+                  </p:ext>
+                </p:extLst>
+              </p:nvPr>
+            </p:nvGraphicFramePr>
+            <p:xfrm>
+              <a:off x="838200" y="1825625"/>
+              <a:ext cx="10515600" cy="3813175"/>
+            </p:xfrm>
+            <a:graphic>
+              <a:graphicData uri="http://schemas.microsoft.com/office/webextensions/webextension/2010/11">
+                <we:webextensionref xmlns:we="http://schemas.microsoft.com/office/webextensions/webextension/2010/11" xmlns:r="http://schemas.openxmlformats.org/officeDocument/2006/relationships" r:id="rId3"/>
+              </a:graphicData>
+            </a:graphic>
+          </p:graphicFrame>
+        </mc:Choice>
+        <mc:Fallback>
+          <p:pic>
+            <p:nvPicPr>
+              <p:cNvPr id="4" name="Content Placeholder 3" title="Code Presenter Pro"/>
+              <p:cNvPicPr>
+                <a:picLocks noGrp="1" noRot="1" noChangeAspect="1" noMove="1" noResize="1" noEditPoints="1" noAdjustHandles="1" noChangeArrowheads="1" noChangeShapeType="1"/>
+              </p:cNvPicPr>
+              <p:nvPr/>
+            </p:nvPicPr>
+            <p:blipFill>
+              <a:blip r:embed="rId4"/>
+              <a:stretch>
+                <a:fillRect/>
+              </a:stretch>
+            </p:blipFill>
+            <p:spPr>
+              <a:xfrm>
+                <a:off x="838200" y="1825625"/>
+                <a:ext cx="10515600" cy="3813175"/>
+              </a:xfrm>
+              <a:prstGeom prst="rect">
+                <a:avLst/>
+              </a:prstGeom>
+            </p:spPr>
+          </p:pic>
+        </mc:Fallback>
+      </mc:AlternateContent>
+    </p:spTree>
+    <p:extLst>
+      <p:ext uri="{BB962C8B-B14F-4D97-AF65-F5344CB8AC3E}">
+        <p14:creationId xmlns:p14="http://schemas.microsoft.com/office/powerpoint/2010/main" val="241825204"/>
       </p:ext>
     </p:extLst>
   </p:cSld>
@@ -4682,4 +5276,32 @@
     </a:ext>
   </a:extLst>
 </a:theme>
+</file>
+
+<file path=ppt/webextensions/webextension1.xml><?xml version="1.0" encoding="utf-8"?>
+<we:webextension xmlns:we="http://schemas.microsoft.com/office/webextensions/webextension/2010/11" id="{3576749B-EA76-874B-B584-CF6E9E99B57B}">
+  <we:reference id="wa104379263" version="1.0.0.1" store="en-US" storeType="OMEX"/>
+  <we:alternateReferences>
+    <we:reference id="WA104379263" version="1.0.0.1" store="WA104379263" storeType="OMEX"/>
+  </we:alternateReferences>
+  <we:properties>
+    <we:property name="config" value="{&quot;display_lang&quot;:&quot;en&quot;,&quot;display_font&quot;:&quot;Courier New&quot;,&quot;syntax_color&quot;:{&quot;Reserved words&quot;:&quot;#0000ff&quot;,&quot;Built-in objects&quot;:&quot;#FF0000&quot;,&quot;Line comment&quot;:&quot;#008000&quot;,&quot;Block comment&quot;:&quot;#008000&quot;,&quot;Quotation&quot;:&quot;#FF00FF&quot;,&quot;Quotation 2&quot;:&quot;#FF00FF&quot;,&quot;Number&quot;:&quot;#800080&quot;},&quot;old_syntax_color&quot;:{&quot;Reserved words&quot;:&quot;#0000FF&quot;,&quot;Built-in objects&quot;:&quot;#FF0000&quot;,&quot;Line comment&quot;:&quot;#008000&quot;,&quot;Block comment&quot;:&quot;#008000&quot;,&quot;Quotation&quot;:&quot;#FF00FF&quot;,&quot;Quotation 2&quot;:&quot;#FF00FF&quot;,&quot;Number&quot;:&quot;#800080&quot;},&quot;show_line_number&quot;:true,&quot;code_lang&quot;:&quot;js&quot;,&quot;code&quot;:&quot;const http = require('http');\n\nconst hostname = '127.0.0.1';\nconst port = 3000;\n\nconst server = http.createServer((req, res) =&gt; {\n  res.statusCode = 200;\n  res.setHeader('Content-Type', 'text/plain');\n  res.end('Hello World '+Date.now()+'\\n');\n});\n\nserver.listen(port, hostname, () =&gt; {\n  console.log(`Server running at http://${hostname}:${port}/`);\n});&quot;,&quot;ctags&quot;:{}}"/>
+  </we:properties>
+  <we:bindings/>
+  <we:snapshot xmlns:r="http://schemas.openxmlformats.org/officeDocument/2006/relationships" r:embed="rId1"/>
+</we:webextension>
+</file>
+
+<file path=ppt/webextensions/webextension2.xml><?xml version="1.0" encoding="utf-8"?>
+<we:webextension xmlns:we="http://schemas.microsoft.com/office/webextensions/webextension/2010/11" id="{AF9CC111-48EC-A448-AC52-DC476D313B8E}">
+  <we:reference id="wa104379263" version="1.0.0.1" store="en-US" storeType="OMEX"/>
+  <we:alternateReferences>
+    <we:reference id="WA104379263" version="1.0.0.1" store="WA104379263" storeType="OMEX"/>
+  </we:alternateReferences>
+  <we:properties>
+    <we:property name="config" value="{&quot;display_lang&quot;:&quot;en&quot;,&quot;display_font&quot;:&quot;Courier New&quot;,&quot;syntax_color&quot;:{&quot;Reserved words&quot;:&quot;#0000ff&quot;,&quot;Built-in objects&quot;:&quot;#FF0000&quot;,&quot;Line comment&quot;:&quot;#008000&quot;,&quot;Block comment&quot;:&quot;#008000&quot;,&quot;Quotation&quot;:&quot;#FF00FF&quot;,&quot;Quotation 2&quot;:&quot;#FF00FF&quot;,&quot;Number&quot;:&quot;#800080&quot;},&quot;old_syntax_color&quot;:{&quot;Reserved words&quot;:&quot;#0000FF&quot;,&quot;Built-in objects&quot;:&quot;#FF0000&quot;,&quot;Line comment&quot;:&quot;#008000&quot;,&quot;Block comment&quot;:&quot;#008000&quot;,&quot;Quotation&quot;:&quot;#FF00FF&quot;,&quot;Quotation 2&quot;:&quot;#FF00FF&quot;,&quot;Number&quot;:&quot;#800080&quot;},&quot;show_line_number&quot;:true,&quot;code_lang&quot;:&quot;js&quot;,&quot;code&quot;:&quot;const http = require('http');\n\nconst hostname = '127.0.0.1';\nconst port = 3000;\n\nconst server = http.createServer((req, res) =&gt; {\n  res.statusCode = 200;\n  res.setHeader('Content-Type', 'text/plain');\n  res.end('Hello World '+Date.now()+'\\n');\n});\n\nserver.listen(port, hostname, () =&gt; {\n  console.log(`Server running at http://${hostname}:${port}/`);\n});&quot;,&quot;ctags&quot;:{}}"/>
+  </we:properties>
+  <we:bindings/>
+  <we:snapshot xmlns:r="http://schemas.openxmlformats.org/officeDocument/2006/relationships" r:embed="rId1"/>
+</we:webextension>
 </file>
--- a/doc/slac_slides.pptx
+++ b/doc/slac_slides.pptx
@@ -5,7 +5,7 @@
     <p:sldMasterId id="2147483648" r:id="rId1"/>
   </p:sldMasterIdLst>
   <p:notesMasterIdLst>
-    <p:notesMasterId r:id="rId8"/>
+    <p:notesMasterId r:id="rId11"/>
   </p:notesMasterIdLst>
   <p:sldIdLst>
     <p:sldId id="256" r:id="rId2"/>
@@ -14,6 +14,9 @@
     <p:sldId id="258" r:id="rId5"/>
     <p:sldId id="260" r:id="rId6"/>
     <p:sldId id="261" r:id="rId7"/>
+    <p:sldId id="262" r:id="rId8"/>
+    <p:sldId id="263" r:id="rId9"/>
+    <p:sldId id="264" r:id="rId10"/>
   </p:sldIdLst>
   <p:sldSz cx="12192000" cy="6858000"/>
   <p:notesSz cx="6858000" cy="9144000"/>
@@ -123,18 +126,10 @@
 <file path=ppt/commentAuthors.xml><?xml version="1.0" encoding="utf-8"?>
 <p:cmAuthorLst xmlns:a="http://schemas.openxmlformats.org/drawingml/2006/main" xmlns:r="http://schemas.openxmlformats.org/officeDocument/2006/relationships" xmlns:p="http://schemas.openxmlformats.org/presentationml/2006/main">
   <p:cmAuthor id="1" name="Trish Nestor" initials="TN" lastIdx="1" clrIdx="0">
-    <p:extLst>
-      <p:ext uri="{19B8F6BF-5375-455C-9EA6-DF929625EA0E}">
-        <p15:presenceInfo xmlns:p15="http://schemas.microsoft.com/office/powerpoint/2012/main" userId="" providerId=""/>
-      </p:ext>
-    </p:extLst>
+    <p:extLst/>
   </p:cmAuthor>
   <p:cmAuthor id="2" name="Trish Nestor" initials="TN [2]" lastIdx="1" clrIdx="1">
-    <p:extLst>
-      <p:ext uri="{19B8F6BF-5375-455C-9EA6-DF929625EA0E}">
-        <p15:presenceInfo xmlns:p15="http://schemas.microsoft.com/office/powerpoint/2012/main" userId="" providerId=""/>
-      </p:ext>
-    </p:extLst>
+    <p:extLst/>
   </p:cmAuthor>
 </p:cmAuthorLst>
 </file>
@@ -221,7 +216,7 @@
           <a:p>
             <a:fld id="{6800231F-0754-1D4E-B428-E40EAA7101A3}" type="datetimeFigureOut">
               <a:rPr lang="en-US" smtClean="0"/>
-              <a:t>9/9/17</a:t>
+              <a:t>9/10/17</a:t>
             </a:fld>
             <a:endParaRPr lang="en-US"/>
           </a:p>
@@ -535,64 +530,7 @@
           <a:p>
             <a:r>
               <a:rPr lang="en-US" dirty="0" smtClean="0"/>
-              <a:t>Code:</a:t>
-            </a:r>
-          </a:p>
-          <a:p>
-            <a:r>
-              <a:rPr lang="en-US" dirty="0" smtClean="0"/>
-              <a:t>1. Module</a:t>
-            </a:r>
-            <a:r>
-              <a:rPr lang="en-US" baseline="0" dirty="0" smtClean="0"/>
-              <a:t> dependency (http)</a:t>
-            </a:r>
-          </a:p>
-          <a:p>
-            <a:r>
-              <a:rPr lang="en-US" baseline="0" dirty="0" smtClean="0"/>
-              <a:t>2. Constants</a:t>
-            </a:r>
-          </a:p>
-          <a:p>
-            <a:r>
-              <a:rPr lang="en-US" baseline="0" dirty="0" smtClean="0"/>
-              <a:t>3. Anonymous function</a:t>
-            </a:r>
-          </a:p>
-          <a:p>
-            <a:r>
-              <a:rPr lang="en-US" baseline="0" dirty="0" smtClean="0"/>
-              <a:t>4. No </a:t>
-            </a:r>
-            <a:r>
-              <a:rPr lang="en-US" baseline="0" dirty="0" err="1" smtClean="0"/>
-              <a:t>parm</a:t>
-            </a:r>
-            <a:r>
-              <a:rPr lang="en-US" baseline="0" dirty="0" smtClean="0"/>
-              <a:t> anonymous callback</a:t>
-            </a:r>
-          </a:p>
-          <a:p>
-            <a:endParaRPr lang="en-US" baseline="0" dirty="0" smtClean="0"/>
-          </a:p>
-          <a:p>
-            <a:r>
-              <a:rPr lang="en-US" baseline="0" dirty="0" smtClean="0"/>
-              <a:t>Execution:</a:t>
-            </a:r>
-          </a:p>
-          <a:p>
-            <a:r>
-              <a:rPr lang="en-US" baseline="0" dirty="0" smtClean="0"/>
-              <a:t>1. curl or browser</a:t>
-            </a:r>
-          </a:p>
-          <a:p>
-            <a:r>
-              <a:rPr lang="en-US" baseline="0" dirty="0" smtClean="0"/>
-              <a:t> </a:t>
+              <a:t>A single call stack</a:t>
             </a:r>
             <a:endParaRPr lang="en-US" dirty="0"/>
           </a:p>
@@ -615,7 +553,7 @@
           <a:p>
             <a:fld id="{F2525AB9-A250-384A-A45B-2B27F02B4CAC}" type="slidenum">
               <a:rPr lang="en-US" smtClean="0"/>
-              <a:t>5</a:t>
+              <a:t>3</a:t>
             </a:fld>
             <a:endParaRPr lang="en-US"/>
           </a:p>
@@ -624,7 +562,7 @@
     </p:spTree>
     <p:extLst>
       <p:ext uri="{BB962C8B-B14F-4D97-AF65-F5344CB8AC3E}">
-        <p14:creationId xmlns:p14="http://schemas.microsoft.com/office/powerpoint/2010/main" val="707311444"/>
+        <p14:creationId xmlns:p14="http://schemas.microsoft.com/office/powerpoint/2010/main" val="72359651"/>
       </p:ext>
     </p:extLst>
   </p:cSld>
@@ -760,6 +698,156 @@
           <a:p>
             <a:fld id="{F2525AB9-A250-384A-A45B-2B27F02B4CAC}" type="slidenum">
               <a:rPr lang="en-US" smtClean="0"/>
+              <a:t>5</a:t>
+            </a:fld>
+            <a:endParaRPr lang="en-US"/>
+          </a:p>
+        </p:txBody>
+      </p:sp>
+    </p:spTree>
+    <p:extLst>
+      <p:ext uri="{BB962C8B-B14F-4D97-AF65-F5344CB8AC3E}">
+        <p14:creationId xmlns:p14="http://schemas.microsoft.com/office/powerpoint/2010/main" val="707311444"/>
+      </p:ext>
+    </p:extLst>
+  </p:cSld>
+  <p:clrMapOvr>
+    <a:masterClrMapping/>
+  </p:clrMapOvr>
+</p:notes>
+</file>
+
+<file path=ppt/notesSlides/notesSlide3.xml><?xml version="1.0" encoding="utf-8"?>
+<p:notes xmlns:a="http://schemas.openxmlformats.org/drawingml/2006/main" xmlns:r="http://schemas.openxmlformats.org/officeDocument/2006/relationships" xmlns:p="http://schemas.openxmlformats.org/presentationml/2006/main">
+  <p:cSld>
+    <p:spTree>
+      <p:nvGrpSpPr>
+        <p:cNvPr id="1" name=""/>
+        <p:cNvGrpSpPr/>
+        <p:nvPr/>
+      </p:nvGrpSpPr>
+      <p:grpSpPr>
+        <a:xfrm>
+          <a:off x="0" y="0"/>
+          <a:ext cx="0" cy="0"/>
+          <a:chOff x="0" y="0"/>
+          <a:chExt cx="0" cy="0"/>
+        </a:xfrm>
+      </p:grpSpPr>
+      <p:sp>
+        <p:nvSpPr>
+          <p:cNvPr id="2" name="Slide Image Placeholder 1"/>
+          <p:cNvSpPr>
+            <a:spLocks noGrp="1" noRot="1" noChangeAspect="1"/>
+          </p:cNvSpPr>
+          <p:nvPr>
+            <p:ph type="sldImg"/>
+          </p:nvPr>
+        </p:nvSpPr>
+        <p:spPr/>
+      </p:sp>
+      <p:sp>
+        <p:nvSpPr>
+          <p:cNvPr id="3" name="Notes Placeholder 2"/>
+          <p:cNvSpPr>
+            <a:spLocks noGrp="1"/>
+          </p:cNvSpPr>
+          <p:nvPr>
+            <p:ph type="body" idx="1"/>
+          </p:nvPr>
+        </p:nvSpPr>
+        <p:spPr/>
+        <p:txBody>
+          <a:bodyPr/>
+          <a:lstStyle/>
+          <a:p>
+            <a:r>
+              <a:rPr lang="en-US" dirty="0" smtClean="0"/>
+              <a:t>Code:</a:t>
+            </a:r>
+          </a:p>
+          <a:p>
+            <a:r>
+              <a:rPr lang="en-US" dirty="0" smtClean="0"/>
+              <a:t>1. </a:t>
+            </a:r>
+            <a:r>
+              <a:rPr lang="en-US" dirty="0" smtClean="0"/>
+              <a:t>Get</a:t>
+            </a:r>
+            <a:r>
+              <a:rPr lang="en-US" baseline="0" dirty="0" smtClean="0"/>
+              <a:t> method callback with response object</a:t>
+            </a:r>
+            <a:endParaRPr lang="en-US" baseline="0" dirty="0" smtClean="0"/>
+          </a:p>
+          <a:p>
+            <a:r>
+              <a:rPr lang="en-US" baseline="0" dirty="0" smtClean="0"/>
+              <a:t>2. </a:t>
+            </a:r>
+            <a:r>
+              <a:rPr lang="en-US" baseline="0" dirty="0" smtClean="0"/>
+              <a:t>Event triggers (on "data", on "end")</a:t>
+            </a:r>
+            <a:endParaRPr lang="en-US" baseline="0" dirty="0" smtClean="0"/>
+          </a:p>
+          <a:p>
+            <a:r>
+              <a:rPr lang="en-US" baseline="0" dirty="0" smtClean="0"/>
+              <a:t>3. </a:t>
+            </a:r>
+            <a:r>
+              <a:rPr lang="en-US" baseline="0" dirty="0" smtClean="0"/>
+              <a:t>Nested functional implementations</a:t>
+            </a:r>
+            <a:endParaRPr lang="en-US" baseline="0" dirty="0" smtClean="0"/>
+          </a:p>
+          <a:p>
+            <a:endParaRPr lang="en-US" baseline="0" dirty="0" smtClean="0"/>
+          </a:p>
+          <a:p>
+            <a:r>
+              <a:rPr lang="en-US" baseline="0" dirty="0" smtClean="0"/>
+              <a:t>Execution</a:t>
+            </a:r>
+            <a:r>
+              <a:rPr lang="en-US" baseline="0" dirty="0" smtClean="0"/>
+              <a:t>:</a:t>
+            </a:r>
+          </a:p>
+          <a:p>
+            <a:r>
+              <a:rPr lang="en-US" baseline="0" dirty="0" smtClean="0"/>
+              <a:t>1. curl or browser</a:t>
+            </a:r>
+          </a:p>
+          <a:p>
+            <a:r>
+              <a:rPr lang="en-US" baseline="0" dirty="0" smtClean="0"/>
+              <a:t> </a:t>
+            </a:r>
+            <a:endParaRPr lang="en-US" dirty="0"/>
+          </a:p>
+        </p:txBody>
+      </p:sp>
+      <p:sp>
+        <p:nvSpPr>
+          <p:cNvPr id="4" name="Slide Number Placeholder 3"/>
+          <p:cNvSpPr>
+            <a:spLocks noGrp="1"/>
+          </p:cNvSpPr>
+          <p:nvPr>
+            <p:ph type="sldNum" sz="quarter" idx="10"/>
+          </p:nvPr>
+        </p:nvSpPr>
+        <p:spPr/>
+        <p:txBody>
+          <a:bodyPr/>
+          <a:lstStyle/>
+          <a:p>
+            <a:fld id="{F2525AB9-A250-384A-A45B-2B27F02B4CAC}" type="slidenum">
+              <a:rPr lang="en-US" smtClean="0"/>
               <a:t>6</a:t>
             </a:fld>
             <a:endParaRPr lang="en-US"/>
@@ -770,6 +858,446 @@
     <p:extLst>
       <p:ext uri="{BB962C8B-B14F-4D97-AF65-F5344CB8AC3E}">
         <p14:creationId xmlns:p14="http://schemas.microsoft.com/office/powerpoint/2010/main" val="1317143504"/>
+      </p:ext>
+    </p:extLst>
+  </p:cSld>
+  <p:clrMapOvr>
+    <a:masterClrMapping/>
+  </p:clrMapOvr>
+</p:notes>
+</file>
+
+<file path=ppt/notesSlides/notesSlide4.xml><?xml version="1.0" encoding="utf-8"?>
+<p:notes xmlns:a="http://schemas.openxmlformats.org/drawingml/2006/main" xmlns:r="http://schemas.openxmlformats.org/officeDocument/2006/relationships" xmlns:p="http://schemas.openxmlformats.org/presentationml/2006/main">
+  <p:cSld>
+    <p:spTree>
+      <p:nvGrpSpPr>
+        <p:cNvPr id="1" name=""/>
+        <p:cNvGrpSpPr/>
+        <p:nvPr/>
+      </p:nvGrpSpPr>
+      <p:grpSpPr>
+        <a:xfrm>
+          <a:off x="0" y="0"/>
+          <a:ext cx="0" cy="0"/>
+          <a:chOff x="0" y="0"/>
+          <a:chExt cx="0" cy="0"/>
+        </a:xfrm>
+      </p:grpSpPr>
+      <p:sp>
+        <p:nvSpPr>
+          <p:cNvPr id="2" name="Slide Image Placeholder 1"/>
+          <p:cNvSpPr>
+            <a:spLocks noGrp="1" noRot="1" noChangeAspect="1"/>
+          </p:cNvSpPr>
+          <p:nvPr>
+            <p:ph type="sldImg"/>
+          </p:nvPr>
+        </p:nvSpPr>
+        <p:spPr/>
+      </p:sp>
+      <p:sp>
+        <p:nvSpPr>
+          <p:cNvPr id="3" name="Notes Placeholder 2"/>
+          <p:cNvSpPr>
+            <a:spLocks noGrp="1"/>
+          </p:cNvSpPr>
+          <p:nvPr>
+            <p:ph type="body" idx="1"/>
+          </p:nvPr>
+        </p:nvSpPr>
+        <p:spPr/>
+        <p:txBody>
+          <a:bodyPr/>
+          <a:lstStyle/>
+          <a:p>
+            <a:r>
+              <a:rPr lang="en-US" dirty="0" smtClean="0"/>
+              <a:t>A single call stack</a:t>
+            </a:r>
+            <a:endParaRPr lang="en-US" dirty="0"/>
+          </a:p>
+        </p:txBody>
+      </p:sp>
+      <p:sp>
+        <p:nvSpPr>
+          <p:cNvPr id="4" name="Slide Number Placeholder 3"/>
+          <p:cNvSpPr>
+            <a:spLocks noGrp="1"/>
+          </p:cNvSpPr>
+          <p:nvPr>
+            <p:ph type="sldNum" sz="quarter" idx="10"/>
+          </p:nvPr>
+        </p:nvSpPr>
+        <p:spPr/>
+        <p:txBody>
+          <a:bodyPr/>
+          <a:lstStyle/>
+          <a:p>
+            <a:fld id="{F2525AB9-A250-384A-A45B-2B27F02B4CAC}" type="slidenum">
+              <a:rPr lang="en-US" smtClean="0"/>
+              <a:t>7</a:t>
+            </a:fld>
+            <a:endParaRPr lang="en-US"/>
+          </a:p>
+        </p:txBody>
+      </p:sp>
+    </p:spTree>
+    <p:extLst>
+      <p:ext uri="{BB962C8B-B14F-4D97-AF65-F5344CB8AC3E}">
+        <p14:creationId xmlns:p14="http://schemas.microsoft.com/office/powerpoint/2010/main" val="1571547254"/>
+      </p:ext>
+    </p:extLst>
+  </p:cSld>
+  <p:clrMapOvr>
+    <a:masterClrMapping/>
+  </p:clrMapOvr>
+</p:notes>
+</file>
+
+<file path=ppt/notesSlides/notesSlide5.xml><?xml version="1.0" encoding="utf-8"?>
+<p:notes xmlns:a="http://schemas.openxmlformats.org/drawingml/2006/main" xmlns:r="http://schemas.openxmlformats.org/officeDocument/2006/relationships" xmlns:p="http://schemas.openxmlformats.org/presentationml/2006/main">
+  <p:cSld>
+    <p:spTree>
+      <p:nvGrpSpPr>
+        <p:cNvPr id="1" name=""/>
+        <p:cNvGrpSpPr/>
+        <p:nvPr/>
+      </p:nvGrpSpPr>
+      <p:grpSpPr>
+        <a:xfrm>
+          <a:off x="0" y="0"/>
+          <a:ext cx="0" cy="0"/>
+          <a:chOff x="0" y="0"/>
+          <a:chExt cx="0" cy="0"/>
+        </a:xfrm>
+      </p:grpSpPr>
+      <p:sp>
+        <p:nvSpPr>
+          <p:cNvPr id="2" name="Slide Image Placeholder 1"/>
+          <p:cNvSpPr>
+            <a:spLocks noGrp="1" noRot="1" noChangeAspect="1"/>
+          </p:cNvSpPr>
+          <p:nvPr>
+            <p:ph type="sldImg"/>
+          </p:nvPr>
+        </p:nvSpPr>
+        <p:spPr/>
+      </p:sp>
+      <p:sp>
+        <p:nvSpPr>
+          <p:cNvPr id="3" name="Notes Placeholder 2"/>
+          <p:cNvSpPr>
+            <a:spLocks noGrp="1"/>
+          </p:cNvSpPr>
+          <p:nvPr>
+            <p:ph type="body" idx="1"/>
+          </p:nvPr>
+        </p:nvSpPr>
+        <p:spPr/>
+        <p:txBody>
+          <a:bodyPr/>
+          <a:lstStyle/>
+          <a:p>
+            <a:r>
+              <a:rPr lang="en-US" dirty="0" smtClean="0"/>
+              <a:t>A single call stack</a:t>
+            </a:r>
+            <a:endParaRPr lang="en-US" dirty="0"/>
+          </a:p>
+        </p:txBody>
+      </p:sp>
+      <p:sp>
+        <p:nvSpPr>
+          <p:cNvPr id="4" name="Slide Number Placeholder 3"/>
+          <p:cNvSpPr>
+            <a:spLocks noGrp="1"/>
+          </p:cNvSpPr>
+          <p:nvPr>
+            <p:ph type="sldNum" sz="quarter" idx="10"/>
+          </p:nvPr>
+        </p:nvSpPr>
+        <p:spPr/>
+        <p:txBody>
+          <a:bodyPr/>
+          <a:lstStyle/>
+          <a:p>
+            <a:fld id="{F2525AB9-A250-384A-A45B-2B27F02B4CAC}" type="slidenum">
+              <a:rPr lang="en-US" smtClean="0"/>
+              <a:t>8</a:t>
+            </a:fld>
+            <a:endParaRPr lang="en-US"/>
+          </a:p>
+        </p:txBody>
+      </p:sp>
+    </p:spTree>
+    <p:extLst>
+      <p:ext uri="{BB962C8B-B14F-4D97-AF65-F5344CB8AC3E}">
+        <p14:creationId xmlns:p14="http://schemas.microsoft.com/office/powerpoint/2010/main" val="1136404267"/>
+      </p:ext>
+    </p:extLst>
+  </p:cSld>
+  <p:clrMapOvr>
+    <a:masterClrMapping/>
+  </p:clrMapOvr>
+</p:notes>
+</file>
+
+<file path=ppt/notesSlides/notesSlide6.xml><?xml version="1.0" encoding="utf-8"?>
+<p:notes xmlns:a="http://schemas.openxmlformats.org/drawingml/2006/main" xmlns:r="http://schemas.openxmlformats.org/officeDocument/2006/relationships" xmlns:p="http://schemas.openxmlformats.org/presentationml/2006/main">
+  <p:cSld>
+    <p:spTree>
+      <p:nvGrpSpPr>
+        <p:cNvPr id="1" name=""/>
+        <p:cNvGrpSpPr/>
+        <p:nvPr/>
+      </p:nvGrpSpPr>
+      <p:grpSpPr>
+        <a:xfrm>
+          <a:off x="0" y="0"/>
+          <a:ext cx="0" cy="0"/>
+          <a:chOff x="0" y="0"/>
+          <a:chExt cx="0" cy="0"/>
+        </a:xfrm>
+      </p:grpSpPr>
+      <p:sp>
+        <p:nvSpPr>
+          <p:cNvPr id="2" name="Slide Image Placeholder 1"/>
+          <p:cNvSpPr>
+            <a:spLocks noGrp="1" noRot="1" noChangeAspect="1"/>
+          </p:cNvSpPr>
+          <p:nvPr>
+            <p:ph type="sldImg"/>
+          </p:nvPr>
+        </p:nvSpPr>
+        <p:spPr/>
+      </p:sp>
+      <p:sp>
+        <p:nvSpPr>
+          <p:cNvPr id="3" name="Notes Placeholder 2"/>
+          <p:cNvSpPr>
+            <a:spLocks noGrp="1"/>
+          </p:cNvSpPr>
+          <p:nvPr>
+            <p:ph type="body" idx="1"/>
+          </p:nvPr>
+        </p:nvSpPr>
+        <p:spPr/>
+        <p:txBody>
+          <a:bodyPr/>
+          <a:lstStyle/>
+          <a:p>
+            <a:r>
+              <a:rPr lang="en-US" dirty="0" smtClean="0"/>
+              <a:t>1) Create</a:t>
+            </a:r>
+            <a:r>
+              <a:rPr lang="en-US" baseline="0" dirty="0" smtClean="0"/>
+              <a:t> node template and examine </a:t>
+            </a:r>
+            <a:r>
+              <a:rPr lang="en-US" baseline="0" dirty="0" err="1" smtClean="0"/>
+              <a:t>serverless.yml</a:t>
+            </a:r>
+            <a:r>
+              <a:rPr lang="en-US" baseline="0" dirty="0" smtClean="0"/>
+              <a:t> and </a:t>
+            </a:r>
+            <a:r>
+              <a:rPr lang="en-US" baseline="0" dirty="0" err="1" smtClean="0"/>
+              <a:t>handler.js</a:t>
+            </a:r>
+            <a:endParaRPr lang="en-US" dirty="0" smtClean="0"/>
+          </a:p>
+          <a:p>
+            <a:r>
+              <a:rPr lang="en-US" dirty="0" smtClean="0"/>
+              <a:t>2) If </a:t>
+            </a:r>
+            <a:r>
+              <a:rPr lang="en-US" dirty="0" err="1" smtClean="0"/>
+              <a:t>serverless</a:t>
+            </a:r>
+            <a:r>
+              <a:rPr lang="en-US" dirty="0" smtClean="0"/>
+              <a:t> "not</a:t>
+            </a:r>
+            <a:r>
+              <a:rPr lang="en-US" baseline="0" dirty="0" smtClean="0"/>
+              <a:t> found" ensure </a:t>
+            </a:r>
+            <a:r>
+              <a:rPr lang="en-US" baseline="0" dirty="0" err="1" smtClean="0"/>
+              <a:t>node_modules</a:t>
+            </a:r>
+            <a:r>
+              <a:rPr lang="en-US" baseline="0" dirty="0" smtClean="0"/>
+              <a:t>/</a:t>
+            </a:r>
+            <a:r>
+              <a:rPr lang="en-US" baseline="0" dirty="0" err="1" smtClean="0"/>
+              <a:t>serverless</a:t>
+            </a:r>
+            <a:r>
+              <a:rPr lang="en-US" baseline="0" dirty="0" smtClean="0"/>
+              <a:t>/bin is in your $PATH -OR- </a:t>
+            </a:r>
+            <a:r>
+              <a:rPr lang="en-US" sz="1200" dirty="0" err="1" smtClean="0">
+                <a:latin typeface="Courier" charset="0"/>
+                <a:ea typeface="Courier" charset="0"/>
+                <a:cs typeface="Courier" charset="0"/>
+              </a:rPr>
+              <a:t>npm</a:t>
+            </a:r>
+            <a:r>
+              <a:rPr lang="en-US" sz="1200" dirty="0" smtClean="0">
+                <a:latin typeface="Courier" charset="0"/>
+                <a:ea typeface="Courier" charset="0"/>
+                <a:cs typeface="Courier" charset="0"/>
+              </a:rPr>
+              <a:t> install </a:t>
+            </a:r>
+            <a:r>
+              <a:rPr lang="en-US" sz="1200" dirty="0" err="1" smtClean="0">
+                <a:latin typeface="Courier" charset="0"/>
+                <a:ea typeface="Courier" charset="0"/>
+                <a:cs typeface="Courier" charset="0"/>
+              </a:rPr>
+              <a:t>serverless</a:t>
+            </a:r>
+            <a:r>
+              <a:rPr lang="en-US" sz="1200" dirty="0" smtClean="0">
+                <a:latin typeface="Courier" charset="0"/>
+                <a:ea typeface="Courier" charset="0"/>
+                <a:cs typeface="Courier" charset="0"/>
+              </a:rPr>
+              <a:t> --global (with</a:t>
+            </a:r>
+            <a:r>
+              <a:rPr lang="en-US" sz="1200" baseline="0" dirty="0" smtClean="0">
+                <a:latin typeface="Courier" charset="0"/>
+                <a:ea typeface="Courier" charset="0"/>
+                <a:cs typeface="Courier" charset="0"/>
+              </a:rPr>
+              <a:t> root) </a:t>
+            </a:r>
+            <a:endParaRPr lang="en-US" baseline="0" dirty="0" smtClean="0"/>
+          </a:p>
+          <a:p>
+            <a:r>
+              <a:rPr lang="en-US" baseline="0" dirty="0" smtClean="0"/>
+              <a:t>3) Alternatively you can create "</a:t>
+            </a:r>
+            <a:r>
+              <a:rPr lang="en-US" baseline="0" dirty="0" err="1" smtClean="0"/>
+              <a:t>aws</a:t>
+            </a:r>
+            <a:r>
+              <a:rPr lang="en-US" baseline="0" dirty="0" smtClean="0"/>
+              <a:t>-java-maven"</a:t>
+            </a:r>
+          </a:p>
+          <a:p>
+            <a:r>
+              <a:rPr lang="en-US" baseline="0" dirty="0" smtClean="0"/>
+              <a:t>4) If deploy fails, check credentials for "</a:t>
+            </a:r>
+            <a:r>
+              <a:rPr lang="en-US" baseline="0" dirty="0" err="1" smtClean="0"/>
+              <a:t>serverless</a:t>
+            </a:r>
+            <a:r>
+              <a:rPr lang="en-US" baseline="0" dirty="0" smtClean="0"/>
+              <a:t>" profile</a:t>
+            </a:r>
+          </a:p>
+          <a:p>
+            <a:r>
+              <a:rPr lang="en-US" baseline="0" dirty="0" smtClean="0"/>
+              <a:t>5) Modify the code and re-deploy the function only: "</a:t>
+            </a:r>
+            <a:r>
+              <a:rPr lang="en-US" dirty="0" err="1" smtClean="0"/>
+              <a:t>serverless</a:t>
+            </a:r>
+            <a:r>
+              <a:rPr lang="en-US" dirty="0" smtClean="0"/>
+              <a:t> deploy </a:t>
+            </a:r>
+            <a:r>
+              <a:rPr lang="en-US" sz="1200" kern="1200" dirty="0" smtClean="0">
+                <a:solidFill>
+                  <a:schemeClr val="tx1"/>
+                </a:solidFill>
+                <a:effectLst/>
+                <a:latin typeface="+mn-lt"/>
+                <a:ea typeface="+mn-ea"/>
+                <a:cs typeface="+mn-cs"/>
+              </a:rPr>
+              <a:t>function</a:t>
+            </a:r>
+            <a:r>
+              <a:rPr lang="en-US" dirty="0" smtClean="0"/>
+              <a:t> </a:t>
+            </a:r>
+            <a:r>
+              <a:rPr lang="en-US" sz="1200" kern="1200" dirty="0" smtClean="0">
+                <a:solidFill>
+                  <a:schemeClr val="tx1"/>
+                </a:solidFill>
+                <a:effectLst/>
+                <a:latin typeface="+mn-lt"/>
+                <a:ea typeface="+mn-ea"/>
+                <a:cs typeface="+mn-cs"/>
+              </a:rPr>
+              <a:t>-f</a:t>
+            </a:r>
+            <a:r>
+              <a:rPr lang="en-US" dirty="0" smtClean="0"/>
+              <a:t> hello"</a:t>
+            </a:r>
+          </a:p>
+          <a:p>
+            <a:r>
+              <a:rPr lang="en-US" dirty="0" smtClean="0"/>
+              <a:t>**</a:t>
+            </a:r>
+            <a:r>
+              <a:rPr lang="en-US" baseline="0" dirty="0" smtClean="0"/>
+              <a:t> Create/deploy Java svc as well.  Compare local and deployed sizes.  Compare execution time.</a:t>
+            </a:r>
+            <a:endParaRPr lang="en-US" dirty="0" smtClean="0"/>
+          </a:p>
+        </p:txBody>
+      </p:sp>
+      <p:sp>
+        <p:nvSpPr>
+          <p:cNvPr id="4" name="Slide Number Placeholder 3"/>
+          <p:cNvSpPr>
+            <a:spLocks noGrp="1"/>
+          </p:cNvSpPr>
+          <p:nvPr>
+            <p:ph type="sldNum" sz="quarter" idx="10"/>
+          </p:nvPr>
+        </p:nvSpPr>
+        <p:spPr/>
+        <p:txBody>
+          <a:bodyPr/>
+          <a:lstStyle/>
+          <a:p>
+            <a:fld id="{F2525AB9-A250-384A-A45B-2B27F02B4CAC}" type="slidenum">
+              <a:rPr lang="en-US" smtClean="0"/>
+              <a:t>9</a:t>
+            </a:fld>
+            <a:endParaRPr lang="en-US"/>
+          </a:p>
+        </p:txBody>
+      </p:sp>
+    </p:spTree>
+    <p:extLst>
+      <p:ext uri="{BB962C8B-B14F-4D97-AF65-F5344CB8AC3E}">
+        <p14:creationId xmlns:p14="http://schemas.microsoft.com/office/powerpoint/2010/main" val="1646626983"/>
       </p:ext>
     </p:extLst>
   </p:cSld>
@@ -910,7 +1438,7 @@
           <a:p>
             <a:fld id="{FF482567-8505-0D40-A9EB-E8AA574657D0}" type="datetimeFigureOut">
               <a:rPr lang="en-US" smtClean="0"/>
-              <a:t>9/9/17</a:t>
+              <a:t>9/10/17</a:t>
             </a:fld>
             <a:endParaRPr lang="en-US"/>
           </a:p>
@@ -1080,7 +1608,7 @@
           <a:p>
             <a:fld id="{FF482567-8505-0D40-A9EB-E8AA574657D0}" type="datetimeFigureOut">
               <a:rPr lang="en-US" smtClean="0"/>
-              <a:t>9/9/17</a:t>
+              <a:t>9/10/17</a:t>
             </a:fld>
             <a:endParaRPr lang="en-US"/>
           </a:p>
@@ -1260,7 +1788,7 @@
           <a:p>
             <a:fld id="{FF482567-8505-0D40-A9EB-E8AA574657D0}" type="datetimeFigureOut">
               <a:rPr lang="en-US" smtClean="0"/>
-              <a:t>9/9/17</a:t>
+              <a:t>9/10/17</a:t>
             </a:fld>
             <a:endParaRPr lang="en-US"/>
           </a:p>
@@ -1430,7 +1958,7 @@
           <a:p>
             <a:fld id="{FF482567-8505-0D40-A9EB-E8AA574657D0}" type="datetimeFigureOut">
               <a:rPr lang="en-US" smtClean="0"/>
-              <a:t>9/9/17</a:t>
+              <a:t>9/10/17</a:t>
             </a:fld>
             <a:endParaRPr lang="en-US"/>
           </a:p>
@@ -1676,7 +2204,7 @@
           <a:p>
             <a:fld id="{FF482567-8505-0D40-A9EB-E8AA574657D0}" type="datetimeFigureOut">
               <a:rPr lang="en-US" smtClean="0"/>
-              <a:t>9/9/17</a:t>
+              <a:t>9/10/17</a:t>
             </a:fld>
             <a:endParaRPr lang="en-US"/>
           </a:p>
@@ -1908,7 +2436,7 @@
           <a:p>
             <a:fld id="{FF482567-8505-0D40-A9EB-E8AA574657D0}" type="datetimeFigureOut">
               <a:rPr lang="en-US" smtClean="0"/>
-              <a:t>9/9/17</a:t>
+              <a:t>9/10/17</a:t>
             </a:fld>
             <a:endParaRPr lang="en-US"/>
           </a:p>
@@ -2275,7 +2803,7 @@
           <a:p>
             <a:fld id="{FF482567-8505-0D40-A9EB-E8AA574657D0}" type="datetimeFigureOut">
               <a:rPr lang="en-US" smtClean="0"/>
-              <a:t>9/9/17</a:t>
+              <a:t>9/10/17</a:t>
             </a:fld>
             <a:endParaRPr lang="en-US"/>
           </a:p>
@@ -2393,7 +2921,7 @@
           <a:p>
             <a:fld id="{FF482567-8505-0D40-A9EB-E8AA574657D0}" type="datetimeFigureOut">
               <a:rPr lang="en-US" smtClean="0"/>
-              <a:t>9/9/17</a:t>
+              <a:t>9/10/17</a:t>
             </a:fld>
             <a:endParaRPr lang="en-US"/>
           </a:p>
@@ -2488,7 +3016,7 @@
           <a:p>
             <a:fld id="{FF482567-8505-0D40-A9EB-E8AA574657D0}" type="datetimeFigureOut">
               <a:rPr lang="en-US" smtClean="0"/>
-              <a:t>9/9/17</a:t>
+              <a:t>9/10/17</a:t>
             </a:fld>
             <a:endParaRPr lang="en-US"/>
           </a:p>
@@ -2765,7 +3293,7 @@
           <a:p>
             <a:fld id="{FF482567-8505-0D40-A9EB-E8AA574657D0}" type="datetimeFigureOut">
               <a:rPr lang="en-US" smtClean="0"/>
-              <a:t>9/9/17</a:t>
+              <a:t>9/10/17</a:t>
             </a:fld>
             <a:endParaRPr lang="en-US"/>
           </a:p>
@@ -3018,7 +3546,7 @@
           <a:p>
             <a:fld id="{FF482567-8505-0D40-A9EB-E8AA574657D0}" type="datetimeFigureOut">
               <a:rPr lang="en-US" smtClean="0"/>
-              <a:t>9/9/17</a:t>
+              <a:t>9/10/17</a:t>
             </a:fld>
             <a:endParaRPr lang="en-US"/>
           </a:p>
@@ -3231,7 +3759,7 @@
           <a:p>
             <a:fld id="{FF482567-8505-0D40-A9EB-E8AA574657D0}" type="datetimeFigureOut">
               <a:rPr lang="en-US" smtClean="0"/>
-              <a:t>9/9/17</a:t>
+              <a:t>9/10/17</a:t>
             </a:fld>
             <a:endParaRPr lang="en-US"/>
           </a:p>
@@ -4012,7 +4540,9 @@
         </p:nvSpPr>
         <p:spPr/>
         <p:txBody>
-          <a:bodyPr/>
+          <a:bodyPr>
+            <a:normAutofit/>
+          </a:bodyPr>
           <a:lstStyle/>
           <a:p>
             <a:pPr marL="0" indent="0">
@@ -4031,7 +4561,7 @@
                 <a:latin typeface="Courier" charset="0"/>
                 <a:ea typeface="Courier" charset="0"/>
                 <a:cs typeface="Courier" charset="0"/>
-                <a:hlinkClick r:id="rId2"/>
+                <a:hlinkClick r:id="rId3"/>
               </a:rPr>
               <a:t>https://</a:t>
             </a:r>
@@ -4040,7 +4570,7 @@
                 <a:latin typeface="Courier" charset="0"/>
                 <a:ea typeface="Courier" charset="0"/>
                 <a:cs typeface="Courier" charset="0"/>
-                <a:hlinkClick r:id="rId2"/>
+                <a:hlinkClick r:id="rId3"/>
               </a:rPr>
               <a:t>youtu.be/ztspvPYybIY</a:t>
             </a:r>
@@ -4070,17 +4600,33 @@
                 <a:ea typeface="Courier" charset="0"/>
                 <a:cs typeface="Courier" charset="0"/>
               </a:rPr>
-              <a:t>Single threaded ”event loop” vs. multiple threads</a:t>
-            </a:r>
-          </a:p>
-          <a:p>
+              <a:t>Single threaded ”event loop” vs. multiple </a:t>
+            </a:r>
             <a:r>
               <a:rPr lang="en-US" dirty="0" smtClean="0">
                 <a:latin typeface="Courier" charset="0"/>
                 <a:ea typeface="Courier" charset="0"/>
                 <a:cs typeface="Courier" charset="0"/>
               </a:rPr>
-              <a:t>Multithreading emulates concurrency but is expensive (context switching and memory)</a:t>
+              <a:t>threads</a:t>
+            </a:r>
+          </a:p>
+          <a:p>
+            <a:r>
+              <a:rPr lang="en-US" dirty="0" smtClean="0">
+                <a:latin typeface="Courier" charset="0"/>
+                <a:ea typeface="Courier" charset="0"/>
+                <a:cs typeface="Courier" charset="0"/>
+              </a:rPr>
+              <a:t>Multi-threading </a:t>
+            </a:r>
+            <a:r>
+              <a:rPr lang="en-US" dirty="0" smtClean="0">
+                <a:latin typeface="Courier" charset="0"/>
+                <a:ea typeface="Courier" charset="0"/>
+                <a:cs typeface="Courier" charset="0"/>
+              </a:rPr>
+              <a:t>emulates concurrency but is expensive (context switching and memory)</a:t>
             </a:r>
           </a:p>
           <a:p>
@@ -4542,8 +5088,8 @@
           </a:p>
         </p:txBody>
       </p:sp>
-      <mc:AlternateContent xmlns:mc="http://schemas.openxmlformats.org/markup-compatibility/2006">
-        <mc:Choice xmlns:we="http://schemas.microsoft.com/office/webextensions/webextension/2010/11" xmlns:pca="http://schemas.microsoft.com/office/powerpoint/2013/contentapp" Requires="we pca">
+      <mc:AlternateContent xmlns:mc="http://schemas.openxmlformats.org/markup-compatibility/2006" xmlns:we="http://schemas.microsoft.com/office/webextensions/webextension/2010/11" xmlns:pca="http://schemas.microsoft.com/office/powerpoint/2013/contentapp">
+        <mc:Choice Requires="we pca">
           <p:graphicFrame>
             <p:nvGraphicFramePr>
               <p:cNvPr id="4" name="Content Placeholder 3" title="Code Presenter Pro"/>
@@ -4570,7 +5116,7 @@
             </a:graphic>
           </p:graphicFrame>
         </mc:Choice>
-        <mc:Fallback>
+        <mc:Fallback xmlns="">
           <p:pic>
             <p:nvPicPr>
               <p:cNvPr id="4" name="Content Placeholder 3" title="Code Presenter Pro"/>
@@ -4681,8 +5227,8 @@
           </a:p>
         </p:txBody>
       </p:sp>
-      <mc:AlternateContent xmlns:mc="http://schemas.openxmlformats.org/markup-compatibility/2006">
-        <mc:Choice xmlns:we="http://schemas.microsoft.com/office/webextensions/webextension/2010/11" xmlns:pca="http://schemas.microsoft.com/office/powerpoint/2013/contentapp" Requires="we pca">
+      <mc:AlternateContent xmlns:mc="http://schemas.openxmlformats.org/markup-compatibility/2006" xmlns:we="http://schemas.microsoft.com/office/webextensions/webextension/2010/11" xmlns:pca="http://schemas.microsoft.com/office/powerpoint/2013/contentapp">
+        <mc:Choice Requires="we pca">
           <p:graphicFrame>
             <p:nvGraphicFramePr>
               <p:cNvPr id="4" name="Content Placeholder 3" title="Code Presenter Pro"/>
@@ -4709,7 +5255,7 @@
             </a:graphic>
           </p:graphicFrame>
         </mc:Choice>
-        <mc:Fallback>
+        <mc:Fallback xmlns="">
           <p:pic>
             <p:nvPicPr>
               <p:cNvPr id="4" name="Content Placeholder 3" title="Code Presenter Pro"/>
@@ -4740,6 +5286,933 @@
     <p:extLst>
       <p:ext uri="{BB962C8B-B14F-4D97-AF65-F5344CB8AC3E}">
         <p14:creationId xmlns:p14="http://schemas.microsoft.com/office/powerpoint/2010/main" val="241825204"/>
+      </p:ext>
+    </p:extLst>
+  </p:cSld>
+  <p:clrMapOvr>
+    <a:masterClrMapping/>
+  </p:clrMapOvr>
+  <p:timing>
+    <p:tnLst>
+      <p:par>
+        <p:cTn id="1" dur="indefinite" restart="never" nodeType="tmRoot"/>
+      </p:par>
+    </p:tnLst>
+  </p:timing>
+</p:sld>
+</file>
+
+<file path=ppt/slides/slide7.xml><?xml version="1.0" encoding="utf-8"?>
+<p:sld xmlns:a="http://schemas.openxmlformats.org/drawingml/2006/main" xmlns:r="http://schemas.openxmlformats.org/officeDocument/2006/relationships" xmlns:p="http://schemas.openxmlformats.org/presentationml/2006/main">
+  <p:cSld>
+    <p:spTree>
+      <p:nvGrpSpPr>
+        <p:cNvPr id="1" name=""/>
+        <p:cNvGrpSpPr/>
+        <p:nvPr/>
+      </p:nvGrpSpPr>
+      <p:grpSpPr>
+        <a:xfrm>
+          <a:off x="0" y="0"/>
+          <a:ext cx="0" cy="0"/>
+          <a:chOff x="0" y="0"/>
+          <a:chExt cx="0" cy="0"/>
+        </a:xfrm>
+      </p:grpSpPr>
+      <p:sp>
+        <p:nvSpPr>
+          <p:cNvPr id="2" name="Title 1"/>
+          <p:cNvSpPr>
+            <a:spLocks noGrp="1"/>
+          </p:cNvSpPr>
+          <p:nvPr>
+            <p:ph type="title"/>
+          </p:nvPr>
+        </p:nvSpPr>
+        <p:spPr/>
+        <p:txBody>
+          <a:bodyPr/>
+          <a:lstStyle/>
+          <a:p>
+            <a:r>
+              <a:rPr lang="en-US" dirty="0" err="1" smtClean="0">
+                <a:latin typeface="Courier" charset="0"/>
+                <a:ea typeface="Courier" charset="0"/>
+                <a:cs typeface="Courier" charset="0"/>
+              </a:rPr>
+              <a:t>Serverless</a:t>
+            </a:r>
+            <a:r>
+              <a:rPr lang="en-US" dirty="0" smtClean="0">
+                <a:latin typeface="Courier" charset="0"/>
+                <a:ea typeface="Courier" charset="0"/>
+                <a:cs typeface="Courier" charset="0"/>
+              </a:rPr>
+              <a:t> Architectures</a:t>
+            </a:r>
+            <a:endParaRPr lang="en-US" dirty="0">
+              <a:latin typeface="Courier" charset="0"/>
+              <a:ea typeface="Courier" charset="0"/>
+              <a:cs typeface="Courier" charset="0"/>
+            </a:endParaRPr>
+          </a:p>
+        </p:txBody>
+      </p:sp>
+      <p:sp>
+        <p:nvSpPr>
+          <p:cNvPr id="3" name="Content Placeholder 2"/>
+          <p:cNvSpPr>
+            <a:spLocks noGrp="1"/>
+          </p:cNvSpPr>
+          <p:nvPr>
+            <p:ph idx="1"/>
+          </p:nvPr>
+        </p:nvSpPr>
+        <p:spPr/>
+        <p:txBody>
+          <a:bodyPr>
+            <a:normAutofit/>
+          </a:bodyPr>
+          <a:lstStyle/>
+          <a:p>
+            <a:r>
+              <a:rPr lang="en-US" dirty="0" smtClean="0">
+                <a:latin typeface="Courier" charset="0"/>
+                <a:ea typeface="Courier" charset="0"/>
+                <a:cs typeface="Courier" charset="0"/>
+              </a:rPr>
+              <a:t>Autonomous functional execution on demand</a:t>
+            </a:r>
+            <a:endParaRPr lang="en-US" dirty="0" smtClean="0">
+              <a:latin typeface="Courier" charset="0"/>
+              <a:ea typeface="Courier" charset="0"/>
+              <a:cs typeface="Courier" charset="0"/>
+            </a:endParaRPr>
+          </a:p>
+          <a:p>
+            <a:r>
+              <a:rPr lang="en-US" dirty="0" smtClean="0">
+                <a:latin typeface="Courier" charset="0"/>
+                <a:ea typeface="Courier" charset="0"/>
+                <a:cs typeface="Courier" charset="0"/>
+              </a:rPr>
+              <a:t>Microservices</a:t>
+            </a:r>
+            <a:r>
+              <a:rPr lang="en-US" dirty="0">
+                <a:latin typeface="Courier" charset="0"/>
+                <a:ea typeface="Courier" charset="0"/>
+                <a:cs typeface="Courier" charset="0"/>
+              </a:rPr>
+              <a:t>? (</a:t>
+            </a:r>
+            <a:r>
+              <a:rPr lang="en-US" dirty="0">
+                <a:latin typeface="Courier" charset="0"/>
+                <a:ea typeface="Courier" charset="0"/>
+                <a:cs typeface="Courier" charset="0"/>
+                <a:hlinkClick r:id="rId3"/>
+              </a:rPr>
+              <a:t>https://12factor.net</a:t>
+            </a:r>
+            <a:r>
+              <a:rPr lang="en-US" dirty="0" smtClean="0">
+                <a:latin typeface="Courier" charset="0"/>
+                <a:ea typeface="Courier" charset="0"/>
+                <a:cs typeface="Courier" charset="0"/>
+                <a:hlinkClick r:id="rId3"/>
+              </a:rPr>
+              <a:t>/</a:t>
+            </a:r>
+            <a:r>
+              <a:rPr lang="en-US" dirty="0" smtClean="0">
+                <a:latin typeface="Courier" charset="0"/>
+                <a:ea typeface="Courier" charset="0"/>
+                <a:cs typeface="Courier" charset="0"/>
+              </a:rPr>
+              <a:t>)</a:t>
+            </a:r>
+            <a:endParaRPr lang="en-US" dirty="0" smtClean="0">
+              <a:latin typeface="Courier" charset="0"/>
+              <a:ea typeface="Courier" charset="0"/>
+              <a:cs typeface="Courier" charset="0"/>
+            </a:endParaRPr>
+          </a:p>
+          <a:p>
+            <a:r>
+              <a:rPr lang="en-US" dirty="0" smtClean="0">
+                <a:latin typeface="Courier" charset="0"/>
+                <a:ea typeface="Courier" charset="0"/>
+                <a:cs typeface="Courier" charset="0"/>
+              </a:rPr>
+              <a:t>In AWS, lambda </a:t>
+            </a:r>
+            <a:r>
+              <a:rPr lang="en-US" i="1" dirty="0" err="1" smtClean="0">
+                <a:solidFill>
+                  <a:schemeClr val="accent6">
+                    <a:lumMod val="75000"/>
+                  </a:schemeClr>
+                </a:solidFill>
+                <a:latin typeface="Courier" charset="0"/>
+                <a:ea typeface="Courier" charset="0"/>
+                <a:cs typeface="Courier" charset="0"/>
+              </a:rPr>
+              <a:t>instanceOf</a:t>
+            </a:r>
+            <a:r>
+              <a:rPr lang="en-US" dirty="0" smtClean="0">
+                <a:latin typeface="Courier" charset="0"/>
+                <a:ea typeface="Courier" charset="0"/>
+                <a:cs typeface="Courier" charset="0"/>
+              </a:rPr>
+              <a:t> </a:t>
+            </a:r>
+            <a:r>
+              <a:rPr lang="en-US" dirty="0" err="1" smtClean="0">
+                <a:latin typeface="Courier" charset="0"/>
+                <a:ea typeface="Courier" charset="0"/>
+                <a:cs typeface="Courier" charset="0"/>
+              </a:rPr>
+              <a:t>serverless</a:t>
+            </a:r>
+            <a:r>
+              <a:rPr lang="en-US" dirty="0" smtClean="0">
+                <a:latin typeface="Courier" charset="0"/>
+                <a:ea typeface="Courier" charset="0"/>
+                <a:cs typeface="Courier" charset="0"/>
+              </a:rPr>
+              <a:t> function</a:t>
+            </a:r>
+            <a:endParaRPr lang="en-US" dirty="0" smtClean="0">
+              <a:latin typeface="Courier" charset="0"/>
+              <a:ea typeface="Courier" charset="0"/>
+              <a:cs typeface="Courier" charset="0"/>
+            </a:endParaRPr>
+          </a:p>
+          <a:p>
+            <a:r>
+              <a:rPr lang="en-US" dirty="0" smtClean="0">
+                <a:latin typeface="Courier" charset="0"/>
+                <a:ea typeface="Courier" charset="0"/>
+                <a:cs typeface="Courier" charset="0"/>
+              </a:rPr>
+              <a:t>Primary languages supported are Java, Python, and JavaScript (</a:t>
+            </a:r>
+            <a:r>
+              <a:rPr lang="en-US" dirty="0" err="1" smtClean="0">
+                <a:latin typeface="Courier" charset="0"/>
+                <a:ea typeface="Courier" charset="0"/>
+                <a:cs typeface="Courier" charset="0"/>
+              </a:rPr>
+              <a:t>node.js</a:t>
+            </a:r>
+            <a:r>
+              <a:rPr lang="en-US" dirty="0" smtClean="0">
+                <a:latin typeface="Courier" charset="0"/>
+                <a:ea typeface="Courier" charset="0"/>
+                <a:cs typeface="Courier" charset="0"/>
+              </a:rPr>
+              <a:t>)</a:t>
+            </a:r>
+          </a:p>
+          <a:p>
+            <a:endParaRPr lang="en-US" dirty="0" smtClean="0">
+              <a:latin typeface="Courier" charset="0"/>
+              <a:ea typeface="Courier" charset="0"/>
+              <a:cs typeface="Courier" charset="0"/>
+            </a:endParaRPr>
+          </a:p>
+        </p:txBody>
+      </p:sp>
+    </p:spTree>
+    <p:extLst>
+      <p:ext uri="{BB962C8B-B14F-4D97-AF65-F5344CB8AC3E}">
+        <p14:creationId xmlns:p14="http://schemas.microsoft.com/office/powerpoint/2010/main" val="666813900"/>
+      </p:ext>
+    </p:extLst>
+  </p:cSld>
+  <p:clrMapOvr>
+    <a:masterClrMapping/>
+  </p:clrMapOvr>
+  <p:timing>
+    <p:tnLst>
+      <p:par>
+        <p:cTn id="1" dur="indefinite" restart="never" nodeType="tmRoot"/>
+      </p:par>
+    </p:tnLst>
+  </p:timing>
+</p:sld>
+</file>
+
+<file path=ppt/slides/slide8.xml><?xml version="1.0" encoding="utf-8"?>
+<p:sld xmlns:a="http://schemas.openxmlformats.org/drawingml/2006/main" xmlns:r="http://schemas.openxmlformats.org/officeDocument/2006/relationships" xmlns:p="http://schemas.openxmlformats.org/presentationml/2006/main">
+  <p:cSld>
+    <p:spTree>
+      <p:nvGrpSpPr>
+        <p:cNvPr id="1" name=""/>
+        <p:cNvGrpSpPr/>
+        <p:nvPr/>
+      </p:nvGrpSpPr>
+      <p:grpSpPr>
+        <a:xfrm>
+          <a:off x="0" y="0"/>
+          <a:ext cx="0" cy="0"/>
+          <a:chOff x="0" y="0"/>
+          <a:chExt cx="0" cy="0"/>
+        </a:xfrm>
+      </p:grpSpPr>
+      <p:sp>
+        <p:nvSpPr>
+          <p:cNvPr id="2" name="Title 1"/>
+          <p:cNvSpPr>
+            <a:spLocks noGrp="1"/>
+          </p:cNvSpPr>
+          <p:nvPr>
+            <p:ph type="title"/>
+          </p:nvPr>
+        </p:nvSpPr>
+        <p:spPr/>
+        <p:txBody>
+          <a:bodyPr/>
+          <a:lstStyle/>
+          <a:p>
+            <a:r>
+              <a:rPr lang="en-US" dirty="0" smtClean="0">
+                <a:latin typeface="Courier" charset="0"/>
+                <a:ea typeface="Courier" charset="0"/>
+                <a:cs typeface="Courier" charset="0"/>
+              </a:rPr>
+              <a:t>The </a:t>
+            </a:r>
+            <a:r>
+              <a:rPr lang="en-US" i="1" dirty="0" err="1" smtClean="0">
+                <a:latin typeface="Courier" charset="0"/>
+                <a:ea typeface="Courier" charset="0"/>
+                <a:cs typeface="Courier" charset="0"/>
+              </a:rPr>
+              <a:t>Serverless</a:t>
+            </a:r>
+            <a:r>
+              <a:rPr lang="en-US" dirty="0" smtClean="0">
+                <a:latin typeface="Courier" charset="0"/>
+                <a:ea typeface="Courier" charset="0"/>
+                <a:cs typeface="Courier" charset="0"/>
+              </a:rPr>
+              <a:t> Framework</a:t>
+            </a:r>
+            <a:endParaRPr lang="en-US" dirty="0">
+              <a:latin typeface="Courier" charset="0"/>
+              <a:ea typeface="Courier" charset="0"/>
+              <a:cs typeface="Courier" charset="0"/>
+            </a:endParaRPr>
+          </a:p>
+        </p:txBody>
+      </p:sp>
+      <p:sp>
+        <p:nvSpPr>
+          <p:cNvPr id="3" name="Content Placeholder 2"/>
+          <p:cNvSpPr>
+            <a:spLocks noGrp="1"/>
+          </p:cNvSpPr>
+          <p:nvPr>
+            <p:ph idx="1"/>
+          </p:nvPr>
+        </p:nvSpPr>
+        <p:spPr/>
+        <p:txBody>
+          <a:bodyPr>
+            <a:normAutofit/>
+          </a:bodyPr>
+          <a:lstStyle/>
+          <a:p>
+            <a:r>
+              <a:rPr lang="en-US" dirty="0" smtClean="0">
+                <a:latin typeface="Courier" charset="0"/>
+                <a:ea typeface="Courier" charset="0"/>
+                <a:cs typeface="Courier" charset="0"/>
+              </a:rPr>
+              <a:t>Open source build and deployment tool</a:t>
+            </a:r>
+          </a:p>
+          <a:p>
+            <a:r>
+              <a:rPr lang="en-US" dirty="0" smtClean="0">
+                <a:latin typeface="Courier" charset="0"/>
+                <a:ea typeface="Courier" charset="0"/>
+                <a:cs typeface="Courier" charset="0"/>
+              </a:rPr>
+              <a:t>Support for multiple public cloud providers (Google, Azure, and AWS)</a:t>
+            </a:r>
+            <a:endParaRPr lang="en-US" dirty="0" smtClean="0">
+              <a:latin typeface="Courier" charset="0"/>
+              <a:ea typeface="Courier" charset="0"/>
+              <a:cs typeface="Courier" charset="0"/>
+            </a:endParaRPr>
+          </a:p>
+          <a:p>
+            <a:r>
+              <a:rPr lang="en-US" dirty="0" smtClean="0">
+                <a:latin typeface="Courier" charset="0"/>
+                <a:ea typeface="Courier" charset="0"/>
+                <a:cs typeface="Courier" charset="0"/>
+              </a:rPr>
+              <a:t>Multi-language support</a:t>
+            </a:r>
+            <a:endParaRPr lang="en-US" dirty="0" smtClean="0">
+              <a:latin typeface="Courier" charset="0"/>
+              <a:ea typeface="Courier" charset="0"/>
+              <a:cs typeface="Courier" charset="0"/>
+            </a:endParaRPr>
+          </a:p>
+          <a:p>
+            <a:r>
+              <a:rPr lang="en-US" dirty="0" smtClean="0">
+                <a:latin typeface="Courier" charset="0"/>
+                <a:ea typeface="Courier" charset="0"/>
+                <a:cs typeface="Courier" charset="0"/>
+              </a:rPr>
+              <a:t>Abstracts configuration and deployment orchestration details</a:t>
+            </a:r>
+            <a:endParaRPr lang="en-US" dirty="0" smtClean="0">
+              <a:latin typeface="Courier" charset="0"/>
+              <a:ea typeface="Courier" charset="0"/>
+              <a:cs typeface="Courier" charset="0"/>
+            </a:endParaRPr>
+          </a:p>
+          <a:p>
+            <a:r>
+              <a:rPr lang="en-US" dirty="0" smtClean="0">
+                <a:latin typeface="Courier" charset="0"/>
+                <a:ea typeface="Courier" charset="0"/>
+                <a:cs typeface="Courier" charset="0"/>
+              </a:rPr>
+              <a:t>Supports the integration with several cloud services including event/messaging, database, and file I/O</a:t>
+            </a:r>
+          </a:p>
+          <a:p>
+            <a:endParaRPr lang="en-US" dirty="0" smtClean="0">
+              <a:latin typeface="Courier" charset="0"/>
+              <a:ea typeface="Courier" charset="0"/>
+              <a:cs typeface="Courier" charset="0"/>
+            </a:endParaRPr>
+          </a:p>
+        </p:txBody>
+      </p:sp>
+    </p:spTree>
+    <p:extLst>
+      <p:ext uri="{BB962C8B-B14F-4D97-AF65-F5344CB8AC3E}">
+        <p14:creationId xmlns:p14="http://schemas.microsoft.com/office/powerpoint/2010/main" val="1267705222"/>
+      </p:ext>
+    </p:extLst>
+  </p:cSld>
+  <p:clrMapOvr>
+    <a:masterClrMapping/>
+  </p:clrMapOvr>
+  <p:timing>
+    <p:tnLst>
+      <p:par>
+        <p:cTn id="1" dur="indefinite" restart="never" nodeType="tmRoot"/>
+      </p:par>
+    </p:tnLst>
+  </p:timing>
+</p:sld>
+</file>
+
+<file path=ppt/slides/slide9.xml><?xml version="1.0" encoding="utf-8"?>
+<p:sld xmlns:a="http://schemas.openxmlformats.org/drawingml/2006/main" xmlns:r="http://schemas.openxmlformats.org/officeDocument/2006/relationships" xmlns:p="http://schemas.openxmlformats.org/presentationml/2006/main">
+  <p:cSld>
+    <p:spTree>
+      <p:nvGrpSpPr>
+        <p:cNvPr id="1" name=""/>
+        <p:cNvGrpSpPr/>
+        <p:nvPr/>
+      </p:nvGrpSpPr>
+      <p:grpSpPr>
+        <a:xfrm>
+          <a:off x="0" y="0"/>
+          <a:ext cx="0" cy="0"/>
+          <a:chOff x="0" y="0"/>
+          <a:chExt cx="0" cy="0"/>
+        </a:xfrm>
+      </p:grpSpPr>
+      <p:sp>
+        <p:nvSpPr>
+          <p:cNvPr id="2" name="Title 1"/>
+          <p:cNvSpPr>
+            <a:spLocks noGrp="1"/>
+          </p:cNvSpPr>
+          <p:nvPr>
+            <p:ph type="title"/>
+          </p:nvPr>
+        </p:nvSpPr>
+        <p:spPr/>
+        <p:txBody>
+          <a:bodyPr/>
+          <a:lstStyle/>
+          <a:p>
+            <a:r>
+              <a:rPr lang="en-US" dirty="0" err="1" smtClean="0">
+                <a:latin typeface="Courier" charset="0"/>
+                <a:ea typeface="Courier" charset="0"/>
+                <a:cs typeface="Courier" charset="0"/>
+              </a:rPr>
+              <a:t>Serverless</a:t>
+            </a:r>
+            <a:r>
+              <a:rPr lang="en-US" dirty="0" smtClean="0">
+                <a:latin typeface="Courier" charset="0"/>
+                <a:ea typeface="Courier" charset="0"/>
+                <a:cs typeface="Courier" charset="0"/>
+              </a:rPr>
+              <a:t> Hello World!</a:t>
+            </a:r>
+            <a:endParaRPr lang="en-US" dirty="0">
+              <a:latin typeface="Courier" charset="0"/>
+              <a:ea typeface="Courier" charset="0"/>
+              <a:cs typeface="Courier" charset="0"/>
+            </a:endParaRPr>
+          </a:p>
+        </p:txBody>
+      </p:sp>
+      <p:sp>
+        <p:nvSpPr>
+          <p:cNvPr id="5" name="Content Placeholder 4"/>
+          <p:cNvSpPr>
+            <a:spLocks noGrp="1"/>
+          </p:cNvSpPr>
+          <p:nvPr>
+            <p:ph idx="1"/>
+          </p:nvPr>
+        </p:nvSpPr>
+        <p:spPr>
+          <a:xfrm>
+            <a:off x="838200" y="1825625"/>
+            <a:ext cx="10515600" cy="2400011"/>
+          </a:xfrm>
+          <a:solidFill>
+            <a:schemeClr val="accent6">
+              <a:lumMod val="75000"/>
+            </a:schemeClr>
+          </a:solidFill>
+          <a:ln>
+            <a:solidFill>
+              <a:schemeClr val="tx1"/>
+            </a:solidFill>
+          </a:ln>
+        </p:spPr>
+        <p:txBody>
+          <a:bodyPr>
+            <a:normAutofit fontScale="92500" lnSpcReduction="20000"/>
+          </a:bodyPr>
+          <a:lstStyle/>
+          <a:p>
+            <a:pPr marL="0" indent="0">
+              <a:buNone/>
+            </a:pPr>
+            <a:r>
+              <a:rPr lang="en-US" dirty="0" smtClean="0">
+                <a:solidFill>
+                  <a:srgbClr val="FFFF00"/>
+                </a:solidFill>
+                <a:latin typeface="Courier" charset="0"/>
+                <a:ea typeface="Courier" charset="0"/>
+                <a:cs typeface="Courier" charset="0"/>
+              </a:rPr>
+              <a:t>$ </a:t>
+            </a:r>
+            <a:r>
+              <a:rPr lang="en-US" dirty="0" err="1" smtClean="0">
+                <a:solidFill>
+                  <a:srgbClr val="FFFF00"/>
+                </a:solidFill>
+                <a:latin typeface="Courier" charset="0"/>
+                <a:ea typeface="Courier" charset="0"/>
+                <a:cs typeface="Courier" charset="0"/>
+              </a:rPr>
+              <a:t>serverless</a:t>
+            </a:r>
+            <a:r>
+              <a:rPr lang="en-US" dirty="0" smtClean="0">
+                <a:solidFill>
+                  <a:srgbClr val="FFFF00"/>
+                </a:solidFill>
+                <a:latin typeface="Courier" charset="0"/>
+                <a:ea typeface="Courier" charset="0"/>
+                <a:cs typeface="Courier" charset="0"/>
+              </a:rPr>
+              <a:t> --help</a:t>
+            </a:r>
+            <a:endParaRPr lang="en-US" dirty="0" smtClean="0">
+              <a:solidFill>
+                <a:srgbClr val="FFFF00"/>
+              </a:solidFill>
+              <a:latin typeface="Courier" charset="0"/>
+              <a:ea typeface="Courier" charset="0"/>
+              <a:cs typeface="Courier" charset="0"/>
+            </a:endParaRPr>
+          </a:p>
+          <a:p>
+            <a:pPr marL="0" indent="0">
+              <a:buNone/>
+            </a:pPr>
+            <a:r>
+              <a:rPr lang="en-US" dirty="0" smtClean="0">
+                <a:solidFill>
+                  <a:srgbClr val="FFFF00"/>
+                </a:solidFill>
+                <a:latin typeface="Courier" charset="0"/>
+                <a:ea typeface="Courier" charset="0"/>
+                <a:cs typeface="Courier" charset="0"/>
+              </a:rPr>
+              <a:t>. . .</a:t>
+            </a:r>
+          </a:p>
+          <a:p>
+            <a:pPr marL="0" indent="0">
+              <a:buNone/>
+            </a:pPr>
+            <a:r>
+              <a:rPr lang="en-US" dirty="0" smtClean="0">
+                <a:solidFill>
+                  <a:srgbClr val="FFFF00"/>
+                </a:solidFill>
+                <a:latin typeface="Courier" charset="0"/>
+                <a:ea typeface="Courier" charset="0"/>
+                <a:cs typeface="Courier" charset="0"/>
+              </a:rPr>
+              <a:t>$ </a:t>
+            </a:r>
+            <a:r>
+              <a:rPr lang="en-US" dirty="0" err="1" smtClean="0">
+                <a:solidFill>
+                  <a:srgbClr val="FFFF00"/>
+                </a:solidFill>
+                <a:latin typeface="Courier" charset="0"/>
+                <a:ea typeface="Courier" charset="0"/>
+                <a:cs typeface="Courier" charset="0"/>
+              </a:rPr>
+              <a:t>serverless</a:t>
+            </a:r>
+            <a:r>
+              <a:rPr lang="en-US" dirty="0" smtClean="0">
+                <a:solidFill>
+                  <a:srgbClr val="FFFF00"/>
+                </a:solidFill>
+                <a:latin typeface="Courier" charset="0"/>
+                <a:ea typeface="Courier" charset="0"/>
+                <a:cs typeface="Courier" charset="0"/>
+              </a:rPr>
+              <a:t> </a:t>
+            </a:r>
+            <a:r>
+              <a:rPr lang="en-US" dirty="0">
+                <a:solidFill>
+                  <a:srgbClr val="FFFF00"/>
+                </a:solidFill>
+                <a:latin typeface="Courier" charset="0"/>
+                <a:ea typeface="Courier" charset="0"/>
+                <a:cs typeface="Courier" charset="0"/>
+              </a:rPr>
+              <a:t>create --template </a:t>
+            </a:r>
+            <a:r>
+              <a:rPr lang="en-US" dirty="0" err="1">
+                <a:solidFill>
+                  <a:srgbClr val="FFFF00"/>
+                </a:solidFill>
+                <a:latin typeface="Courier" charset="0"/>
+                <a:ea typeface="Courier" charset="0"/>
+                <a:cs typeface="Courier" charset="0"/>
+              </a:rPr>
+              <a:t>aws-nodejs</a:t>
+            </a:r>
+            <a:r>
+              <a:rPr lang="en-US" dirty="0">
+                <a:solidFill>
+                  <a:srgbClr val="FFFF00"/>
+                </a:solidFill>
+                <a:latin typeface="Courier" charset="0"/>
+                <a:ea typeface="Courier" charset="0"/>
+                <a:cs typeface="Courier" charset="0"/>
+              </a:rPr>
+              <a:t> --path </a:t>
+            </a:r>
+            <a:r>
+              <a:rPr lang="en-US" dirty="0" smtClean="0">
+                <a:solidFill>
+                  <a:srgbClr val="FFFF00"/>
+                </a:solidFill>
+                <a:latin typeface="Courier" charset="0"/>
+                <a:ea typeface="Courier" charset="0"/>
+                <a:cs typeface="Courier" charset="0"/>
+              </a:rPr>
+              <a:t>aws-node-foo-svc1</a:t>
+            </a:r>
+          </a:p>
+          <a:p>
+            <a:pPr marL="0" indent="0">
+              <a:buNone/>
+            </a:pPr>
+            <a:r>
+              <a:rPr lang="en-US" dirty="0" smtClean="0">
+                <a:solidFill>
+                  <a:srgbClr val="FFFF00"/>
+                </a:solidFill>
+                <a:latin typeface="Courier" charset="0"/>
+                <a:ea typeface="Courier" charset="0"/>
+                <a:cs typeface="Courier" charset="0"/>
+              </a:rPr>
+              <a:t>$ </a:t>
+            </a:r>
+            <a:r>
+              <a:rPr lang="en-US" dirty="0" err="1" smtClean="0">
+                <a:solidFill>
+                  <a:srgbClr val="FFFF00"/>
+                </a:solidFill>
+                <a:latin typeface="Courier" charset="0"/>
+                <a:ea typeface="Courier" charset="0"/>
+                <a:cs typeface="Courier" charset="0"/>
+              </a:rPr>
+              <a:t>serverless</a:t>
+            </a:r>
+            <a:r>
+              <a:rPr lang="en-US" dirty="0" smtClean="0">
+                <a:solidFill>
+                  <a:srgbClr val="FFFF00"/>
+                </a:solidFill>
+                <a:latin typeface="Courier" charset="0"/>
+                <a:ea typeface="Courier" charset="0"/>
+                <a:cs typeface="Courier" charset="0"/>
+              </a:rPr>
+              <a:t> deploy</a:t>
+            </a:r>
+          </a:p>
+          <a:p>
+            <a:pPr marL="0" indent="0">
+              <a:buNone/>
+            </a:pPr>
+            <a:r>
+              <a:rPr lang="en-US" dirty="0" smtClean="0">
+                <a:solidFill>
+                  <a:srgbClr val="FFFF00"/>
+                </a:solidFill>
+                <a:latin typeface="Courier" charset="0"/>
+                <a:ea typeface="Courier" charset="0"/>
+                <a:cs typeface="Courier" charset="0"/>
+              </a:rPr>
+              <a:t>$ </a:t>
+            </a:r>
+            <a:r>
+              <a:rPr lang="en-US" dirty="0" err="1">
+                <a:solidFill>
+                  <a:srgbClr val="FFFF00"/>
+                </a:solidFill>
+                <a:latin typeface="Courier" charset="0"/>
+                <a:ea typeface="Courier" charset="0"/>
+                <a:cs typeface="Courier" charset="0"/>
+              </a:rPr>
+              <a:t>serverless</a:t>
+            </a:r>
+            <a:r>
+              <a:rPr lang="en-US" dirty="0">
+                <a:solidFill>
+                  <a:srgbClr val="FFFF00"/>
+                </a:solidFill>
+                <a:latin typeface="Courier" charset="0"/>
+                <a:ea typeface="Courier" charset="0"/>
+                <a:cs typeface="Courier" charset="0"/>
+              </a:rPr>
+              <a:t> invoke -f hello </a:t>
+            </a:r>
+            <a:r>
+              <a:rPr lang="mr-IN" dirty="0" smtClean="0">
+                <a:solidFill>
+                  <a:srgbClr val="FFFF00"/>
+                </a:solidFill>
+                <a:latin typeface="Courier" charset="0"/>
+                <a:ea typeface="Courier" charset="0"/>
+                <a:cs typeface="Courier" charset="0"/>
+              </a:rPr>
+              <a:t>–</a:t>
+            </a:r>
+            <a:r>
+              <a:rPr lang="en-US" dirty="0" smtClean="0">
+                <a:solidFill>
+                  <a:srgbClr val="FFFF00"/>
+                </a:solidFill>
+                <a:latin typeface="Courier" charset="0"/>
+                <a:ea typeface="Courier" charset="0"/>
+                <a:cs typeface="Courier" charset="0"/>
+              </a:rPr>
+              <a:t>l</a:t>
+            </a:r>
+          </a:p>
+          <a:p>
+            <a:pPr marL="0" indent="0">
+              <a:buNone/>
+            </a:pPr>
+            <a:endParaRPr lang="en-US" dirty="0">
+              <a:solidFill>
+                <a:srgbClr val="FFFF00"/>
+              </a:solidFill>
+              <a:latin typeface="Courier" charset="0"/>
+              <a:ea typeface="Courier" charset="0"/>
+              <a:cs typeface="Courier" charset="0"/>
+            </a:endParaRPr>
+          </a:p>
+          <a:p>
+            <a:pPr marL="0" indent="0">
+              <a:buNone/>
+            </a:pPr>
+            <a:endParaRPr lang="en-US" dirty="0">
+              <a:solidFill>
+                <a:srgbClr val="FFFF00"/>
+              </a:solidFill>
+              <a:latin typeface="Courier" charset="0"/>
+              <a:ea typeface="Courier" charset="0"/>
+              <a:cs typeface="Courier" charset="0"/>
+            </a:endParaRPr>
+          </a:p>
+        </p:txBody>
+      </p:sp>
+      <p:sp>
+        <p:nvSpPr>
+          <p:cNvPr id="6" name="TextBox 5"/>
+          <p:cNvSpPr txBox="1"/>
+          <p:nvPr/>
+        </p:nvSpPr>
+        <p:spPr>
+          <a:xfrm>
+            <a:off x="838200" y="4360573"/>
+            <a:ext cx="10515600" cy="2246769"/>
+          </a:xfrm>
+          <a:prstGeom prst="rect">
+            <a:avLst/>
+          </a:prstGeom>
+          <a:noFill/>
+        </p:spPr>
+        <p:txBody>
+          <a:bodyPr wrap="square" rtlCol="0">
+            <a:spAutoFit/>
+          </a:bodyPr>
+          <a:lstStyle/>
+          <a:p>
+            <a:pPr marL="285750" indent="-285750">
+              <a:buFont typeface="Arial" charset="0"/>
+              <a:buChar char="•"/>
+            </a:pPr>
+            <a:r>
+              <a:rPr lang="en-US" sz="2800" dirty="0" smtClean="0">
+                <a:latin typeface="Courier" charset="0"/>
+                <a:ea typeface="Courier" charset="0"/>
+                <a:cs typeface="Courier" charset="0"/>
+              </a:rPr>
+              <a:t>Simple </a:t>
+            </a:r>
+            <a:r>
+              <a:rPr lang="en-US" sz="2800" dirty="0" err="1" smtClean="0">
+                <a:latin typeface="Courier" charset="0"/>
+                <a:ea typeface="Courier" charset="0"/>
+                <a:cs typeface="Courier" charset="0"/>
+              </a:rPr>
+              <a:t>npm</a:t>
+            </a:r>
+            <a:r>
+              <a:rPr lang="en-US" sz="2800" dirty="0" smtClean="0">
+                <a:latin typeface="Courier" charset="0"/>
+                <a:ea typeface="Courier" charset="0"/>
+                <a:cs typeface="Courier" charset="0"/>
+              </a:rPr>
+              <a:t> install (use root for global) </a:t>
+            </a:r>
+          </a:p>
+          <a:p>
+            <a:pPr marL="285750" indent="-285750">
+              <a:buFont typeface="Arial" charset="0"/>
+              <a:buChar char="•"/>
+            </a:pPr>
+            <a:r>
+              <a:rPr lang="en-US" sz="2800" dirty="0" smtClean="0">
+                <a:latin typeface="Courier" charset="0"/>
+                <a:ea typeface="Courier" charset="0"/>
+                <a:cs typeface="Courier" charset="0"/>
+              </a:rPr>
+              <a:t>Many service </a:t>
+            </a:r>
+            <a:r>
+              <a:rPr lang="en-US" sz="2800" dirty="0" smtClean="0">
+                <a:latin typeface="Courier" charset="0"/>
+                <a:ea typeface="Courier" charset="0"/>
+                <a:cs typeface="Courier" charset="0"/>
+                <a:hlinkClick r:id="rId3"/>
+              </a:rPr>
+              <a:t>templates</a:t>
+            </a:r>
+            <a:r>
+              <a:rPr lang="en-US" sz="2800" dirty="0" smtClean="0">
+                <a:latin typeface="Courier" charset="0"/>
+                <a:ea typeface="Courier" charset="0"/>
+                <a:cs typeface="Courier" charset="0"/>
+              </a:rPr>
+              <a:t> options (</a:t>
+            </a:r>
+            <a:r>
+              <a:rPr lang="en-US" sz="2800" dirty="0" err="1" smtClean="0">
+                <a:latin typeface="Courier" charset="0"/>
+                <a:ea typeface="Courier" charset="0"/>
+                <a:cs typeface="Courier" charset="0"/>
+              </a:rPr>
+              <a:t>py</a:t>
+            </a:r>
+            <a:r>
+              <a:rPr lang="en-US" sz="2800" dirty="0" smtClean="0">
+                <a:latin typeface="Courier" charset="0"/>
+                <a:ea typeface="Courier" charset="0"/>
+                <a:cs typeface="Courier" charset="0"/>
+              </a:rPr>
+              <a:t>, node, java)</a:t>
+            </a:r>
+          </a:p>
+          <a:p>
+            <a:pPr marL="285750" indent="-285750">
+              <a:buFont typeface="Arial" charset="0"/>
+              <a:buChar char="•"/>
+            </a:pPr>
+            <a:r>
+              <a:rPr lang="en-US" sz="2800" dirty="0" smtClean="0">
+                <a:latin typeface="Courier" charset="0"/>
+                <a:ea typeface="Courier" charset="0"/>
+                <a:cs typeface="Courier" charset="0"/>
+              </a:rPr>
+              <a:t>Re-deploy functions independently</a:t>
+            </a:r>
+          </a:p>
+          <a:p>
+            <a:pPr marL="285750" indent="-285750">
+              <a:buFont typeface="Arial" charset="0"/>
+              <a:buChar char="•"/>
+            </a:pPr>
+            <a:r>
+              <a:rPr lang="en-US" sz="2800" dirty="0" smtClean="0">
+                <a:latin typeface="Courier" charset="0"/>
+                <a:ea typeface="Courier" charset="0"/>
+                <a:cs typeface="Courier" charset="0"/>
+              </a:rPr>
+              <a:t>Local invocation of functions for testing before deployment</a:t>
+            </a:r>
+            <a:endParaRPr lang="en-US" sz="2800" dirty="0" smtClean="0">
+              <a:latin typeface="Courier" charset="0"/>
+              <a:ea typeface="Courier" charset="0"/>
+              <a:cs typeface="Courier" charset="0"/>
+            </a:endParaRPr>
+          </a:p>
+        </p:txBody>
+      </p:sp>
+    </p:spTree>
+    <p:extLst>
+      <p:ext uri="{BB962C8B-B14F-4D97-AF65-F5344CB8AC3E}">
+        <p14:creationId xmlns:p14="http://schemas.microsoft.com/office/powerpoint/2010/main" val="93868783"/>
       </p:ext>
     </p:extLst>
   </p:cSld>
@@ -5299,7 +6772,7 @@
     <we:reference id="WA104379263" version="1.0.0.1" store="WA104379263" storeType="OMEX"/>
   </we:alternateReferences>
   <we:properties>
-    <we:property name="config" value="{&quot;display_lang&quot;:&quot;en&quot;,&quot;display_font&quot;:&quot;Courier New&quot;,&quot;syntax_color&quot;:{&quot;Reserved words&quot;:&quot;#0000ff&quot;,&quot;Built-in objects&quot;:&quot;#FF0000&quot;,&quot;Line comment&quot;:&quot;#008000&quot;,&quot;Block comment&quot;:&quot;#008000&quot;,&quot;Quotation&quot;:&quot;#FF00FF&quot;,&quot;Quotation 2&quot;:&quot;#FF00FF&quot;,&quot;Number&quot;:&quot;#800080&quot;},&quot;old_syntax_color&quot;:{&quot;Reserved words&quot;:&quot;#0000FF&quot;,&quot;Built-in objects&quot;:&quot;#FF0000&quot;,&quot;Line comment&quot;:&quot;#008000&quot;,&quot;Block comment&quot;:&quot;#008000&quot;,&quot;Quotation&quot;:&quot;#FF00FF&quot;,&quot;Quotation 2&quot;:&quot;#FF00FF&quot;,&quot;Number&quot;:&quot;#800080&quot;},&quot;show_line_number&quot;:true,&quot;code_lang&quot;:&quot;js&quot;,&quot;code&quot;:&quot;const http = require('http');\n\nconst hostname = '127.0.0.1';\nconst port = 3000;\n\nconst server = http.createServer((req, res) =&gt; {\n  res.statusCode = 200;\n  res.setHeader('Content-Type', 'text/plain');\n  res.end('Hello World '+Date.now()+'\\n');\n});\n\nserver.listen(port, hostname, () =&gt; {\n  console.log(`Server running at http://${hostname}:${port}/`);\n});&quot;,&quot;ctags&quot;:{}}"/>
+    <we:property name="config" value="{&quot;display_lang&quot;:&quot;en&quot;,&quot;display_font&quot;:&quot;Courier New&quot;,&quot;syntax_color&quot;:{&quot;Reserved words&quot;:&quot;#0000ff&quot;,&quot;Built-in objects&quot;:&quot;#FF0000&quot;,&quot;Line comment&quot;:&quot;#008000&quot;,&quot;Block comment&quot;:&quot;#008000&quot;,&quot;Quotation&quot;:&quot;#FF00FF&quot;,&quot;Quotation 2&quot;:&quot;#FF00FF&quot;,&quot;Number&quot;:&quot;#800080&quot;},&quot;old_syntax_color&quot;:{&quot;Reserved words&quot;:&quot;#0000FF&quot;,&quot;Built-in objects&quot;:&quot;#FF0000&quot;,&quot;Line comment&quot;:&quot;#008000&quot;,&quot;Block comment&quot;:&quot;#008000&quot;,&quot;Quotation&quot;:&quot;#FF00FF&quot;,&quot;Quotation 2&quot;:&quot;#FF00FF&quot;,&quot;Number&quot;:&quot;#800080&quot;},&quot;show_line_number&quot;:true,&quot;code_lang&quot;:&quot;js&quot;,&quot;code&quot;:&quot;const http = require('http');\nconst url = \&quot;http://localhost:3000\&quot;;\n\nhttp.get(url, (res) =&gt; {\n  res.setEncoding(\&quot;utf8\&quot;);\n  let body = \&quot;\&quot;;\n  res.on(\&quot;data\&quot;, data =&gt; { body += data; });\n  res.on(\&quot;end\&quot;, () =&gt; {\n    console.log('STATUS: ' + res.statusCode);\n    console.log('HEADER: ' + JSON.stringify(res.headers));\n    console.log('CONTENT-TYPE: ' + res.headers['content-type']);\n    console.log('BODY: ' + body);\n  });\n});&quot;,&quot;ctags&quot;:{}}"/>
   </we:properties>
   <we:bindings/>
   <we:snapshot xmlns:r="http://schemas.openxmlformats.org/officeDocument/2006/relationships" r:embed="rId1"/>

--- a/doc/slac_slides.pptx
+++ b/doc/slac_slides.pptx
@@ -5,7 +5,7 @@
     <p:sldMasterId id="2147483648" r:id="rId1"/>
   </p:sldMasterIdLst>
   <p:notesMasterIdLst>
-    <p:notesMasterId r:id="rId11"/>
+    <p:notesMasterId r:id="rId14"/>
   </p:notesMasterIdLst>
   <p:sldIdLst>
     <p:sldId id="256" r:id="rId2"/>
@@ -17,6 +17,9 @@
     <p:sldId id="262" r:id="rId8"/>
     <p:sldId id="263" r:id="rId9"/>
     <p:sldId id="264" r:id="rId10"/>
+    <p:sldId id="265" r:id="rId11"/>
+    <p:sldId id="266" r:id="rId12"/>
+    <p:sldId id="267" r:id="rId13"/>
   </p:sldIdLst>
   <p:sldSz cx="12192000" cy="6858000"/>
   <p:notesSz cx="6858000" cy="9144000"/>
@@ -1298,6 +1301,334 @@
     <p:extLst>
       <p:ext uri="{BB962C8B-B14F-4D97-AF65-F5344CB8AC3E}">
         <p14:creationId xmlns:p14="http://schemas.microsoft.com/office/powerpoint/2010/main" val="1646626983"/>
+      </p:ext>
+    </p:extLst>
+  </p:cSld>
+  <p:clrMapOvr>
+    <a:masterClrMapping/>
+  </p:clrMapOvr>
+</p:notes>
+</file>
+
+<file path=ppt/notesSlides/notesSlide7.xml><?xml version="1.0" encoding="utf-8"?>
+<p:notes xmlns:a="http://schemas.openxmlformats.org/drawingml/2006/main" xmlns:r="http://schemas.openxmlformats.org/officeDocument/2006/relationships" xmlns:p="http://schemas.openxmlformats.org/presentationml/2006/main">
+  <p:cSld>
+    <p:spTree>
+      <p:nvGrpSpPr>
+        <p:cNvPr id="1" name=""/>
+        <p:cNvGrpSpPr/>
+        <p:nvPr/>
+      </p:nvGrpSpPr>
+      <p:grpSpPr>
+        <a:xfrm>
+          <a:off x="0" y="0"/>
+          <a:ext cx="0" cy="0"/>
+          <a:chOff x="0" y="0"/>
+          <a:chExt cx="0" cy="0"/>
+        </a:xfrm>
+      </p:grpSpPr>
+      <p:sp>
+        <p:nvSpPr>
+          <p:cNvPr id="2" name="Slide Image Placeholder 1"/>
+          <p:cNvSpPr>
+            <a:spLocks noGrp="1" noRot="1" noChangeAspect="1"/>
+          </p:cNvSpPr>
+          <p:nvPr>
+            <p:ph type="sldImg"/>
+          </p:nvPr>
+        </p:nvSpPr>
+        <p:spPr/>
+      </p:sp>
+      <p:sp>
+        <p:nvSpPr>
+          <p:cNvPr id="3" name="Notes Placeholder 2"/>
+          <p:cNvSpPr>
+            <a:spLocks noGrp="1"/>
+          </p:cNvSpPr>
+          <p:nvPr>
+            <p:ph type="body" idx="1"/>
+          </p:nvPr>
+        </p:nvSpPr>
+        <p:spPr/>
+        <p:txBody>
+          <a:bodyPr/>
+          <a:lstStyle/>
+          <a:p>
+            <a:r>
+              <a:rPr lang="en-US" dirty="0" smtClean="0"/>
+              <a:t>1)</a:t>
+            </a:r>
+            <a:r>
+              <a:rPr lang="en-US" baseline="0" dirty="0" smtClean="0"/>
+              <a:t> Update </a:t>
+            </a:r>
+            <a:r>
+              <a:rPr lang="en-US" baseline="0" dirty="0" err="1" smtClean="0"/>
+              <a:t>serverless.yml</a:t>
+            </a:r>
+            <a:r>
+              <a:rPr lang="en-US" baseline="0" dirty="0" smtClean="0"/>
+              <a:t> with http (path &amp; method) and re-deploy the service</a:t>
+            </a:r>
+            <a:endParaRPr lang="en-US" dirty="0" smtClean="0"/>
+          </a:p>
+          <a:p>
+            <a:r>
+              <a:rPr lang="en-US" dirty="0" smtClean="0"/>
+              <a:t>2) </a:t>
+            </a:r>
+            <a:r>
+              <a:rPr lang="en-US" baseline="0" dirty="0" smtClean="0"/>
+              <a:t>Examine the input event in the response.  Comment in the handler and re-deploy "</a:t>
+            </a:r>
+            <a:r>
+              <a:rPr lang="en-US" baseline="0" dirty="0" err="1" smtClean="0"/>
+              <a:t>serverless</a:t>
+            </a:r>
+            <a:r>
+              <a:rPr lang="en-US" baseline="0" dirty="0" smtClean="0"/>
+              <a:t> deploy function -f hello"</a:t>
+            </a:r>
+          </a:p>
+          <a:p>
+            <a:r>
+              <a:rPr lang="en-US" baseline="0" dirty="0" smtClean="0"/>
+              <a:t>3) Copy URL to ajax html (</a:t>
+            </a:r>
+            <a:r>
+              <a:rPr lang="en-US" baseline="0" dirty="0" err="1" smtClean="0"/>
+              <a:t>slac</a:t>
+            </a:r>
+            <a:r>
+              <a:rPr lang="en-US" baseline="0" dirty="0" smtClean="0"/>
+              <a:t>) and test</a:t>
+            </a:r>
+          </a:p>
+        </p:txBody>
+      </p:sp>
+      <p:sp>
+        <p:nvSpPr>
+          <p:cNvPr id="4" name="Slide Number Placeholder 3"/>
+          <p:cNvSpPr>
+            <a:spLocks noGrp="1"/>
+          </p:cNvSpPr>
+          <p:nvPr>
+            <p:ph type="sldNum" sz="quarter" idx="10"/>
+          </p:nvPr>
+        </p:nvSpPr>
+        <p:spPr/>
+        <p:txBody>
+          <a:bodyPr/>
+          <a:lstStyle/>
+          <a:p>
+            <a:fld id="{F2525AB9-A250-384A-A45B-2B27F02B4CAC}" type="slidenum">
+              <a:rPr lang="en-US" smtClean="0"/>
+              <a:t>10</a:t>
+            </a:fld>
+            <a:endParaRPr lang="en-US"/>
+          </a:p>
+        </p:txBody>
+      </p:sp>
+    </p:spTree>
+    <p:extLst>
+      <p:ext uri="{BB962C8B-B14F-4D97-AF65-F5344CB8AC3E}">
+        <p14:creationId xmlns:p14="http://schemas.microsoft.com/office/powerpoint/2010/main" val="993817812"/>
+      </p:ext>
+    </p:extLst>
+  </p:cSld>
+  <p:clrMapOvr>
+    <a:masterClrMapping/>
+  </p:clrMapOvr>
+</p:notes>
+</file>
+
+<file path=ppt/notesSlides/notesSlide8.xml><?xml version="1.0" encoding="utf-8"?>
+<p:notes xmlns:a="http://schemas.openxmlformats.org/drawingml/2006/main" xmlns:r="http://schemas.openxmlformats.org/officeDocument/2006/relationships" xmlns:p="http://schemas.openxmlformats.org/presentationml/2006/main">
+  <p:cSld>
+    <p:spTree>
+      <p:nvGrpSpPr>
+        <p:cNvPr id="1" name=""/>
+        <p:cNvGrpSpPr/>
+        <p:nvPr/>
+      </p:nvGrpSpPr>
+      <p:grpSpPr>
+        <a:xfrm>
+          <a:off x="0" y="0"/>
+          <a:ext cx="0" cy="0"/>
+          <a:chOff x="0" y="0"/>
+          <a:chExt cx="0" cy="0"/>
+        </a:xfrm>
+      </p:grpSpPr>
+      <p:sp>
+        <p:nvSpPr>
+          <p:cNvPr id="2" name="Slide Image Placeholder 1"/>
+          <p:cNvSpPr>
+            <a:spLocks noGrp="1" noRot="1" noChangeAspect="1"/>
+          </p:cNvSpPr>
+          <p:nvPr>
+            <p:ph type="sldImg"/>
+          </p:nvPr>
+        </p:nvSpPr>
+        <p:spPr/>
+      </p:sp>
+      <p:sp>
+        <p:nvSpPr>
+          <p:cNvPr id="3" name="Notes Placeholder 2"/>
+          <p:cNvSpPr>
+            <a:spLocks noGrp="1"/>
+          </p:cNvSpPr>
+          <p:nvPr>
+            <p:ph type="body" idx="1"/>
+          </p:nvPr>
+        </p:nvSpPr>
+        <p:spPr/>
+        <p:txBody>
+          <a:bodyPr/>
+          <a:lstStyle/>
+          <a:p>
+            <a:r>
+              <a:rPr lang="en-US" dirty="0" smtClean="0"/>
+              <a:t>1)</a:t>
+            </a:r>
+            <a:r>
+              <a:rPr lang="en-US" baseline="0" dirty="0" smtClean="0"/>
+              <a:t> Update </a:t>
+            </a:r>
+            <a:r>
+              <a:rPr lang="en-US" baseline="0" dirty="0" err="1" smtClean="0"/>
+              <a:t>serverless.yml</a:t>
+            </a:r>
+            <a:r>
+              <a:rPr lang="en-US" baseline="0" dirty="0" smtClean="0"/>
+              <a:t> with </a:t>
+            </a:r>
+            <a:r>
+              <a:rPr lang="en-US" baseline="0" dirty="0" err="1" smtClean="0"/>
+              <a:t>cors</a:t>
+            </a:r>
+            <a:r>
+              <a:rPr lang="en-US" baseline="0" dirty="0" smtClean="0"/>
+              <a:t> and test ... why didn't it work?</a:t>
+            </a:r>
+            <a:endParaRPr lang="en-US" baseline="0" dirty="0" smtClean="0"/>
+          </a:p>
+        </p:txBody>
+      </p:sp>
+      <p:sp>
+        <p:nvSpPr>
+          <p:cNvPr id="4" name="Slide Number Placeholder 3"/>
+          <p:cNvSpPr>
+            <a:spLocks noGrp="1"/>
+          </p:cNvSpPr>
+          <p:nvPr>
+            <p:ph type="sldNum" sz="quarter" idx="10"/>
+          </p:nvPr>
+        </p:nvSpPr>
+        <p:spPr/>
+        <p:txBody>
+          <a:bodyPr/>
+          <a:lstStyle/>
+          <a:p>
+            <a:fld id="{F2525AB9-A250-384A-A45B-2B27F02B4CAC}" type="slidenum">
+              <a:rPr lang="en-US" smtClean="0"/>
+              <a:t>11</a:t>
+            </a:fld>
+            <a:endParaRPr lang="en-US"/>
+          </a:p>
+        </p:txBody>
+      </p:sp>
+    </p:spTree>
+    <p:extLst>
+      <p:ext uri="{BB962C8B-B14F-4D97-AF65-F5344CB8AC3E}">
+        <p14:creationId xmlns:p14="http://schemas.microsoft.com/office/powerpoint/2010/main" val="210567613"/>
+      </p:ext>
+    </p:extLst>
+  </p:cSld>
+  <p:clrMapOvr>
+    <a:masterClrMapping/>
+  </p:clrMapOvr>
+</p:notes>
+</file>
+
+<file path=ppt/notesSlides/notesSlide9.xml><?xml version="1.0" encoding="utf-8"?>
+<p:notes xmlns:a="http://schemas.openxmlformats.org/drawingml/2006/main" xmlns:r="http://schemas.openxmlformats.org/officeDocument/2006/relationships" xmlns:p="http://schemas.openxmlformats.org/presentationml/2006/main">
+  <p:cSld>
+    <p:spTree>
+      <p:nvGrpSpPr>
+        <p:cNvPr id="1" name=""/>
+        <p:cNvGrpSpPr/>
+        <p:nvPr/>
+      </p:nvGrpSpPr>
+      <p:grpSpPr>
+        <a:xfrm>
+          <a:off x="0" y="0"/>
+          <a:ext cx="0" cy="0"/>
+          <a:chOff x="0" y="0"/>
+          <a:chExt cx="0" cy="0"/>
+        </a:xfrm>
+      </p:grpSpPr>
+      <p:sp>
+        <p:nvSpPr>
+          <p:cNvPr id="2" name="Slide Image Placeholder 1"/>
+          <p:cNvSpPr>
+            <a:spLocks noGrp="1" noRot="1" noChangeAspect="1"/>
+          </p:cNvSpPr>
+          <p:nvPr>
+            <p:ph type="sldImg"/>
+          </p:nvPr>
+        </p:nvSpPr>
+        <p:spPr/>
+      </p:sp>
+      <p:sp>
+        <p:nvSpPr>
+          <p:cNvPr id="3" name="Notes Placeholder 2"/>
+          <p:cNvSpPr>
+            <a:spLocks noGrp="1"/>
+          </p:cNvSpPr>
+          <p:nvPr>
+            <p:ph type="body" idx="1"/>
+          </p:nvPr>
+        </p:nvSpPr>
+        <p:spPr/>
+        <p:txBody>
+          <a:bodyPr/>
+          <a:lstStyle/>
+          <a:p>
+            <a:r>
+              <a:rPr lang="en-US" baseline="0" dirty="0" smtClean="0"/>
+              <a:t>1) Modify code handler and re-test</a:t>
+            </a:r>
+            <a:endParaRPr lang="en-US" baseline="0" dirty="0" smtClean="0"/>
+          </a:p>
+        </p:txBody>
+      </p:sp>
+      <p:sp>
+        <p:nvSpPr>
+          <p:cNvPr id="4" name="Slide Number Placeholder 3"/>
+          <p:cNvSpPr>
+            <a:spLocks noGrp="1"/>
+          </p:cNvSpPr>
+          <p:nvPr>
+            <p:ph type="sldNum" sz="quarter" idx="10"/>
+          </p:nvPr>
+        </p:nvSpPr>
+        <p:spPr/>
+        <p:txBody>
+          <a:bodyPr/>
+          <a:lstStyle/>
+          <a:p>
+            <a:fld id="{F2525AB9-A250-384A-A45B-2B27F02B4CAC}" type="slidenum">
+              <a:rPr lang="en-US" smtClean="0"/>
+              <a:t>12</a:t>
+            </a:fld>
+            <a:endParaRPr lang="en-US"/>
+          </a:p>
+        </p:txBody>
+      </p:sp>
+    </p:spTree>
+    <p:extLst>
+      <p:ext uri="{BB962C8B-B14F-4D97-AF65-F5344CB8AC3E}">
+        <p14:creationId xmlns:p14="http://schemas.microsoft.com/office/powerpoint/2010/main" val="1209561093"/>
       </p:ext>
     </p:extLst>
   </p:cSld>
@@ -4281,6 +4612,593 @@
     <p:extLst>
       <p:ext uri="{BB962C8B-B14F-4D97-AF65-F5344CB8AC3E}">
         <p14:creationId xmlns:p14="http://schemas.microsoft.com/office/powerpoint/2010/main" val="1691851184"/>
+      </p:ext>
+    </p:extLst>
+  </p:cSld>
+  <p:clrMapOvr>
+    <a:masterClrMapping/>
+  </p:clrMapOvr>
+  <p:timing>
+    <p:tnLst>
+      <p:par>
+        <p:cTn id="1" dur="indefinite" restart="never" nodeType="tmRoot"/>
+      </p:par>
+    </p:tnLst>
+  </p:timing>
+</p:sld>
+</file>
+
+<file path=ppt/slides/slide10.xml><?xml version="1.0" encoding="utf-8"?>
+<p:sld xmlns:a="http://schemas.openxmlformats.org/drawingml/2006/main" xmlns:r="http://schemas.openxmlformats.org/officeDocument/2006/relationships" xmlns:p="http://schemas.openxmlformats.org/presentationml/2006/main">
+  <p:cSld>
+    <p:spTree>
+      <p:nvGrpSpPr>
+        <p:cNvPr id="1" name=""/>
+        <p:cNvGrpSpPr/>
+        <p:nvPr/>
+      </p:nvGrpSpPr>
+      <p:grpSpPr>
+        <a:xfrm>
+          <a:off x="0" y="0"/>
+          <a:ext cx="0" cy="0"/>
+          <a:chOff x="0" y="0"/>
+          <a:chExt cx="0" cy="0"/>
+        </a:xfrm>
+      </p:grpSpPr>
+      <p:sp>
+        <p:nvSpPr>
+          <p:cNvPr id="2" name="Title 1"/>
+          <p:cNvSpPr>
+            <a:spLocks noGrp="1"/>
+          </p:cNvSpPr>
+          <p:nvPr>
+            <p:ph type="title"/>
+          </p:nvPr>
+        </p:nvSpPr>
+        <p:spPr/>
+        <p:txBody>
+          <a:bodyPr/>
+          <a:lstStyle/>
+          <a:p>
+            <a:r>
+              <a:rPr lang="en-US" dirty="0" err="1" smtClean="0">
+                <a:latin typeface="Courier" charset="0"/>
+                <a:ea typeface="Courier" charset="0"/>
+                <a:cs typeface="Courier" charset="0"/>
+              </a:rPr>
+              <a:t>Serverless</a:t>
+            </a:r>
+            <a:r>
+              <a:rPr lang="en-US" dirty="0" smtClean="0">
+                <a:latin typeface="Courier" charset="0"/>
+                <a:ea typeface="Courier" charset="0"/>
+                <a:cs typeface="Courier" charset="0"/>
+              </a:rPr>
+              <a:t> AWS Events</a:t>
+            </a:r>
+            <a:endParaRPr lang="en-US" dirty="0">
+              <a:latin typeface="Courier" charset="0"/>
+              <a:ea typeface="Courier" charset="0"/>
+              <a:cs typeface="Courier" charset="0"/>
+            </a:endParaRPr>
+          </a:p>
+        </p:txBody>
+      </p:sp>
+      <p:sp>
+        <p:nvSpPr>
+          <p:cNvPr id="6" name="TextBox 5"/>
+          <p:cNvSpPr txBox="1"/>
+          <p:nvPr/>
+        </p:nvSpPr>
+        <p:spPr>
+          <a:xfrm>
+            <a:off x="838200" y="1690688"/>
+            <a:ext cx="10515600" cy="3539430"/>
+          </a:xfrm>
+          <a:prstGeom prst="rect">
+            <a:avLst/>
+          </a:prstGeom>
+          <a:noFill/>
+        </p:spPr>
+        <p:txBody>
+          <a:bodyPr wrap="square" rtlCol="0">
+            <a:spAutoFit/>
+          </a:bodyPr>
+          <a:lstStyle/>
+          <a:p>
+            <a:pPr marL="285750" indent="-285750">
+              <a:buFont typeface="Arial" charset="0"/>
+              <a:buChar char="•"/>
+            </a:pPr>
+            <a:r>
+              <a:rPr lang="en-US" sz="2800" dirty="0" smtClean="0">
+                <a:latin typeface="Courier" charset="0"/>
+                <a:ea typeface="Courier" charset="0"/>
+                <a:cs typeface="Courier" charset="0"/>
+              </a:rPr>
+              <a:t>Event configuration abstractions available for: API Gateway, </a:t>
+            </a:r>
+            <a:r>
+              <a:rPr lang="en-US" sz="2800" dirty="0" err="1" smtClean="0">
+                <a:latin typeface="Courier" charset="0"/>
+                <a:ea typeface="Courier" charset="0"/>
+                <a:cs typeface="Courier" charset="0"/>
+              </a:rPr>
+              <a:t>DynamoDB</a:t>
+            </a:r>
+            <a:r>
+              <a:rPr lang="en-US" sz="2800" dirty="0" smtClean="0">
+                <a:latin typeface="Courier" charset="0"/>
+                <a:ea typeface="Courier" charset="0"/>
+                <a:cs typeface="Courier" charset="0"/>
+              </a:rPr>
+              <a:t>, </a:t>
+            </a:r>
+            <a:r>
+              <a:rPr lang="en-US" sz="2800" dirty="0" err="1" smtClean="0">
+                <a:latin typeface="Courier" charset="0"/>
+                <a:ea typeface="Courier" charset="0"/>
+                <a:cs typeface="Courier" charset="0"/>
+              </a:rPr>
+              <a:t>IoT</a:t>
+            </a:r>
+            <a:r>
+              <a:rPr lang="en-US" sz="2800" dirty="0" smtClean="0">
+                <a:latin typeface="Courier" charset="0"/>
+                <a:ea typeface="Courier" charset="0"/>
+                <a:cs typeface="Courier" charset="0"/>
+              </a:rPr>
+              <a:t>, S3, and others </a:t>
+            </a:r>
+          </a:p>
+          <a:p>
+            <a:pPr marL="285750" indent="-285750">
+              <a:buFont typeface="Arial" charset="0"/>
+              <a:buChar char="•"/>
+            </a:pPr>
+            <a:r>
+              <a:rPr lang="en-US" sz="2800" dirty="0" smtClean="0">
+                <a:latin typeface="Courier" charset="0"/>
+                <a:ea typeface="Courier" charset="0"/>
+                <a:cs typeface="Courier" charset="0"/>
+              </a:rPr>
+              <a:t>Several HTTP Endpoint configuration options for API Gateway: lambda-proxy, lambda, http-proxy, http, and mock</a:t>
+            </a:r>
+          </a:p>
+          <a:p>
+            <a:pPr marL="285750" indent="-285750">
+              <a:buFont typeface="Arial" charset="0"/>
+              <a:buChar char="•"/>
+            </a:pPr>
+            <a:r>
+              <a:rPr lang="en-US" sz="2800" dirty="0" smtClean="0">
+                <a:latin typeface="Courier" charset="0"/>
+                <a:ea typeface="Courier" charset="0"/>
+                <a:cs typeface="Courier" charset="0"/>
+              </a:rPr>
+              <a:t>LAMBDA-PROXY (default) passes the http request to your code.  No need to configure each endpoint separately in API Gateway.</a:t>
+            </a:r>
+          </a:p>
+        </p:txBody>
+      </p:sp>
+      <mc:AlternateContent xmlns:mc="http://schemas.openxmlformats.org/markup-compatibility/2006">
+        <mc:Choice xmlns:we="http://schemas.microsoft.com/office/webextensions/webextension/2010/11" xmlns:pca="http://schemas.microsoft.com/office/powerpoint/2013/contentapp" Requires="we pca">
+          <p:graphicFrame>
+            <p:nvGraphicFramePr>
+              <p:cNvPr id="4" name="Add-in 3" title="Code Presenter Pro"/>
+              <p:cNvGraphicFramePr>
+                <a:graphicFrameLocks noGrp="1"/>
+              </p:cNvGraphicFramePr>
+              <p:nvPr>
+                <p:extLst>
+                  <p:ext uri="{D42A27DB-BD31-4B8C-83A1-F6EECF244321}">
+                    <p14:modId xmlns:p14="http://schemas.microsoft.com/office/powerpoint/2010/main" val="1116877695"/>
+                  </p:ext>
+                </p:extLst>
+              </p:nvPr>
+            </p:nvGraphicFramePr>
+            <p:xfrm>
+              <a:off x="838200" y="5230118"/>
+              <a:ext cx="10515600" cy="1144588"/>
+            </p:xfrm>
+            <a:graphic>
+              <a:graphicData uri="http://schemas.microsoft.com/office/webextensions/webextension/2010/11">
+                <we:webextensionref xmlns:we="http://schemas.microsoft.com/office/webextensions/webextension/2010/11" xmlns:r="http://schemas.openxmlformats.org/officeDocument/2006/relationships" r:id="rId3"/>
+              </a:graphicData>
+            </a:graphic>
+          </p:graphicFrame>
+        </mc:Choice>
+        <mc:Fallback>
+          <p:pic>
+            <p:nvPicPr>
+              <p:cNvPr id="4" name="Add-in 3" title="Code Presenter Pro"/>
+              <p:cNvPicPr>
+                <a:picLocks noGrp="1" noRot="1" noChangeAspect="1" noMove="1" noResize="1" noEditPoints="1" noAdjustHandles="1" noChangeArrowheads="1" noChangeShapeType="1"/>
+              </p:cNvPicPr>
+              <p:nvPr/>
+            </p:nvPicPr>
+            <p:blipFill>
+              <a:blip r:embed="rId4"/>
+              <a:stretch>
+                <a:fillRect/>
+              </a:stretch>
+            </p:blipFill>
+            <p:spPr>
+              <a:xfrm>
+                <a:off x="838200" y="5230118"/>
+                <a:ext cx="10515600" cy="1144588"/>
+              </a:xfrm>
+              <a:prstGeom prst="rect">
+                <a:avLst/>
+              </a:prstGeom>
+            </p:spPr>
+          </p:pic>
+        </mc:Fallback>
+      </mc:AlternateContent>
+    </p:spTree>
+    <p:extLst>
+      <p:ext uri="{BB962C8B-B14F-4D97-AF65-F5344CB8AC3E}">
+        <p14:creationId xmlns:p14="http://schemas.microsoft.com/office/powerpoint/2010/main" val="1663538015"/>
+      </p:ext>
+    </p:extLst>
+  </p:cSld>
+  <p:clrMapOvr>
+    <a:masterClrMapping/>
+  </p:clrMapOvr>
+  <p:timing>
+    <p:tnLst>
+      <p:par>
+        <p:cTn id="1" dur="indefinite" restart="never" nodeType="tmRoot"/>
+      </p:par>
+    </p:tnLst>
+  </p:timing>
+</p:sld>
+</file>
+
+<file path=ppt/slides/slide11.xml><?xml version="1.0" encoding="utf-8"?>
+<p:sld xmlns:a="http://schemas.openxmlformats.org/drawingml/2006/main" xmlns:r="http://schemas.openxmlformats.org/officeDocument/2006/relationships" xmlns:p="http://schemas.openxmlformats.org/presentationml/2006/main">
+  <p:cSld>
+    <p:spTree>
+      <p:nvGrpSpPr>
+        <p:cNvPr id="1" name=""/>
+        <p:cNvGrpSpPr/>
+        <p:nvPr/>
+      </p:nvGrpSpPr>
+      <p:grpSpPr>
+        <a:xfrm>
+          <a:off x="0" y="0"/>
+          <a:ext cx="0" cy="0"/>
+          <a:chOff x="0" y="0"/>
+          <a:chExt cx="0" cy="0"/>
+        </a:xfrm>
+      </p:grpSpPr>
+      <p:sp>
+        <p:nvSpPr>
+          <p:cNvPr id="2" name="Title 1"/>
+          <p:cNvSpPr>
+            <a:spLocks noGrp="1"/>
+          </p:cNvSpPr>
+          <p:nvPr>
+            <p:ph type="title"/>
+          </p:nvPr>
+        </p:nvSpPr>
+        <p:spPr/>
+        <p:txBody>
+          <a:bodyPr/>
+          <a:lstStyle/>
+          <a:p>
+            <a:r>
+              <a:rPr lang="en-US" dirty="0" smtClean="0">
+                <a:latin typeface="Courier" charset="0"/>
+                <a:ea typeface="Courier" charset="0"/>
+                <a:cs typeface="Courier" charset="0"/>
+              </a:rPr>
+              <a:t>Lambda-proxy and CORS</a:t>
+            </a:r>
+            <a:endParaRPr lang="en-US" dirty="0">
+              <a:latin typeface="Courier" charset="0"/>
+              <a:ea typeface="Courier" charset="0"/>
+              <a:cs typeface="Courier" charset="0"/>
+            </a:endParaRPr>
+          </a:p>
+        </p:txBody>
+      </p:sp>
+      <p:sp>
+        <p:nvSpPr>
+          <p:cNvPr id="6" name="TextBox 5"/>
+          <p:cNvSpPr txBox="1"/>
+          <p:nvPr/>
+        </p:nvSpPr>
+        <p:spPr>
+          <a:xfrm>
+            <a:off x="838200" y="3387708"/>
+            <a:ext cx="10515600" cy="523220"/>
+          </a:xfrm>
+          <a:prstGeom prst="rect">
+            <a:avLst/>
+          </a:prstGeom>
+          <a:noFill/>
+        </p:spPr>
+        <p:txBody>
+          <a:bodyPr wrap="square" rtlCol="0">
+            <a:spAutoFit/>
+          </a:bodyPr>
+          <a:lstStyle/>
+          <a:p>
+            <a:pPr marL="285750" indent="-285750">
+              <a:buFont typeface="Arial" charset="0"/>
+              <a:buChar char="•"/>
+            </a:pPr>
+            <a:r>
+              <a:rPr lang="en-US" sz="2800" dirty="0" smtClean="0">
+                <a:latin typeface="Courier" charset="0"/>
+                <a:ea typeface="Courier" charset="0"/>
+                <a:cs typeface="Courier" charset="0"/>
+              </a:rPr>
+              <a:t>Why didn’t this work? </a:t>
+            </a:r>
+          </a:p>
+        </p:txBody>
+      </p:sp>
+      <mc:AlternateContent xmlns:mc="http://schemas.openxmlformats.org/markup-compatibility/2006">
+        <mc:Choice xmlns:we="http://schemas.microsoft.com/office/webextensions/webextension/2010/11" xmlns:pca="http://schemas.microsoft.com/office/powerpoint/2013/contentapp" Requires="we pca">
+          <p:graphicFrame>
+            <p:nvGraphicFramePr>
+              <p:cNvPr id="5" name="Add-in 4" title="Code Presenter Pro"/>
+              <p:cNvGraphicFramePr>
+                <a:graphicFrameLocks noGrp="1"/>
+              </p:cNvGraphicFramePr>
+              <p:nvPr>
+                <p:extLst>
+                  <p:ext uri="{D42A27DB-BD31-4B8C-83A1-F6EECF244321}">
+                    <p14:modId xmlns:p14="http://schemas.microsoft.com/office/powerpoint/2010/main" val="133634985"/>
+                  </p:ext>
+                </p:extLst>
+              </p:nvPr>
+            </p:nvGraphicFramePr>
+            <p:xfrm>
+              <a:off x="990600" y="2028816"/>
+              <a:ext cx="10515600" cy="1325564"/>
+            </p:xfrm>
+            <a:graphic>
+              <a:graphicData uri="http://schemas.microsoft.com/office/webextensions/webextension/2010/11">
+                <we:webextensionref xmlns:we="http://schemas.microsoft.com/office/webextensions/webextension/2010/11" xmlns:r="http://schemas.openxmlformats.org/officeDocument/2006/relationships" r:id="rId3"/>
+              </a:graphicData>
+            </a:graphic>
+          </p:graphicFrame>
+        </mc:Choice>
+        <mc:Fallback>
+          <p:pic>
+            <p:nvPicPr>
+              <p:cNvPr id="5" name="Add-in 4" title="Code Presenter Pro"/>
+              <p:cNvPicPr>
+                <a:picLocks noGrp="1" noRot="1" noChangeAspect="1" noMove="1" noResize="1" noEditPoints="1" noAdjustHandles="1" noChangeArrowheads="1" noChangeShapeType="1"/>
+              </p:cNvPicPr>
+              <p:nvPr/>
+            </p:nvPicPr>
+            <p:blipFill>
+              <a:blip r:embed="rId4"/>
+              <a:stretch>
+                <a:fillRect/>
+              </a:stretch>
+            </p:blipFill>
+            <p:spPr>
+              <a:xfrm>
+                <a:off x="990600" y="2028816"/>
+                <a:ext cx="10515600" cy="1325564"/>
+              </a:xfrm>
+              <a:prstGeom prst="rect">
+                <a:avLst/>
+              </a:prstGeom>
+            </p:spPr>
+          </p:pic>
+        </mc:Fallback>
+      </mc:AlternateContent>
+    </p:spTree>
+    <p:extLst>
+      <p:ext uri="{BB962C8B-B14F-4D97-AF65-F5344CB8AC3E}">
+        <p14:creationId xmlns:p14="http://schemas.microsoft.com/office/powerpoint/2010/main" val="859031542"/>
+      </p:ext>
+    </p:extLst>
+  </p:cSld>
+  <p:clrMapOvr>
+    <a:masterClrMapping/>
+  </p:clrMapOvr>
+  <p:timing>
+    <p:tnLst>
+      <p:par>
+        <p:cTn id="1" dur="indefinite" restart="never" nodeType="tmRoot"/>
+      </p:par>
+    </p:tnLst>
+  </p:timing>
+</p:sld>
+</file>
+
+<file path=ppt/slides/slide12.xml><?xml version="1.0" encoding="utf-8"?>
+<p:sld xmlns:a="http://schemas.openxmlformats.org/drawingml/2006/main" xmlns:r="http://schemas.openxmlformats.org/officeDocument/2006/relationships" xmlns:p="http://schemas.openxmlformats.org/presentationml/2006/main">
+  <p:cSld>
+    <p:spTree>
+      <p:nvGrpSpPr>
+        <p:cNvPr id="1" name=""/>
+        <p:cNvGrpSpPr/>
+        <p:nvPr/>
+      </p:nvGrpSpPr>
+      <p:grpSpPr>
+        <a:xfrm>
+          <a:off x="0" y="0"/>
+          <a:ext cx="0" cy="0"/>
+          <a:chOff x="0" y="0"/>
+          <a:chExt cx="0" cy="0"/>
+        </a:xfrm>
+      </p:grpSpPr>
+      <p:sp>
+        <p:nvSpPr>
+          <p:cNvPr id="2" name="Title 1"/>
+          <p:cNvSpPr>
+            <a:spLocks noGrp="1"/>
+          </p:cNvSpPr>
+          <p:nvPr>
+            <p:ph type="title"/>
+          </p:nvPr>
+        </p:nvSpPr>
+        <p:spPr/>
+        <p:txBody>
+          <a:bodyPr/>
+          <a:lstStyle/>
+          <a:p>
+            <a:r>
+              <a:rPr lang="en-US" dirty="0" smtClean="0">
+                <a:latin typeface="Courier" charset="0"/>
+                <a:ea typeface="Courier" charset="0"/>
+                <a:cs typeface="Courier" charset="0"/>
+              </a:rPr>
+              <a:t>Lambda-proxy and CORS</a:t>
+            </a:r>
+            <a:endParaRPr lang="en-US" dirty="0">
+              <a:latin typeface="Courier" charset="0"/>
+              <a:ea typeface="Courier" charset="0"/>
+              <a:cs typeface="Courier" charset="0"/>
+            </a:endParaRPr>
+          </a:p>
+        </p:txBody>
+      </p:sp>
+      <p:sp>
+        <p:nvSpPr>
+          <p:cNvPr id="6" name="TextBox 5"/>
+          <p:cNvSpPr txBox="1"/>
+          <p:nvPr/>
+        </p:nvSpPr>
+        <p:spPr>
+          <a:xfrm>
+            <a:off x="838200" y="3387708"/>
+            <a:ext cx="10515600" cy="523220"/>
+          </a:xfrm>
+          <a:prstGeom prst="rect">
+            <a:avLst/>
+          </a:prstGeom>
+          <a:noFill/>
+        </p:spPr>
+        <p:txBody>
+          <a:bodyPr wrap="square" rtlCol="0">
+            <a:spAutoFit/>
+          </a:bodyPr>
+          <a:lstStyle/>
+          <a:p>
+            <a:pPr marL="285750" indent="-285750">
+              <a:buFont typeface="Arial" charset="0"/>
+              <a:buChar char="•"/>
+            </a:pPr>
+            <a:r>
+              <a:rPr lang="en-US" sz="2800" dirty="0" smtClean="0">
+                <a:latin typeface="Courier" charset="0"/>
+                <a:ea typeface="Courier" charset="0"/>
+                <a:cs typeface="Courier" charset="0"/>
+              </a:rPr>
+              <a:t>Why didn’t this work? </a:t>
+            </a:r>
+          </a:p>
+        </p:txBody>
+      </p:sp>
+      <mc:AlternateContent xmlns:mc="http://schemas.openxmlformats.org/markup-compatibility/2006">
+        <mc:Choice xmlns:we="http://schemas.microsoft.com/office/webextensions/webextension/2010/11" xmlns:pca="http://schemas.microsoft.com/office/powerpoint/2013/contentapp" Requires="we pca">
+          <p:graphicFrame>
+            <p:nvGraphicFramePr>
+              <p:cNvPr id="4" name="Add-in 3" title="Code Presenter Pro"/>
+              <p:cNvGraphicFramePr>
+                <a:graphicFrameLocks noGrp="1"/>
+              </p:cNvGraphicFramePr>
+              <p:nvPr/>
+            </p:nvGraphicFramePr>
+            <p:xfrm>
+              <a:off x="990600" y="3978128"/>
+              <a:ext cx="10515600" cy="1325564"/>
+            </p:xfrm>
+            <a:graphic>
+              <a:graphicData uri="http://schemas.microsoft.com/office/webextensions/webextension/2010/11">
+                <we:webextensionref xmlns:we="http://schemas.microsoft.com/office/webextensions/webextension/2010/11" xmlns:r="http://schemas.openxmlformats.org/officeDocument/2006/relationships" r:id="rId3"/>
+              </a:graphicData>
+            </a:graphic>
+          </p:graphicFrame>
+        </mc:Choice>
+        <mc:Fallback>
+          <p:pic>
+            <p:nvPicPr>
+              <p:cNvPr id="4" name="Add-in 3" title="Code Presenter Pro"/>
+              <p:cNvPicPr>
+                <a:picLocks noGrp="1" noRot="1" noChangeAspect="1" noMove="1" noResize="1" noEditPoints="1" noAdjustHandles="1" noChangeArrowheads="1" noChangeShapeType="1"/>
+              </p:cNvPicPr>
+              <p:nvPr/>
+            </p:nvPicPr>
+            <p:blipFill>
+              <a:blip r:embed="rId4"/>
+              <a:stretch>
+                <a:fillRect/>
+              </a:stretch>
+            </p:blipFill>
+            <p:spPr>
+              <a:xfrm>
+                <a:off x="990600" y="3978128"/>
+                <a:ext cx="10515600" cy="1325564"/>
+              </a:xfrm>
+              <a:prstGeom prst="rect">
+                <a:avLst/>
+              </a:prstGeom>
+            </p:spPr>
+          </p:pic>
+        </mc:Fallback>
+      </mc:AlternateContent>
+      <mc:AlternateContent xmlns:mc="http://schemas.openxmlformats.org/markup-compatibility/2006">
+        <mc:Choice xmlns:we="http://schemas.microsoft.com/office/webextensions/webextension/2010/11" xmlns:pca="http://schemas.microsoft.com/office/powerpoint/2013/contentapp" Requires="we pca">
+          <p:graphicFrame>
+            <p:nvGraphicFramePr>
+              <p:cNvPr id="5" name="Add-in 4" title="Code Presenter Pro"/>
+              <p:cNvGraphicFramePr>
+                <a:graphicFrameLocks noGrp="1"/>
+              </p:cNvGraphicFramePr>
+              <p:nvPr/>
+            </p:nvGraphicFramePr>
+            <p:xfrm>
+              <a:off x="990600" y="2028816"/>
+              <a:ext cx="10515600" cy="1325564"/>
+            </p:xfrm>
+            <a:graphic>
+              <a:graphicData uri="http://schemas.microsoft.com/office/webextensions/webextension/2010/11">
+                <we:webextensionref xmlns:we="http://schemas.microsoft.com/office/webextensions/webextension/2010/11" xmlns:r="http://schemas.openxmlformats.org/officeDocument/2006/relationships" r:id="rId5"/>
+              </a:graphicData>
+            </a:graphic>
+          </p:graphicFrame>
+        </mc:Choice>
+        <mc:Fallback>
+          <p:pic>
+            <p:nvPicPr>
+              <p:cNvPr id="5" name="Add-in 4" title="Code Presenter Pro"/>
+              <p:cNvPicPr>
+                <a:picLocks noGrp="1" noRot="1" noChangeAspect="1" noMove="1" noResize="1" noEditPoints="1" noAdjustHandles="1" noChangeArrowheads="1" noChangeShapeType="1"/>
+              </p:cNvPicPr>
+              <p:nvPr/>
+            </p:nvPicPr>
+            <p:blipFill>
+              <a:blip r:embed="rId6"/>
+              <a:stretch>
+                <a:fillRect/>
+              </a:stretch>
+            </p:blipFill>
+            <p:spPr>
+              <a:xfrm>
+                <a:off x="990600" y="2028816"/>
+                <a:ext cx="10515600" cy="1325564"/>
+              </a:xfrm>
+              <a:prstGeom prst="rect">
+                <a:avLst/>
+              </a:prstGeom>
+            </p:spPr>
+          </p:pic>
+        </mc:Fallback>
+      </mc:AlternateContent>
+    </p:spTree>
+    <p:extLst>
+      <p:ext uri="{BB962C8B-B14F-4D97-AF65-F5344CB8AC3E}">
+        <p14:creationId xmlns:p14="http://schemas.microsoft.com/office/powerpoint/2010/main" val="193392772"/>
       </p:ext>
     </p:extLst>
   </p:cSld>
@@ -6777,4 +7695,60 @@
   <we:bindings/>
   <we:snapshot xmlns:r="http://schemas.openxmlformats.org/officeDocument/2006/relationships" r:embed="rId1"/>
 </we:webextension>
+</file>
+
+<file path=ppt/webextensions/webextension3.xml><?xml version="1.0" encoding="utf-8"?>
+<we:webextension xmlns:we="http://schemas.microsoft.com/office/webextensions/webextension/2010/11" id="{2DD9BFBB-1184-4840-89A3-8DF150018B43}">
+  <we:reference id="wa104379263" version="1.0.0.1" store="en-US" storeType="OMEX"/>
+  <we:alternateReferences>
+    <we:reference id="wa104379263" version="1.0.0.1" store="wa104379263" storeType="OMEX"/>
+  </we:alternateReferences>
+  <we:properties>
+    <we:property name="config" value="{&quot;display_lang&quot;:&quot;en&quot;,&quot;display_font&quot;:&quot;Courier New&quot;,&quot;syntax_color&quot;:{&quot;Reserved words&quot;:&quot;#0000ff&quot;,&quot;Modules,Classes,Exceptions&quot;:&quot;#FF0000&quot;,&quot;Methods&quot;:&quot;#008080&quot;,&quot;Attributes&quot;:&quot;#808000&quot;,&quot;Line comment&quot;:&quot;#008000&quot;,&quot;Block comment&quot;:&quot;#008000&quot;,&quot;Block comment 2&quot;:&quot;#008000&quot;,&quot;Quotation&quot;:&quot;#FF00FF&quot;,&quot;Quotation 2&quot;:&quot;#FF00FF&quot;,&quot;Number&quot;:&quot;#800080&quot;},&quot;old_syntax_color&quot;:{&quot;Reserved words&quot;:&quot;#0000FF&quot;,&quot;Modules,Classes,Exceptions&quot;:&quot;#FF0000&quot;,&quot;Methods&quot;:&quot;#008080&quot;,&quot;Attributes&quot;:&quot;#808000&quot;,&quot;Line comment&quot;:&quot;#008000&quot;,&quot;Block comment&quot;:&quot;#008000&quot;,&quot;Block comment 2&quot;:&quot;#008000&quot;,&quot;Quotation&quot;:&quot;#FF00FF&quot;,&quot;Quotation 2&quot;:&quot;#FF00FF&quot;,&quot;Number&quot;:&quot;#800080&quot;},&quot;show_line_number&quot;:false,&quot;code_lang&quot;:&quot;py&quot;,&quot;code&quot;:&quot;     events:\n       - http:\n           path: foo/hello\n           method: get&quot;,&quot;ctags&quot;:{}}"/>
+  </we:properties>
+  <we:bindings/>
+  <we:snapshot xmlns:r="http://schemas.openxmlformats.org/officeDocument/2006/relationships" r:embed="rId1"/>
+</we:webextension>
+</file>
+
+<file path=ppt/webextensions/webextension4.xml><?xml version="1.0" encoding="utf-8"?>
+<we:webextension xmlns:we="http://schemas.microsoft.com/office/webextensions/webextension/2010/11" id="{B0511681-F3C9-C240-B29A-84377B9A3FA9}">
+  <we:reference id="wa104379263" version="1.0.0.1" store="en-US" storeType="OMEX"/>
+  <we:alternateReferences>
+    <we:reference id="wa104379263" version="1.0.0.1" store="wa104379263" storeType="OMEX"/>
+  </we:alternateReferences>
+  <we:properties>
+    <we:property name="config" value="{&quot;display_lang&quot;:&quot;en&quot;,&quot;display_font&quot;:&quot;Courier New&quot;,&quot;syntax_color&quot;:{&quot;Reserved words&quot;:&quot;#0000ff&quot;,&quot;Modules,Classes,Exceptions&quot;:&quot;#FF0000&quot;,&quot;Methods&quot;:&quot;#008080&quot;,&quot;Attributes&quot;:&quot;#808000&quot;,&quot;Line comment&quot;:&quot;#008000&quot;,&quot;Block comment&quot;:&quot;#008000&quot;,&quot;Block comment 2&quot;:&quot;#008000&quot;,&quot;Quotation&quot;:&quot;#FF00FF&quot;,&quot;Quotation 2&quot;:&quot;#FF00FF&quot;,&quot;Number&quot;:&quot;#800080&quot;},&quot;old_syntax_color&quot;:{&quot;Reserved words&quot;:&quot;#0000FF&quot;,&quot;Modules,Classes,Exceptions&quot;:&quot;#FF0000&quot;,&quot;Methods&quot;:&quot;#008080&quot;,&quot;Attributes&quot;:&quot;#808000&quot;,&quot;Line comment&quot;:&quot;#008000&quot;,&quot;Block comment&quot;:&quot;#008000&quot;,&quot;Block comment 2&quot;:&quot;#008000&quot;,&quot;Quotation&quot;:&quot;#FF00FF&quot;,&quot;Quotation 2&quot;:&quot;#FF00FF&quot;,&quot;Number&quot;:&quot;#800080&quot;},&quot;show_line_number&quot;:false,&quot;code_lang&quot;:&quot;py&quot;,&quot;code&quot;:&quot;     events:\n       - http:\n           path: foo/hello\n           method: get\n           cors: true&quot;,&quot;ctags&quot;:{}}"/>
+  </we:properties>
+  <we:bindings/>
+  <we:snapshot xmlns:r="http://schemas.openxmlformats.org/officeDocument/2006/relationships" r:embed="rId1"/>
+</we:webextension>
+</file>
+
+<file path=ppt/webextensions/webextension5.xml><?xml version="1.0" encoding="utf-8"?>
+<we:webextension xmlns:we="http://schemas.microsoft.com/office/webextensions/webextension/2010/11" id="{4C804D67-ED73-BF4C-8FAE-61E15076D884}">
+  <we:reference id="wa104379263" version="1.0.0.1" store="en-US" storeType="OMEX"/>
+  <we:alternateReferences>
+    <we:reference id="wa104379263" version="1.0.0.1" store="wa104379263" storeType="OMEX"/>
+  </we:alternateReferences>
+  <we:properties>
+    <we:property name="config" value="{&quot;display_lang&quot;:&quot;en&quot;,&quot;display_font&quot;:&quot;Courier New&quot;,&quot;syntax_color&quot;:{&quot;Reserved words&quot;:&quot;#0000ff&quot;,&quot;Built-in objects&quot;:&quot;#FF0000&quot;,&quot;Line comment&quot;:&quot;#008000&quot;,&quot;Block comment&quot;:&quot;#008000&quot;,&quot;Quotation&quot;:&quot;#FF00FF&quot;,&quot;Quotation 2&quot;:&quot;#FF00FF&quot;,&quot;Number&quot;:&quot;#800080&quot;},&quot;old_syntax_color&quot;:{&quot;Reserved words&quot;:&quot;#0000FF&quot;,&quot;Built-in objects&quot;:&quot;#FF0000&quot;,&quot;Line comment&quot;:&quot;#008000&quot;,&quot;Block comment&quot;:&quot;#008000&quot;,&quot;Quotation&quot;:&quot;#FF00FF&quot;,&quot;Quotation 2&quot;:&quot;#FF00FF&quot;,&quot;Number&quot;:&quot;#800080&quot;},&quot;show_line_number&quot;:false,&quot;code_lang&quot;:&quot;js&quot;,&quot;code&quot;:&quot;    headers: {\n      \&quot;Access-Control-Allow-Origin\&quot; : \&quot;*\&quot;, // enable CORS\n      \&quot;Access-Control-Allow-Credentials\&quot; : true // cookies and https\n    },\n    body: JSON.stringify({&quot;,&quot;ctags&quot;:{}}"/>
+  </we:properties>
+  <we:bindings/>
+  <we:snapshot xmlns:r="http://schemas.openxmlformats.org/officeDocument/2006/relationships" r:embed="rId1"/>
+</we:webextension>
+</file>
+
+<file path=ppt/webextensions/webextension6.xml><?xml version="1.0" encoding="utf-8"?>
+<we:webextension xmlns:we="http://schemas.microsoft.com/office/webextensions/webextension/2010/11" id="{A4D3909D-FE39-DF4A-8BC2-5A8641C70378}">
+  <we:reference id="wa104379263" version="1.0.0.1" store="en-US" storeType="OMEX"/>
+  <we:alternateReferences>
+    <we:reference id="wa104379263" version="1.0.0.1" store="wa104379263" storeType="OMEX"/>
+  </we:alternateReferences>
+  <we:properties>
+    <we:property name="config" value="{&quot;display_lang&quot;:&quot;en&quot;,&quot;display_font&quot;:&quot;Courier New&quot;,&quot;syntax_color&quot;:{&quot;Reserved words&quot;:&quot;#0000ff&quot;,&quot;Modules,Classes,Exceptions&quot;:&quot;#FF0000&quot;,&quot;Methods&quot;:&quot;#008080&quot;,&quot;Attributes&quot;:&quot;#808000&quot;,&quot;Line comment&quot;:&quot;#008000&quot;,&quot;Block comment&quot;:&quot;#008000&quot;,&quot;Block comment 2&quot;:&quot;#008000&quot;,&quot;Quotation&quot;:&quot;#FF00FF&quot;,&quot;Quotation 2&quot;:&quot;#FF00FF&quot;,&quot;Number&quot;:&quot;#800080&quot;},&quot;old_syntax_color&quot;:{&quot;Reserved words&quot;:&quot;#0000FF&quot;,&quot;Modules,Classes,Exceptions&quot;:&quot;#FF0000&quot;,&quot;Methods&quot;:&quot;#008080&quot;,&quot;Attributes&quot;:&quot;#808000&quot;,&quot;Line comment&quot;:&quot;#008000&quot;,&quot;Block comment&quot;:&quot;#008000&quot;,&quot;Block comment 2&quot;:&quot;#008000&quot;,&quot;Quotation&quot;:&quot;#FF00FF&quot;,&quot;Quotation 2&quot;:&quot;#FF00FF&quot;,&quot;Number&quot;:&quot;#800080&quot;},&quot;show_line_number&quot;:false,&quot;code_lang&quot;:&quot;py&quot;,&quot;code&quot;:&quot;     events:\n       - http:\n           path: foo/hello\n           method: get\n           cors: true&quot;,&quot;ctags&quot;:{}}"/>
+  </we:properties>
+  <we:bindings/>
+  <we:snapshot xmlns:r="http://schemas.openxmlformats.org/officeDocument/2006/relationships" r:embed="rId1"/>
+</we:webextension>
 </file>
--- a/doc/slac_slides.pptx
+++ b/doc/slac_slides.pptx
@@ -5,7 +5,7 @@
     <p:sldMasterId id="2147483648" r:id="rId1"/>
   </p:sldMasterIdLst>
   <p:notesMasterIdLst>
-    <p:notesMasterId r:id="rId14"/>
+    <p:notesMasterId r:id="rId23"/>
   </p:notesMasterIdLst>
   <p:sldIdLst>
     <p:sldId id="256" r:id="rId2"/>
@@ -13,13 +13,22 @@
     <p:sldId id="259" r:id="rId4"/>
     <p:sldId id="258" r:id="rId5"/>
     <p:sldId id="260" r:id="rId6"/>
-    <p:sldId id="261" r:id="rId7"/>
-    <p:sldId id="262" r:id="rId8"/>
-    <p:sldId id="263" r:id="rId9"/>
-    <p:sldId id="264" r:id="rId10"/>
-    <p:sldId id="265" r:id="rId11"/>
-    <p:sldId id="266" r:id="rId12"/>
-    <p:sldId id="267" r:id="rId13"/>
+    <p:sldId id="273" r:id="rId7"/>
+    <p:sldId id="274" r:id="rId8"/>
+    <p:sldId id="261" r:id="rId9"/>
+    <p:sldId id="275" r:id="rId10"/>
+    <p:sldId id="262" r:id="rId11"/>
+    <p:sldId id="263" r:id="rId12"/>
+    <p:sldId id="276" r:id="rId13"/>
+    <p:sldId id="264" r:id="rId14"/>
+    <p:sldId id="265" r:id="rId15"/>
+    <p:sldId id="266" r:id="rId16"/>
+    <p:sldId id="267" r:id="rId17"/>
+    <p:sldId id="269" r:id="rId18"/>
+    <p:sldId id="271" r:id="rId19"/>
+    <p:sldId id="270" r:id="rId20"/>
+    <p:sldId id="268" r:id="rId21"/>
+    <p:sldId id="272" r:id="rId22"/>
   </p:sldIdLst>
   <p:sldSz cx="12192000" cy="6858000"/>
   <p:notesSz cx="6858000" cy="9144000"/>
@@ -219,7 +228,7 @@
           <a:p>
             <a:fld id="{6800231F-0754-1D4E-B428-E40EAA7101A3}" type="datetimeFigureOut">
               <a:rPr lang="en-US" smtClean="0"/>
-              <a:t>9/10/17</a:t>
+              <a:t>9/11/17</a:t>
             </a:fld>
             <a:endParaRPr lang="en-US"/>
           </a:p>
@@ -575,6 +584,865 @@
 </p:notes>
 </file>
 
+<file path=ppt/notesSlides/notesSlide10.xml><?xml version="1.0" encoding="utf-8"?>
+<p:notes xmlns:a="http://schemas.openxmlformats.org/drawingml/2006/main" xmlns:r="http://schemas.openxmlformats.org/officeDocument/2006/relationships" xmlns:p="http://schemas.openxmlformats.org/presentationml/2006/main">
+  <p:cSld>
+    <p:spTree>
+      <p:nvGrpSpPr>
+        <p:cNvPr id="1" name=""/>
+        <p:cNvGrpSpPr/>
+        <p:nvPr/>
+      </p:nvGrpSpPr>
+      <p:grpSpPr>
+        <a:xfrm>
+          <a:off x="0" y="0"/>
+          <a:ext cx="0" cy="0"/>
+          <a:chOff x="0" y="0"/>
+          <a:chExt cx="0" cy="0"/>
+        </a:xfrm>
+      </p:grpSpPr>
+      <p:sp>
+        <p:nvSpPr>
+          <p:cNvPr id="2" name="Slide Image Placeholder 1"/>
+          <p:cNvSpPr>
+            <a:spLocks noGrp="1" noRot="1" noChangeAspect="1"/>
+          </p:cNvSpPr>
+          <p:nvPr>
+            <p:ph type="sldImg"/>
+          </p:nvPr>
+        </p:nvSpPr>
+        <p:spPr/>
+      </p:sp>
+      <p:sp>
+        <p:nvSpPr>
+          <p:cNvPr id="3" name="Notes Placeholder 2"/>
+          <p:cNvSpPr>
+            <a:spLocks noGrp="1"/>
+          </p:cNvSpPr>
+          <p:nvPr>
+            <p:ph type="body" idx="1"/>
+          </p:nvPr>
+        </p:nvSpPr>
+        <p:spPr/>
+        <p:txBody>
+          <a:bodyPr/>
+          <a:lstStyle/>
+          <a:p>
+            <a:r>
+              <a:rPr lang="en-US" dirty="0" smtClean="0"/>
+              <a:t>1)</a:t>
+            </a:r>
+            <a:r>
+              <a:rPr lang="en-US" baseline="0" dirty="0" smtClean="0"/>
+              <a:t> Update </a:t>
+            </a:r>
+            <a:r>
+              <a:rPr lang="en-US" baseline="0" dirty="0" err="1" smtClean="0"/>
+              <a:t>serverless.yml</a:t>
+            </a:r>
+            <a:r>
+              <a:rPr lang="en-US" baseline="0" dirty="0" smtClean="0"/>
+              <a:t> with http (path &amp; method) and re-deploy the service</a:t>
+            </a:r>
+            <a:endParaRPr lang="en-US" dirty="0" smtClean="0"/>
+          </a:p>
+          <a:p>
+            <a:r>
+              <a:rPr lang="en-US" dirty="0" smtClean="0"/>
+              <a:t>2) </a:t>
+            </a:r>
+            <a:r>
+              <a:rPr lang="en-US" baseline="0" dirty="0" smtClean="0"/>
+              <a:t>Examine the input event in the response.  Comment in the handler and re-deploy "</a:t>
+            </a:r>
+            <a:r>
+              <a:rPr lang="en-US" baseline="0" dirty="0" err="1" smtClean="0"/>
+              <a:t>serverless</a:t>
+            </a:r>
+            <a:r>
+              <a:rPr lang="en-US" baseline="0" dirty="0" smtClean="0"/>
+              <a:t> deploy function -f hello"</a:t>
+            </a:r>
+          </a:p>
+          <a:p>
+            <a:r>
+              <a:rPr lang="en-US" baseline="0" dirty="0" smtClean="0"/>
+              <a:t>3) Copy URL to ajax html (</a:t>
+            </a:r>
+            <a:r>
+              <a:rPr lang="en-US" baseline="0" dirty="0" err="1" smtClean="0"/>
+              <a:t>slac</a:t>
+            </a:r>
+            <a:r>
+              <a:rPr lang="en-US" baseline="0" dirty="0" smtClean="0"/>
+              <a:t>) and test</a:t>
+            </a:r>
+          </a:p>
+        </p:txBody>
+      </p:sp>
+      <p:sp>
+        <p:nvSpPr>
+          <p:cNvPr id="4" name="Slide Number Placeholder 3"/>
+          <p:cNvSpPr>
+            <a:spLocks noGrp="1"/>
+          </p:cNvSpPr>
+          <p:nvPr>
+            <p:ph type="sldNum" sz="quarter" idx="10"/>
+          </p:nvPr>
+        </p:nvSpPr>
+        <p:spPr/>
+        <p:txBody>
+          <a:bodyPr/>
+          <a:lstStyle/>
+          <a:p>
+            <a:fld id="{F2525AB9-A250-384A-A45B-2B27F02B4CAC}" type="slidenum">
+              <a:rPr lang="en-US" smtClean="0"/>
+              <a:t>14</a:t>
+            </a:fld>
+            <a:endParaRPr lang="en-US"/>
+          </a:p>
+        </p:txBody>
+      </p:sp>
+    </p:spTree>
+    <p:extLst>
+      <p:ext uri="{BB962C8B-B14F-4D97-AF65-F5344CB8AC3E}">
+        <p14:creationId xmlns:p14="http://schemas.microsoft.com/office/powerpoint/2010/main" val="993817812"/>
+      </p:ext>
+    </p:extLst>
+  </p:cSld>
+  <p:clrMapOvr>
+    <a:masterClrMapping/>
+  </p:clrMapOvr>
+</p:notes>
+</file>
+
+<file path=ppt/notesSlides/notesSlide11.xml><?xml version="1.0" encoding="utf-8"?>
+<p:notes xmlns:a="http://schemas.openxmlformats.org/drawingml/2006/main" xmlns:r="http://schemas.openxmlformats.org/officeDocument/2006/relationships" xmlns:p="http://schemas.openxmlformats.org/presentationml/2006/main">
+  <p:cSld>
+    <p:spTree>
+      <p:nvGrpSpPr>
+        <p:cNvPr id="1" name=""/>
+        <p:cNvGrpSpPr/>
+        <p:nvPr/>
+      </p:nvGrpSpPr>
+      <p:grpSpPr>
+        <a:xfrm>
+          <a:off x="0" y="0"/>
+          <a:ext cx="0" cy="0"/>
+          <a:chOff x="0" y="0"/>
+          <a:chExt cx="0" cy="0"/>
+        </a:xfrm>
+      </p:grpSpPr>
+      <p:sp>
+        <p:nvSpPr>
+          <p:cNvPr id="2" name="Slide Image Placeholder 1"/>
+          <p:cNvSpPr>
+            <a:spLocks noGrp="1" noRot="1" noChangeAspect="1"/>
+          </p:cNvSpPr>
+          <p:nvPr>
+            <p:ph type="sldImg"/>
+          </p:nvPr>
+        </p:nvSpPr>
+        <p:spPr/>
+      </p:sp>
+      <p:sp>
+        <p:nvSpPr>
+          <p:cNvPr id="3" name="Notes Placeholder 2"/>
+          <p:cNvSpPr>
+            <a:spLocks noGrp="1"/>
+          </p:cNvSpPr>
+          <p:nvPr>
+            <p:ph type="body" idx="1"/>
+          </p:nvPr>
+        </p:nvSpPr>
+        <p:spPr/>
+        <p:txBody>
+          <a:bodyPr/>
+          <a:lstStyle/>
+          <a:p>
+            <a:r>
+              <a:rPr lang="en-US" dirty="0" smtClean="0"/>
+              <a:t>1)</a:t>
+            </a:r>
+            <a:r>
+              <a:rPr lang="en-US" baseline="0" dirty="0" smtClean="0"/>
+              <a:t> Update </a:t>
+            </a:r>
+            <a:r>
+              <a:rPr lang="en-US" baseline="0" dirty="0" err="1" smtClean="0"/>
+              <a:t>serverless.yml</a:t>
+            </a:r>
+            <a:r>
+              <a:rPr lang="en-US" baseline="0" dirty="0" smtClean="0"/>
+              <a:t> with </a:t>
+            </a:r>
+            <a:r>
+              <a:rPr lang="en-US" baseline="0" dirty="0" err="1" smtClean="0"/>
+              <a:t>cors</a:t>
+            </a:r>
+            <a:r>
+              <a:rPr lang="en-US" baseline="0" dirty="0" smtClean="0"/>
+              <a:t> and test ... why didn't it work?</a:t>
+            </a:r>
+          </a:p>
+        </p:txBody>
+      </p:sp>
+      <p:sp>
+        <p:nvSpPr>
+          <p:cNvPr id="4" name="Slide Number Placeholder 3"/>
+          <p:cNvSpPr>
+            <a:spLocks noGrp="1"/>
+          </p:cNvSpPr>
+          <p:nvPr>
+            <p:ph type="sldNum" sz="quarter" idx="10"/>
+          </p:nvPr>
+        </p:nvSpPr>
+        <p:spPr/>
+        <p:txBody>
+          <a:bodyPr/>
+          <a:lstStyle/>
+          <a:p>
+            <a:fld id="{F2525AB9-A250-384A-A45B-2B27F02B4CAC}" type="slidenum">
+              <a:rPr lang="en-US" smtClean="0"/>
+              <a:t>15</a:t>
+            </a:fld>
+            <a:endParaRPr lang="en-US"/>
+          </a:p>
+        </p:txBody>
+      </p:sp>
+    </p:spTree>
+    <p:extLst>
+      <p:ext uri="{BB962C8B-B14F-4D97-AF65-F5344CB8AC3E}">
+        <p14:creationId xmlns:p14="http://schemas.microsoft.com/office/powerpoint/2010/main" val="210567613"/>
+      </p:ext>
+    </p:extLst>
+  </p:cSld>
+  <p:clrMapOvr>
+    <a:masterClrMapping/>
+  </p:clrMapOvr>
+</p:notes>
+</file>
+
+<file path=ppt/notesSlides/notesSlide12.xml><?xml version="1.0" encoding="utf-8"?>
+<p:notes xmlns:a="http://schemas.openxmlformats.org/drawingml/2006/main" xmlns:r="http://schemas.openxmlformats.org/officeDocument/2006/relationships" xmlns:p="http://schemas.openxmlformats.org/presentationml/2006/main">
+  <p:cSld>
+    <p:spTree>
+      <p:nvGrpSpPr>
+        <p:cNvPr id="1" name=""/>
+        <p:cNvGrpSpPr/>
+        <p:nvPr/>
+      </p:nvGrpSpPr>
+      <p:grpSpPr>
+        <a:xfrm>
+          <a:off x="0" y="0"/>
+          <a:ext cx="0" cy="0"/>
+          <a:chOff x="0" y="0"/>
+          <a:chExt cx="0" cy="0"/>
+        </a:xfrm>
+      </p:grpSpPr>
+      <p:sp>
+        <p:nvSpPr>
+          <p:cNvPr id="2" name="Slide Image Placeholder 1"/>
+          <p:cNvSpPr>
+            <a:spLocks noGrp="1" noRot="1" noChangeAspect="1"/>
+          </p:cNvSpPr>
+          <p:nvPr>
+            <p:ph type="sldImg"/>
+          </p:nvPr>
+        </p:nvSpPr>
+        <p:spPr/>
+      </p:sp>
+      <p:sp>
+        <p:nvSpPr>
+          <p:cNvPr id="3" name="Notes Placeholder 2"/>
+          <p:cNvSpPr>
+            <a:spLocks noGrp="1"/>
+          </p:cNvSpPr>
+          <p:nvPr>
+            <p:ph type="body" idx="1"/>
+          </p:nvPr>
+        </p:nvSpPr>
+        <p:spPr/>
+        <p:txBody>
+          <a:bodyPr/>
+          <a:lstStyle/>
+          <a:p>
+            <a:r>
+              <a:rPr lang="en-US" baseline="0" dirty="0" smtClean="0"/>
+              <a:t>1) Modify code handler and re-test</a:t>
+            </a:r>
+          </a:p>
+        </p:txBody>
+      </p:sp>
+      <p:sp>
+        <p:nvSpPr>
+          <p:cNvPr id="4" name="Slide Number Placeholder 3"/>
+          <p:cNvSpPr>
+            <a:spLocks noGrp="1"/>
+          </p:cNvSpPr>
+          <p:nvPr>
+            <p:ph type="sldNum" sz="quarter" idx="10"/>
+          </p:nvPr>
+        </p:nvSpPr>
+        <p:spPr/>
+        <p:txBody>
+          <a:bodyPr/>
+          <a:lstStyle/>
+          <a:p>
+            <a:fld id="{F2525AB9-A250-384A-A45B-2B27F02B4CAC}" type="slidenum">
+              <a:rPr lang="en-US" smtClean="0"/>
+              <a:t>16</a:t>
+            </a:fld>
+            <a:endParaRPr lang="en-US"/>
+          </a:p>
+        </p:txBody>
+      </p:sp>
+    </p:spTree>
+    <p:extLst>
+      <p:ext uri="{BB962C8B-B14F-4D97-AF65-F5344CB8AC3E}">
+        <p14:creationId xmlns:p14="http://schemas.microsoft.com/office/powerpoint/2010/main" val="1209561093"/>
+      </p:ext>
+    </p:extLst>
+  </p:cSld>
+  <p:clrMapOvr>
+    <a:masterClrMapping/>
+  </p:clrMapOvr>
+</p:notes>
+</file>
+
+<file path=ppt/notesSlides/notesSlide13.xml><?xml version="1.0" encoding="utf-8"?>
+<p:notes xmlns:a="http://schemas.openxmlformats.org/drawingml/2006/main" xmlns:r="http://schemas.openxmlformats.org/officeDocument/2006/relationships" xmlns:p="http://schemas.openxmlformats.org/presentationml/2006/main">
+  <p:cSld>
+    <p:spTree>
+      <p:nvGrpSpPr>
+        <p:cNvPr id="1" name=""/>
+        <p:cNvGrpSpPr/>
+        <p:nvPr/>
+      </p:nvGrpSpPr>
+      <p:grpSpPr>
+        <a:xfrm>
+          <a:off x="0" y="0"/>
+          <a:ext cx="0" cy="0"/>
+          <a:chOff x="0" y="0"/>
+          <a:chExt cx="0" cy="0"/>
+        </a:xfrm>
+      </p:grpSpPr>
+      <p:sp>
+        <p:nvSpPr>
+          <p:cNvPr id="2" name="Slide Image Placeholder 1"/>
+          <p:cNvSpPr>
+            <a:spLocks noGrp="1" noRot="1" noChangeAspect="1"/>
+          </p:cNvSpPr>
+          <p:nvPr>
+            <p:ph type="sldImg"/>
+          </p:nvPr>
+        </p:nvSpPr>
+        <p:spPr/>
+      </p:sp>
+      <p:sp>
+        <p:nvSpPr>
+          <p:cNvPr id="3" name="Notes Placeholder 2"/>
+          <p:cNvSpPr>
+            <a:spLocks noGrp="1"/>
+          </p:cNvSpPr>
+          <p:nvPr>
+            <p:ph type="body" idx="1"/>
+          </p:nvPr>
+        </p:nvSpPr>
+        <p:spPr/>
+        <p:txBody>
+          <a:bodyPr/>
+          <a:lstStyle/>
+          <a:p>
+            <a:endParaRPr lang="en-US" dirty="0"/>
+          </a:p>
+        </p:txBody>
+      </p:sp>
+      <p:sp>
+        <p:nvSpPr>
+          <p:cNvPr id="4" name="Slide Number Placeholder 3"/>
+          <p:cNvSpPr>
+            <a:spLocks noGrp="1"/>
+          </p:cNvSpPr>
+          <p:nvPr>
+            <p:ph type="sldNum" sz="quarter" idx="10"/>
+          </p:nvPr>
+        </p:nvSpPr>
+        <p:spPr/>
+        <p:txBody>
+          <a:bodyPr/>
+          <a:lstStyle/>
+          <a:p>
+            <a:fld id="{F2525AB9-A250-384A-A45B-2B27F02B4CAC}" type="slidenum">
+              <a:rPr lang="en-US" smtClean="0"/>
+              <a:t>17</a:t>
+            </a:fld>
+            <a:endParaRPr lang="en-US"/>
+          </a:p>
+        </p:txBody>
+      </p:sp>
+    </p:spTree>
+    <p:extLst>
+      <p:ext uri="{BB962C8B-B14F-4D97-AF65-F5344CB8AC3E}">
+        <p14:creationId xmlns:p14="http://schemas.microsoft.com/office/powerpoint/2010/main" val="1992999926"/>
+      </p:ext>
+    </p:extLst>
+  </p:cSld>
+  <p:clrMapOvr>
+    <a:masterClrMapping/>
+  </p:clrMapOvr>
+</p:notes>
+</file>
+
+<file path=ppt/notesSlides/notesSlide14.xml><?xml version="1.0" encoding="utf-8"?>
+<p:notes xmlns:a="http://schemas.openxmlformats.org/drawingml/2006/main" xmlns:r="http://schemas.openxmlformats.org/officeDocument/2006/relationships" xmlns:p="http://schemas.openxmlformats.org/presentationml/2006/main">
+  <p:cSld>
+    <p:spTree>
+      <p:nvGrpSpPr>
+        <p:cNvPr id="1" name=""/>
+        <p:cNvGrpSpPr/>
+        <p:nvPr/>
+      </p:nvGrpSpPr>
+      <p:grpSpPr>
+        <a:xfrm>
+          <a:off x="0" y="0"/>
+          <a:ext cx="0" cy="0"/>
+          <a:chOff x="0" y="0"/>
+          <a:chExt cx="0" cy="0"/>
+        </a:xfrm>
+      </p:grpSpPr>
+      <p:sp>
+        <p:nvSpPr>
+          <p:cNvPr id="2" name="Slide Image Placeholder 1"/>
+          <p:cNvSpPr>
+            <a:spLocks noGrp="1" noRot="1" noChangeAspect="1"/>
+          </p:cNvSpPr>
+          <p:nvPr>
+            <p:ph type="sldImg"/>
+          </p:nvPr>
+        </p:nvSpPr>
+        <p:spPr/>
+      </p:sp>
+      <p:sp>
+        <p:nvSpPr>
+          <p:cNvPr id="3" name="Notes Placeholder 2"/>
+          <p:cNvSpPr>
+            <a:spLocks noGrp="1"/>
+          </p:cNvSpPr>
+          <p:nvPr>
+            <p:ph type="body" idx="1"/>
+          </p:nvPr>
+        </p:nvSpPr>
+        <p:spPr/>
+        <p:txBody>
+          <a:bodyPr/>
+          <a:lstStyle/>
+          <a:p>
+            <a:endParaRPr lang="en-US" dirty="0"/>
+          </a:p>
+        </p:txBody>
+      </p:sp>
+      <p:sp>
+        <p:nvSpPr>
+          <p:cNvPr id="4" name="Slide Number Placeholder 3"/>
+          <p:cNvSpPr>
+            <a:spLocks noGrp="1"/>
+          </p:cNvSpPr>
+          <p:nvPr>
+            <p:ph type="sldNum" sz="quarter" idx="10"/>
+          </p:nvPr>
+        </p:nvSpPr>
+        <p:spPr/>
+        <p:txBody>
+          <a:bodyPr/>
+          <a:lstStyle/>
+          <a:p>
+            <a:fld id="{F2525AB9-A250-384A-A45B-2B27F02B4CAC}" type="slidenum">
+              <a:rPr lang="en-US" smtClean="0"/>
+              <a:t>18</a:t>
+            </a:fld>
+            <a:endParaRPr lang="en-US"/>
+          </a:p>
+        </p:txBody>
+      </p:sp>
+    </p:spTree>
+    <p:extLst>
+      <p:ext uri="{BB962C8B-B14F-4D97-AF65-F5344CB8AC3E}">
+        <p14:creationId xmlns:p14="http://schemas.microsoft.com/office/powerpoint/2010/main" val="596167631"/>
+      </p:ext>
+    </p:extLst>
+  </p:cSld>
+  <p:clrMapOvr>
+    <a:masterClrMapping/>
+  </p:clrMapOvr>
+</p:notes>
+</file>
+
+<file path=ppt/notesSlides/notesSlide15.xml><?xml version="1.0" encoding="utf-8"?>
+<p:notes xmlns:a="http://schemas.openxmlformats.org/drawingml/2006/main" xmlns:r="http://schemas.openxmlformats.org/officeDocument/2006/relationships" xmlns:p="http://schemas.openxmlformats.org/presentationml/2006/main">
+  <p:cSld>
+    <p:spTree>
+      <p:nvGrpSpPr>
+        <p:cNvPr id="1" name=""/>
+        <p:cNvGrpSpPr/>
+        <p:nvPr/>
+      </p:nvGrpSpPr>
+      <p:grpSpPr>
+        <a:xfrm>
+          <a:off x="0" y="0"/>
+          <a:ext cx="0" cy="0"/>
+          <a:chOff x="0" y="0"/>
+          <a:chExt cx="0" cy="0"/>
+        </a:xfrm>
+      </p:grpSpPr>
+      <p:sp>
+        <p:nvSpPr>
+          <p:cNvPr id="2" name="Slide Image Placeholder 1"/>
+          <p:cNvSpPr>
+            <a:spLocks noGrp="1" noRot="1" noChangeAspect="1"/>
+          </p:cNvSpPr>
+          <p:nvPr>
+            <p:ph type="sldImg"/>
+          </p:nvPr>
+        </p:nvSpPr>
+        <p:spPr/>
+      </p:sp>
+      <p:sp>
+        <p:nvSpPr>
+          <p:cNvPr id="3" name="Notes Placeholder 2"/>
+          <p:cNvSpPr>
+            <a:spLocks noGrp="1"/>
+          </p:cNvSpPr>
+          <p:nvPr>
+            <p:ph type="body" idx="1"/>
+          </p:nvPr>
+        </p:nvSpPr>
+        <p:spPr/>
+        <p:txBody>
+          <a:bodyPr/>
+          <a:lstStyle/>
+          <a:p>
+            <a:pPr marL="228600" indent="-228600">
+              <a:buAutoNum type="arabicParenR"/>
+            </a:pPr>
+            <a:r>
+              <a:rPr lang="en-US" baseline="0" dirty="0" smtClean="0"/>
+              <a:t>Examine </a:t>
+            </a:r>
+            <a:r>
+              <a:rPr lang="en-US" baseline="0" dirty="0" err="1" smtClean="0"/>
+              <a:t>serverless.yml</a:t>
+            </a:r>
+            <a:r>
+              <a:rPr lang="en-US" baseline="0" dirty="0" smtClean="0"/>
+              <a:t> </a:t>
+            </a:r>
+            <a:r>
+              <a:rPr lang="mr-IN" baseline="0" dirty="0" smtClean="0"/>
+              <a:t>…</a:t>
+            </a:r>
+            <a:r>
+              <a:rPr lang="en-US" baseline="0" dirty="0" smtClean="0"/>
+              <a:t> note the </a:t>
+            </a:r>
+            <a:r>
+              <a:rPr lang="en-US" baseline="0" dirty="0" err="1" smtClean="0"/>
+              <a:t>CloudFormation</a:t>
+            </a:r>
+            <a:r>
+              <a:rPr lang="en-US" baseline="0" dirty="0" smtClean="0"/>
+              <a:t> </a:t>
+            </a:r>
+            <a:r>
+              <a:rPr lang="en-US" baseline="0" dirty="0" err="1" smtClean="0"/>
+              <a:t>DeletionPolicy</a:t>
+            </a:r>
+            <a:r>
+              <a:rPr lang="en-US" baseline="0" dirty="0" smtClean="0"/>
+              <a:t> (default is snapshot, which keeps a ”deleted” copy)</a:t>
+            </a:r>
+          </a:p>
+          <a:p>
+            <a:pPr marL="228600" indent="-228600">
+              <a:buAutoNum type="arabicParenR"/>
+            </a:pPr>
+            <a:r>
+              <a:rPr lang="en-US" baseline="0" dirty="0" smtClean="0"/>
+              <a:t>Examine handlers (loans/*.</a:t>
+            </a:r>
+            <a:r>
+              <a:rPr lang="en-US" baseline="0" dirty="0" err="1" smtClean="0"/>
+              <a:t>js</a:t>
+            </a:r>
+            <a:r>
+              <a:rPr lang="en-US" baseline="0" dirty="0" smtClean="0"/>
+              <a:t>)</a:t>
+            </a:r>
+          </a:p>
+          <a:p>
+            <a:pPr marL="228600" indent="-228600">
+              <a:buAutoNum type="arabicParenR"/>
+            </a:pPr>
+            <a:r>
+              <a:rPr lang="en-US" baseline="0" dirty="0" smtClean="0"/>
+              <a:t>After executing API, take a look at the DB</a:t>
+            </a:r>
+            <a:endParaRPr lang="en-US" baseline="0" dirty="0" smtClean="0"/>
+          </a:p>
+        </p:txBody>
+      </p:sp>
+      <p:sp>
+        <p:nvSpPr>
+          <p:cNvPr id="4" name="Slide Number Placeholder 3"/>
+          <p:cNvSpPr>
+            <a:spLocks noGrp="1"/>
+          </p:cNvSpPr>
+          <p:nvPr>
+            <p:ph type="sldNum" sz="quarter" idx="10"/>
+          </p:nvPr>
+        </p:nvSpPr>
+        <p:spPr/>
+        <p:txBody>
+          <a:bodyPr/>
+          <a:lstStyle/>
+          <a:p>
+            <a:fld id="{F2525AB9-A250-384A-A45B-2B27F02B4CAC}" type="slidenum">
+              <a:rPr lang="en-US" smtClean="0"/>
+              <a:t>19</a:t>
+            </a:fld>
+            <a:endParaRPr lang="en-US"/>
+          </a:p>
+        </p:txBody>
+      </p:sp>
+    </p:spTree>
+    <p:extLst>
+      <p:ext uri="{BB962C8B-B14F-4D97-AF65-F5344CB8AC3E}">
+        <p14:creationId xmlns:p14="http://schemas.microsoft.com/office/powerpoint/2010/main" val="1132076268"/>
+      </p:ext>
+    </p:extLst>
+  </p:cSld>
+  <p:clrMapOvr>
+    <a:masterClrMapping/>
+  </p:clrMapOvr>
+</p:notes>
+</file>
+
+<file path=ppt/notesSlides/notesSlide16.xml><?xml version="1.0" encoding="utf-8"?>
+<p:notes xmlns:a="http://schemas.openxmlformats.org/drawingml/2006/main" xmlns:r="http://schemas.openxmlformats.org/officeDocument/2006/relationships" xmlns:p="http://schemas.openxmlformats.org/presentationml/2006/main">
+  <p:cSld>
+    <p:spTree>
+      <p:nvGrpSpPr>
+        <p:cNvPr id="1" name=""/>
+        <p:cNvGrpSpPr/>
+        <p:nvPr/>
+      </p:nvGrpSpPr>
+      <p:grpSpPr>
+        <a:xfrm>
+          <a:off x="0" y="0"/>
+          <a:ext cx="0" cy="0"/>
+          <a:chOff x="0" y="0"/>
+          <a:chExt cx="0" cy="0"/>
+        </a:xfrm>
+      </p:grpSpPr>
+      <p:sp>
+        <p:nvSpPr>
+          <p:cNvPr id="2" name="Slide Image Placeholder 1"/>
+          <p:cNvSpPr>
+            <a:spLocks noGrp="1" noRot="1" noChangeAspect="1"/>
+          </p:cNvSpPr>
+          <p:nvPr>
+            <p:ph type="sldImg"/>
+          </p:nvPr>
+        </p:nvSpPr>
+        <p:spPr/>
+      </p:sp>
+      <p:sp>
+        <p:nvSpPr>
+          <p:cNvPr id="3" name="Notes Placeholder 2"/>
+          <p:cNvSpPr>
+            <a:spLocks noGrp="1"/>
+          </p:cNvSpPr>
+          <p:nvPr>
+            <p:ph type="body" idx="1"/>
+          </p:nvPr>
+        </p:nvSpPr>
+        <p:spPr/>
+        <p:txBody>
+          <a:bodyPr/>
+          <a:lstStyle/>
+          <a:p>
+            <a:r>
+              <a:rPr lang="en-US" baseline="0" dirty="0" smtClean="0"/>
+              <a:t>1</a:t>
+            </a:r>
+            <a:r>
+              <a:rPr lang="en-US" baseline="0" dirty="0" smtClean="0"/>
+              <a:t>) After deployment:  </a:t>
+            </a:r>
+            <a:r>
+              <a:rPr lang="en-US" baseline="0" dirty="0" err="1" smtClean="0"/>
+              <a:t>IoT</a:t>
+            </a:r>
+            <a:r>
+              <a:rPr lang="en-US" baseline="0" dirty="0" smtClean="0"/>
+              <a:t> [Get Started] &gt; Test &gt; Publish “</a:t>
+            </a:r>
+            <a:r>
+              <a:rPr lang="en-US" baseline="0" dirty="0" err="1" smtClean="0"/>
+              <a:t>slac_topic</a:t>
+            </a:r>
+            <a:r>
+              <a:rPr lang="en-US" baseline="0" dirty="0" smtClean="0"/>
+              <a:t>”</a:t>
+            </a:r>
+            <a:endParaRPr lang="en-US" baseline="0" dirty="0" smtClean="0"/>
+          </a:p>
+        </p:txBody>
+      </p:sp>
+      <p:sp>
+        <p:nvSpPr>
+          <p:cNvPr id="4" name="Slide Number Placeholder 3"/>
+          <p:cNvSpPr>
+            <a:spLocks noGrp="1"/>
+          </p:cNvSpPr>
+          <p:nvPr>
+            <p:ph type="sldNum" sz="quarter" idx="10"/>
+          </p:nvPr>
+        </p:nvSpPr>
+        <p:spPr/>
+        <p:txBody>
+          <a:bodyPr/>
+          <a:lstStyle/>
+          <a:p>
+            <a:fld id="{F2525AB9-A250-384A-A45B-2B27F02B4CAC}" type="slidenum">
+              <a:rPr lang="en-US" smtClean="0"/>
+              <a:t>20</a:t>
+            </a:fld>
+            <a:endParaRPr lang="en-US"/>
+          </a:p>
+        </p:txBody>
+      </p:sp>
+    </p:spTree>
+    <p:extLst>
+      <p:ext uri="{BB962C8B-B14F-4D97-AF65-F5344CB8AC3E}">
+        <p14:creationId xmlns:p14="http://schemas.microsoft.com/office/powerpoint/2010/main" val="123910754"/>
+      </p:ext>
+    </p:extLst>
+  </p:cSld>
+  <p:clrMapOvr>
+    <a:masterClrMapping/>
+  </p:clrMapOvr>
+</p:notes>
+</file>
+
+<file path=ppt/notesSlides/notesSlide17.xml><?xml version="1.0" encoding="utf-8"?>
+<p:notes xmlns:a="http://schemas.openxmlformats.org/drawingml/2006/main" xmlns:r="http://schemas.openxmlformats.org/officeDocument/2006/relationships" xmlns:p="http://schemas.openxmlformats.org/presentationml/2006/main">
+  <p:cSld>
+    <p:spTree>
+      <p:nvGrpSpPr>
+        <p:cNvPr id="1" name=""/>
+        <p:cNvGrpSpPr/>
+        <p:nvPr/>
+      </p:nvGrpSpPr>
+      <p:grpSpPr>
+        <a:xfrm>
+          <a:off x="0" y="0"/>
+          <a:ext cx="0" cy="0"/>
+          <a:chOff x="0" y="0"/>
+          <a:chExt cx="0" cy="0"/>
+        </a:xfrm>
+      </p:grpSpPr>
+      <p:sp>
+        <p:nvSpPr>
+          <p:cNvPr id="2" name="Slide Image Placeholder 1"/>
+          <p:cNvSpPr>
+            <a:spLocks noGrp="1" noRot="1" noChangeAspect="1"/>
+          </p:cNvSpPr>
+          <p:nvPr>
+            <p:ph type="sldImg"/>
+          </p:nvPr>
+        </p:nvSpPr>
+        <p:spPr/>
+      </p:sp>
+      <p:sp>
+        <p:nvSpPr>
+          <p:cNvPr id="3" name="Notes Placeholder 2"/>
+          <p:cNvSpPr>
+            <a:spLocks noGrp="1"/>
+          </p:cNvSpPr>
+          <p:nvPr>
+            <p:ph type="body" idx="1"/>
+          </p:nvPr>
+        </p:nvSpPr>
+        <p:spPr/>
+        <p:txBody>
+          <a:bodyPr/>
+          <a:lstStyle/>
+          <a:p>
+            <a:r>
+              <a:rPr lang="en-US" baseline="0" dirty="0" smtClean="0"/>
+              <a:t>1</a:t>
+            </a:r>
+            <a:r>
+              <a:rPr lang="en-US" baseline="0" dirty="0" smtClean="0"/>
+              <a:t>) After deployment:  </a:t>
+            </a:r>
+            <a:r>
+              <a:rPr lang="en-US" baseline="0" dirty="0" err="1" smtClean="0"/>
+              <a:t>IoT</a:t>
+            </a:r>
+            <a:r>
+              <a:rPr lang="en-US" baseline="0" dirty="0" smtClean="0"/>
+              <a:t> [Get Started] &gt; Test &gt; Publish “</a:t>
+            </a:r>
+            <a:r>
+              <a:rPr lang="en-US" baseline="0" dirty="0" err="1" smtClean="0"/>
+              <a:t>slac_topic</a:t>
+            </a:r>
+            <a:r>
+              <a:rPr lang="en-US" baseline="0" dirty="0" smtClean="0"/>
+              <a:t>”</a:t>
+            </a:r>
+            <a:endParaRPr lang="en-US" baseline="0" dirty="0" smtClean="0"/>
+          </a:p>
+        </p:txBody>
+      </p:sp>
+      <p:sp>
+        <p:nvSpPr>
+          <p:cNvPr id="4" name="Slide Number Placeholder 3"/>
+          <p:cNvSpPr>
+            <a:spLocks noGrp="1"/>
+          </p:cNvSpPr>
+          <p:nvPr>
+            <p:ph type="sldNum" sz="quarter" idx="10"/>
+          </p:nvPr>
+        </p:nvSpPr>
+        <p:spPr/>
+        <p:txBody>
+          <a:bodyPr/>
+          <a:lstStyle/>
+          <a:p>
+            <a:fld id="{F2525AB9-A250-384A-A45B-2B27F02B4CAC}" type="slidenum">
+              <a:rPr lang="en-US" smtClean="0"/>
+              <a:t>21</a:t>
+            </a:fld>
+            <a:endParaRPr lang="en-US"/>
+          </a:p>
+        </p:txBody>
+      </p:sp>
+    </p:spTree>
+    <p:extLst>
+      <p:ext uri="{BB962C8B-B14F-4D97-AF65-F5344CB8AC3E}">
+        <p14:creationId xmlns:p14="http://schemas.microsoft.com/office/powerpoint/2010/main" val="1669354909"/>
+      </p:ext>
+    </p:extLst>
+  </p:cSld>
+  <p:clrMapOvr>
+    <a:masterClrMapping/>
+  </p:clrMapOvr>
+</p:notes>
+</file>
+
 <file path=ppt/notesSlides/notesSlide2.xml><?xml version="1.0" encoding="utf-8"?>
 <p:notes xmlns:a="http://schemas.openxmlformats.org/drawingml/2006/main" xmlns:r="http://schemas.openxmlformats.org/officeDocument/2006/relationships" xmlns:p="http://schemas.openxmlformats.org/presentationml/2006/main">
   <p:cSld>
@@ -621,8 +1489,9 @@
           <a:p>
             <a:r>
               <a:rPr lang="en-US" dirty="0" smtClean="0"/>
-              <a:t>Code:</a:t>
-            </a:r>
+              <a:t>Code (the node “boilerplate” hello world):</a:t>
+            </a:r>
+            <a:endParaRPr lang="en-US" dirty="0" smtClean="0"/>
           </a:p>
           <a:p>
             <a:r>
@@ -772,51 +1641,32 @@
           <a:p>
             <a:r>
               <a:rPr lang="en-US" dirty="0" smtClean="0"/>
-              <a:t>1. </a:t>
-            </a:r>
-            <a:r>
-              <a:rPr lang="en-US" dirty="0" smtClean="0"/>
-              <a:t>Get</a:t>
+              <a:t>1. Get</a:t>
             </a:r>
             <a:r>
               <a:rPr lang="en-US" baseline="0" dirty="0" smtClean="0"/>
               <a:t> method callback with response object</a:t>
             </a:r>
+          </a:p>
+          <a:p>
+            <a:r>
+              <a:rPr lang="en-US" baseline="0" dirty="0" smtClean="0"/>
+              <a:t>2. Event triggers (on "data", on "end")</a:t>
+            </a:r>
+          </a:p>
+          <a:p>
+            <a:r>
+              <a:rPr lang="en-US" baseline="0" dirty="0" smtClean="0"/>
+              <a:t>3. Nested functional implementations</a:t>
+            </a:r>
+          </a:p>
+          <a:p>
             <a:endParaRPr lang="en-US" baseline="0" dirty="0" smtClean="0"/>
           </a:p>
           <a:p>
             <a:r>
               <a:rPr lang="en-US" baseline="0" dirty="0" smtClean="0"/>
-              <a:t>2. </a:t>
-            </a:r>
-            <a:r>
-              <a:rPr lang="en-US" baseline="0" dirty="0" smtClean="0"/>
-              <a:t>Event triggers (on "data", on "end")</a:t>
-            </a:r>
-            <a:endParaRPr lang="en-US" baseline="0" dirty="0" smtClean="0"/>
-          </a:p>
-          <a:p>
-            <a:r>
-              <a:rPr lang="en-US" baseline="0" dirty="0" smtClean="0"/>
-              <a:t>3. </a:t>
-            </a:r>
-            <a:r>
-              <a:rPr lang="en-US" baseline="0" dirty="0" smtClean="0"/>
-              <a:t>Nested functional implementations</a:t>
-            </a:r>
-            <a:endParaRPr lang="en-US" baseline="0" dirty="0" smtClean="0"/>
-          </a:p>
-          <a:p>
-            <a:endParaRPr lang="en-US" baseline="0" dirty="0" smtClean="0"/>
-          </a:p>
-          <a:p>
-            <a:r>
-              <a:rPr lang="en-US" baseline="0" dirty="0" smtClean="0"/>
-              <a:t>Execution</a:t>
-            </a:r>
-            <a:r>
-              <a:rPr lang="en-US" baseline="0" dirty="0" smtClean="0"/>
-              <a:t>:</a:t>
+              <a:t>Execution:</a:t>
             </a:r>
           </a:p>
           <a:p>
@@ -860,7 +1710,7 @@
     </p:spTree>
     <p:extLst>
       <p:ext uri="{BB962C8B-B14F-4D97-AF65-F5344CB8AC3E}">
-        <p14:creationId xmlns:p14="http://schemas.microsoft.com/office/powerpoint/2010/main" val="1317143504"/>
+        <p14:creationId xmlns:p14="http://schemas.microsoft.com/office/powerpoint/2010/main" val="1338447660"/>
       </p:ext>
     </p:extLst>
   </p:cSld>
@@ -916,7 +1766,50 @@
           <a:p>
             <a:r>
               <a:rPr lang="en-US" dirty="0" smtClean="0"/>
-              <a:t>A single call stack</a:t>
+              <a:t>Code:</a:t>
+            </a:r>
+          </a:p>
+          <a:p>
+            <a:r>
+              <a:rPr lang="en-US" dirty="0" smtClean="0"/>
+              <a:t>1. Get</a:t>
+            </a:r>
+            <a:r>
+              <a:rPr lang="en-US" baseline="0" dirty="0" smtClean="0"/>
+              <a:t> method callback with response object</a:t>
+            </a:r>
+          </a:p>
+          <a:p>
+            <a:r>
+              <a:rPr lang="en-US" baseline="0" dirty="0" smtClean="0"/>
+              <a:t>2. Event triggers (on "data", on "end")</a:t>
+            </a:r>
+          </a:p>
+          <a:p>
+            <a:r>
+              <a:rPr lang="en-US" baseline="0" dirty="0" smtClean="0"/>
+              <a:t>3. Nested functional implementations</a:t>
+            </a:r>
+          </a:p>
+          <a:p>
+            <a:endParaRPr lang="en-US" baseline="0" dirty="0" smtClean="0"/>
+          </a:p>
+          <a:p>
+            <a:r>
+              <a:rPr lang="en-US" baseline="0" dirty="0" smtClean="0"/>
+              <a:t>Execution:</a:t>
+            </a:r>
+          </a:p>
+          <a:p>
+            <a:r>
+              <a:rPr lang="en-US" baseline="0" dirty="0" smtClean="0"/>
+              <a:t>1. curl or browser</a:t>
+            </a:r>
+          </a:p>
+          <a:p>
+            <a:r>
+              <a:rPr lang="en-US" baseline="0" dirty="0" smtClean="0"/>
+              <a:t> </a:t>
             </a:r>
             <a:endParaRPr lang="en-US" dirty="0"/>
           </a:p>
@@ -948,7 +1841,7 @@
     </p:spTree>
     <p:extLst>
       <p:ext uri="{BB962C8B-B14F-4D97-AF65-F5344CB8AC3E}">
-        <p14:creationId xmlns:p14="http://schemas.microsoft.com/office/powerpoint/2010/main" val="1571547254"/>
+        <p14:creationId xmlns:p14="http://schemas.microsoft.com/office/powerpoint/2010/main" val="744896697"/>
       </p:ext>
     </p:extLst>
   </p:cSld>
@@ -1004,7 +1897,50 @@
           <a:p>
             <a:r>
               <a:rPr lang="en-US" dirty="0" smtClean="0"/>
-              <a:t>A single call stack</a:t>
+              <a:t>Code:</a:t>
+            </a:r>
+          </a:p>
+          <a:p>
+            <a:r>
+              <a:rPr lang="en-US" dirty="0" smtClean="0"/>
+              <a:t>1. Get</a:t>
+            </a:r>
+            <a:r>
+              <a:rPr lang="en-US" baseline="0" dirty="0" smtClean="0"/>
+              <a:t> method callback with response object</a:t>
+            </a:r>
+          </a:p>
+          <a:p>
+            <a:r>
+              <a:rPr lang="en-US" baseline="0" dirty="0" smtClean="0"/>
+              <a:t>2. Event triggers (on "data", on "end")</a:t>
+            </a:r>
+          </a:p>
+          <a:p>
+            <a:r>
+              <a:rPr lang="en-US" baseline="0" dirty="0" smtClean="0"/>
+              <a:t>3. Nested functional implementations</a:t>
+            </a:r>
+          </a:p>
+          <a:p>
+            <a:endParaRPr lang="en-US" baseline="0" dirty="0" smtClean="0"/>
+          </a:p>
+          <a:p>
+            <a:r>
+              <a:rPr lang="en-US" baseline="0" dirty="0" smtClean="0"/>
+              <a:t>Execution:</a:t>
+            </a:r>
+          </a:p>
+          <a:p>
+            <a:r>
+              <a:rPr lang="en-US" baseline="0" dirty="0" smtClean="0"/>
+              <a:t>1. curl or browser</a:t>
+            </a:r>
+          </a:p>
+          <a:p>
+            <a:r>
+              <a:rPr lang="en-US" baseline="0" dirty="0" smtClean="0"/>
+              <a:t> </a:t>
             </a:r>
             <a:endParaRPr lang="en-US" dirty="0"/>
           </a:p>
@@ -1036,7 +1972,7 @@
     </p:spTree>
     <p:extLst>
       <p:ext uri="{BB962C8B-B14F-4D97-AF65-F5344CB8AC3E}">
-        <p14:creationId xmlns:p14="http://schemas.microsoft.com/office/powerpoint/2010/main" val="1136404267"/>
+        <p14:creationId xmlns:p14="http://schemas.microsoft.com/office/powerpoint/2010/main" val="1317143504"/>
       </p:ext>
     </p:extLst>
   </p:cSld>
@@ -1092,185 +2028,52 @@
           <a:p>
             <a:r>
               <a:rPr lang="en-US" dirty="0" smtClean="0"/>
-              <a:t>1) Create</a:t>
+              <a:t>Code:</a:t>
+            </a:r>
+          </a:p>
+          <a:p>
+            <a:r>
+              <a:rPr lang="en-US" dirty="0" smtClean="0"/>
+              <a:t>1. Get</a:t>
             </a:r>
             <a:r>
               <a:rPr lang="en-US" baseline="0" dirty="0" smtClean="0"/>
-              <a:t> node template and examine </a:t>
-            </a:r>
-            <a:r>
-              <a:rPr lang="en-US" baseline="0" dirty="0" err="1" smtClean="0"/>
-              <a:t>serverless.yml</a:t>
-            </a:r>
+              <a:t> method callback with response object</a:t>
+            </a:r>
+          </a:p>
+          <a:p>
             <a:r>
               <a:rPr lang="en-US" baseline="0" dirty="0" smtClean="0"/>
-              <a:t> and </a:t>
-            </a:r>
-            <a:r>
-              <a:rPr lang="en-US" baseline="0" dirty="0" err="1" smtClean="0"/>
-              <a:t>handler.js</a:t>
-            </a:r>
-            <a:endParaRPr lang="en-US" dirty="0" smtClean="0"/>
-          </a:p>
-          <a:p>
-            <a:r>
-              <a:rPr lang="en-US" dirty="0" smtClean="0"/>
-              <a:t>2) If </a:t>
-            </a:r>
-            <a:r>
-              <a:rPr lang="en-US" dirty="0" err="1" smtClean="0"/>
-              <a:t>serverless</a:t>
-            </a:r>
-            <a:r>
-              <a:rPr lang="en-US" dirty="0" smtClean="0"/>
-              <a:t> "not</a:t>
-            </a:r>
+              <a:t>2. Event triggers (on "data", on "end")</a:t>
+            </a:r>
+          </a:p>
+          <a:p>
             <a:r>
               <a:rPr lang="en-US" baseline="0" dirty="0" smtClean="0"/>
-              <a:t> found" ensure </a:t>
-            </a:r>
-            <a:r>
-              <a:rPr lang="en-US" baseline="0" dirty="0" err="1" smtClean="0"/>
-              <a:t>node_modules</a:t>
-            </a:r>
+              <a:t>3. Nested functional implementations</a:t>
+            </a:r>
+          </a:p>
+          <a:p>
+            <a:endParaRPr lang="en-US" baseline="0" dirty="0" smtClean="0"/>
+          </a:p>
+          <a:p>
             <a:r>
               <a:rPr lang="en-US" baseline="0" dirty="0" smtClean="0"/>
-              <a:t>/</a:t>
-            </a:r>
-            <a:r>
-              <a:rPr lang="en-US" baseline="0" dirty="0" err="1" smtClean="0"/>
-              <a:t>serverless</a:t>
-            </a:r>
+              <a:t>Execution:</a:t>
+            </a:r>
+          </a:p>
+          <a:p>
             <a:r>
               <a:rPr lang="en-US" baseline="0" dirty="0" smtClean="0"/>
-              <a:t>/bin is in your $PATH -OR- </a:t>
-            </a:r>
-            <a:r>
-              <a:rPr lang="en-US" sz="1200" dirty="0" err="1" smtClean="0">
-                <a:latin typeface="Courier" charset="0"/>
-                <a:ea typeface="Courier" charset="0"/>
-                <a:cs typeface="Courier" charset="0"/>
-              </a:rPr>
-              <a:t>npm</a:t>
-            </a:r>
-            <a:r>
-              <a:rPr lang="en-US" sz="1200" dirty="0" smtClean="0">
-                <a:latin typeface="Courier" charset="0"/>
-                <a:ea typeface="Courier" charset="0"/>
-                <a:cs typeface="Courier" charset="0"/>
-              </a:rPr>
-              <a:t> install </a:t>
-            </a:r>
-            <a:r>
-              <a:rPr lang="en-US" sz="1200" dirty="0" err="1" smtClean="0">
-                <a:latin typeface="Courier" charset="0"/>
-                <a:ea typeface="Courier" charset="0"/>
-                <a:cs typeface="Courier" charset="0"/>
-              </a:rPr>
-              <a:t>serverless</a:t>
-            </a:r>
-            <a:r>
-              <a:rPr lang="en-US" sz="1200" dirty="0" smtClean="0">
-                <a:latin typeface="Courier" charset="0"/>
-                <a:ea typeface="Courier" charset="0"/>
-                <a:cs typeface="Courier" charset="0"/>
-              </a:rPr>
-              <a:t> --global (with</a:t>
-            </a:r>
-            <a:r>
-              <a:rPr lang="en-US" sz="1200" baseline="0" dirty="0" smtClean="0">
-                <a:latin typeface="Courier" charset="0"/>
-                <a:ea typeface="Courier" charset="0"/>
-                <a:cs typeface="Courier" charset="0"/>
-              </a:rPr>
-              <a:t> root) </a:t>
-            </a:r>
-            <a:endParaRPr lang="en-US" baseline="0" dirty="0" smtClean="0"/>
+              <a:t>1. curl or browser</a:t>
+            </a:r>
           </a:p>
           <a:p>
             <a:r>
               <a:rPr lang="en-US" baseline="0" dirty="0" smtClean="0"/>
-              <a:t>3) Alternatively you can create "</a:t>
-            </a:r>
-            <a:r>
-              <a:rPr lang="en-US" baseline="0" dirty="0" err="1" smtClean="0"/>
-              <a:t>aws</a:t>
-            </a:r>
-            <a:r>
-              <a:rPr lang="en-US" baseline="0" dirty="0" smtClean="0"/>
-              <a:t>-java-maven"</a:t>
-            </a:r>
-          </a:p>
-          <a:p>
-            <a:r>
-              <a:rPr lang="en-US" baseline="0" dirty="0" smtClean="0"/>
-              <a:t>4) If deploy fails, check credentials for "</a:t>
-            </a:r>
-            <a:r>
-              <a:rPr lang="en-US" baseline="0" dirty="0" err="1" smtClean="0"/>
-              <a:t>serverless</a:t>
-            </a:r>
-            <a:r>
-              <a:rPr lang="en-US" baseline="0" dirty="0" smtClean="0"/>
-              <a:t>" profile</a:t>
-            </a:r>
-          </a:p>
-          <a:p>
-            <a:r>
-              <a:rPr lang="en-US" baseline="0" dirty="0" smtClean="0"/>
-              <a:t>5) Modify the code and re-deploy the function only: "</a:t>
-            </a:r>
-            <a:r>
-              <a:rPr lang="en-US" dirty="0" err="1" smtClean="0"/>
-              <a:t>serverless</a:t>
-            </a:r>
-            <a:r>
-              <a:rPr lang="en-US" dirty="0" smtClean="0"/>
-              <a:t> deploy </a:t>
-            </a:r>
-            <a:r>
-              <a:rPr lang="en-US" sz="1200" kern="1200" dirty="0" smtClean="0">
-                <a:solidFill>
-                  <a:schemeClr val="tx1"/>
-                </a:solidFill>
-                <a:effectLst/>
-                <a:latin typeface="+mn-lt"/>
-                <a:ea typeface="+mn-ea"/>
-                <a:cs typeface="+mn-cs"/>
-              </a:rPr>
-              <a:t>function</a:t>
-            </a:r>
-            <a:r>
-              <a:rPr lang="en-US" dirty="0" smtClean="0"/>
               <a:t> </a:t>
             </a:r>
-            <a:r>
-              <a:rPr lang="en-US" sz="1200" kern="1200" dirty="0" smtClean="0">
-                <a:solidFill>
-                  <a:schemeClr val="tx1"/>
-                </a:solidFill>
-                <a:effectLst/>
-                <a:latin typeface="+mn-lt"/>
-                <a:ea typeface="+mn-ea"/>
-                <a:cs typeface="+mn-cs"/>
-              </a:rPr>
-              <a:t>-f</a:t>
-            </a:r>
-            <a:r>
-              <a:rPr lang="en-US" dirty="0" smtClean="0"/>
-              <a:t> hello"</a:t>
-            </a:r>
-          </a:p>
-          <a:p>
-            <a:r>
-              <a:rPr lang="en-US" dirty="0" smtClean="0"/>
-              <a:t>**</a:t>
-            </a:r>
-            <a:r>
-              <a:rPr lang="en-US" baseline="0" dirty="0" smtClean="0"/>
-              <a:t> Create/deploy Java svc as well.  Compare local and deployed sizes.  Compare execution time.</a:t>
-            </a:r>
-            <a:endParaRPr lang="en-US" dirty="0" smtClean="0"/>
+            <a:endParaRPr lang="en-US" dirty="0"/>
           </a:p>
         </p:txBody>
       </p:sp>
@@ -1300,7 +2103,7 @@
     </p:spTree>
     <p:extLst>
       <p:ext uri="{BB962C8B-B14F-4D97-AF65-F5344CB8AC3E}">
-        <p14:creationId xmlns:p14="http://schemas.microsoft.com/office/powerpoint/2010/main" val="1646626983"/>
+        <p14:creationId xmlns:p14="http://schemas.microsoft.com/office/powerpoint/2010/main" val="475839828"/>
       </p:ext>
     </p:extLst>
   </p:cSld>
@@ -1356,53 +2159,46 @@
           <a:p>
             <a:r>
               <a:rPr lang="en-US" dirty="0" smtClean="0"/>
-              <a:t>1)</a:t>
+              <a:t>Cost </a:t>
+            </a:r>
+            <a:r>
+              <a:rPr lang="mr-IN" dirty="0" smtClean="0"/>
+              <a:t>–</a:t>
+            </a:r>
+            <a:r>
+              <a:rPr lang="en-US" dirty="0" smtClean="0"/>
+              <a:t> based</a:t>
             </a:r>
             <a:r>
               <a:rPr lang="en-US" baseline="0" dirty="0" smtClean="0"/>
-              <a:t> Update </a:t>
-            </a:r>
-            <a:r>
-              <a:rPr lang="en-US" baseline="0" dirty="0" err="1" smtClean="0"/>
-              <a:t>serverless.yml</a:t>
-            </a:r>
+              <a:t> on transactional volume, not infrastructure</a:t>
+            </a:r>
+          </a:p>
+          <a:p>
             <a:r>
               <a:rPr lang="en-US" baseline="0" dirty="0" smtClean="0"/>
-              <a:t> with http (path &amp; method) and re-deploy the service</a:t>
+              <a:t>Flexibility </a:t>
+            </a:r>
+            <a:r>
+              <a:rPr lang="mr-IN" baseline="0" dirty="0" smtClean="0"/>
+              <a:t>–</a:t>
+            </a:r>
+            <a:r>
+              <a:rPr lang="en-US" baseline="0" dirty="0" smtClean="0"/>
+              <a:t> functions can be re-deployed independently</a:t>
             </a:r>
             <a:endParaRPr lang="en-US" dirty="0" smtClean="0"/>
           </a:p>
           <a:p>
             <a:r>
               <a:rPr lang="en-US" dirty="0" smtClean="0"/>
-              <a:t>2) </a:t>
-            </a:r>
-            <a:r>
-              <a:rPr lang="en-US" baseline="0" dirty="0" smtClean="0"/>
-              <a:t>Examine the input event in the response.  Comment in the handler and re-deploy "</a:t>
-            </a:r>
-            <a:r>
-              <a:rPr lang="en-US" baseline="0" dirty="0" err="1" smtClean="0"/>
-              <a:t>serverless</a:t>
-            </a:r>
-            <a:r>
-              <a:rPr lang="en-US" baseline="0" dirty="0" smtClean="0"/>
-              <a:t> deploy function -f hello"</a:t>
-            </a:r>
-          </a:p>
-          <a:p>
-            <a:r>
-              <a:rPr lang="en-US" baseline="0" dirty="0" smtClean="0"/>
-              <a:t>3) Copy URL to ajax html (</a:t>
-            </a:r>
-            <a:r>
-              <a:rPr lang="en-US" baseline="0" dirty="0" err="1" smtClean="0"/>
-              <a:t>slac</a:t>
-            </a:r>
-            <a:r>
-              <a:rPr lang="en-US" baseline="0" dirty="0" smtClean="0"/>
-              <a:t>) and test</a:t>
-            </a:r>
+              <a:t>A </a:t>
+            </a:r>
+            <a:r>
+              <a:rPr lang="en-US" dirty="0" smtClean="0"/>
+              <a:t>single call stack</a:t>
+            </a:r>
+            <a:endParaRPr lang="en-US" dirty="0"/>
           </a:p>
         </p:txBody>
       </p:sp>
@@ -1432,7 +2228,7 @@
     </p:spTree>
     <p:extLst>
       <p:ext uri="{BB962C8B-B14F-4D97-AF65-F5344CB8AC3E}">
-        <p14:creationId xmlns:p14="http://schemas.microsoft.com/office/powerpoint/2010/main" val="993817812"/>
+        <p14:creationId xmlns:p14="http://schemas.microsoft.com/office/powerpoint/2010/main" val="1571547254"/>
       </p:ext>
     </p:extLst>
   </p:cSld>
@@ -1488,29 +2284,9 @@
           <a:p>
             <a:r>
               <a:rPr lang="en-US" dirty="0" smtClean="0"/>
-              <a:t>1)</a:t>
-            </a:r>
-            <a:r>
-              <a:rPr lang="en-US" baseline="0" dirty="0" smtClean="0"/>
-              <a:t> Update </a:t>
-            </a:r>
-            <a:r>
-              <a:rPr lang="en-US" baseline="0" dirty="0" err="1" smtClean="0"/>
-              <a:t>serverless.yml</a:t>
-            </a:r>
-            <a:r>
-              <a:rPr lang="en-US" baseline="0" dirty="0" smtClean="0"/>
-              <a:t> with </a:t>
-            </a:r>
-            <a:r>
-              <a:rPr lang="en-US" baseline="0" dirty="0" err="1" smtClean="0"/>
-              <a:t>cors</a:t>
-            </a:r>
-            <a:r>
-              <a:rPr lang="en-US" baseline="0" dirty="0" smtClean="0"/>
-              <a:t> and test ... why didn't it work?</a:t>
-            </a:r>
-            <a:endParaRPr lang="en-US" baseline="0" dirty="0" smtClean="0"/>
+              <a:t>A single call stack</a:t>
+            </a:r>
+            <a:endParaRPr lang="en-US" dirty="0"/>
           </a:p>
         </p:txBody>
       </p:sp>
@@ -1540,7 +2316,7 @@
     </p:spTree>
     <p:extLst>
       <p:ext uri="{BB962C8B-B14F-4D97-AF65-F5344CB8AC3E}">
-        <p14:creationId xmlns:p14="http://schemas.microsoft.com/office/powerpoint/2010/main" val="210567613"/>
+        <p14:creationId xmlns:p14="http://schemas.microsoft.com/office/powerpoint/2010/main" val="1136404267"/>
       </p:ext>
     </p:extLst>
   </p:cSld>
@@ -1595,10 +2371,203 @@
           <a:lstStyle/>
           <a:p>
             <a:r>
+              <a:rPr lang="en-US" dirty="0" smtClean="0"/>
+              <a:t>1) Create</a:t>
+            </a:r>
+            <a:r>
               <a:rPr lang="en-US" baseline="0" dirty="0" smtClean="0"/>
-              <a:t>1) Modify code handler and re-test</a:t>
+              <a:t> node template and examine </a:t>
+            </a:r>
+            <a:r>
+              <a:rPr lang="en-US" baseline="0" dirty="0" err="1" smtClean="0"/>
+              <a:t>serverless.yml</a:t>
+            </a:r>
+            <a:r>
+              <a:rPr lang="en-US" baseline="0" dirty="0" smtClean="0"/>
+              <a:t> and </a:t>
+            </a:r>
+            <a:r>
+              <a:rPr lang="en-US" baseline="0" dirty="0" err="1" smtClean="0"/>
+              <a:t>handler.js</a:t>
+            </a:r>
+            <a:endParaRPr lang="en-US" dirty="0" smtClean="0"/>
+          </a:p>
+          <a:p>
+            <a:r>
+              <a:rPr lang="en-US" dirty="0" smtClean="0"/>
+              <a:t>2) If </a:t>
+            </a:r>
+            <a:r>
+              <a:rPr lang="en-US" dirty="0" err="1" smtClean="0"/>
+              <a:t>serverless</a:t>
+            </a:r>
+            <a:r>
+              <a:rPr lang="en-US" dirty="0" smtClean="0"/>
+              <a:t> "not</a:t>
+            </a:r>
+            <a:r>
+              <a:rPr lang="en-US" baseline="0" dirty="0" smtClean="0"/>
+              <a:t> found" ensure </a:t>
+            </a:r>
+            <a:r>
+              <a:rPr lang="en-US" baseline="0" dirty="0" err="1" smtClean="0"/>
+              <a:t>node_modules</a:t>
+            </a:r>
+            <a:r>
+              <a:rPr lang="en-US" baseline="0" dirty="0" smtClean="0"/>
+              <a:t>/</a:t>
+            </a:r>
+            <a:r>
+              <a:rPr lang="en-US" baseline="0" dirty="0" err="1" smtClean="0"/>
+              <a:t>serverless</a:t>
+            </a:r>
+            <a:r>
+              <a:rPr lang="en-US" baseline="0" dirty="0" smtClean="0"/>
+              <a:t>/bin is in your $PATH -OR- </a:t>
+            </a:r>
+            <a:r>
+              <a:rPr lang="en-US" sz="1200" dirty="0" err="1" smtClean="0">
+                <a:latin typeface="Courier" charset="0"/>
+                <a:ea typeface="Courier" charset="0"/>
+                <a:cs typeface="Courier" charset="0"/>
+              </a:rPr>
+              <a:t>npm</a:t>
+            </a:r>
+            <a:r>
+              <a:rPr lang="en-US" sz="1200" dirty="0" smtClean="0">
+                <a:latin typeface="Courier" charset="0"/>
+                <a:ea typeface="Courier" charset="0"/>
+                <a:cs typeface="Courier" charset="0"/>
+              </a:rPr>
+              <a:t> install </a:t>
+            </a:r>
+            <a:r>
+              <a:rPr lang="en-US" sz="1200" dirty="0" err="1" smtClean="0">
+                <a:latin typeface="Courier" charset="0"/>
+                <a:ea typeface="Courier" charset="0"/>
+                <a:cs typeface="Courier" charset="0"/>
+              </a:rPr>
+              <a:t>serverless</a:t>
+            </a:r>
+            <a:r>
+              <a:rPr lang="en-US" sz="1200" dirty="0" smtClean="0">
+                <a:latin typeface="Courier" charset="0"/>
+                <a:ea typeface="Courier" charset="0"/>
+                <a:cs typeface="Courier" charset="0"/>
+              </a:rPr>
+              <a:t> --global (with</a:t>
+            </a:r>
+            <a:r>
+              <a:rPr lang="en-US" sz="1200" baseline="0" dirty="0" smtClean="0">
+                <a:latin typeface="Courier" charset="0"/>
+                <a:ea typeface="Courier" charset="0"/>
+                <a:cs typeface="Courier" charset="0"/>
+              </a:rPr>
+              <a:t> root) </a:t>
             </a:r>
             <a:endParaRPr lang="en-US" baseline="0" dirty="0" smtClean="0"/>
+          </a:p>
+          <a:p>
+            <a:r>
+              <a:rPr lang="en-US" baseline="0" dirty="0" smtClean="0"/>
+              <a:t>3) Alternatively you can create "</a:t>
+            </a:r>
+            <a:r>
+              <a:rPr lang="en-US" baseline="0" dirty="0" err="1" smtClean="0"/>
+              <a:t>aws</a:t>
+            </a:r>
+            <a:r>
+              <a:rPr lang="en-US" baseline="0" dirty="0" smtClean="0"/>
+              <a:t>-java-maven"</a:t>
+            </a:r>
+          </a:p>
+          <a:p>
+            <a:r>
+              <a:rPr lang="en-US" baseline="0" dirty="0" smtClean="0"/>
+              <a:t>4) If deploy fails, check credentials for "serverless" </a:t>
+            </a:r>
+            <a:r>
+              <a:rPr lang="en-US" baseline="0" dirty="0" smtClean="0"/>
+              <a:t>profile</a:t>
+            </a:r>
+          </a:p>
+          <a:p>
+            <a:r>
+              <a:rPr lang="en-US" baseline="0" dirty="0" smtClean="0"/>
+              <a:t>5) Take a look at the Cloud Formation file created under .serverless</a:t>
+            </a:r>
+          </a:p>
+          <a:p>
+            <a:r>
+              <a:rPr lang="en-US" baseline="0" dirty="0" smtClean="0"/>
+              <a:t>6) Observe the service packaging on S3 and update to the </a:t>
+            </a:r>
+            <a:r>
+              <a:rPr lang="en-US" baseline="0" dirty="0" err="1" smtClean="0"/>
+              <a:t>CloudFormation</a:t>
+            </a:r>
+            <a:r>
+              <a:rPr lang="en-US" baseline="0" dirty="0" smtClean="0"/>
+              <a:t> stack</a:t>
+            </a:r>
+            <a:endParaRPr lang="en-US" baseline="0" dirty="0" smtClean="0"/>
+          </a:p>
+          <a:p>
+            <a:r>
+              <a:rPr lang="en-US" baseline="0" dirty="0" smtClean="0"/>
+              <a:t>7) </a:t>
+            </a:r>
+            <a:r>
+              <a:rPr lang="en-US" baseline="0" dirty="0" smtClean="0"/>
+              <a:t>Modify the code and re-deploy the function only: "</a:t>
+            </a:r>
+            <a:r>
+              <a:rPr lang="en-US" dirty="0" smtClean="0"/>
+              <a:t>serverless deploy </a:t>
+            </a:r>
+            <a:r>
+              <a:rPr lang="en-US" sz="1200" kern="1200" dirty="0" smtClean="0">
+                <a:solidFill>
+                  <a:schemeClr val="tx1"/>
+                </a:solidFill>
+                <a:effectLst/>
+                <a:latin typeface="+mn-lt"/>
+                <a:ea typeface="+mn-ea"/>
+                <a:cs typeface="+mn-cs"/>
+              </a:rPr>
+              <a:t>function</a:t>
+            </a:r>
+            <a:r>
+              <a:rPr lang="en-US" dirty="0" smtClean="0"/>
+              <a:t> </a:t>
+            </a:r>
+            <a:r>
+              <a:rPr lang="en-US" sz="1200" kern="1200" dirty="0" smtClean="0">
+                <a:solidFill>
+                  <a:schemeClr val="tx1"/>
+                </a:solidFill>
+                <a:effectLst/>
+                <a:latin typeface="+mn-lt"/>
+                <a:ea typeface="+mn-ea"/>
+                <a:cs typeface="+mn-cs"/>
+              </a:rPr>
+              <a:t>-f</a:t>
+            </a:r>
+            <a:r>
+              <a:rPr lang="en-US" dirty="0" smtClean="0"/>
+              <a:t> hello"</a:t>
+            </a:r>
+          </a:p>
+          <a:p>
+            <a:r>
+              <a:rPr lang="en-US" dirty="0" smtClean="0"/>
+              <a:t>**</a:t>
+            </a:r>
+            <a:r>
+              <a:rPr lang="en-US" baseline="0" dirty="0" smtClean="0"/>
+              <a:t> Create/deploy Java svc as well.  Compare local and deployed sizes.  Compare execution time.</a:t>
+            </a:r>
+            <a:endParaRPr lang="en-US" dirty="0" smtClean="0"/>
           </a:p>
         </p:txBody>
       </p:sp>
@@ -1619,7 +2588,7 @@
           <a:p>
             <a:fld id="{F2525AB9-A250-384A-A45B-2B27F02B4CAC}" type="slidenum">
               <a:rPr lang="en-US" smtClean="0"/>
-              <a:t>12</a:t>
+              <a:t>13</a:t>
             </a:fld>
             <a:endParaRPr lang="en-US"/>
           </a:p>
@@ -1628,7 +2597,7 @@
     </p:spTree>
     <p:extLst>
       <p:ext uri="{BB962C8B-B14F-4D97-AF65-F5344CB8AC3E}">
-        <p14:creationId xmlns:p14="http://schemas.microsoft.com/office/powerpoint/2010/main" val="1209561093"/>
+        <p14:creationId xmlns:p14="http://schemas.microsoft.com/office/powerpoint/2010/main" val="1646626983"/>
       </p:ext>
     </p:extLst>
   </p:cSld>
@@ -1769,7 +2738,7 @@
           <a:p>
             <a:fld id="{FF482567-8505-0D40-A9EB-E8AA574657D0}" type="datetimeFigureOut">
               <a:rPr lang="en-US" smtClean="0"/>
-              <a:t>9/10/17</a:t>
+              <a:t>9/11/17</a:t>
             </a:fld>
             <a:endParaRPr lang="en-US"/>
           </a:p>
@@ -1939,7 +2908,7 @@
           <a:p>
             <a:fld id="{FF482567-8505-0D40-A9EB-E8AA574657D0}" type="datetimeFigureOut">
               <a:rPr lang="en-US" smtClean="0"/>
-              <a:t>9/10/17</a:t>
+              <a:t>9/11/17</a:t>
             </a:fld>
             <a:endParaRPr lang="en-US"/>
           </a:p>
@@ -2119,7 +3088,7 @@
           <a:p>
             <a:fld id="{FF482567-8505-0D40-A9EB-E8AA574657D0}" type="datetimeFigureOut">
               <a:rPr lang="en-US" smtClean="0"/>
-              <a:t>9/10/17</a:t>
+              <a:t>9/11/17</a:t>
             </a:fld>
             <a:endParaRPr lang="en-US"/>
           </a:p>
@@ -2289,7 +3258,7 @@
           <a:p>
             <a:fld id="{FF482567-8505-0D40-A9EB-E8AA574657D0}" type="datetimeFigureOut">
               <a:rPr lang="en-US" smtClean="0"/>
-              <a:t>9/10/17</a:t>
+              <a:t>9/11/17</a:t>
             </a:fld>
             <a:endParaRPr lang="en-US"/>
           </a:p>
@@ -2535,7 +3504,7 @@
           <a:p>
             <a:fld id="{FF482567-8505-0D40-A9EB-E8AA574657D0}" type="datetimeFigureOut">
               <a:rPr lang="en-US" smtClean="0"/>
-              <a:t>9/10/17</a:t>
+              <a:t>9/11/17</a:t>
             </a:fld>
             <a:endParaRPr lang="en-US"/>
           </a:p>
@@ -2767,7 +3736,7 @@
           <a:p>
             <a:fld id="{FF482567-8505-0D40-A9EB-E8AA574657D0}" type="datetimeFigureOut">
               <a:rPr lang="en-US" smtClean="0"/>
-              <a:t>9/10/17</a:t>
+              <a:t>9/11/17</a:t>
             </a:fld>
             <a:endParaRPr lang="en-US"/>
           </a:p>
@@ -3134,7 +4103,7 @@
           <a:p>
             <a:fld id="{FF482567-8505-0D40-A9EB-E8AA574657D0}" type="datetimeFigureOut">
               <a:rPr lang="en-US" smtClean="0"/>
-              <a:t>9/10/17</a:t>
+              <a:t>9/11/17</a:t>
             </a:fld>
             <a:endParaRPr lang="en-US"/>
           </a:p>
@@ -3252,7 +4221,7 @@
           <a:p>
             <a:fld id="{FF482567-8505-0D40-A9EB-E8AA574657D0}" type="datetimeFigureOut">
               <a:rPr lang="en-US" smtClean="0"/>
-              <a:t>9/10/17</a:t>
+              <a:t>9/11/17</a:t>
             </a:fld>
             <a:endParaRPr lang="en-US"/>
           </a:p>
@@ -3347,7 +4316,7 @@
           <a:p>
             <a:fld id="{FF482567-8505-0D40-A9EB-E8AA574657D0}" type="datetimeFigureOut">
               <a:rPr lang="en-US" smtClean="0"/>
-              <a:t>9/10/17</a:t>
+              <a:t>9/11/17</a:t>
             </a:fld>
             <a:endParaRPr lang="en-US"/>
           </a:p>
@@ -3624,7 +4593,7 @@
           <a:p>
             <a:fld id="{FF482567-8505-0D40-A9EB-E8AA574657D0}" type="datetimeFigureOut">
               <a:rPr lang="en-US" smtClean="0"/>
-              <a:t>9/10/17</a:t>
+              <a:t>9/11/17</a:t>
             </a:fld>
             <a:endParaRPr lang="en-US"/>
           </a:p>
@@ -3877,7 +4846,7 @@
           <a:p>
             <a:fld id="{FF482567-8505-0D40-A9EB-E8AA574657D0}" type="datetimeFigureOut">
               <a:rPr lang="en-US" smtClean="0"/>
-              <a:t>9/10/17</a:t>
+              <a:t>9/11/17</a:t>
             </a:fld>
             <a:endParaRPr lang="en-US"/>
           </a:p>
@@ -4090,7 +5059,7 @@
           <a:p>
             <a:fld id="{FF482567-8505-0D40-A9EB-E8AA574657D0}" type="datetimeFigureOut">
               <a:rPr lang="en-US" smtClean="0"/>
-              <a:t>9/10/17</a:t>
+              <a:t>9/11/17</a:t>
             </a:fld>
             <a:endParaRPr lang="en-US"/>
           </a:p>
@@ -4674,6 +5643,1431 @@
                 <a:ea typeface="Courier" charset="0"/>
                 <a:cs typeface="Courier" charset="0"/>
               </a:rPr>
+              <a:t> Architectures</a:t>
+            </a:r>
+            <a:endParaRPr lang="en-US" dirty="0">
+              <a:latin typeface="Courier" charset="0"/>
+              <a:ea typeface="Courier" charset="0"/>
+              <a:cs typeface="Courier" charset="0"/>
+            </a:endParaRPr>
+          </a:p>
+        </p:txBody>
+      </p:sp>
+      <p:sp>
+        <p:nvSpPr>
+          <p:cNvPr id="3" name="Content Placeholder 2"/>
+          <p:cNvSpPr>
+            <a:spLocks noGrp="1"/>
+          </p:cNvSpPr>
+          <p:nvPr>
+            <p:ph idx="1"/>
+          </p:nvPr>
+        </p:nvSpPr>
+        <p:spPr/>
+        <p:txBody>
+          <a:bodyPr>
+            <a:normAutofit/>
+          </a:bodyPr>
+          <a:lstStyle/>
+          <a:p>
+            <a:r>
+              <a:rPr lang="en-US" dirty="0" smtClean="0">
+                <a:latin typeface="Courier" charset="0"/>
+                <a:ea typeface="Courier" charset="0"/>
+                <a:cs typeface="Courier" charset="0"/>
+              </a:rPr>
+              <a:t>Autonomous functional execution on </a:t>
+            </a:r>
+            <a:r>
+              <a:rPr lang="en-US" dirty="0" smtClean="0">
+                <a:latin typeface="Courier" charset="0"/>
+                <a:ea typeface="Courier" charset="0"/>
+                <a:cs typeface="Courier" charset="0"/>
+              </a:rPr>
+              <a:t>demand </a:t>
+            </a:r>
+            <a:r>
+              <a:rPr lang="mr-IN" dirty="0" smtClean="0">
+                <a:latin typeface="Courier" charset="0"/>
+                <a:ea typeface="Courier" charset="0"/>
+                <a:cs typeface="Courier" charset="0"/>
+              </a:rPr>
+              <a:t>–</a:t>
+            </a:r>
+            <a:r>
+              <a:rPr lang="en-US" dirty="0" smtClean="0">
+                <a:latin typeface="Courier" charset="0"/>
+                <a:ea typeface="Courier" charset="0"/>
+                <a:cs typeface="Courier" charset="0"/>
+              </a:rPr>
+              <a:t> Function as a Service </a:t>
+            </a:r>
+            <a:r>
+              <a:rPr lang="en-US" dirty="0" err="1" smtClean="0">
+                <a:latin typeface="Courier" charset="0"/>
+                <a:ea typeface="Courier" charset="0"/>
+                <a:cs typeface="Courier" charset="0"/>
+              </a:rPr>
+              <a:t>FaaS</a:t>
+            </a:r>
+            <a:endParaRPr lang="en-US" dirty="0" smtClean="0">
+              <a:latin typeface="Courier" charset="0"/>
+              <a:ea typeface="Courier" charset="0"/>
+              <a:cs typeface="Courier" charset="0"/>
+            </a:endParaRPr>
+          </a:p>
+          <a:p>
+            <a:r>
+              <a:rPr lang="en-US" dirty="0" smtClean="0">
+                <a:latin typeface="Courier" charset="0"/>
+                <a:ea typeface="Courier" charset="0"/>
+                <a:cs typeface="Courier" charset="0"/>
+              </a:rPr>
+              <a:t>Microservices</a:t>
+            </a:r>
+            <a:r>
+              <a:rPr lang="en-US" dirty="0">
+                <a:latin typeface="Courier" charset="0"/>
+                <a:ea typeface="Courier" charset="0"/>
+                <a:cs typeface="Courier" charset="0"/>
+              </a:rPr>
+              <a:t>? (</a:t>
+            </a:r>
+            <a:r>
+              <a:rPr lang="en-US" dirty="0">
+                <a:latin typeface="Courier" charset="0"/>
+                <a:ea typeface="Courier" charset="0"/>
+                <a:cs typeface="Courier" charset="0"/>
+                <a:hlinkClick r:id="rId3"/>
+              </a:rPr>
+              <a:t>https://12factor.net</a:t>
+            </a:r>
+            <a:r>
+              <a:rPr lang="en-US" dirty="0" smtClean="0">
+                <a:latin typeface="Courier" charset="0"/>
+                <a:ea typeface="Courier" charset="0"/>
+                <a:cs typeface="Courier" charset="0"/>
+                <a:hlinkClick r:id="rId3"/>
+              </a:rPr>
+              <a:t>/</a:t>
+            </a:r>
+            <a:r>
+              <a:rPr lang="en-US" dirty="0" smtClean="0">
+                <a:latin typeface="Courier" charset="0"/>
+                <a:ea typeface="Courier" charset="0"/>
+                <a:cs typeface="Courier" charset="0"/>
+              </a:rPr>
+              <a:t>)</a:t>
+            </a:r>
+          </a:p>
+          <a:p>
+            <a:r>
+              <a:rPr lang="en-US" dirty="0" smtClean="0">
+                <a:latin typeface="Courier" charset="0"/>
+                <a:ea typeface="Courier" charset="0"/>
+                <a:cs typeface="Courier" charset="0"/>
+              </a:rPr>
+              <a:t>In AWS, lambda </a:t>
+            </a:r>
+            <a:r>
+              <a:rPr lang="en-US" i="1" dirty="0" err="1" smtClean="0">
+                <a:solidFill>
+                  <a:schemeClr val="accent6">
+                    <a:lumMod val="75000"/>
+                  </a:schemeClr>
+                </a:solidFill>
+                <a:latin typeface="Courier" charset="0"/>
+                <a:ea typeface="Courier" charset="0"/>
+                <a:cs typeface="Courier" charset="0"/>
+              </a:rPr>
+              <a:t>instanceOf</a:t>
+            </a:r>
+            <a:r>
+              <a:rPr lang="en-US" dirty="0" smtClean="0">
+                <a:latin typeface="Courier" charset="0"/>
+                <a:ea typeface="Courier" charset="0"/>
+                <a:cs typeface="Courier" charset="0"/>
+              </a:rPr>
+              <a:t> serverless </a:t>
+            </a:r>
+            <a:r>
+              <a:rPr lang="en-US" dirty="0" smtClean="0">
+                <a:latin typeface="Courier" charset="0"/>
+                <a:ea typeface="Courier" charset="0"/>
+                <a:cs typeface="Courier" charset="0"/>
+              </a:rPr>
+              <a:t>function</a:t>
+            </a:r>
+            <a:endParaRPr lang="en-US" dirty="0" smtClean="0">
+              <a:latin typeface="Courier" charset="0"/>
+              <a:ea typeface="Courier" charset="0"/>
+              <a:cs typeface="Courier" charset="0"/>
+            </a:endParaRPr>
+          </a:p>
+          <a:p>
+            <a:r>
+              <a:rPr lang="en-US" dirty="0" smtClean="0">
+                <a:latin typeface="Courier" charset="0"/>
+                <a:ea typeface="Courier" charset="0"/>
+                <a:cs typeface="Courier" charset="0"/>
+              </a:rPr>
+              <a:t>Many languages </a:t>
+            </a:r>
+            <a:r>
+              <a:rPr lang="en-US" dirty="0" smtClean="0">
+                <a:latin typeface="Courier" charset="0"/>
+                <a:ea typeface="Courier" charset="0"/>
+                <a:cs typeface="Courier" charset="0"/>
+              </a:rPr>
+              <a:t>supported </a:t>
+            </a:r>
+            <a:r>
+              <a:rPr lang="en-US" dirty="0" smtClean="0">
+                <a:latin typeface="Courier" charset="0"/>
+                <a:ea typeface="Courier" charset="0"/>
+                <a:cs typeface="Courier" charset="0"/>
+              </a:rPr>
+              <a:t>including Java</a:t>
+            </a:r>
+            <a:r>
+              <a:rPr lang="en-US" dirty="0" smtClean="0">
+                <a:latin typeface="Courier" charset="0"/>
+                <a:ea typeface="Courier" charset="0"/>
+                <a:cs typeface="Courier" charset="0"/>
+              </a:rPr>
+              <a:t>, Python, and JavaScript (</a:t>
+            </a:r>
+            <a:r>
+              <a:rPr lang="en-US" dirty="0" err="1" smtClean="0">
+                <a:latin typeface="Courier" charset="0"/>
+                <a:ea typeface="Courier" charset="0"/>
+                <a:cs typeface="Courier" charset="0"/>
+              </a:rPr>
+              <a:t>node.js</a:t>
+            </a:r>
+            <a:r>
+              <a:rPr lang="en-US" dirty="0" smtClean="0">
+                <a:latin typeface="Courier" charset="0"/>
+                <a:ea typeface="Courier" charset="0"/>
+                <a:cs typeface="Courier" charset="0"/>
+              </a:rPr>
+              <a:t>)</a:t>
+            </a:r>
+          </a:p>
+          <a:p>
+            <a:r>
+              <a:rPr lang="en-US" dirty="0" smtClean="0">
+                <a:latin typeface="Courier" charset="0"/>
+                <a:ea typeface="Courier" charset="0"/>
+                <a:cs typeface="Courier" charset="0"/>
+              </a:rPr>
+              <a:t>Benefits </a:t>
+            </a:r>
+            <a:r>
+              <a:rPr lang="mr-IN" dirty="0" smtClean="0">
+                <a:latin typeface="Courier" charset="0"/>
+                <a:ea typeface="Courier" charset="0"/>
+                <a:cs typeface="Courier" charset="0"/>
+              </a:rPr>
+              <a:t>–</a:t>
+            </a:r>
+            <a:r>
+              <a:rPr lang="en-US" dirty="0" smtClean="0">
+                <a:latin typeface="Courier" charset="0"/>
+                <a:ea typeface="Courier" charset="0"/>
+                <a:cs typeface="Courier" charset="0"/>
+              </a:rPr>
+              <a:t> Cost, Scalability, Flexibility</a:t>
+            </a:r>
+          </a:p>
+          <a:p>
+            <a:r>
+              <a:rPr lang="en-US" dirty="0" smtClean="0">
+                <a:latin typeface="Courier" charset="0"/>
+                <a:ea typeface="Courier" charset="0"/>
+                <a:cs typeface="Courier" charset="0"/>
+              </a:rPr>
+              <a:t>Constraints </a:t>
+            </a:r>
+            <a:r>
+              <a:rPr lang="mr-IN" dirty="0" smtClean="0">
+                <a:latin typeface="Courier" charset="0"/>
+                <a:ea typeface="Courier" charset="0"/>
+                <a:cs typeface="Courier" charset="0"/>
+              </a:rPr>
+              <a:t>–</a:t>
+            </a:r>
+            <a:r>
+              <a:rPr lang="en-US" dirty="0" smtClean="0">
+                <a:latin typeface="Courier" charset="0"/>
+                <a:ea typeface="Courier" charset="0"/>
+                <a:cs typeface="Courier" charset="0"/>
+              </a:rPr>
+              <a:t> Execution caps, Response time with JVM dependent languages</a:t>
+            </a:r>
+            <a:endParaRPr lang="en-US" dirty="0" smtClean="0">
+              <a:latin typeface="Courier" charset="0"/>
+              <a:ea typeface="Courier" charset="0"/>
+              <a:cs typeface="Courier" charset="0"/>
+            </a:endParaRPr>
+          </a:p>
+          <a:p>
+            <a:endParaRPr lang="en-US" dirty="0" smtClean="0">
+              <a:latin typeface="Courier" charset="0"/>
+              <a:ea typeface="Courier" charset="0"/>
+              <a:cs typeface="Courier" charset="0"/>
+            </a:endParaRPr>
+          </a:p>
+        </p:txBody>
+      </p:sp>
+    </p:spTree>
+    <p:extLst>
+      <p:ext uri="{BB962C8B-B14F-4D97-AF65-F5344CB8AC3E}">
+        <p14:creationId xmlns:p14="http://schemas.microsoft.com/office/powerpoint/2010/main" val="666813900"/>
+      </p:ext>
+    </p:extLst>
+  </p:cSld>
+  <p:clrMapOvr>
+    <a:masterClrMapping/>
+  </p:clrMapOvr>
+  <p:timing>
+    <p:tnLst>
+      <p:par>
+        <p:cTn id="1" dur="indefinite" restart="never" nodeType="tmRoot"/>
+      </p:par>
+    </p:tnLst>
+  </p:timing>
+</p:sld>
+</file>
+
+<file path=ppt/slides/slide11.xml><?xml version="1.0" encoding="utf-8"?>
+<p:sld xmlns:a="http://schemas.openxmlformats.org/drawingml/2006/main" xmlns:r="http://schemas.openxmlformats.org/officeDocument/2006/relationships" xmlns:p="http://schemas.openxmlformats.org/presentationml/2006/main">
+  <p:cSld>
+    <p:spTree>
+      <p:nvGrpSpPr>
+        <p:cNvPr id="1" name=""/>
+        <p:cNvGrpSpPr/>
+        <p:nvPr/>
+      </p:nvGrpSpPr>
+      <p:grpSpPr>
+        <a:xfrm>
+          <a:off x="0" y="0"/>
+          <a:ext cx="0" cy="0"/>
+          <a:chOff x="0" y="0"/>
+          <a:chExt cx="0" cy="0"/>
+        </a:xfrm>
+      </p:grpSpPr>
+      <p:sp>
+        <p:nvSpPr>
+          <p:cNvPr id="2" name="Title 1"/>
+          <p:cNvSpPr>
+            <a:spLocks noGrp="1"/>
+          </p:cNvSpPr>
+          <p:nvPr>
+            <p:ph type="title"/>
+          </p:nvPr>
+        </p:nvSpPr>
+        <p:spPr/>
+        <p:txBody>
+          <a:bodyPr/>
+          <a:lstStyle/>
+          <a:p>
+            <a:r>
+              <a:rPr lang="en-US" dirty="0" smtClean="0">
+                <a:latin typeface="Courier" charset="0"/>
+                <a:ea typeface="Courier" charset="0"/>
+                <a:cs typeface="Courier" charset="0"/>
+              </a:rPr>
+              <a:t>The </a:t>
+            </a:r>
+            <a:r>
+              <a:rPr lang="en-US" i="1" dirty="0" err="1" smtClean="0">
+                <a:latin typeface="Courier" charset="0"/>
+                <a:ea typeface="Courier" charset="0"/>
+                <a:cs typeface="Courier" charset="0"/>
+              </a:rPr>
+              <a:t>Serverless</a:t>
+            </a:r>
+            <a:r>
+              <a:rPr lang="en-US" dirty="0" smtClean="0">
+                <a:latin typeface="Courier" charset="0"/>
+                <a:ea typeface="Courier" charset="0"/>
+                <a:cs typeface="Courier" charset="0"/>
+              </a:rPr>
+              <a:t> Framework</a:t>
+            </a:r>
+            <a:endParaRPr lang="en-US" dirty="0">
+              <a:latin typeface="Courier" charset="0"/>
+              <a:ea typeface="Courier" charset="0"/>
+              <a:cs typeface="Courier" charset="0"/>
+            </a:endParaRPr>
+          </a:p>
+        </p:txBody>
+      </p:sp>
+      <p:sp>
+        <p:nvSpPr>
+          <p:cNvPr id="3" name="Content Placeholder 2"/>
+          <p:cNvSpPr>
+            <a:spLocks noGrp="1"/>
+          </p:cNvSpPr>
+          <p:nvPr>
+            <p:ph idx="1"/>
+          </p:nvPr>
+        </p:nvSpPr>
+        <p:spPr/>
+        <p:txBody>
+          <a:bodyPr>
+            <a:normAutofit/>
+          </a:bodyPr>
+          <a:lstStyle/>
+          <a:p>
+            <a:r>
+              <a:rPr lang="en-US" dirty="0" smtClean="0">
+                <a:latin typeface="Courier" charset="0"/>
+                <a:ea typeface="Courier" charset="0"/>
+                <a:cs typeface="Courier" charset="0"/>
+              </a:rPr>
+              <a:t>Open source build and deployment tool</a:t>
+            </a:r>
+          </a:p>
+          <a:p>
+            <a:r>
+              <a:rPr lang="en-US" dirty="0" smtClean="0">
+                <a:latin typeface="Courier" charset="0"/>
+                <a:ea typeface="Courier" charset="0"/>
+                <a:cs typeface="Courier" charset="0"/>
+              </a:rPr>
+              <a:t>Support for multiple public cloud providers (Google, Azure, and AWS)</a:t>
+            </a:r>
+          </a:p>
+          <a:p>
+            <a:r>
+              <a:rPr lang="en-US" dirty="0" smtClean="0">
+                <a:latin typeface="Courier" charset="0"/>
+                <a:ea typeface="Courier" charset="0"/>
+                <a:cs typeface="Courier" charset="0"/>
+              </a:rPr>
+              <a:t>Multi-language support</a:t>
+            </a:r>
+          </a:p>
+          <a:p>
+            <a:r>
+              <a:rPr lang="en-US" dirty="0" smtClean="0">
+                <a:latin typeface="Courier" charset="0"/>
+                <a:ea typeface="Courier" charset="0"/>
+                <a:cs typeface="Courier" charset="0"/>
+              </a:rPr>
+              <a:t>Abstracts configuration and deployment orchestration details</a:t>
+            </a:r>
+          </a:p>
+          <a:p>
+            <a:r>
+              <a:rPr lang="en-US" dirty="0" smtClean="0">
+                <a:latin typeface="Courier" charset="0"/>
+                <a:ea typeface="Courier" charset="0"/>
+                <a:cs typeface="Courier" charset="0"/>
+              </a:rPr>
+              <a:t>Supports the integration with several cloud services including event/messaging, database, and </a:t>
+            </a:r>
+            <a:r>
+              <a:rPr lang="en-US" dirty="0" smtClean="0">
+                <a:latin typeface="Courier" charset="0"/>
+                <a:ea typeface="Courier" charset="0"/>
+                <a:cs typeface="Courier" charset="0"/>
+              </a:rPr>
+              <a:t>storage</a:t>
+            </a:r>
+            <a:endParaRPr lang="en-US" dirty="0" smtClean="0">
+              <a:latin typeface="Courier" charset="0"/>
+              <a:ea typeface="Courier" charset="0"/>
+              <a:cs typeface="Courier" charset="0"/>
+            </a:endParaRPr>
+          </a:p>
+          <a:p>
+            <a:endParaRPr lang="en-US" dirty="0" smtClean="0">
+              <a:latin typeface="Courier" charset="0"/>
+              <a:ea typeface="Courier" charset="0"/>
+              <a:cs typeface="Courier" charset="0"/>
+            </a:endParaRPr>
+          </a:p>
+        </p:txBody>
+      </p:sp>
+    </p:spTree>
+    <p:extLst>
+      <p:ext uri="{BB962C8B-B14F-4D97-AF65-F5344CB8AC3E}">
+        <p14:creationId xmlns:p14="http://schemas.microsoft.com/office/powerpoint/2010/main" val="1267705222"/>
+      </p:ext>
+    </p:extLst>
+  </p:cSld>
+  <p:clrMapOvr>
+    <a:masterClrMapping/>
+  </p:clrMapOvr>
+  <p:timing>
+    <p:tnLst>
+      <p:par>
+        <p:cTn id="1" dur="indefinite" restart="never" nodeType="tmRoot"/>
+      </p:par>
+    </p:tnLst>
+  </p:timing>
+</p:sld>
+</file>
+
+<file path=ppt/slides/slide12.xml><?xml version="1.0" encoding="utf-8"?>
+<p:sld xmlns:a="http://schemas.openxmlformats.org/drawingml/2006/main" xmlns:r="http://schemas.openxmlformats.org/officeDocument/2006/relationships" xmlns:p="http://schemas.openxmlformats.org/presentationml/2006/main">
+  <p:cSld>
+    <p:spTree>
+      <p:nvGrpSpPr>
+        <p:cNvPr id="1" name=""/>
+        <p:cNvGrpSpPr/>
+        <p:nvPr/>
+      </p:nvGrpSpPr>
+      <p:grpSpPr>
+        <a:xfrm>
+          <a:off x="0" y="0"/>
+          <a:ext cx="0" cy="0"/>
+          <a:chOff x="0" y="0"/>
+          <a:chExt cx="0" cy="0"/>
+        </a:xfrm>
+      </p:grpSpPr>
+      <p:sp>
+        <p:nvSpPr>
+          <p:cNvPr id="2" name="Title 1"/>
+          <p:cNvSpPr>
+            <a:spLocks noGrp="1"/>
+          </p:cNvSpPr>
+          <p:nvPr>
+            <p:ph type="title"/>
+          </p:nvPr>
+        </p:nvSpPr>
+        <p:spPr/>
+        <p:txBody>
+          <a:bodyPr/>
+          <a:lstStyle/>
+          <a:p>
+            <a:r>
+              <a:rPr lang="en-US" dirty="0" smtClean="0">
+                <a:latin typeface="Courier" charset="0"/>
+                <a:ea typeface="Courier" charset="0"/>
+                <a:cs typeface="Courier" charset="0"/>
+              </a:rPr>
+              <a:t>Serverless </a:t>
+            </a:r>
+            <a:r>
+              <a:rPr lang="en-US" dirty="0" smtClean="0">
+                <a:latin typeface="Courier" charset="0"/>
+                <a:ea typeface="Courier" charset="0"/>
+                <a:cs typeface="Courier" charset="0"/>
+              </a:rPr>
+              <a:t>Housekeeping</a:t>
+            </a:r>
+            <a:endParaRPr lang="en-US" dirty="0">
+              <a:latin typeface="Courier" charset="0"/>
+              <a:ea typeface="Courier" charset="0"/>
+              <a:cs typeface="Courier" charset="0"/>
+            </a:endParaRPr>
+          </a:p>
+        </p:txBody>
+      </p:sp>
+      <p:sp>
+        <p:nvSpPr>
+          <p:cNvPr id="7" name="TextBox 6"/>
+          <p:cNvSpPr txBox="1"/>
+          <p:nvPr/>
+        </p:nvSpPr>
+        <p:spPr>
+          <a:xfrm>
+            <a:off x="838200" y="1690688"/>
+            <a:ext cx="10515600" cy="2246769"/>
+          </a:xfrm>
+          <a:prstGeom prst="rect">
+            <a:avLst/>
+          </a:prstGeom>
+          <a:noFill/>
+        </p:spPr>
+        <p:txBody>
+          <a:bodyPr wrap="square" rtlCol="0">
+            <a:spAutoFit/>
+          </a:bodyPr>
+          <a:lstStyle/>
+          <a:p>
+            <a:pPr marL="285750" indent="-285750">
+              <a:buFont typeface="Arial" charset="0"/>
+              <a:buChar char="•"/>
+            </a:pPr>
+            <a:r>
+              <a:rPr lang="en-US" sz="2800" dirty="0" smtClean="0">
+                <a:latin typeface="Courier" charset="0"/>
+                <a:ea typeface="Courier" charset="0"/>
+                <a:cs typeface="Courier" charset="0"/>
+              </a:rPr>
+              <a:t>AWS Account </a:t>
+            </a:r>
+          </a:p>
+          <a:p>
+            <a:pPr marL="285750" indent="-285750">
+              <a:buFont typeface="Arial" charset="0"/>
+              <a:buChar char="•"/>
+            </a:pPr>
+            <a:r>
+              <a:rPr lang="en-US" sz="2800" dirty="0" smtClean="0">
+                <a:latin typeface="Courier" charset="0"/>
+                <a:ea typeface="Courier" charset="0"/>
+                <a:cs typeface="Courier" charset="0"/>
+              </a:rPr>
+              <a:t>User</a:t>
+            </a:r>
+            <a:r>
+              <a:rPr lang="en-US" sz="2800" i="1" dirty="0" smtClean="0">
+                <a:latin typeface="Courier" charset="0"/>
+                <a:ea typeface="Courier" charset="0"/>
+                <a:cs typeface="Courier" charset="0"/>
+              </a:rPr>
+              <a:t> </a:t>
+            </a:r>
+            <a:r>
+              <a:rPr lang="en-US" sz="2800" dirty="0" err="1" smtClean="0">
+                <a:solidFill>
+                  <a:srgbClr val="00B050"/>
+                </a:solidFill>
+                <a:latin typeface="Courier" charset="0"/>
+                <a:ea typeface="Courier" charset="0"/>
+                <a:cs typeface="Courier" charset="0"/>
+              </a:rPr>
+              <a:t>serverless_admin</a:t>
+            </a:r>
+            <a:r>
+              <a:rPr lang="en-US" sz="2800" dirty="0" smtClean="0">
+                <a:solidFill>
+                  <a:srgbClr val="00B050"/>
+                </a:solidFill>
+                <a:latin typeface="Courier" charset="0"/>
+                <a:ea typeface="Courier" charset="0"/>
+                <a:cs typeface="Courier" charset="0"/>
+              </a:rPr>
+              <a:t> </a:t>
+            </a:r>
+            <a:r>
+              <a:rPr lang="en-US" sz="2800" dirty="0">
+                <a:latin typeface="Courier" charset="0"/>
+                <a:ea typeface="Courier" charset="0"/>
+                <a:cs typeface="Courier" charset="0"/>
+              </a:rPr>
+              <a:t>with </a:t>
+            </a:r>
+            <a:r>
+              <a:rPr lang="en-US" sz="2800" dirty="0" smtClean="0">
+                <a:latin typeface="Courier" charset="0"/>
+                <a:ea typeface="Courier" charset="0"/>
+                <a:cs typeface="Courier" charset="0"/>
+              </a:rPr>
+              <a:t>IAM policy </a:t>
+            </a:r>
+            <a:r>
+              <a:rPr lang="en-US" sz="2800" dirty="0" err="1" smtClean="0">
+                <a:solidFill>
+                  <a:srgbClr val="FF0000"/>
+                </a:solidFill>
+                <a:latin typeface="Courier" charset="0"/>
+                <a:ea typeface="Courier" charset="0"/>
+                <a:cs typeface="Courier" charset="0"/>
+              </a:rPr>
+              <a:t>AmazonAPIGatewayInvokeFullAccess</a:t>
+            </a:r>
+            <a:endParaRPr lang="en-US" sz="2800" dirty="0" smtClean="0">
+              <a:solidFill>
+                <a:srgbClr val="FF0000"/>
+              </a:solidFill>
+              <a:latin typeface="Courier" charset="0"/>
+              <a:ea typeface="Courier" charset="0"/>
+              <a:cs typeface="Courier" charset="0"/>
+            </a:endParaRPr>
+          </a:p>
+          <a:p>
+            <a:pPr marL="285750" indent="-285750">
+              <a:buFont typeface="Arial" charset="0"/>
+              <a:buChar char="•"/>
+            </a:pPr>
+            <a:r>
+              <a:rPr lang="en-US" sz="2800" dirty="0" smtClean="0">
+                <a:latin typeface="Courier" charset="0"/>
+                <a:ea typeface="Courier" charset="0"/>
+                <a:cs typeface="Courier" charset="0"/>
+              </a:rPr>
+              <a:t>External </a:t>
+            </a:r>
+            <a:r>
+              <a:rPr lang="en-US" sz="2800" dirty="0" err="1" smtClean="0">
+                <a:latin typeface="Courier" charset="0"/>
+                <a:ea typeface="Courier" charset="0"/>
+                <a:cs typeface="Courier" charset="0"/>
+              </a:rPr>
+              <a:t>wifi</a:t>
+            </a:r>
+            <a:r>
+              <a:rPr lang="en-US" sz="2800" dirty="0" smtClean="0">
+                <a:latin typeface="Courier" charset="0"/>
+                <a:ea typeface="Courier" charset="0"/>
+                <a:cs typeface="Courier" charset="0"/>
+              </a:rPr>
+              <a:t> “hotspot”</a:t>
+            </a:r>
+          </a:p>
+          <a:p>
+            <a:pPr marL="285750" indent="-285750">
+              <a:buFont typeface="Arial" charset="0"/>
+              <a:buChar char="•"/>
+            </a:pPr>
+            <a:r>
+              <a:rPr lang="en-US" sz="2800" dirty="0" smtClean="0">
+                <a:latin typeface="Courier" charset="0"/>
+                <a:ea typeface="Courier" charset="0"/>
+                <a:cs typeface="Courier" charset="0"/>
+              </a:rPr>
+              <a:t>The serverless framework installed</a:t>
+            </a:r>
+          </a:p>
+        </p:txBody>
+      </p:sp>
+      <p:sp>
+        <p:nvSpPr>
+          <p:cNvPr id="6" name="Content Placeholder 4"/>
+          <p:cNvSpPr>
+            <a:spLocks noGrp="1"/>
+          </p:cNvSpPr>
+          <p:nvPr>
+            <p:ph idx="1"/>
+          </p:nvPr>
+        </p:nvSpPr>
+        <p:spPr>
+          <a:xfrm>
+            <a:off x="838200" y="4214864"/>
+            <a:ext cx="10515600" cy="1222375"/>
+          </a:xfrm>
+          <a:solidFill>
+            <a:schemeClr val="accent6">
+              <a:lumMod val="75000"/>
+            </a:schemeClr>
+          </a:solidFill>
+          <a:ln>
+            <a:solidFill>
+              <a:schemeClr val="tx1"/>
+            </a:solidFill>
+          </a:ln>
+        </p:spPr>
+        <p:txBody>
+          <a:bodyPr/>
+          <a:lstStyle/>
+          <a:p>
+            <a:pPr marL="0" indent="0">
+              <a:buNone/>
+            </a:pPr>
+            <a:r>
+              <a:rPr lang="en-US" dirty="0" smtClean="0">
+                <a:solidFill>
+                  <a:srgbClr val="FFFF00"/>
+                </a:solidFill>
+                <a:latin typeface="Courier" charset="0"/>
+                <a:ea typeface="Courier" charset="0"/>
+                <a:cs typeface="Courier" charset="0"/>
+              </a:rPr>
+              <a:t>$ </a:t>
+            </a:r>
+            <a:r>
+              <a:rPr lang="en-US" dirty="0" err="1" smtClean="0">
+                <a:solidFill>
+                  <a:srgbClr val="FFFF00"/>
+                </a:solidFill>
+                <a:latin typeface="Courier" charset="0"/>
+                <a:ea typeface="Courier" charset="0"/>
+                <a:cs typeface="Courier" charset="0"/>
+              </a:rPr>
+              <a:t>sudo</a:t>
+            </a:r>
+            <a:r>
+              <a:rPr lang="en-US" dirty="0" smtClean="0">
+                <a:solidFill>
+                  <a:srgbClr val="FFFF00"/>
+                </a:solidFill>
+                <a:latin typeface="Courier" charset="0"/>
+                <a:ea typeface="Courier" charset="0"/>
+                <a:cs typeface="Courier" charset="0"/>
+              </a:rPr>
+              <a:t> </a:t>
+            </a:r>
+            <a:r>
+              <a:rPr lang="en-US" dirty="0" err="1" smtClean="0">
+                <a:solidFill>
+                  <a:srgbClr val="FFFF00"/>
+                </a:solidFill>
+                <a:latin typeface="Courier" charset="0"/>
+                <a:ea typeface="Courier" charset="0"/>
+                <a:cs typeface="Courier" charset="0"/>
+              </a:rPr>
+              <a:t>npm</a:t>
+            </a:r>
+            <a:r>
+              <a:rPr lang="en-US" dirty="0" smtClean="0">
+                <a:solidFill>
+                  <a:srgbClr val="FFFF00"/>
+                </a:solidFill>
+                <a:latin typeface="Courier" charset="0"/>
+                <a:ea typeface="Courier" charset="0"/>
+                <a:cs typeface="Courier" charset="0"/>
+              </a:rPr>
+              <a:t> </a:t>
+            </a:r>
+            <a:r>
+              <a:rPr lang="en-US" dirty="0" err="1" smtClean="0">
+                <a:solidFill>
+                  <a:srgbClr val="FFFF00"/>
+                </a:solidFill>
+                <a:latin typeface="Courier" charset="0"/>
+                <a:ea typeface="Courier" charset="0"/>
+                <a:cs typeface="Courier" charset="0"/>
+              </a:rPr>
+              <a:t>i</a:t>
+            </a:r>
+            <a:r>
+              <a:rPr lang="en-US" dirty="0" smtClean="0">
+                <a:solidFill>
+                  <a:srgbClr val="FFFF00"/>
+                </a:solidFill>
+                <a:latin typeface="Courier" charset="0"/>
+                <a:ea typeface="Courier" charset="0"/>
+                <a:cs typeface="Courier" charset="0"/>
+              </a:rPr>
+              <a:t> serverless -g</a:t>
+            </a:r>
+          </a:p>
+          <a:p>
+            <a:pPr marL="0" indent="0">
+              <a:buNone/>
+            </a:pPr>
+            <a:r>
+              <a:rPr lang="en-US" dirty="0" smtClean="0">
+                <a:solidFill>
+                  <a:srgbClr val="FFFF00"/>
+                </a:solidFill>
+                <a:latin typeface="Courier" charset="0"/>
+                <a:ea typeface="Courier" charset="0"/>
+                <a:cs typeface="Courier" charset="0"/>
+              </a:rPr>
+              <a:t>$ </a:t>
+            </a:r>
+            <a:r>
+              <a:rPr lang="en-US" dirty="0" smtClean="0">
+                <a:solidFill>
+                  <a:srgbClr val="FFFF00"/>
+                </a:solidFill>
+                <a:latin typeface="Courier" charset="0"/>
+                <a:ea typeface="Courier" charset="0"/>
+                <a:cs typeface="Courier" charset="0"/>
+              </a:rPr>
+              <a:t>serverless --help</a:t>
+            </a:r>
+            <a:endParaRPr lang="en-US" dirty="0">
+              <a:solidFill>
+                <a:srgbClr val="FFFF00"/>
+              </a:solidFill>
+              <a:latin typeface="Courier" charset="0"/>
+              <a:ea typeface="Courier" charset="0"/>
+              <a:cs typeface="Courier" charset="0"/>
+            </a:endParaRPr>
+          </a:p>
+        </p:txBody>
+      </p:sp>
+    </p:spTree>
+    <p:extLst>
+      <p:ext uri="{BB962C8B-B14F-4D97-AF65-F5344CB8AC3E}">
+        <p14:creationId xmlns:p14="http://schemas.microsoft.com/office/powerpoint/2010/main" val="1871028215"/>
+      </p:ext>
+    </p:extLst>
+  </p:cSld>
+  <p:clrMapOvr>
+    <a:masterClrMapping/>
+  </p:clrMapOvr>
+  <p:timing>
+    <p:tnLst>
+      <p:par>
+        <p:cTn id="1" dur="indefinite" restart="never" nodeType="tmRoot"/>
+      </p:par>
+    </p:tnLst>
+  </p:timing>
+</p:sld>
+</file>
+
+<file path=ppt/slides/slide13.xml><?xml version="1.0" encoding="utf-8"?>
+<p:sld xmlns:a="http://schemas.openxmlformats.org/drawingml/2006/main" xmlns:r="http://schemas.openxmlformats.org/officeDocument/2006/relationships" xmlns:p="http://schemas.openxmlformats.org/presentationml/2006/main">
+  <p:cSld>
+    <p:spTree>
+      <p:nvGrpSpPr>
+        <p:cNvPr id="1" name=""/>
+        <p:cNvGrpSpPr/>
+        <p:nvPr/>
+      </p:nvGrpSpPr>
+      <p:grpSpPr>
+        <a:xfrm>
+          <a:off x="0" y="0"/>
+          <a:ext cx="0" cy="0"/>
+          <a:chOff x="0" y="0"/>
+          <a:chExt cx="0" cy="0"/>
+        </a:xfrm>
+      </p:grpSpPr>
+      <p:sp>
+        <p:nvSpPr>
+          <p:cNvPr id="2" name="Title 1"/>
+          <p:cNvSpPr>
+            <a:spLocks noGrp="1"/>
+          </p:cNvSpPr>
+          <p:nvPr>
+            <p:ph type="title"/>
+          </p:nvPr>
+        </p:nvSpPr>
+        <p:spPr/>
+        <p:txBody>
+          <a:bodyPr/>
+          <a:lstStyle/>
+          <a:p>
+            <a:r>
+              <a:rPr lang="en-US" dirty="0" err="1" smtClean="0">
+                <a:latin typeface="Courier" charset="0"/>
+                <a:ea typeface="Courier" charset="0"/>
+                <a:cs typeface="Courier" charset="0"/>
+              </a:rPr>
+              <a:t>Serverless</a:t>
+            </a:r>
+            <a:r>
+              <a:rPr lang="en-US" dirty="0" smtClean="0">
+                <a:latin typeface="Courier" charset="0"/>
+                <a:ea typeface="Courier" charset="0"/>
+                <a:cs typeface="Courier" charset="0"/>
+              </a:rPr>
+              <a:t> Hello World!</a:t>
+            </a:r>
+            <a:endParaRPr lang="en-US" dirty="0">
+              <a:latin typeface="Courier" charset="0"/>
+              <a:ea typeface="Courier" charset="0"/>
+              <a:cs typeface="Courier" charset="0"/>
+            </a:endParaRPr>
+          </a:p>
+        </p:txBody>
+      </p:sp>
+      <p:sp>
+        <p:nvSpPr>
+          <p:cNvPr id="5" name="Content Placeholder 4"/>
+          <p:cNvSpPr>
+            <a:spLocks noGrp="1"/>
+          </p:cNvSpPr>
+          <p:nvPr>
+            <p:ph idx="1"/>
+          </p:nvPr>
+        </p:nvSpPr>
+        <p:spPr>
+          <a:xfrm>
+            <a:off x="838200" y="1825625"/>
+            <a:ext cx="10515600" cy="2400011"/>
+          </a:xfrm>
+          <a:solidFill>
+            <a:schemeClr val="accent6">
+              <a:lumMod val="75000"/>
+            </a:schemeClr>
+          </a:solidFill>
+          <a:ln>
+            <a:solidFill>
+              <a:schemeClr val="tx1"/>
+            </a:solidFill>
+          </a:ln>
+        </p:spPr>
+        <p:txBody>
+          <a:bodyPr>
+            <a:normAutofit fontScale="92500" lnSpcReduction="20000"/>
+          </a:bodyPr>
+          <a:lstStyle/>
+          <a:p>
+            <a:pPr marL="0" indent="0">
+              <a:buNone/>
+            </a:pPr>
+            <a:r>
+              <a:rPr lang="en-US" dirty="0" smtClean="0">
+                <a:solidFill>
+                  <a:srgbClr val="FFFF00"/>
+                </a:solidFill>
+                <a:latin typeface="Courier" charset="0"/>
+                <a:ea typeface="Courier" charset="0"/>
+                <a:cs typeface="Courier" charset="0"/>
+              </a:rPr>
+              <a:t>$ </a:t>
+            </a:r>
+            <a:r>
+              <a:rPr lang="en-US" dirty="0" err="1" smtClean="0">
+                <a:solidFill>
+                  <a:srgbClr val="FFFF00"/>
+                </a:solidFill>
+                <a:latin typeface="Courier" charset="0"/>
+                <a:ea typeface="Courier" charset="0"/>
+                <a:cs typeface="Courier" charset="0"/>
+              </a:rPr>
+              <a:t>serverless</a:t>
+            </a:r>
+            <a:r>
+              <a:rPr lang="en-US" dirty="0" smtClean="0">
+                <a:solidFill>
+                  <a:srgbClr val="FFFF00"/>
+                </a:solidFill>
+                <a:latin typeface="Courier" charset="0"/>
+                <a:ea typeface="Courier" charset="0"/>
+                <a:cs typeface="Courier" charset="0"/>
+              </a:rPr>
+              <a:t> --help</a:t>
+            </a:r>
+          </a:p>
+          <a:p>
+            <a:pPr marL="0" indent="0">
+              <a:buNone/>
+            </a:pPr>
+            <a:r>
+              <a:rPr lang="en-US" dirty="0" smtClean="0">
+                <a:solidFill>
+                  <a:srgbClr val="FFFF00"/>
+                </a:solidFill>
+                <a:latin typeface="Courier" charset="0"/>
+                <a:ea typeface="Courier" charset="0"/>
+                <a:cs typeface="Courier" charset="0"/>
+              </a:rPr>
+              <a:t>. . .</a:t>
+            </a:r>
+          </a:p>
+          <a:p>
+            <a:pPr marL="0" indent="0">
+              <a:buNone/>
+            </a:pPr>
+            <a:r>
+              <a:rPr lang="en-US" dirty="0" smtClean="0">
+                <a:solidFill>
+                  <a:srgbClr val="FFFF00"/>
+                </a:solidFill>
+                <a:latin typeface="Courier" charset="0"/>
+                <a:ea typeface="Courier" charset="0"/>
+                <a:cs typeface="Courier" charset="0"/>
+              </a:rPr>
+              <a:t>$ </a:t>
+            </a:r>
+            <a:r>
+              <a:rPr lang="en-US" dirty="0" err="1" smtClean="0">
+                <a:solidFill>
+                  <a:srgbClr val="FFFF00"/>
+                </a:solidFill>
+                <a:latin typeface="Courier" charset="0"/>
+                <a:ea typeface="Courier" charset="0"/>
+                <a:cs typeface="Courier" charset="0"/>
+              </a:rPr>
+              <a:t>serverless</a:t>
+            </a:r>
+            <a:r>
+              <a:rPr lang="en-US" dirty="0" smtClean="0">
+                <a:solidFill>
+                  <a:srgbClr val="FFFF00"/>
+                </a:solidFill>
+                <a:latin typeface="Courier" charset="0"/>
+                <a:ea typeface="Courier" charset="0"/>
+                <a:cs typeface="Courier" charset="0"/>
+              </a:rPr>
+              <a:t> </a:t>
+            </a:r>
+            <a:r>
+              <a:rPr lang="en-US" dirty="0">
+                <a:solidFill>
+                  <a:srgbClr val="FFFF00"/>
+                </a:solidFill>
+                <a:latin typeface="Courier" charset="0"/>
+                <a:ea typeface="Courier" charset="0"/>
+                <a:cs typeface="Courier" charset="0"/>
+              </a:rPr>
+              <a:t>create --template </a:t>
+            </a:r>
+            <a:r>
+              <a:rPr lang="en-US" dirty="0" err="1">
+                <a:solidFill>
+                  <a:srgbClr val="FFFF00"/>
+                </a:solidFill>
+                <a:latin typeface="Courier" charset="0"/>
+                <a:ea typeface="Courier" charset="0"/>
+                <a:cs typeface="Courier" charset="0"/>
+              </a:rPr>
+              <a:t>aws-nodejs</a:t>
+            </a:r>
+            <a:r>
+              <a:rPr lang="en-US" dirty="0">
+                <a:solidFill>
+                  <a:srgbClr val="FFFF00"/>
+                </a:solidFill>
+                <a:latin typeface="Courier" charset="0"/>
+                <a:ea typeface="Courier" charset="0"/>
+                <a:cs typeface="Courier" charset="0"/>
+              </a:rPr>
+              <a:t> --path </a:t>
+            </a:r>
+            <a:r>
+              <a:rPr lang="en-US" dirty="0" smtClean="0">
+                <a:solidFill>
+                  <a:srgbClr val="FFFF00"/>
+                </a:solidFill>
+                <a:latin typeface="Courier" charset="0"/>
+                <a:ea typeface="Courier" charset="0"/>
+                <a:cs typeface="Courier" charset="0"/>
+              </a:rPr>
+              <a:t>aws-node-foo-svc1</a:t>
+            </a:r>
+          </a:p>
+          <a:p>
+            <a:pPr marL="0" indent="0">
+              <a:buNone/>
+            </a:pPr>
+            <a:r>
+              <a:rPr lang="en-US" dirty="0" smtClean="0">
+                <a:solidFill>
+                  <a:srgbClr val="FFFF00"/>
+                </a:solidFill>
+                <a:latin typeface="Courier" charset="0"/>
+                <a:ea typeface="Courier" charset="0"/>
+                <a:cs typeface="Courier" charset="0"/>
+              </a:rPr>
+              <a:t>$ </a:t>
+            </a:r>
+            <a:r>
+              <a:rPr lang="en-US" dirty="0" err="1" smtClean="0">
+                <a:solidFill>
+                  <a:srgbClr val="FFFF00"/>
+                </a:solidFill>
+                <a:latin typeface="Courier" charset="0"/>
+                <a:ea typeface="Courier" charset="0"/>
+                <a:cs typeface="Courier" charset="0"/>
+              </a:rPr>
+              <a:t>serverless</a:t>
+            </a:r>
+            <a:r>
+              <a:rPr lang="en-US" dirty="0" smtClean="0">
+                <a:solidFill>
+                  <a:srgbClr val="FFFF00"/>
+                </a:solidFill>
+                <a:latin typeface="Courier" charset="0"/>
+                <a:ea typeface="Courier" charset="0"/>
+                <a:cs typeface="Courier" charset="0"/>
+              </a:rPr>
+              <a:t> deploy</a:t>
+            </a:r>
+          </a:p>
+          <a:p>
+            <a:pPr marL="0" indent="0">
+              <a:buNone/>
+            </a:pPr>
+            <a:r>
+              <a:rPr lang="en-US" dirty="0" smtClean="0">
+                <a:solidFill>
+                  <a:srgbClr val="FFFF00"/>
+                </a:solidFill>
+                <a:latin typeface="Courier" charset="0"/>
+                <a:ea typeface="Courier" charset="0"/>
+                <a:cs typeface="Courier" charset="0"/>
+              </a:rPr>
+              <a:t>$ </a:t>
+            </a:r>
+            <a:r>
+              <a:rPr lang="en-US" dirty="0" err="1">
+                <a:solidFill>
+                  <a:srgbClr val="FFFF00"/>
+                </a:solidFill>
+                <a:latin typeface="Courier" charset="0"/>
+                <a:ea typeface="Courier" charset="0"/>
+                <a:cs typeface="Courier" charset="0"/>
+              </a:rPr>
+              <a:t>serverless</a:t>
+            </a:r>
+            <a:r>
+              <a:rPr lang="en-US" dirty="0">
+                <a:solidFill>
+                  <a:srgbClr val="FFFF00"/>
+                </a:solidFill>
+                <a:latin typeface="Courier" charset="0"/>
+                <a:ea typeface="Courier" charset="0"/>
+                <a:cs typeface="Courier" charset="0"/>
+              </a:rPr>
+              <a:t> invoke -f hello </a:t>
+            </a:r>
+            <a:r>
+              <a:rPr lang="mr-IN" dirty="0" smtClean="0">
+                <a:solidFill>
+                  <a:srgbClr val="FFFF00"/>
+                </a:solidFill>
+                <a:latin typeface="Courier" charset="0"/>
+                <a:ea typeface="Courier" charset="0"/>
+                <a:cs typeface="Courier" charset="0"/>
+              </a:rPr>
+              <a:t>–</a:t>
+            </a:r>
+            <a:r>
+              <a:rPr lang="en-US" dirty="0" smtClean="0">
+                <a:solidFill>
+                  <a:srgbClr val="FFFF00"/>
+                </a:solidFill>
+                <a:latin typeface="Courier" charset="0"/>
+                <a:ea typeface="Courier" charset="0"/>
+                <a:cs typeface="Courier" charset="0"/>
+              </a:rPr>
+              <a:t>l</a:t>
+            </a:r>
+          </a:p>
+          <a:p>
+            <a:pPr marL="0" indent="0">
+              <a:buNone/>
+            </a:pPr>
+            <a:endParaRPr lang="en-US" dirty="0">
+              <a:solidFill>
+                <a:srgbClr val="FFFF00"/>
+              </a:solidFill>
+              <a:latin typeface="Courier" charset="0"/>
+              <a:ea typeface="Courier" charset="0"/>
+              <a:cs typeface="Courier" charset="0"/>
+            </a:endParaRPr>
+          </a:p>
+          <a:p>
+            <a:pPr marL="0" indent="0">
+              <a:buNone/>
+            </a:pPr>
+            <a:endParaRPr lang="en-US" dirty="0">
+              <a:solidFill>
+                <a:srgbClr val="FFFF00"/>
+              </a:solidFill>
+              <a:latin typeface="Courier" charset="0"/>
+              <a:ea typeface="Courier" charset="0"/>
+              <a:cs typeface="Courier" charset="0"/>
+            </a:endParaRPr>
+          </a:p>
+        </p:txBody>
+      </p:sp>
+      <p:sp>
+        <p:nvSpPr>
+          <p:cNvPr id="6" name="TextBox 5"/>
+          <p:cNvSpPr txBox="1"/>
+          <p:nvPr/>
+        </p:nvSpPr>
+        <p:spPr>
+          <a:xfrm>
+            <a:off x="838200" y="4360573"/>
+            <a:ext cx="10515600" cy="2308324"/>
+          </a:xfrm>
+          <a:prstGeom prst="rect">
+            <a:avLst/>
+          </a:prstGeom>
+          <a:noFill/>
+        </p:spPr>
+        <p:txBody>
+          <a:bodyPr wrap="square" rtlCol="0">
+            <a:spAutoFit/>
+          </a:bodyPr>
+          <a:lstStyle/>
+          <a:p>
+            <a:pPr marL="285750" indent="-285750">
+              <a:buFont typeface="Arial" charset="0"/>
+              <a:buChar char="•"/>
+            </a:pPr>
+            <a:r>
+              <a:rPr lang="en-US" sz="2400" dirty="0" smtClean="0">
+                <a:latin typeface="Courier" charset="0"/>
+                <a:ea typeface="Courier" charset="0"/>
+                <a:cs typeface="Courier" charset="0"/>
+              </a:rPr>
+              <a:t>Simple </a:t>
+            </a:r>
+            <a:r>
+              <a:rPr lang="en-US" sz="2400" dirty="0" err="1" smtClean="0">
+                <a:latin typeface="Courier" charset="0"/>
+                <a:ea typeface="Courier" charset="0"/>
+                <a:cs typeface="Courier" charset="0"/>
+              </a:rPr>
+              <a:t>npm</a:t>
+            </a:r>
+            <a:r>
+              <a:rPr lang="en-US" sz="2400" dirty="0" smtClean="0">
+                <a:latin typeface="Courier" charset="0"/>
+                <a:ea typeface="Courier" charset="0"/>
+                <a:cs typeface="Courier" charset="0"/>
+              </a:rPr>
+              <a:t> install (use root for global) </a:t>
+            </a:r>
+          </a:p>
+          <a:p>
+            <a:pPr marL="285750" indent="-285750">
+              <a:buFont typeface="Arial" charset="0"/>
+              <a:buChar char="•"/>
+            </a:pPr>
+            <a:r>
+              <a:rPr lang="en-US" sz="2400" dirty="0" smtClean="0">
+                <a:latin typeface="Courier" charset="0"/>
+                <a:ea typeface="Courier" charset="0"/>
+                <a:cs typeface="Courier" charset="0"/>
+              </a:rPr>
+              <a:t>Many service </a:t>
+            </a:r>
+            <a:r>
+              <a:rPr lang="en-US" sz="2400" dirty="0" smtClean="0">
+                <a:latin typeface="Courier" charset="0"/>
+                <a:ea typeface="Courier" charset="0"/>
+                <a:cs typeface="Courier" charset="0"/>
+              </a:rPr>
+              <a:t>runtime </a:t>
+            </a:r>
+            <a:r>
+              <a:rPr lang="en-US" sz="2400" dirty="0" smtClean="0">
+                <a:latin typeface="Courier" charset="0"/>
+                <a:ea typeface="Courier" charset="0"/>
+                <a:cs typeface="Courier" charset="0"/>
+                <a:hlinkClick r:id="rId3"/>
+              </a:rPr>
+              <a:t>templates</a:t>
+            </a:r>
+            <a:r>
+              <a:rPr lang="en-US" sz="2400" dirty="0" smtClean="0">
+                <a:latin typeface="Courier" charset="0"/>
+                <a:ea typeface="Courier" charset="0"/>
+                <a:cs typeface="Courier" charset="0"/>
+              </a:rPr>
+              <a:t> (python, </a:t>
+            </a:r>
+            <a:r>
+              <a:rPr lang="en-US" sz="2400" dirty="0" smtClean="0">
+                <a:latin typeface="Courier" charset="0"/>
+                <a:ea typeface="Courier" charset="0"/>
+                <a:cs typeface="Courier" charset="0"/>
+              </a:rPr>
+              <a:t>node, </a:t>
+            </a:r>
+            <a:r>
+              <a:rPr lang="en-US" sz="2400" dirty="0" smtClean="0">
+                <a:latin typeface="Courier" charset="0"/>
+                <a:ea typeface="Courier" charset="0"/>
+                <a:cs typeface="Courier" charset="0"/>
+              </a:rPr>
+              <a:t>java, </a:t>
+            </a:r>
+            <a:r>
+              <a:rPr lang="en-US" sz="2400" dirty="0" err="1" smtClean="0">
+                <a:latin typeface="Courier" charset="0"/>
+                <a:ea typeface="Courier" charset="0"/>
+                <a:cs typeface="Courier" charset="0"/>
+              </a:rPr>
+              <a:t>scala</a:t>
+            </a:r>
+            <a:r>
+              <a:rPr lang="en-US" sz="2400" dirty="0" smtClean="0">
+                <a:latin typeface="Courier" charset="0"/>
+                <a:ea typeface="Courier" charset="0"/>
+                <a:cs typeface="Courier" charset="0"/>
+              </a:rPr>
+              <a:t>, etc.)</a:t>
+            </a:r>
+            <a:endParaRPr lang="en-US" sz="2400" dirty="0" smtClean="0">
+              <a:latin typeface="Courier" charset="0"/>
+              <a:ea typeface="Courier" charset="0"/>
+              <a:cs typeface="Courier" charset="0"/>
+            </a:endParaRPr>
+          </a:p>
+          <a:p>
+            <a:pPr marL="285750" indent="-285750">
+              <a:buFont typeface="Arial" charset="0"/>
+              <a:buChar char="•"/>
+            </a:pPr>
+            <a:r>
+              <a:rPr lang="en-US" sz="2400" dirty="0" smtClean="0">
+                <a:latin typeface="Courier" charset="0"/>
+                <a:ea typeface="Courier" charset="0"/>
+                <a:cs typeface="Courier" charset="0"/>
+              </a:rPr>
+              <a:t>Re-deploy functions independently</a:t>
+            </a:r>
+          </a:p>
+          <a:p>
+            <a:pPr marL="285750" indent="-285750">
+              <a:buFont typeface="Arial" charset="0"/>
+              <a:buChar char="•"/>
+            </a:pPr>
+            <a:r>
+              <a:rPr lang="en-US" sz="2400" dirty="0" smtClean="0">
+                <a:latin typeface="Courier" charset="0"/>
+                <a:ea typeface="Courier" charset="0"/>
+                <a:cs typeface="Courier" charset="0"/>
+              </a:rPr>
+              <a:t>Local invocation of functions for testing before deployment</a:t>
+            </a:r>
+          </a:p>
+        </p:txBody>
+      </p:sp>
+    </p:spTree>
+    <p:extLst>
+      <p:ext uri="{BB962C8B-B14F-4D97-AF65-F5344CB8AC3E}">
+        <p14:creationId xmlns:p14="http://schemas.microsoft.com/office/powerpoint/2010/main" val="93868783"/>
+      </p:ext>
+    </p:extLst>
+  </p:cSld>
+  <p:clrMapOvr>
+    <a:masterClrMapping/>
+  </p:clrMapOvr>
+  <p:timing>
+    <p:tnLst>
+      <p:par>
+        <p:cTn id="1" dur="indefinite" restart="never" nodeType="tmRoot"/>
+      </p:par>
+    </p:tnLst>
+  </p:timing>
+</p:sld>
+</file>
+
+<file path=ppt/slides/slide14.xml><?xml version="1.0" encoding="utf-8"?>
+<p:sld xmlns:a="http://schemas.openxmlformats.org/drawingml/2006/main" xmlns:r="http://schemas.openxmlformats.org/officeDocument/2006/relationships" xmlns:p="http://schemas.openxmlformats.org/presentationml/2006/main">
+  <p:cSld>
+    <p:spTree>
+      <p:nvGrpSpPr>
+        <p:cNvPr id="1" name=""/>
+        <p:cNvGrpSpPr/>
+        <p:nvPr/>
+      </p:nvGrpSpPr>
+      <p:grpSpPr>
+        <a:xfrm>
+          <a:off x="0" y="0"/>
+          <a:ext cx="0" cy="0"/>
+          <a:chOff x="0" y="0"/>
+          <a:chExt cx="0" cy="0"/>
+        </a:xfrm>
+      </p:grpSpPr>
+      <p:sp>
+        <p:nvSpPr>
+          <p:cNvPr id="2" name="Title 1"/>
+          <p:cNvSpPr>
+            <a:spLocks noGrp="1"/>
+          </p:cNvSpPr>
+          <p:nvPr>
+            <p:ph type="title"/>
+          </p:nvPr>
+        </p:nvSpPr>
+        <p:spPr/>
+        <p:txBody>
+          <a:bodyPr/>
+          <a:lstStyle/>
+          <a:p>
+            <a:r>
+              <a:rPr lang="en-US" dirty="0" err="1" smtClean="0">
+                <a:latin typeface="Courier" charset="0"/>
+                <a:ea typeface="Courier" charset="0"/>
+                <a:cs typeface="Courier" charset="0"/>
+              </a:rPr>
+              <a:t>Serverless</a:t>
+            </a:r>
+            <a:r>
+              <a:rPr lang="en-US" dirty="0" smtClean="0">
+                <a:latin typeface="Courier" charset="0"/>
+                <a:ea typeface="Courier" charset="0"/>
+                <a:cs typeface="Courier" charset="0"/>
+              </a:rPr>
               <a:t> AWS Events</a:t>
             </a:r>
             <a:endParaRPr lang="en-US" dirty="0">
@@ -4781,8 +7175,8 @@
           </a:p>
         </p:txBody>
       </p:sp>
-      <mc:AlternateContent xmlns:mc="http://schemas.openxmlformats.org/markup-compatibility/2006">
-        <mc:Choice xmlns:we="http://schemas.microsoft.com/office/webextensions/webextension/2010/11" xmlns:pca="http://schemas.microsoft.com/office/powerpoint/2013/contentapp" Requires="we pca">
+      <mc:AlternateContent xmlns:mc="http://schemas.openxmlformats.org/markup-compatibility/2006" xmlns:we="http://schemas.microsoft.com/office/webextensions/webextension/2010/11" xmlns:pca="http://schemas.microsoft.com/office/powerpoint/2013/contentapp">
+        <mc:Choice Requires="we pca">
           <p:graphicFrame>
             <p:nvGraphicFramePr>
               <p:cNvPr id="4" name="Add-in 3" title="Code Presenter Pro"/>
@@ -4808,7 +7202,7 @@
             </a:graphic>
           </p:graphicFrame>
         </mc:Choice>
-        <mc:Fallback>
+        <mc:Fallback xmlns="">
           <p:pic>
             <p:nvPicPr>
               <p:cNvPr id="4" name="Add-in 3" title="Code Presenter Pro"/>
@@ -4855,7 +7249,7 @@
 </p:sld>
 </file>
 
-<file path=ppt/slides/slide11.xml><?xml version="1.0" encoding="utf-8"?>
+<file path=ppt/slides/slide15.xml><?xml version="1.0" encoding="utf-8"?>
 <p:sld xmlns:a="http://schemas.openxmlformats.org/drawingml/2006/main" xmlns:r="http://schemas.openxmlformats.org/officeDocument/2006/relationships" xmlns:p="http://schemas.openxmlformats.org/presentationml/2006/main">
   <p:cSld>
     <p:spTree>
@@ -4940,8 +7334,8 @@
           </a:p>
         </p:txBody>
       </p:sp>
-      <mc:AlternateContent xmlns:mc="http://schemas.openxmlformats.org/markup-compatibility/2006">
-        <mc:Choice xmlns:we="http://schemas.microsoft.com/office/webextensions/webextension/2010/11" xmlns:pca="http://schemas.microsoft.com/office/powerpoint/2013/contentapp" Requires="we pca">
+      <mc:AlternateContent xmlns:mc="http://schemas.openxmlformats.org/markup-compatibility/2006" xmlns:we="http://schemas.microsoft.com/office/webextensions/webextension/2010/11" xmlns:pca="http://schemas.microsoft.com/office/powerpoint/2013/contentapp">
+        <mc:Choice Requires="we pca">
           <p:graphicFrame>
             <p:nvGraphicFramePr>
               <p:cNvPr id="5" name="Add-in 4" title="Code Presenter Pro"/>
@@ -4967,7 +7361,7 @@
             </a:graphic>
           </p:graphicFrame>
         </mc:Choice>
-        <mc:Fallback>
+        <mc:Fallback xmlns="">
           <p:pic>
             <p:nvPicPr>
               <p:cNvPr id="5" name="Add-in 4" title="Code Presenter Pro"/>
@@ -5014,7 +7408,7 @@
 </p:sld>
 </file>
 
-<file path=ppt/slides/slide12.xml><?xml version="1.0" encoding="utf-8"?>
+<file path=ppt/slides/slide16.xml><?xml version="1.0" encoding="utf-8"?>
 <p:sld xmlns:a="http://schemas.openxmlformats.org/drawingml/2006/main" xmlns:r="http://schemas.openxmlformats.org/officeDocument/2006/relationships" xmlns:p="http://schemas.openxmlformats.org/presentationml/2006/main">
   <p:cSld>
     <p:spTree>
@@ -5099,8 +7493,8 @@
           </a:p>
         </p:txBody>
       </p:sp>
-      <mc:AlternateContent xmlns:mc="http://schemas.openxmlformats.org/markup-compatibility/2006">
-        <mc:Choice xmlns:we="http://schemas.microsoft.com/office/webextensions/webextension/2010/11" xmlns:pca="http://schemas.microsoft.com/office/powerpoint/2013/contentapp" Requires="we pca">
+      <mc:AlternateContent xmlns:mc="http://schemas.openxmlformats.org/markup-compatibility/2006" xmlns:we="http://schemas.microsoft.com/office/webextensions/webextension/2010/11" xmlns:pca="http://schemas.microsoft.com/office/powerpoint/2013/contentapp">
+        <mc:Choice Requires="we pca">
           <p:graphicFrame>
             <p:nvGraphicFramePr>
               <p:cNvPr id="4" name="Add-in 3" title="Code Presenter Pro"/>
@@ -5120,7 +7514,7 @@
             </a:graphic>
           </p:graphicFrame>
         </mc:Choice>
-        <mc:Fallback>
+        <mc:Fallback xmlns="">
           <p:pic>
             <p:nvPicPr>
               <p:cNvPr id="4" name="Add-in 3" title="Code Presenter Pro"/>
@@ -5147,8 +7541,8 @@
           </p:pic>
         </mc:Fallback>
       </mc:AlternateContent>
-      <mc:AlternateContent xmlns:mc="http://schemas.openxmlformats.org/markup-compatibility/2006">
-        <mc:Choice xmlns:we="http://schemas.microsoft.com/office/webextensions/webextension/2010/11" xmlns:pca="http://schemas.microsoft.com/office/powerpoint/2013/contentapp" Requires="we pca">
+      <mc:AlternateContent xmlns:mc="http://schemas.openxmlformats.org/markup-compatibility/2006" xmlns:we="http://schemas.microsoft.com/office/webextensions/webextension/2010/11" xmlns:pca="http://schemas.microsoft.com/office/powerpoint/2013/contentapp">
+        <mc:Choice Requires="we pca">
           <p:graphicFrame>
             <p:nvGraphicFramePr>
               <p:cNvPr id="5" name="Add-in 4" title="Code Presenter Pro"/>
@@ -5168,7 +7562,7 @@
             </a:graphic>
           </p:graphicFrame>
         </mc:Choice>
-        <mc:Fallback>
+        <mc:Fallback xmlns="">
           <p:pic>
             <p:nvPicPr>
               <p:cNvPr id="5" name="Add-in 4" title="Code Presenter Pro"/>
@@ -5215,6 +7609,1435 @@
 </p:sld>
 </file>
 
+<file path=ppt/slides/slide17.xml><?xml version="1.0" encoding="utf-8"?>
+<p:sld xmlns:a="http://schemas.openxmlformats.org/drawingml/2006/main" xmlns:r="http://schemas.openxmlformats.org/officeDocument/2006/relationships" xmlns:p="http://schemas.openxmlformats.org/presentationml/2006/main">
+  <p:cSld>
+    <p:spTree>
+      <p:nvGrpSpPr>
+        <p:cNvPr id="1" name=""/>
+        <p:cNvGrpSpPr/>
+        <p:nvPr/>
+      </p:nvGrpSpPr>
+      <p:grpSpPr>
+        <a:xfrm>
+          <a:off x="0" y="0"/>
+          <a:ext cx="0" cy="0"/>
+          <a:chOff x="0" y="0"/>
+          <a:chExt cx="0" cy="0"/>
+        </a:xfrm>
+      </p:grpSpPr>
+      <p:sp>
+        <p:nvSpPr>
+          <p:cNvPr id="2" name="Title 1"/>
+          <p:cNvSpPr>
+            <a:spLocks noGrp="1"/>
+          </p:cNvSpPr>
+          <p:nvPr>
+            <p:ph type="title"/>
+          </p:nvPr>
+        </p:nvSpPr>
+        <p:spPr/>
+        <p:txBody>
+          <a:bodyPr/>
+          <a:lstStyle/>
+          <a:p>
+            <a:r>
+              <a:rPr lang="en-US" dirty="0" err="1" smtClean="0">
+                <a:latin typeface="Courier" charset="0"/>
+                <a:ea typeface="Courier" charset="0"/>
+                <a:cs typeface="Courier" charset="0"/>
+              </a:rPr>
+              <a:t>serverless.yml</a:t>
+            </a:r>
+            <a:r>
+              <a:rPr lang="en-US" dirty="0" smtClean="0">
+                <a:latin typeface="Courier" charset="0"/>
+                <a:ea typeface="Courier" charset="0"/>
+                <a:cs typeface="Courier" charset="0"/>
+              </a:rPr>
+              <a:t> </a:t>
+            </a:r>
+            <a:r>
+              <a:rPr lang="mr-IN" dirty="0" smtClean="0">
+                <a:latin typeface="Courier" charset="0"/>
+                <a:ea typeface="Courier" charset="0"/>
+                <a:cs typeface="Courier" charset="0"/>
+              </a:rPr>
+              <a:t>–</a:t>
+            </a:r>
+            <a:r>
+              <a:rPr lang="en-US" dirty="0" smtClean="0">
+                <a:latin typeface="Courier" charset="0"/>
+                <a:ea typeface="Courier" charset="0"/>
+                <a:cs typeface="Courier" charset="0"/>
+              </a:rPr>
+              <a:t> AWS details</a:t>
+            </a:r>
+            <a:endParaRPr lang="en-US" dirty="0">
+              <a:latin typeface="Courier" charset="0"/>
+              <a:ea typeface="Courier" charset="0"/>
+              <a:cs typeface="Courier" charset="0"/>
+            </a:endParaRPr>
+          </a:p>
+        </p:txBody>
+      </p:sp>
+      <p:sp>
+        <p:nvSpPr>
+          <p:cNvPr id="3" name="Content Placeholder 2"/>
+          <p:cNvSpPr>
+            <a:spLocks noGrp="1"/>
+          </p:cNvSpPr>
+          <p:nvPr>
+            <p:ph idx="1"/>
+          </p:nvPr>
+        </p:nvSpPr>
+        <p:spPr/>
+        <p:txBody>
+          <a:bodyPr>
+            <a:normAutofit fontScale="92500" lnSpcReduction="20000"/>
+          </a:bodyPr>
+          <a:lstStyle/>
+          <a:p>
+            <a:r>
+              <a:rPr lang="en-US" dirty="0">
+                <a:latin typeface="Courier" charset="0"/>
+                <a:ea typeface="Courier" charset="0"/>
+                <a:cs typeface="Courier" charset="0"/>
+                <a:hlinkClick r:id="rId3"/>
+              </a:rPr>
+              <a:t>s</a:t>
+            </a:r>
+            <a:r>
+              <a:rPr lang="en-US" dirty="0" smtClean="0">
+                <a:latin typeface="Courier" charset="0"/>
+                <a:ea typeface="Courier" charset="0"/>
+                <a:cs typeface="Courier" charset="0"/>
+                <a:hlinkClick r:id="rId3"/>
+              </a:rPr>
+              <a:t>erverless.yml</a:t>
+            </a:r>
+            <a:r>
+              <a:rPr lang="en-US" dirty="0" smtClean="0">
+                <a:latin typeface="Courier" charset="0"/>
+                <a:ea typeface="Courier" charset="0"/>
+                <a:cs typeface="Courier" charset="0"/>
+              </a:rPr>
+              <a:t> (yaml) - configuration defines cloud provider deployment details, functions and their event triggers, and resource dependencies </a:t>
+            </a:r>
+            <a:endParaRPr lang="en-US" dirty="0" smtClean="0">
+              <a:latin typeface="Courier" charset="0"/>
+              <a:ea typeface="Courier" charset="0"/>
+              <a:cs typeface="Courier" charset="0"/>
+            </a:endParaRPr>
+          </a:p>
+          <a:p>
+            <a:r>
+              <a:rPr lang="en-US" b="1" i="1" dirty="0" smtClean="0">
+                <a:latin typeface="Courier" charset="0"/>
+                <a:ea typeface="Courier" charset="0"/>
+                <a:cs typeface="Courier" charset="0"/>
+              </a:rPr>
+              <a:t>Provider</a:t>
+            </a:r>
+            <a:r>
+              <a:rPr lang="en-US" dirty="0" smtClean="0">
+                <a:latin typeface="Courier" charset="0"/>
+                <a:ea typeface="Courier" charset="0"/>
+                <a:cs typeface="Courier" charset="0"/>
+              </a:rPr>
+              <a:t> configuration can include </a:t>
+            </a:r>
+            <a:r>
+              <a:rPr lang="en-US" dirty="0" err="1" smtClean="0">
+                <a:solidFill>
+                  <a:srgbClr val="FF0000"/>
+                </a:solidFill>
+                <a:latin typeface="Courier" charset="0"/>
+                <a:ea typeface="Courier" charset="0"/>
+                <a:cs typeface="Courier" charset="0"/>
+              </a:rPr>
+              <a:t>iamRoleStatements</a:t>
+            </a:r>
+            <a:r>
+              <a:rPr lang="en-US" dirty="0" smtClean="0">
+                <a:solidFill>
+                  <a:srgbClr val="FF0000"/>
+                </a:solidFill>
+                <a:latin typeface="Courier" charset="0"/>
+                <a:ea typeface="Courier" charset="0"/>
+                <a:cs typeface="Courier" charset="0"/>
+              </a:rPr>
+              <a:t> </a:t>
+            </a:r>
+            <a:r>
+              <a:rPr lang="en-US" dirty="0" smtClean="0">
+                <a:latin typeface="Courier" charset="0"/>
+                <a:ea typeface="Courier" charset="0"/>
+                <a:cs typeface="Courier" charset="0"/>
+              </a:rPr>
+              <a:t>for dependencies that require additional permissions.  You can use </a:t>
+            </a:r>
+            <a:r>
+              <a:rPr lang="en-US" dirty="0" err="1" smtClean="0">
+                <a:latin typeface="Courier" charset="0"/>
+                <a:ea typeface="Courier" charset="0"/>
+                <a:cs typeface="Courier" charset="0"/>
+              </a:rPr>
+              <a:t>CloudFormation</a:t>
+            </a:r>
+            <a:r>
+              <a:rPr lang="en-US" dirty="0" smtClean="0">
+                <a:latin typeface="Courier" charset="0"/>
+                <a:ea typeface="Courier" charset="0"/>
+                <a:cs typeface="Courier" charset="0"/>
+              </a:rPr>
+              <a:t> syntax (yuck).</a:t>
+            </a:r>
+            <a:endParaRPr lang="en-US" dirty="0" smtClean="0">
+              <a:latin typeface="Courier" charset="0"/>
+              <a:ea typeface="Courier" charset="0"/>
+              <a:cs typeface="Courier" charset="0"/>
+            </a:endParaRPr>
+          </a:p>
+          <a:p>
+            <a:r>
+              <a:rPr lang="en-US" dirty="0" smtClean="0">
+                <a:latin typeface="Courier" charset="0"/>
+                <a:ea typeface="Courier" charset="0"/>
+                <a:cs typeface="Courier" charset="0"/>
+              </a:rPr>
+              <a:t>VPC </a:t>
+            </a:r>
+            <a:r>
+              <a:rPr lang="en-US" dirty="0" err="1" smtClean="0">
+                <a:latin typeface="Courier" charset="0"/>
+                <a:ea typeface="Courier" charset="0"/>
+                <a:cs typeface="Courier" charset="0"/>
+              </a:rPr>
+              <a:t>config</a:t>
+            </a:r>
+            <a:r>
+              <a:rPr lang="en-US" dirty="0" smtClean="0">
+                <a:latin typeface="Courier" charset="0"/>
+                <a:ea typeface="Courier" charset="0"/>
+                <a:cs typeface="Courier" charset="0"/>
+              </a:rPr>
+              <a:t> (security groups and subnets) are supported at the service and function level (overrides)</a:t>
+            </a:r>
+            <a:endParaRPr lang="en-US" dirty="0" smtClean="0">
+              <a:latin typeface="Courier" charset="0"/>
+              <a:ea typeface="Courier" charset="0"/>
+              <a:cs typeface="Courier" charset="0"/>
+            </a:endParaRPr>
+          </a:p>
+          <a:p>
+            <a:r>
+              <a:rPr lang="en-US" dirty="0" smtClean="0">
+                <a:latin typeface="Courier" charset="0"/>
+                <a:ea typeface="Courier" charset="0"/>
+                <a:cs typeface="Courier" charset="0"/>
+              </a:rPr>
+              <a:t>Environment variables and tags ar</a:t>
+            </a:r>
+            <a:r>
+              <a:rPr lang="en-US" dirty="0" smtClean="0">
+                <a:latin typeface="Courier" charset="0"/>
+                <a:ea typeface="Courier" charset="0"/>
+                <a:cs typeface="Courier" charset="0"/>
+              </a:rPr>
+              <a:t>e supported</a:t>
+            </a:r>
+          </a:p>
+          <a:p>
+            <a:r>
+              <a:rPr lang="en-US" dirty="0" smtClean="0">
+                <a:latin typeface="Courier" charset="0"/>
+                <a:ea typeface="Courier" charset="0"/>
+                <a:cs typeface="Courier" charset="0"/>
+              </a:rPr>
+              <a:t>AWS KMS keys can be specified </a:t>
+            </a:r>
+            <a:r>
+              <a:rPr lang="en-US" dirty="0">
+                <a:latin typeface="Courier" charset="0"/>
+                <a:ea typeface="Courier" charset="0"/>
+                <a:cs typeface="Courier" charset="0"/>
+              </a:rPr>
+              <a:t>using </a:t>
+            </a:r>
+            <a:r>
+              <a:rPr lang="en-US" dirty="0" err="1" smtClean="0">
+                <a:solidFill>
+                  <a:srgbClr val="FF0000"/>
+                </a:solidFill>
+                <a:latin typeface="Courier" charset="0"/>
+                <a:ea typeface="Courier" charset="0"/>
+                <a:cs typeface="Courier" charset="0"/>
+              </a:rPr>
+              <a:t>awsKmsKeyArn</a:t>
+            </a:r>
+            <a:endParaRPr lang="en-US" dirty="0" smtClean="0">
+              <a:solidFill>
+                <a:srgbClr val="FF0000"/>
+              </a:solidFill>
+              <a:latin typeface="Courier" charset="0"/>
+              <a:ea typeface="Courier" charset="0"/>
+              <a:cs typeface="Courier" charset="0"/>
+            </a:endParaRPr>
+          </a:p>
+        </p:txBody>
+      </p:sp>
+    </p:spTree>
+    <p:extLst>
+      <p:ext uri="{BB962C8B-B14F-4D97-AF65-F5344CB8AC3E}">
+        <p14:creationId xmlns:p14="http://schemas.microsoft.com/office/powerpoint/2010/main" val="388165695"/>
+      </p:ext>
+    </p:extLst>
+  </p:cSld>
+  <p:clrMapOvr>
+    <a:masterClrMapping/>
+  </p:clrMapOvr>
+  <p:timing>
+    <p:tnLst>
+      <p:par>
+        <p:cTn id="1" dur="indefinite" restart="never" nodeType="tmRoot"/>
+      </p:par>
+    </p:tnLst>
+  </p:timing>
+</p:sld>
+</file>
+
+<file path=ppt/slides/slide18.xml><?xml version="1.0" encoding="utf-8"?>
+<p:sld xmlns:a="http://schemas.openxmlformats.org/drawingml/2006/main" xmlns:r="http://schemas.openxmlformats.org/officeDocument/2006/relationships" xmlns:p="http://schemas.openxmlformats.org/presentationml/2006/main">
+  <p:cSld>
+    <p:spTree>
+      <p:nvGrpSpPr>
+        <p:cNvPr id="1" name=""/>
+        <p:cNvGrpSpPr/>
+        <p:nvPr/>
+      </p:nvGrpSpPr>
+      <p:grpSpPr>
+        <a:xfrm>
+          <a:off x="0" y="0"/>
+          <a:ext cx="0" cy="0"/>
+          <a:chOff x="0" y="0"/>
+          <a:chExt cx="0" cy="0"/>
+        </a:xfrm>
+      </p:grpSpPr>
+      <p:sp>
+        <p:nvSpPr>
+          <p:cNvPr id="2" name="Title 1"/>
+          <p:cNvSpPr>
+            <a:spLocks noGrp="1"/>
+          </p:cNvSpPr>
+          <p:nvPr>
+            <p:ph type="title"/>
+          </p:nvPr>
+        </p:nvSpPr>
+        <p:spPr/>
+        <p:txBody>
+          <a:bodyPr/>
+          <a:lstStyle/>
+          <a:p>
+            <a:r>
+              <a:rPr lang="en-US" dirty="0" err="1" smtClean="0">
+                <a:latin typeface="Courier" charset="0"/>
+                <a:ea typeface="Courier" charset="0"/>
+                <a:cs typeface="Courier" charset="0"/>
+              </a:rPr>
+              <a:t>serverless.yml</a:t>
+            </a:r>
+            <a:r>
+              <a:rPr lang="en-US" dirty="0" smtClean="0">
+                <a:latin typeface="Courier" charset="0"/>
+                <a:ea typeface="Courier" charset="0"/>
+                <a:cs typeface="Courier" charset="0"/>
+              </a:rPr>
+              <a:t> </a:t>
+            </a:r>
+            <a:r>
+              <a:rPr lang="mr-IN" dirty="0" smtClean="0">
+                <a:latin typeface="Courier" charset="0"/>
+                <a:ea typeface="Courier" charset="0"/>
+                <a:cs typeface="Courier" charset="0"/>
+              </a:rPr>
+              <a:t>–</a:t>
+            </a:r>
+            <a:r>
+              <a:rPr lang="en-US" dirty="0" smtClean="0">
+                <a:latin typeface="Courier" charset="0"/>
+                <a:ea typeface="Courier" charset="0"/>
+                <a:cs typeface="Courier" charset="0"/>
+              </a:rPr>
+              <a:t> Resources</a:t>
+            </a:r>
+            <a:endParaRPr lang="en-US" dirty="0">
+              <a:latin typeface="Courier" charset="0"/>
+              <a:ea typeface="Courier" charset="0"/>
+              <a:cs typeface="Courier" charset="0"/>
+            </a:endParaRPr>
+          </a:p>
+        </p:txBody>
+      </p:sp>
+      <p:sp>
+        <p:nvSpPr>
+          <p:cNvPr id="3" name="Content Placeholder 2"/>
+          <p:cNvSpPr>
+            <a:spLocks noGrp="1"/>
+          </p:cNvSpPr>
+          <p:nvPr>
+            <p:ph idx="1"/>
+          </p:nvPr>
+        </p:nvSpPr>
+        <p:spPr/>
+        <p:txBody>
+          <a:bodyPr>
+            <a:normAutofit lnSpcReduction="10000"/>
+          </a:bodyPr>
+          <a:lstStyle/>
+          <a:p>
+            <a:r>
+              <a:rPr lang="en-US" dirty="0" smtClean="0">
+                <a:latin typeface="Courier" charset="0"/>
+                <a:ea typeface="Courier" charset="0"/>
+                <a:cs typeface="Courier" charset="0"/>
+              </a:rPr>
+              <a:t>AWS infrastructure dependencies are configured as a </a:t>
+            </a:r>
+            <a:r>
+              <a:rPr lang="en-US" b="1" i="1" dirty="0" smtClean="0">
+                <a:latin typeface="Courier" charset="0"/>
+                <a:ea typeface="Courier" charset="0"/>
+                <a:cs typeface="Courier" charset="0"/>
+              </a:rPr>
+              <a:t>Resource</a:t>
+            </a:r>
+            <a:r>
+              <a:rPr lang="en-US" dirty="0" smtClean="0">
+                <a:latin typeface="Courier" charset="0"/>
+                <a:ea typeface="Courier" charset="0"/>
+                <a:cs typeface="Courier" charset="0"/>
+              </a:rPr>
+              <a:t> in </a:t>
+            </a:r>
+            <a:r>
+              <a:rPr lang="en-US" dirty="0" err="1" smtClean="0">
+                <a:latin typeface="Courier" charset="0"/>
+                <a:ea typeface="Courier" charset="0"/>
+                <a:cs typeface="Courier" charset="0"/>
+              </a:rPr>
+              <a:t>serverless.yml</a:t>
+            </a:r>
+            <a:r>
+              <a:rPr lang="en-US" dirty="0" smtClean="0">
+                <a:latin typeface="Courier" charset="0"/>
+                <a:ea typeface="Courier" charset="0"/>
+                <a:cs typeface="Courier" charset="0"/>
+              </a:rPr>
+              <a:t> (e.g., </a:t>
+            </a:r>
+            <a:r>
+              <a:rPr lang="en-US" dirty="0" err="1" smtClean="0">
+                <a:latin typeface="Courier" charset="0"/>
+                <a:ea typeface="Courier" charset="0"/>
+                <a:cs typeface="Courier" charset="0"/>
+              </a:rPr>
+              <a:t>DynamoDB</a:t>
+            </a:r>
+            <a:r>
+              <a:rPr lang="en-US" dirty="0" smtClean="0">
+                <a:latin typeface="Courier" charset="0"/>
+                <a:ea typeface="Courier" charset="0"/>
+                <a:cs typeface="Courier" charset="0"/>
+              </a:rPr>
+              <a:t>, S3)</a:t>
+            </a:r>
+            <a:endParaRPr lang="en-US" dirty="0" smtClean="0">
+              <a:latin typeface="Courier" charset="0"/>
+              <a:ea typeface="Courier" charset="0"/>
+              <a:cs typeface="Courier" charset="0"/>
+            </a:endParaRPr>
+          </a:p>
+          <a:p>
+            <a:r>
+              <a:rPr lang="en-US" dirty="0" smtClean="0">
+                <a:latin typeface="Courier" charset="0"/>
+                <a:ea typeface="Courier" charset="0"/>
+                <a:cs typeface="Courier" charset="0"/>
+              </a:rPr>
+              <a:t>The serverless framework uses a standard naming convention within the </a:t>
+            </a:r>
+            <a:r>
+              <a:rPr lang="en-US" dirty="0" err="1" smtClean="0">
+                <a:latin typeface="Courier" charset="0"/>
+                <a:ea typeface="Courier" charset="0"/>
+                <a:cs typeface="Courier" charset="0"/>
+              </a:rPr>
+              <a:t>CloudFormation</a:t>
+            </a:r>
+            <a:r>
+              <a:rPr lang="en-US" dirty="0" smtClean="0">
+                <a:latin typeface="Courier" charset="0"/>
+                <a:ea typeface="Courier" charset="0"/>
+                <a:cs typeface="Courier" charset="0"/>
+              </a:rPr>
+              <a:t> templates </a:t>
+            </a:r>
+            <a:r>
+              <a:rPr lang="en-US" dirty="0">
+                <a:latin typeface="Courier" charset="0"/>
+                <a:ea typeface="Courier" charset="0"/>
+                <a:cs typeface="Courier" charset="0"/>
+              </a:rPr>
+              <a:t>it generates: </a:t>
+            </a:r>
+            <a:r>
+              <a:rPr lang="en-US" dirty="0">
+                <a:solidFill>
+                  <a:srgbClr val="00B050"/>
+                </a:solidFill>
+                <a:latin typeface="Courier" charset="0"/>
+                <a:ea typeface="Courier" charset="0"/>
+                <a:cs typeface="Courier" charset="0"/>
+              </a:rPr>
+              <a:t>{Function Name}{Cloud Formation Resource Type}{Resource Name}{</a:t>
+            </a:r>
+            <a:r>
+              <a:rPr lang="en-US" dirty="0" err="1">
+                <a:solidFill>
+                  <a:srgbClr val="00B050"/>
+                </a:solidFill>
+                <a:latin typeface="Courier" charset="0"/>
+                <a:ea typeface="Courier" charset="0"/>
+                <a:cs typeface="Courier" charset="0"/>
+              </a:rPr>
+              <a:t>SequentialID</a:t>
+            </a:r>
+            <a:r>
+              <a:rPr lang="en-US" dirty="0">
+                <a:solidFill>
+                  <a:srgbClr val="00B050"/>
+                </a:solidFill>
+                <a:latin typeface="Courier" charset="0"/>
+                <a:ea typeface="Courier" charset="0"/>
+                <a:cs typeface="Courier" charset="0"/>
+              </a:rPr>
+              <a:t> or </a:t>
+            </a:r>
+            <a:r>
+              <a:rPr lang="en-US" dirty="0" smtClean="0">
+                <a:solidFill>
+                  <a:srgbClr val="00B050"/>
+                </a:solidFill>
+                <a:latin typeface="Courier" charset="0"/>
+                <a:ea typeface="Courier" charset="0"/>
+                <a:cs typeface="Courier" charset="0"/>
+              </a:rPr>
+              <a:t>Random String}</a:t>
+            </a:r>
+          </a:p>
+          <a:p>
+            <a:r>
+              <a:rPr lang="en-US" dirty="0" smtClean="0">
+                <a:latin typeface="Courier" charset="0"/>
+                <a:ea typeface="Courier" charset="0"/>
+                <a:cs typeface="Courier" charset="0"/>
+              </a:rPr>
+              <a:t>Example: Mapping lambda events to </a:t>
+            </a:r>
+            <a:r>
+              <a:rPr lang="en-US" dirty="0" err="1" smtClean="0">
+                <a:latin typeface="Courier" charset="0"/>
+                <a:ea typeface="Courier" charset="0"/>
+                <a:cs typeface="Courier" charset="0"/>
+              </a:rPr>
+              <a:t>DynamoDB</a:t>
+            </a:r>
+            <a:r>
+              <a:rPr lang="en-US" dirty="0" smtClean="0">
+                <a:latin typeface="Courier" charset="0"/>
+                <a:ea typeface="Courier" charset="0"/>
+                <a:cs typeface="Courier" charset="0"/>
+              </a:rPr>
+              <a:t> uses </a:t>
+            </a:r>
+            <a:r>
+              <a:rPr lang="en-US" dirty="0">
+                <a:solidFill>
+                  <a:srgbClr val="00B050"/>
+                </a:solidFill>
+                <a:latin typeface="Courier" charset="0"/>
+                <a:ea typeface="Courier" charset="0"/>
+                <a:cs typeface="Courier" charset="0"/>
+              </a:rPr>
+              <a:t>{</a:t>
+            </a:r>
+            <a:r>
+              <a:rPr lang="en-US" dirty="0" err="1" smtClean="0">
+                <a:solidFill>
+                  <a:srgbClr val="00B050"/>
+                </a:solidFill>
+                <a:latin typeface="Courier" charset="0"/>
+                <a:ea typeface="Courier" charset="0"/>
+                <a:cs typeface="Courier" charset="0"/>
+              </a:rPr>
+              <a:t>normalizedFunctionName</a:t>
+            </a:r>
+            <a:r>
+              <a:rPr lang="en-US" dirty="0" smtClean="0">
+                <a:solidFill>
+                  <a:srgbClr val="00B050"/>
+                </a:solidFill>
+                <a:latin typeface="Courier" charset="0"/>
+                <a:ea typeface="Courier" charset="0"/>
+                <a:cs typeface="Courier" charset="0"/>
+              </a:rPr>
+              <a:t>}</a:t>
+            </a:r>
+            <a:r>
+              <a:rPr lang="en-US" dirty="0" err="1" smtClean="0">
+                <a:latin typeface="Courier" charset="0"/>
+                <a:ea typeface="Courier" charset="0"/>
+                <a:cs typeface="Courier" charset="0"/>
+              </a:rPr>
+              <a:t>EventSourceMappingDynamodb</a:t>
+            </a:r>
+            <a:r>
+              <a:rPr lang="en-US" dirty="0" smtClean="0">
+                <a:solidFill>
+                  <a:srgbClr val="00B050"/>
+                </a:solidFill>
+                <a:latin typeface="Courier" charset="0"/>
+                <a:ea typeface="Courier" charset="0"/>
+                <a:cs typeface="Courier" charset="0"/>
+              </a:rPr>
+              <a:t>{</a:t>
+            </a:r>
+            <a:r>
+              <a:rPr lang="en-US" dirty="0" err="1" smtClean="0">
+                <a:solidFill>
+                  <a:srgbClr val="00B050"/>
+                </a:solidFill>
+                <a:latin typeface="Courier" charset="0"/>
+                <a:ea typeface="Courier" charset="0"/>
+                <a:cs typeface="Courier" charset="0"/>
+              </a:rPr>
+              <a:t>tableName</a:t>
+            </a:r>
+            <a:r>
+              <a:rPr lang="en-US" dirty="0" smtClean="0">
+                <a:solidFill>
+                  <a:srgbClr val="00B050"/>
+                </a:solidFill>
+                <a:latin typeface="Courier" charset="0"/>
+                <a:ea typeface="Courier" charset="0"/>
+                <a:cs typeface="Courier" charset="0"/>
+              </a:rPr>
+              <a:t>}</a:t>
+            </a:r>
+            <a:r>
+              <a:rPr lang="en-US" dirty="0" smtClean="0">
+                <a:latin typeface="Courier" charset="0"/>
+                <a:ea typeface="Courier" charset="0"/>
+                <a:cs typeface="Courier" charset="0"/>
+              </a:rPr>
+              <a:t> </a:t>
+            </a:r>
+            <a:endParaRPr lang="en-US" dirty="0" smtClean="0">
+              <a:solidFill>
+                <a:srgbClr val="00B050"/>
+              </a:solidFill>
+              <a:latin typeface="Courier" charset="0"/>
+              <a:ea typeface="Courier" charset="0"/>
+              <a:cs typeface="Courier" charset="0"/>
+            </a:endParaRPr>
+          </a:p>
+        </p:txBody>
+      </p:sp>
+    </p:spTree>
+    <p:extLst>
+      <p:ext uri="{BB962C8B-B14F-4D97-AF65-F5344CB8AC3E}">
+        <p14:creationId xmlns:p14="http://schemas.microsoft.com/office/powerpoint/2010/main" val="89093370"/>
+      </p:ext>
+    </p:extLst>
+  </p:cSld>
+  <p:clrMapOvr>
+    <a:masterClrMapping/>
+  </p:clrMapOvr>
+  <p:timing>
+    <p:tnLst>
+      <p:par>
+        <p:cTn id="1" dur="indefinite" restart="never" nodeType="tmRoot"/>
+      </p:par>
+    </p:tnLst>
+  </p:timing>
+</p:sld>
+</file>
+
+<file path=ppt/slides/slide19.xml><?xml version="1.0" encoding="utf-8"?>
+<p:sld xmlns:a="http://schemas.openxmlformats.org/drawingml/2006/main" xmlns:r="http://schemas.openxmlformats.org/officeDocument/2006/relationships" xmlns:p="http://schemas.openxmlformats.org/presentationml/2006/main">
+  <p:cSld>
+    <p:spTree>
+      <p:nvGrpSpPr>
+        <p:cNvPr id="1" name=""/>
+        <p:cNvGrpSpPr/>
+        <p:nvPr/>
+      </p:nvGrpSpPr>
+      <p:grpSpPr>
+        <a:xfrm>
+          <a:off x="0" y="0"/>
+          <a:ext cx="0" cy="0"/>
+          <a:chOff x="0" y="0"/>
+          <a:chExt cx="0" cy="0"/>
+        </a:xfrm>
+      </p:grpSpPr>
+      <p:sp>
+        <p:nvSpPr>
+          <p:cNvPr id="2" name="Title 1"/>
+          <p:cNvSpPr>
+            <a:spLocks noGrp="1"/>
+          </p:cNvSpPr>
+          <p:nvPr>
+            <p:ph type="title"/>
+          </p:nvPr>
+        </p:nvSpPr>
+        <p:spPr/>
+        <p:txBody>
+          <a:bodyPr/>
+          <a:lstStyle/>
+          <a:p>
+            <a:r>
+              <a:rPr lang="en-US" dirty="0" smtClean="0">
+                <a:latin typeface="Courier" charset="0"/>
+                <a:ea typeface="Courier" charset="0"/>
+                <a:cs typeface="Courier" charset="0"/>
+              </a:rPr>
+              <a:t>CRUD Endpoints for </a:t>
+            </a:r>
+            <a:r>
+              <a:rPr lang="en-US" dirty="0" err="1" smtClean="0">
+                <a:latin typeface="Courier" charset="0"/>
+                <a:ea typeface="Courier" charset="0"/>
+                <a:cs typeface="Courier" charset="0"/>
+              </a:rPr>
+              <a:t>DynamoDB</a:t>
+            </a:r>
+            <a:endParaRPr lang="en-US" dirty="0">
+              <a:latin typeface="Courier" charset="0"/>
+              <a:ea typeface="Courier" charset="0"/>
+              <a:cs typeface="Courier" charset="0"/>
+            </a:endParaRPr>
+          </a:p>
+        </p:txBody>
+      </p:sp>
+      <p:sp>
+        <p:nvSpPr>
+          <p:cNvPr id="7" name="Content Placeholder 4"/>
+          <p:cNvSpPr>
+            <a:spLocks noGrp="1"/>
+          </p:cNvSpPr>
+          <p:nvPr>
+            <p:ph idx="1"/>
+          </p:nvPr>
+        </p:nvSpPr>
+        <p:spPr>
+          <a:xfrm>
+            <a:off x="838200" y="3607978"/>
+            <a:ext cx="10515600" cy="2702129"/>
+          </a:xfrm>
+          <a:solidFill>
+            <a:schemeClr val="accent6">
+              <a:lumMod val="75000"/>
+            </a:schemeClr>
+          </a:solidFill>
+          <a:ln>
+            <a:solidFill>
+              <a:schemeClr val="tx1"/>
+            </a:solidFill>
+          </a:ln>
+        </p:spPr>
+        <p:txBody>
+          <a:bodyPr>
+            <a:normAutofit fontScale="70000" lnSpcReduction="20000"/>
+          </a:bodyPr>
+          <a:lstStyle/>
+          <a:p>
+            <a:pPr marL="0" indent="0">
+              <a:buNone/>
+            </a:pPr>
+            <a:r>
+              <a:rPr lang="en-US" dirty="0" smtClean="0">
+                <a:solidFill>
+                  <a:srgbClr val="FFFF00"/>
+                </a:solidFill>
+                <a:latin typeface="Courier" charset="0"/>
+                <a:ea typeface="Courier" charset="0"/>
+                <a:cs typeface="Courier" charset="0"/>
+              </a:rPr>
+              <a:t>$ </a:t>
+            </a:r>
+            <a:r>
+              <a:rPr lang="en-US" dirty="0">
+                <a:solidFill>
+                  <a:srgbClr val="FFFF00"/>
+                </a:solidFill>
+                <a:latin typeface="Courier" charset="0"/>
+                <a:ea typeface="Courier" charset="0"/>
+                <a:cs typeface="Courier" charset="0"/>
+              </a:rPr>
+              <a:t>cd examples/</a:t>
+            </a:r>
+            <a:r>
+              <a:rPr lang="en-US" dirty="0" err="1">
+                <a:solidFill>
+                  <a:srgbClr val="FFFF00"/>
+                </a:solidFill>
+                <a:latin typeface="Courier" charset="0"/>
+                <a:ea typeface="Courier" charset="0"/>
+                <a:cs typeface="Courier" charset="0"/>
+              </a:rPr>
+              <a:t>aws</a:t>
+            </a:r>
+            <a:r>
+              <a:rPr lang="en-US" dirty="0">
+                <a:solidFill>
+                  <a:srgbClr val="FFFF00"/>
+                </a:solidFill>
+                <a:latin typeface="Courier" charset="0"/>
+                <a:ea typeface="Courier" charset="0"/>
+                <a:cs typeface="Courier" charset="0"/>
+              </a:rPr>
+              <a:t>-node-rest-</a:t>
+            </a:r>
+            <a:r>
+              <a:rPr lang="en-US" dirty="0" err="1">
+                <a:solidFill>
+                  <a:srgbClr val="FFFF00"/>
+                </a:solidFill>
+                <a:latin typeface="Courier" charset="0"/>
+                <a:ea typeface="Courier" charset="0"/>
+                <a:cs typeface="Courier" charset="0"/>
+              </a:rPr>
+              <a:t>api</a:t>
+            </a:r>
+            <a:r>
+              <a:rPr lang="en-US" dirty="0">
+                <a:solidFill>
+                  <a:srgbClr val="FFFF00"/>
+                </a:solidFill>
+                <a:latin typeface="Courier" charset="0"/>
+                <a:ea typeface="Courier" charset="0"/>
+                <a:cs typeface="Courier" charset="0"/>
+              </a:rPr>
+              <a:t>-with-</a:t>
+            </a:r>
+            <a:r>
+              <a:rPr lang="en-US" dirty="0" err="1">
+                <a:solidFill>
+                  <a:srgbClr val="FFFF00"/>
+                </a:solidFill>
+                <a:latin typeface="Courier" charset="0"/>
+                <a:ea typeface="Courier" charset="0"/>
+                <a:cs typeface="Courier" charset="0"/>
+              </a:rPr>
+              <a:t>dynamodb</a:t>
+            </a:r>
+            <a:endParaRPr lang="en-US" dirty="0" smtClean="0">
+              <a:solidFill>
+                <a:srgbClr val="FFFF00"/>
+              </a:solidFill>
+              <a:latin typeface="Courier" charset="0"/>
+              <a:ea typeface="Courier" charset="0"/>
+              <a:cs typeface="Courier" charset="0"/>
+            </a:endParaRPr>
+          </a:p>
+          <a:p>
+            <a:pPr marL="0" indent="0">
+              <a:buNone/>
+            </a:pPr>
+            <a:r>
+              <a:rPr lang="en-US" dirty="0" smtClean="0">
+                <a:solidFill>
+                  <a:srgbClr val="FFFF00"/>
+                </a:solidFill>
+                <a:latin typeface="Courier" charset="0"/>
+                <a:ea typeface="Courier" charset="0"/>
+                <a:cs typeface="Courier" charset="0"/>
+              </a:rPr>
+              <a:t>$ </a:t>
+            </a:r>
+            <a:r>
+              <a:rPr lang="en-US" dirty="0" err="1" smtClean="0">
+                <a:solidFill>
+                  <a:srgbClr val="FFFF00"/>
+                </a:solidFill>
+                <a:latin typeface="Courier" charset="0"/>
+                <a:ea typeface="Courier" charset="0"/>
+                <a:cs typeface="Courier" charset="0"/>
+              </a:rPr>
+              <a:t>npm</a:t>
+            </a:r>
+            <a:r>
+              <a:rPr lang="en-US" dirty="0" smtClean="0">
+                <a:solidFill>
+                  <a:srgbClr val="FFFF00"/>
+                </a:solidFill>
+                <a:latin typeface="Courier" charset="0"/>
+                <a:ea typeface="Courier" charset="0"/>
+                <a:cs typeface="Courier" charset="0"/>
+              </a:rPr>
+              <a:t> install </a:t>
+            </a:r>
+            <a:r>
+              <a:rPr lang="en-US" dirty="0" smtClean="0">
+                <a:latin typeface="Courier" charset="0"/>
+                <a:ea typeface="Courier" charset="0"/>
+                <a:cs typeface="Courier" charset="0"/>
+              </a:rPr>
+              <a:t>(</a:t>
+            </a:r>
+            <a:r>
+              <a:rPr lang="en-US" i="1" dirty="0" err="1" smtClean="0">
+                <a:latin typeface="Courier" charset="0"/>
+                <a:ea typeface="Courier" charset="0"/>
+                <a:cs typeface="Courier" charset="0"/>
+              </a:rPr>
+              <a:t>uuid</a:t>
+            </a:r>
+            <a:r>
+              <a:rPr lang="en-US" dirty="0" smtClean="0">
+                <a:latin typeface="Courier" charset="0"/>
+                <a:ea typeface="Courier" charset="0"/>
+                <a:cs typeface="Courier" charset="0"/>
+              </a:rPr>
+              <a:t>)</a:t>
+            </a:r>
+            <a:endParaRPr lang="en-US" dirty="0" smtClean="0">
+              <a:latin typeface="Courier" charset="0"/>
+              <a:ea typeface="Courier" charset="0"/>
+              <a:cs typeface="Courier" charset="0"/>
+            </a:endParaRPr>
+          </a:p>
+          <a:p>
+            <a:pPr marL="0" indent="0">
+              <a:buNone/>
+            </a:pPr>
+            <a:r>
+              <a:rPr lang="en-US" dirty="0" smtClean="0">
+                <a:solidFill>
+                  <a:srgbClr val="FFFF00"/>
+                </a:solidFill>
+                <a:latin typeface="Courier" charset="0"/>
+                <a:ea typeface="Courier" charset="0"/>
+                <a:cs typeface="Courier" charset="0"/>
+              </a:rPr>
+              <a:t>$ </a:t>
+            </a:r>
+            <a:r>
+              <a:rPr lang="en-US" dirty="0" smtClean="0">
+                <a:solidFill>
+                  <a:srgbClr val="FFFF00"/>
+                </a:solidFill>
+                <a:latin typeface="Courier" charset="0"/>
+                <a:ea typeface="Courier" charset="0"/>
+                <a:cs typeface="Courier" charset="0"/>
+              </a:rPr>
+              <a:t>serverless deploy</a:t>
+            </a:r>
+          </a:p>
+          <a:p>
+            <a:pPr marL="0" indent="0">
+              <a:buNone/>
+            </a:pPr>
+            <a:r>
+              <a:rPr lang="en-US" dirty="0" smtClean="0">
+                <a:solidFill>
+                  <a:srgbClr val="FFFF00"/>
+                </a:solidFill>
+                <a:latin typeface="Courier" charset="0"/>
+                <a:ea typeface="Courier" charset="0"/>
+                <a:cs typeface="Courier" charset="0"/>
+              </a:rPr>
+              <a:t>. . .</a:t>
+            </a:r>
+          </a:p>
+          <a:p>
+            <a:pPr marL="0" indent="0">
+              <a:buNone/>
+            </a:pPr>
+            <a:r>
+              <a:rPr lang="en-US" dirty="0" smtClean="0">
+                <a:solidFill>
+                  <a:srgbClr val="FFFF00"/>
+                </a:solidFill>
+                <a:latin typeface="Courier" charset="0"/>
+                <a:ea typeface="Courier" charset="0"/>
+                <a:cs typeface="Courier" charset="0"/>
+              </a:rPr>
+              <a:t>$ curl </a:t>
+            </a:r>
+            <a:r>
+              <a:rPr lang="mr-IN" dirty="0" smtClean="0">
+                <a:solidFill>
+                  <a:srgbClr val="FFFF00"/>
+                </a:solidFill>
+                <a:latin typeface="Courier" charset="0"/>
+                <a:ea typeface="Courier" charset="0"/>
+                <a:cs typeface="Courier" charset="0"/>
+              </a:rPr>
+              <a:t>–</a:t>
+            </a:r>
+            <a:r>
+              <a:rPr lang="en-US" dirty="0" smtClean="0">
+                <a:solidFill>
+                  <a:srgbClr val="FFFF00"/>
+                </a:solidFill>
+                <a:latin typeface="Courier" charset="0"/>
+                <a:ea typeface="Courier" charset="0"/>
+                <a:cs typeface="Courier" charset="0"/>
+              </a:rPr>
+              <a:t>X POST https</a:t>
+            </a:r>
+            <a:r>
+              <a:rPr lang="en-US" dirty="0">
+                <a:solidFill>
+                  <a:srgbClr val="FFFF00"/>
+                </a:solidFill>
+                <a:latin typeface="Courier" charset="0"/>
+                <a:ea typeface="Courier" charset="0"/>
+                <a:cs typeface="Courier" charset="0"/>
+              </a:rPr>
+              <a:t>://[XXXXX]/dev/loans</a:t>
+            </a:r>
+            <a:r>
+              <a:rPr lang="en-US" dirty="0" smtClean="0">
+                <a:solidFill>
+                  <a:srgbClr val="FFFF00"/>
+                </a:solidFill>
+                <a:latin typeface="Courier" charset="0"/>
+                <a:ea typeface="Courier" charset="0"/>
+                <a:cs typeface="Courier" charset="0"/>
+              </a:rPr>
+              <a:t>/ --data </a:t>
+            </a:r>
+            <a:r>
+              <a:rPr lang="en-US" dirty="0" smtClean="0">
+                <a:solidFill>
+                  <a:schemeClr val="tx1">
+                    <a:lumMod val="95000"/>
+                  </a:schemeClr>
+                </a:solidFill>
+                <a:latin typeface="Courier" charset="0"/>
+                <a:ea typeface="Courier" charset="0"/>
+                <a:cs typeface="Courier" charset="0"/>
+              </a:rPr>
+              <a:t>‘</a:t>
+            </a:r>
+            <a:r>
+              <a:rPr lang="mr-IN" dirty="0">
+                <a:solidFill>
+                  <a:schemeClr val="tx1">
+                    <a:lumMod val="95000"/>
+                  </a:schemeClr>
+                </a:solidFill>
+                <a:latin typeface="Courier" charset="0"/>
+                <a:ea typeface="Courier" charset="0"/>
+                <a:cs typeface="Courier" charset="0"/>
+              </a:rPr>
+              <a:t>{"</a:t>
+            </a:r>
+            <a:r>
+              <a:rPr lang="mr-IN" dirty="0" err="1">
+                <a:solidFill>
+                  <a:schemeClr val="tx1">
+                    <a:lumMod val="95000"/>
+                  </a:schemeClr>
+                </a:solidFill>
+                <a:latin typeface="Courier" charset="0"/>
+                <a:ea typeface="Courier" charset="0"/>
+                <a:cs typeface="Courier" charset="0"/>
+              </a:rPr>
+              <a:t>loan</a:t>
+            </a:r>
+            <a:r>
+              <a:rPr lang="mr-IN" dirty="0">
+                <a:solidFill>
+                  <a:schemeClr val="tx1">
+                    <a:lumMod val="95000"/>
+                  </a:schemeClr>
+                </a:solidFill>
+                <a:latin typeface="Courier" charset="0"/>
+                <a:ea typeface="Courier" charset="0"/>
+                <a:cs typeface="Courier" charset="0"/>
+              </a:rPr>
+              <a:t>": {"</a:t>
+            </a:r>
+            <a:r>
+              <a:rPr lang="mr-IN" dirty="0" err="1">
+                <a:solidFill>
+                  <a:schemeClr val="tx1">
+                    <a:lumMod val="95000"/>
+                  </a:schemeClr>
+                </a:solidFill>
+                <a:latin typeface="Courier" charset="0"/>
+                <a:ea typeface="Courier" charset="0"/>
+                <a:cs typeface="Courier" charset="0"/>
+              </a:rPr>
+              <a:t>upb</a:t>
+            </a:r>
+            <a:r>
+              <a:rPr lang="mr-IN" dirty="0">
+                <a:solidFill>
+                  <a:schemeClr val="tx1">
+                    <a:lumMod val="95000"/>
+                  </a:schemeClr>
+                </a:solidFill>
+                <a:latin typeface="Courier" charset="0"/>
+                <a:ea typeface="Courier" charset="0"/>
+                <a:cs typeface="Courier" charset="0"/>
+              </a:rPr>
+              <a:t>": 250000, "</a:t>
+            </a:r>
+            <a:r>
+              <a:rPr lang="mr-IN" dirty="0" err="1">
+                <a:solidFill>
+                  <a:schemeClr val="tx1">
+                    <a:lumMod val="95000"/>
+                  </a:schemeClr>
+                </a:solidFill>
+                <a:latin typeface="Courier" charset="0"/>
+                <a:ea typeface="Courier" charset="0"/>
+                <a:cs typeface="Courier" charset="0"/>
+              </a:rPr>
+              <a:t>amort</a:t>
+            </a:r>
+            <a:r>
+              <a:rPr lang="mr-IN" dirty="0">
+                <a:solidFill>
+                  <a:schemeClr val="tx1">
+                    <a:lumMod val="95000"/>
+                  </a:schemeClr>
+                </a:solidFill>
+                <a:latin typeface="Courier" charset="0"/>
+                <a:ea typeface="Courier" charset="0"/>
+                <a:cs typeface="Courier" charset="0"/>
+              </a:rPr>
+              <a:t>": "FRM", "</a:t>
+            </a:r>
+            <a:r>
+              <a:rPr lang="mr-IN" dirty="0" err="1">
+                <a:solidFill>
+                  <a:schemeClr val="tx1">
+                    <a:lumMod val="95000"/>
+                  </a:schemeClr>
+                </a:solidFill>
+                <a:latin typeface="Courier" charset="0"/>
+                <a:ea typeface="Courier" charset="0"/>
+                <a:cs typeface="Courier" charset="0"/>
+              </a:rPr>
+              <a:t>term</a:t>
+            </a:r>
+            <a:r>
+              <a:rPr lang="mr-IN" dirty="0">
+                <a:solidFill>
+                  <a:schemeClr val="tx1">
+                    <a:lumMod val="95000"/>
+                  </a:schemeClr>
+                </a:solidFill>
+                <a:latin typeface="Courier" charset="0"/>
+                <a:ea typeface="Courier" charset="0"/>
+                <a:cs typeface="Courier" charset="0"/>
+              </a:rPr>
+              <a:t>": 30 }}'</a:t>
+            </a:r>
+            <a:endParaRPr lang="en-US" dirty="0" smtClean="0">
+              <a:solidFill>
+                <a:schemeClr val="tx1">
+                  <a:lumMod val="95000"/>
+                </a:schemeClr>
+              </a:solidFill>
+              <a:latin typeface="Courier" charset="0"/>
+              <a:ea typeface="Courier" charset="0"/>
+              <a:cs typeface="Courier" charset="0"/>
+            </a:endParaRPr>
+          </a:p>
+          <a:p>
+            <a:pPr marL="0" indent="0">
+              <a:buNone/>
+            </a:pPr>
+            <a:r>
+              <a:rPr lang="en-US" dirty="0" smtClean="0">
+                <a:solidFill>
+                  <a:srgbClr val="FFFF00"/>
+                </a:solidFill>
+                <a:latin typeface="Courier" charset="0"/>
+                <a:ea typeface="Courier" charset="0"/>
+                <a:cs typeface="Courier" charset="0"/>
+              </a:rPr>
+              <a:t>$ curl https://[XXXXX]/dev/loans/&lt;id&gt;</a:t>
+            </a:r>
+          </a:p>
+          <a:p>
+            <a:pPr marL="0" indent="0">
+              <a:buNone/>
+            </a:pPr>
+            <a:r>
+              <a:rPr lang="en-US" dirty="0" smtClean="0">
+                <a:solidFill>
+                  <a:srgbClr val="FFFF00"/>
+                </a:solidFill>
+                <a:latin typeface="Courier" charset="0"/>
+                <a:ea typeface="Courier" charset="0"/>
+                <a:cs typeface="Courier" charset="0"/>
+              </a:rPr>
+              <a:t>$ curl </a:t>
+            </a:r>
+            <a:r>
+              <a:rPr lang="mr-IN" dirty="0" smtClean="0">
+                <a:solidFill>
+                  <a:srgbClr val="FFFF00"/>
+                </a:solidFill>
+                <a:latin typeface="Courier" charset="0"/>
+                <a:ea typeface="Courier" charset="0"/>
+                <a:cs typeface="Courier" charset="0"/>
+              </a:rPr>
+              <a:t>–</a:t>
+            </a:r>
+            <a:r>
+              <a:rPr lang="en-US" dirty="0" smtClean="0">
+                <a:solidFill>
+                  <a:srgbClr val="FFFF00"/>
+                </a:solidFill>
+                <a:latin typeface="Courier" charset="0"/>
+                <a:ea typeface="Courier" charset="0"/>
+                <a:cs typeface="Courier" charset="0"/>
+              </a:rPr>
+              <a:t>X DELETE </a:t>
+            </a:r>
+            <a:r>
+              <a:rPr lang="en-US" dirty="0">
+                <a:solidFill>
+                  <a:srgbClr val="FFFF00"/>
+                </a:solidFill>
+                <a:latin typeface="Courier" charset="0"/>
+                <a:ea typeface="Courier" charset="0"/>
+                <a:cs typeface="Courier" charset="0"/>
+              </a:rPr>
+              <a:t>https://[XXXXX]/dev/loans</a:t>
+            </a:r>
+            <a:r>
+              <a:rPr lang="en-US" dirty="0" smtClean="0">
+                <a:solidFill>
+                  <a:srgbClr val="FFFF00"/>
+                </a:solidFill>
+                <a:latin typeface="Courier" charset="0"/>
+                <a:ea typeface="Courier" charset="0"/>
+                <a:cs typeface="Courier" charset="0"/>
+              </a:rPr>
+              <a:t>/&lt;id&gt;</a:t>
+            </a:r>
+          </a:p>
+          <a:p>
+            <a:pPr marL="0" indent="0">
+              <a:buNone/>
+            </a:pPr>
+            <a:endParaRPr lang="en-US" dirty="0" smtClean="0">
+              <a:solidFill>
+                <a:srgbClr val="FFFF00"/>
+              </a:solidFill>
+              <a:latin typeface="Courier" charset="0"/>
+              <a:ea typeface="Courier" charset="0"/>
+              <a:cs typeface="Courier" charset="0"/>
+            </a:endParaRPr>
+          </a:p>
+          <a:p>
+            <a:pPr marL="0" indent="0">
+              <a:buNone/>
+            </a:pPr>
+            <a:endParaRPr lang="en-US" dirty="0">
+              <a:solidFill>
+                <a:srgbClr val="FFFF00"/>
+              </a:solidFill>
+              <a:latin typeface="Courier" charset="0"/>
+              <a:ea typeface="Courier" charset="0"/>
+              <a:cs typeface="Courier" charset="0"/>
+            </a:endParaRPr>
+          </a:p>
+        </p:txBody>
+      </p:sp>
+      <p:sp>
+        <p:nvSpPr>
+          <p:cNvPr id="5" name="TextBox 4"/>
+          <p:cNvSpPr txBox="1"/>
+          <p:nvPr/>
+        </p:nvSpPr>
+        <p:spPr>
+          <a:xfrm>
+            <a:off x="838200" y="1690688"/>
+            <a:ext cx="10515600" cy="1569660"/>
+          </a:xfrm>
+          <a:prstGeom prst="rect">
+            <a:avLst/>
+          </a:prstGeom>
+          <a:noFill/>
+        </p:spPr>
+        <p:txBody>
+          <a:bodyPr wrap="square" rtlCol="0">
+            <a:spAutoFit/>
+          </a:bodyPr>
+          <a:lstStyle/>
+          <a:p>
+            <a:pPr marL="285750" indent="-285750">
+              <a:buFont typeface="Arial" charset="0"/>
+              <a:buChar char="•"/>
+            </a:pPr>
+            <a:r>
+              <a:rPr lang="en-US" sz="2400" dirty="0" smtClean="0">
+                <a:latin typeface="Courier" charset="0"/>
+                <a:ea typeface="Courier" charset="0"/>
+                <a:cs typeface="Courier" charset="0"/>
+              </a:rPr>
+              <a:t>Create a </a:t>
+            </a:r>
+            <a:r>
+              <a:rPr lang="en-US" sz="2400" dirty="0" err="1" smtClean="0">
+                <a:latin typeface="Courier" charset="0"/>
+                <a:ea typeface="Courier" charset="0"/>
+                <a:cs typeface="Courier" charset="0"/>
+              </a:rPr>
+              <a:t>DynamoDB</a:t>
+            </a:r>
+            <a:r>
+              <a:rPr lang="en-US" sz="2400" dirty="0" smtClean="0">
+                <a:latin typeface="Courier" charset="0"/>
+                <a:ea typeface="Courier" charset="0"/>
+                <a:cs typeface="Courier" charset="0"/>
+              </a:rPr>
+              <a:t> table (note: </a:t>
+            </a:r>
+            <a:r>
+              <a:rPr lang="en-US" sz="2400" dirty="0" err="1" smtClean="0">
+                <a:latin typeface="Courier" charset="0"/>
+                <a:ea typeface="Courier" charset="0"/>
+                <a:cs typeface="Courier" charset="0"/>
+              </a:rPr>
+              <a:t>env</a:t>
+            </a:r>
+            <a:r>
+              <a:rPr lang="en-US" sz="2400" dirty="0" smtClean="0">
+                <a:latin typeface="Courier" charset="0"/>
+                <a:ea typeface="Courier" charset="0"/>
+                <a:cs typeface="Courier" charset="0"/>
+              </a:rPr>
+              <a:t> prop for </a:t>
+            </a:r>
+            <a:r>
+              <a:rPr lang="en-US" sz="2400" dirty="0" err="1" smtClean="0">
+                <a:latin typeface="Courier" charset="0"/>
+                <a:ea typeface="Courier" charset="0"/>
+                <a:cs typeface="Courier" charset="0"/>
+              </a:rPr>
+              <a:t>tbl</a:t>
+            </a:r>
+            <a:r>
+              <a:rPr lang="en-US" sz="2400" dirty="0" smtClean="0">
+                <a:latin typeface="Courier" charset="0"/>
+                <a:ea typeface="Courier" charset="0"/>
+                <a:cs typeface="Courier" charset="0"/>
+              </a:rPr>
+              <a:t> name) </a:t>
+            </a:r>
+            <a:endParaRPr lang="en-US" sz="2400" dirty="0" smtClean="0">
+              <a:latin typeface="Courier" charset="0"/>
+              <a:ea typeface="Courier" charset="0"/>
+              <a:cs typeface="Courier" charset="0"/>
+            </a:endParaRPr>
+          </a:p>
+          <a:p>
+            <a:pPr marL="285750" indent="-285750">
+              <a:buFont typeface="Arial" charset="0"/>
+              <a:buChar char="•"/>
+            </a:pPr>
+            <a:r>
+              <a:rPr lang="en-US" sz="2400" dirty="0" smtClean="0">
+                <a:latin typeface="Courier" charset="0"/>
+                <a:ea typeface="Courier" charset="0"/>
+                <a:cs typeface="Courier" charset="0"/>
+              </a:rPr>
+              <a:t>Configure the proper IAM roles</a:t>
+            </a:r>
+          </a:p>
+          <a:p>
+            <a:pPr marL="285750" indent="-285750">
+              <a:buFont typeface="Arial" charset="0"/>
+              <a:buChar char="•"/>
+            </a:pPr>
+            <a:r>
+              <a:rPr lang="en-US" sz="2400" dirty="0" smtClean="0">
+                <a:latin typeface="Courier" charset="0"/>
+                <a:ea typeface="Courier" charset="0"/>
+                <a:cs typeface="Courier" charset="0"/>
+              </a:rPr>
+              <a:t>Map APIs to functions</a:t>
+            </a:r>
+            <a:endParaRPr lang="en-US" sz="2400" dirty="0">
+              <a:latin typeface="Courier" charset="0"/>
+              <a:ea typeface="Courier" charset="0"/>
+              <a:cs typeface="Courier" charset="0"/>
+            </a:endParaRPr>
+          </a:p>
+          <a:p>
+            <a:pPr marL="285750" indent="-285750">
+              <a:buFont typeface="Arial" charset="0"/>
+              <a:buChar char="•"/>
+            </a:pPr>
+            <a:r>
+              <a:rPr lang="en-US" sz="2400" dirty="0" smtClean="0">
+                <a:latin typeface="Courier" charset="0"/>
+                <a:ea typeface="Courier" charset="0"/>
+                <a:cs typeface="Courier" charset="0"/>
+              </a:rPr>
+              <a:t>TODO </a:t>
+            </a:r>
+            <a:r>
+              <a:rPr lang="mr-IN" sz="2400" dirty="0" smtClean="0">
+                <a:latin typeface="Courier" charset="0"/>
+                <a:ea typeface="Courier" charset="0"/>
+                <a:cs typeface="Courier" charset="0"/>
+              </a:rPr>
+              <a:t>–</a:t>
+            </a:r>
+            <a:r>
+              <a:rPr lang="en-US" sz="2400" dirty="0" smtClean="0">
+                <a:latin typeface="Courier" charset="0"/>
+                <a:ea typeface="Courier" charset="0"/>
+                <a:cs typeface="Courier" charset="0"/>
+              </a:rPr>
+              <a:t> Implement update handler</a:t>
+            </a:r>
+          </a:p>
+        </p:txBody>
+      </p:sp>
+    </p:spTree>
+    <p:extLst>
+      <p:ext uri="{BB962C8B-B14F-4D97-AF65-F5344CB8AC3E}">
+        <p14:creationId xmlns:p14="http://schemas.microsoft.com/office/powerpoint/2010/main" val="610823104"/>
+      </p:ext>
+    </p:extLst>
+  </p:cSld>
+  <p:clrMapOvr>
+    <a:masterClrMapping/>
+  </p:clrMapOvr>
+  <p:timing>
+    <p:tnLst>
+      <p:par>
+        <p:cTn id="1" dur="indefinite" restart="never" nodeType="tmRoot"/>
+      </p:par>
+    </p:tnLst>
+  </p:timing>
+</p:sld>
+</file>
+
 <file path=ppt/slides/slide2.xml><?xml version="1.0" encoding="utf-8"?>
 <p:sld xmlns:a="http://schemas.openxmlformats.org/drawingml/2006/main" xmlns:r="http://schemas.openxmlformats.org/officeDocument/2006/relationships" xmlns:p="http://schemas.openxmlformats.org/presentationml/2006/main">
   <p:cSld>
@@ -5291,7 +9114,9 @@
         </p:nvSpPr>
         <p:spPr/>
         <p:txBody>
-          <a:bodyPr/>
+          <a:bodyPr>
+            <a:normAutofit lnSpcReduction="10000"/>
+          </a:bodyPr>
           <a:lstStyle/>
           <a:p>
             <a:r>
@@ -5310,7 +9135,15 @@
                 <a:ea typeface="Courier" charset="0"/>
                 <a:cs typeface="Courier" charset="0"/>
               </a:rPr>
-              <a:t>Compatible with most modern browsers (</a:t>
+              <a:t>Compatible </a:t>
+            </a:r>
+            <a:r>
+              <a:rPr lang="en-US" dirty="0" smtClean="0">
+                <a:latin typeface="Courier" charset="0"/>
+                <a:ea typeface="Courier" charset="0"/>
+                <a:cs typeface="Courier" charset="0"/>
+              </a:rPr>
+              <a:t>with most modern browsers (</a:t>
             </a:r>
             <a:r>
               <a:rPr lang="en-US" dirty="0" smtClean="0">
@@ -5368,7 +9201,136 @@
                 <a:ea typeface="Courier" charset="0"/>
                 <a:cs typeface="Courier" charset="0"/>
               </a:rPr>
-              <a:t>Node.js is and extremely performant, event based platform that is ideal serverless implementations</a:t>
+              <a:t>Node.js is </a:t>
+            </a:r>
+            <a:r>
+              <a:rPr lang="en-US" dirty="0" smtClean="0">
+                <a:latin typeface="Courier" charset="0"/>
+                <a:ea typeface="Courier" charset="0"/>
+                <a:cs typeface="Courier" charset="0"/>
+              </a:rPr>
+              <a:t>an </a:t>
+            </a:r>
+            <a:r>
+              <a:rPr lang="en-US" dirty="0" smtClean="0">
+                <a:latin typeface="Courier" charset="0"/>
+                <a:ea typeface="Courier" charset="0"/>
+                <a:cs typeface="Courier" charset="0"/>
+              </a:rPr>
+              <a:t>extremely performant, event based platform that is ideal serverless </a:t>
+            </a:r>
+            <a:r>
+              <a:rPr lang="en-US" dirty="0" smtClean="0">
+                <a:latin typeface="Courier" charset="0"/>
+                <a:ea typeface="Courier" charset="0"/>
+                <a:cs typeface="Courier" charset="0"/>
+              </a:rPr>
+              <a:t>implementations</a:t>
+            </a:r>
+          </a:p>
+          <a:p>
+            <a:r>
+              <a:rPr lang="en-US" dirty="0" smtClean="0">
+                <a:latin typeface="Courier" charset="0"/>
+                <a:ea typeface="Courier" charset="0"/>
+                <a:cs typeface="Courier" charset="0"/>
+                <a:hlinkClick r:id="rId3"/>
+              </a:rPr>
+              <a:t>https</a:t>
+            </a:r>
+            <a:r>
+              <a:rPr lang="en-US" dirty="0">
+                <a:latin typeface="Courier" charset="0"/>
+                <a:ea typeface="Courier" charset="0"/>
+                <a:cs typeface="Courier" charset="0"/>
+                <a:hlinkClick r:id="rId3"/>
+              </a:rPr>
+              <a:t>://nodejs.org/dist/latest-v6.x/docs/api</a:t>
+            </a:r>
+            <a:r>
+              <a:rPr lang="en-US" dirty="0" smtClean="0">
+                <a:latin typeface="Courier" charset="0"/>
+                <a:ea typeface="Courier" charset="0"/>
+                <a:cs typeface="Courier" charset="0"/>
+                <a:hlinkClick r:id="rId3"/>
+              </a:rPr>
+              <a:t>/</a:t>
+            </a:r>
+            <a:endParaRPr lang="en-US" dirty="0" smtClean="0">
+              <a:latin typeface="Courier" charset="0"/>
+              <a:ea typeface="Courier" charset="0"/>
+              <a:cs typeface="Courier" charset="0"/>
+            </a:endParaRPr>
+          </a:p>
+        </p:txBody>
+      </p:sp>
+    </p:spTree>
+    <p:extLst>
+      <p:ext uri="{BB962C8B-B14F-4D97-AF65-F5344CB8AC3E}">
+        <p14:creationId xmlns:p14="http://schemas.microsoft.com/office/powerpoint/2010/main" val="270903119"/>
+      </p:ext>
+    </p:extLst>
+  </p:cSld>
+  <p:clrMapOvr>
+    <a:masterClrMapping/>
+  </p:clrMapOvr>
+  <p:timing>
+    <p:tnLst>
+      <p:par>
+        <p:cTn id="1" dur="indefinite" restart="never" nodeType="tmRoot"/>
+      </p:par>
+    </p:tnLst>
+  </p:timing>
+</p:sld>
+</file>
+
+<file path=ppt/slides/slide20.xml><?xml version="1.0" encoding="utf-8"?>
+<p:sld xmlns:a="http://schemas.openxmlformats.org/drawingml/2006/main" xmlns:r="http://schemas.openxmlformats.org/officeDocument/2006/relationships" xmlns:p="http://schemas.openxmlformats.org/presentationml/2006/main">
+  <p:cSld>
+    <p:spTree>
+      <p:nvGrpSpPr>
+        <p:cNvPr id="1" name=""/>
+        <p:cNvGrpSpPr/>
+        <p:nvPr/>
+      </p:nvGrpSpPr>
+      <p:grpSpPr>
+        <a:xfrm>
+          <a:off x="0" y="0"/>
+          <a:ext cx="0" cy="0"/>
+          <a:chOff x="0" y="0"/>
+          <a:chExt cx="0" cy="0"/>
+        </a:xfrm>
+      </p:grpSpPr>
+      <p:sp>
+        <p:nvSpPr>
+          <p:cNvPr id="2" name="Title 1"/>
+          <p:cNvSpPr>
+            <a:spLocks noGrp="1"/>
+          </p:cNvSpPr>
+          <p:nvPr>
+            <p:ph type="title"/>
+          </p:nvPr>
+        </p:nvSpPr>
+        <p:spPr/>
+        <p:txBody>
+          <a:bodyPr/>
+          <a:lstStyle/>
+          <a:p>
+            <a:r>
+              <a:rPr lang="en-US" dirty="0" err="1" smtClean="0">
+                <a:latin typeface="Courier" charset="0"/>
+                <a:ea typeface="Courier" charset="0"/>
+                <a:cs typeface="Courier" charset="0"/>
+              </a:rPr>
+              <a:t>IoT</a:t>
+            </a:r>
+            <a:r>
+              <a:rPr lang="en-US" dirty="0" smtClean="0">
+                <a:latin typeface="Courier" charset="0"/>
+                <a:ea typeface="Courier" charset="0"/>
+                <a:cs typeface="Courier" charset="0"/>
+              </a:rPr>
+              <a:t> Event Triggers</a:t>
             </a:r>
             <a:endParaRPr lang="en-US" dirty="0">
               <a:latin typeface="Courier" charset="0"/>
@@ -5378,10 +9340,274 @@
           </a:p>
         </p:txBody>
       </p:sp>
+      <p:sp>
+        <p:nvSpPr>
+          <p:cNvPr id="7" name="Content Placeholder 4"/>
+          <p:cNvSpPr>
+            <a:spLocks noGrp="1"/>
+          </p:cNvSpPr>
+          <p:nvPr>
+            <p:ph idx="1"/>
+          </p:nvPr>
+        </p:nvSpPr>
+        <p:spPr>
+          <a:xfrm>
+            <a:off x="838200" y="1825627"/>
+            <a:ext cx="10515600" cy="1065057"/>
+          </a:xfrm>
+          <a:solidFill>
+            <a:schemeClr val="accent6">
+              <a:lumMod val="75000"/>
+            </a:schemeClr>
+          </a:solidFill>
+          <a:ln>
+            <a:solidFill>
+              <a:schemeClr val="tx1"/>
+            </a:solidFill>
+          </a:ln>
+        </p:spPr>
+        <p:txBody>
+          <a:bodyPr>
+            <a:normAutofit fontScale="77500" lnSpcReduction="20000"/>
+          </a:bodyPr>
+          <a:lstStyle/>
+          <a:p>
+            <a:pPr marL="0" indent="0">
+              <a:buNone/>
+            </a:pPr>
+            <a:r>
+              <a:rPr lang="en-US" dirty="0" smtClean="0">
+                <a:solidFill>
+                  <a:srgbClr val="FFFF00"/>
+                </a:solidFill>
+                <a:latin typeface="Courier" charset="0"/>
+                <a:ea typeface="Courier" charset="0"/>
+                <a:cs typeface="Courier" charset="0"/>
+              </a:rPr>
+              <a:t>$ serverless deploy</a:t>
+            </a:r>
+            <a:endParaRPr lang="en-US" dirty="0" smtClean="0">
+              <a:solidFill>
+                <a:srgbClr val="FFFF00"/>
+              </a:solidFill>
+              <a:latin typeface="Courier" charset="0"/>
+              <a:ea typeface="Courier" charset="0"/>
+              <a:cs typeface="Courier" charset="0"/>
+            </a:endParaRPr>
+          </a:p>
+          <a:p>
+            <a:pPr marL="0" indent="0">
+              <a:buNone/>
+            </a:pPr>
+            <a:r>
+              <a:rPr lang="en-US" dirty="0" smtClean="0">
+                <a:solidFill>
+                  <a:srgbClr val="FFFF00"/>
+                </a:solidFill>
+                <a:latin typeface="Courier" charset="0"/>
+                <a:ea typeface="Courier" charset="0"/>
+                <a:cs typeface="Courier" charset="0"/>
+              </a:rPr>
+              <a:t>. . .</a:t>
+            </a:r>
+            <a:endParaRPr lang="en-US" dirty="0" smtClean="0">
+              <a:solidFill>
+                <a:srgbClr val="FFFF00"/>
+              </a:solidFill>
+              <a:latin typeface="Courier" charset="0"/>
+              <a:ea typeface="Courier" charset="0"/>
+              <a:cs typeface="Courier" charset="0"/>
+            </a:endParaRPr>
+          </a:p>
+          <a:p>
+            <a:pPr marL="0" indent="0">
+              <a:buNone/>
+            </a:pPr>
+            <a:r>
+              <a:rPr lang="en-US" dirty="0" smtClean="0">
+                <a:solidFill>
+                  <a:srgbClr val="FFFF00"/>
+                </a:solidFill>
+                <a:latin typeface="Courier" charset="0"/>
+                <a:ea typeface="Courier" charset="0"/>
+                <a:cs typeface="Courier" charset="0"/>
+              </a:rPr>
+              <a:t>$ </a:t>
+            </a:r>
+            <a:r>
+              <a:rPr lang="en-US" dirty="0">
+                <a:solidFill>
+                  <a:srgbClr val="FFFF00"/>
+                </a:solidFill>
+                <a:latin typeface="Courier" charset="0"/>
+                <a:ea typeface="Courier" charset="0"/>
+                <a:cs typeface="Courier" charset="0"/>
+              </a:rPr>
+              <a:t>serverless logs --function log</a:t>
+            </a:r>
+            <a:endParaRPr lang="en-US" dirty="0" smtClean="0">
+              <a:solidFill>
+                <a:srgbClr val="FFFF00"/>
+              </a:solidFill>
+              <a:latin typeface="Courier" charset="0"/>
+              <a:ea typeface="Courier" charset="0"/>
+              <a:cs typeface="Courier" charset="0"/>
+            </a:endParaRPr>
+          </a:p>
+          <a:p>
+            <a:pPr marL="0" indent="0">
+              <a:buNone/>
+            </a:pPr>
+            <a:endParaRPr lang="en-US" dirty="0">
+              <a:solidFill>
+                <a:srgbClr val="FFFF00"/>
+              </a:solidFill>
+              <a:latin typeface="Courier" charset="0"/>
+              <a:ea typeface="Courier" charset="0"/>
+              <a:cs typeface="Courier" charset="0"/>
+            </a:endParaRPr>
+          </a:p>
+          <a:p>
+            <a:pPr marL="0" indent="0">
+              <a:buNone/>
+            </a:pPr>
+            <a:endParaRPr lang="en-US" dirty="0">
+              <a:solidFill>
+                <a:srgbClr val="FFFF00"/>
+              </a:solidFill>
+              <a:latin typeface="Courier" charset="0"/>
+              <a:ea typeface="Courier" charset="0"/>
+              <a:cs typeface="Courier" charset="0"/>
+            </a:endParaRPr>
+          </a:p>
+        </p:txBody>
+      </p:sp>
+      <p:pic>
+        <p:nvPicPr>
+          <p:cNvPr id="8" name="Picture 7"/>
+          <p:cNvPicPr>
+            <a:picLocks noChangeAspect="1"/>
+          </p:cNvPicPr>
+          <p:nvPr/>
+        </p:nvPicPr>
+        <p:blipFill>
+          <a:blip r:embed="rId3"/>
+          <a:stretch>
+            <a:fillRect/>
+          </a:stretch>
+        </p:blipFill>
+        <p:spPr>
+          <a:xfrm>
+            <a:off x="1822450" y="3343656"/>
+            <a:ext cx="8547100" cy="2438400"/>
+          </a:xfrm>
+          <a:prstGeom prst="rect">
+            <a:avLst/>
+          </a:prstGeom>
+        </p:spPr>
+      </p:pic>
     </p:spTree>
     <p:extLst>
       <p:ext uri="{BB962C8B-B14F-4D97-AF65-F5344CB8AC3E}">
-        <p14:creationId xmlns:p14="http://schemas.microsoft.com/office/powerpoint/2010/main" val="270903119"/>
+        <p14:creationId xmlns:p14="http://schemas.microsoft.com/office/powerpoint/2010/main" val="67727152"/>
+      </p:ext>
+    </p:extLst>
+  </p:cSld>
+  <p:clrMapOvr>
+    <a:masterClrMapping/>
+  </p:clrMapOvr>
+  <p:timing>
+    <p:tnLst>
+      <p:par>
+        <p:cTn id="1" dur="indefinite" restart="never" nodeType="tmRoot"/>
+      </p:par>
+    </p:tnLst>
+  </p:timing>
+</p:sld>
+</file>
+
+<file path=ppt/slides/slide21.xml><?xml version="1.0" encoding="utf-8"?>
+<p:sld xmlns:a="http://schemas.openxmlformats.org/drawingml/2006/main" xmlns:r="http://schemas.openxmlformats.org/officeDocument/2006/relationships" xmlns:p="http://schemas.openxmlformats.org/presentationml/2006/main">
+  <p:cSld>
+    <p:spTree>
+      <p:nvGrpSpPr>
+        <p:cNvPr id="1" name=""/>
+        <p:cNvGrpSpPr/>
+        <p:nvPr/>
+      </p:nvGrpSpPr>
+      <p:grpSpPr>
+        <a:xfrm>
+          <a:off x="0" y="0"/>
+          <a:ext cx="0" cy="0"/>
+          <a:chOff x="0" y="0"/>
+          <a:chExt cx="0" cy="0"/>
+        </a:xfrm>
+      </p:grpSpPr>
+      <p:sp>
+        <p:nvSpPr>
+          <p:cNvPr id="3" name="Content Placeholder 2"/>
+          <p:cNvSpPr>
+            <a:spLocks noGrp="1"/>
+          </p:cNvSpPr>
+          <p:nvPr>
+            <p:ph idx="1"/>
+          </p:nvPr>
+        </p:nvSpPr>
+        <p:spPr/>
+        <p:txBody>
+          <a:bodyPr anchor="ctr"/>
+          <a:lstStyle/>
+          <a:p>
+            <a:pPr marL="0" indent="0" algn="ctr">
+              <a:buNone/>
+            </a:pPr>
+            <a:r>
+              <a:rPr lang="en-US" dirty="0" smtClean="0">
+                <a:latin typeface="Courier" charset="0"/>
+                <a:ea typeface="Courier" charset="0"/>
+                <a:cs typeface="Courier" charset="0"/>
+              </a:rPr>
+              <a:t>Explore additional examples [and demo]</a:t>
+            </a:r>
+            <a:endParaRPr lang="en-US" dirty="0"/>
+          </a:p>
+        </p:txBody>
+      </p:sp>
+      <p:sp>
+        <p:nvSpPr>
+          <p:cNvPr id="2" name="Title 1"/>
+          <p:cNvSpPr>
+            <a:spLocks noGrp="1"/>
+          </p:cNvSpPr>
+          <p:nvPr>
+            <p:ph type="title"/>
+          </p:nvPr>
+        </p:nvSpPr>
+        <p:spPr/>
+        <p:txBody>
+          <a:bodyPr/>
+          <a:lstStyle/>
+          <a:p>
+            <a:r>
+              <a:rPr lang="en-US" dirty="0" smtClean="0">
+                <a:latin typeface="Courier" charset="0"/>
+                <a:ea typeface="Courier" charset="0"/>
+                <a:cs typeface="Courier" charset="0"/>
+              </a:rPr>
+              <a:t>Open Session</a:t>
+            </a:r>
+            <a:endParaRPr lang="en-US" dirty="0">
+              <a:latin typeface="Courier" charset="0"/>
+              <a:ea typeface="Courier" charset="0"/>
+              <a:cs typeface="Courier" charset="0"/>
+            </a:endParaRPr>
+          </a:p>
+        </p:txBody>
+      </p:sp>
+    </p:spTree>
+    <p:extLst>
+      <p:ext uri="{BB962C8B-B14F-4D97-AF65-F5344CB8AC3E}">
+        <p14:creationId xmlns:p14="http://schemas.microsoft.com/office/powerpoint/2010/main" val="186392605"/>
       </p:ext>
     </p:extLst>
   </p:cSld>
@@ -5518,33 +9744,17 @@
                 <a:ea typeface="Courier" charset="0"/>
                 <a:cs typeface="Courier" charset="0"/>
               </a:rPr>
-              <a:t>Single threaded ”event loop” vs. multiple </a:t>
-            </a:r>
-            <a:r>
-              <a:rPr lang="en-US" dirty="0" smtClean="0">
-                <a:latin typeface="Courier" charset="0"/>
-                <a:ea typeface="Courier" charset="0"/>
-                <a:cs typeface="Courier" charset="0"/>
-              </a:rPr>
-              <a:t>threads</a:t>
-            </a:r>
-          </a:p>
-          <a:p>
-            <a:r>
-              <a:rPr lang="en-US" dirty="0" smtClean="0">
-                <a:latin typeface="Courier" charset="0"/>
-                <a:ea typeface="Courier" charset="0"/>
-                <a:cs typeface="Courier" charset="0"/>
-              </a:rPr>
-              <a:t>Multi-threading </a:t>
-            </a:r>
-            <a:r>
-              <a:rPr lang="en-US" dirty="0" smtClean="0">
-                <a:latin typeface="Courier" charset="0"/>
-                <a:ea typeface="Courier" charset="0"/>
-                <a:cs typeface="Courier" charset="0"/>
-              </a:rPr>
-              <a:t>emulates concurrency but is expensive (context switching and memory)</a:t>
+              <a:t>Single threaded ”event loop” vs. multiple threads</a:t>
+            </a:r>
+          </a:p>
+          <a:p>
+            <a:r>
+              <a:rPr lang="en-US" dirty="0" smtClean="0">
+                <a:latin typeface="Courier" charset="0"/>
+                <a:ea typeface="Courier" charset="0"/>
+                <a:cs typeface="Courier" charset="0"/>
+              </a:rPr>
+              <a:t>Multi-threading emulates concurrency but is expensive (context switching and memory)</a:t>
             </a:r>
           </a:p>
           <a:p>
@@ -5655,8 +9865,8 @@
         </p:nvSpPr>
         <p:spPr>
           <a:xfrm>
-            <a:off x="838200" y="1825625"/>
-            <a:ext cx="10515600" cy="1222375"/>
+            <a:off x="838200" y="4424923"/>
+            <a:ext cx="10515600" cy="1371193"/>
           </a:xfrm>
           <a:solidFill>
             <a:schemeClr val="accent6">
@@ -5670,7 +9880,9 @@
           </a:ln>
         </p:spPr>
         <p:txBody>
-          <a:bodyPr/>
+          <a:bodyPr>
+            <a:normAutofit fontScale="92500" lnSpcReduction="10000"/>
+          </a:bodyPr>
           <a:lstStyle/>
           <a:p>
             <a:pPr marL="0" indent="0">
@@ -5685,7 +9897,18 @@
                 <a:ea typeface="Courier" charset="0"/>
                 <a:cs typeface="Courier" charset="0"/>
               </a:rPr>
-              <a:t>bash-3.2$ node </a:t>
+              <a:t>$ </a:t>
+            </a:r>
+            <a:r>
+              <a:rPr lang="en-US" dirty="0" smtClean="0">
+                <a:solidFill>
+                  <a:srgbClr val="FFFF00"/>
+                </a:solidFill>
+                <a:latin typeface="Courier" charset="0"/>
+                <a:ea typeface="Courier" charset="0"/>
+                <a:cs typeface="Courier" charset="0"/>
+              </a:rPr>
+              <a:t>node </a:t>
             </a:r>
             <a:r>
               <a:rPr lang="mr-IN" dirty="0" smtClean="0">
@@ -5724,6 +9947,110 @@
                 <a:cs typeface="Courier" charset="0"/>
               </a:rPr>
               <a:t>v6.11.2</a:t>
+            </a:r>
+          </a:p>
+          <a:p>
+            <a:pPr marL="0" indent="0">
+              <a:buNone/>
+            </a:pPr>
+            <a:r>
+              <a:rPr lang="en-US" dirty="0" smtClean="0">
+                <a:solidFill>
+                  <a:srgbClr val="FFFF00"/>
+                </a:solidFill>
+                <a:latin typeface="Courier" charset="0"/>
+                <a:ea typeface="Courier" charset="0"/>
+                <a:cs typeface="Courier" charset="0"/>
+              </a:rPr>
+              <a:t>$ </a:t>
+            </a:r>
+            <a:r>
+              <a:rPr lang="en-US" dirty="0" err="1" smtClean="0">
+                <a:solidFill>
+                  <a:srgbClr val="FFFF00"/>
+                </a:solidFill>
+                <a:latin typeface="Courier" charset="0"/>
+                <a:ea typeface="Courier" charset="0"/>
+                <a:cs typeface="Courier" charset="0"/>
+              </a:rPr>
+              <a:t>git</a:t>
+            </a:r>
+            <a:r>
+              <a:rPr lang="en-US" dirty="0" smtClean="0">
+                <a:solidFill>
+                  <a:srgbClr val="FFFF00"/>
+                </a:solidFill>
+                <a:latin typeface="Courier" charset="0"/>
+                <a:ea typeface="Courier" charset="0"/>
+                <a:cs typeface="Courier" charset="0"/>
+              </a:rPr>
+              <a:t> </a:t>
+            </a:r>
+            <a:r>
+              <a:rPr lang="en-US" dirty="0">
+                <a:solidFill>
+                  <a:srgbClr val="FFFF00"/>
+                </a:solidFill>
+                <a:latin typeface="Courier" charset="0"/>
+                <a:ea typeface="Courier" charset="0"/>
+                <a:cs typeface="Courier" charset="0"/>
+              </a:rPr>
+              <a:t>clone https://</a:t>
+            </a:r>
+            <a:r>
+              <a:rPr lang="en-US" dirty="0" err="1">
+                <a:solidFill>
+                  <a:srgbClr val="FFFF00"/>
+                </a:solidFill>
+                <a:latin typeface="Courier" charset="0"/>
+                <a:ea typeface="Courier" charset="0"/>
+                <a:cs typeface="Courier" charset="0"/>
+              </a:rPr>
+              <a:t>github.com</a:t>
+            </a:r>
+            <a:r>
+              <a:rPr lang="en-US" dirty="0">
+                <a:solidFill>
+                  <a:srgbClr val="FFFF00"/>
+                </a:solidFill>
+                <a:latin typeface="Courier" charset="0"/>
+                <a:ea typeface="Courier" charset="0"/>
+                <a:cs typeface="Courier" charset="0"/>
+              </a:rPr>
+              <a:t>/</a:t>
+            </a:r>
+            <a:r>
+              <a:rPr lang="en-US" dirty="0" err="1">
+                <a:solidFill>
+                  <a:srgbClr val="FFFF00"/>
+                </a:solidFill>
+                <a:latin typeface="Courier" charset="0"/>
+                <a:ea typeface="Courier" charset="0"/>
+                <a:cs typeface="Courier" charset="0"/>
+              </a:rPr>
+              <a:t>rsnestor</a:t>
+            </a:r>
+            <a:r>
+              <a:rPr lang="en-US" dirty="0">
+                <a:solidFill>
+                  <a:srgbClr val="FFFF00"/>
+                </a:solidFill>
+                <a:latin typeface="Courier" charset="0"/>
+                <a:ea typeface="Courier" charset="0"/>
+                <a:cs typeface="Courier" charset="0"/>
+              </a:rPr>
+              <a:t>/</a:t>
+            </a:r>
+            <a:r>
+              <a:rPr lang="en-US" dirty="0" err="1">
+                <a:solidFill>
+                  <a:srgbClr val="FFFF00"/>
+                </a:solidFill>
+                <a:latin typeface="Courier" charset="0"/>
+                <a:ea typeface="Courier" charset="0"/>
+                <a:cs typeface="Courier" charset="0"/>
+              </a:rPr>
+              <a:t>slac.git</a:t>
             </a:r>
             <a:endParaRPr lang="en-US" dirty="0">
               <a:solidFill>
@@ -5744,8 +10071,8 @@
         </p:nvSpPr>
         <p:spPr>
           <a:xfrm>
-            <a:off x="838200" y="3454399"/>
-            <a:ext cx="10515600" cy="2677656"/>
+            <a:off x="838200" y="1690688"/>
+            <a:ext cx="10515600" cy="2246769"/>
           </a:xfrm>
           <a:prstGeom prst="rect">
             <a:avLst/>
@@ -5850,69 +10177,15 @@
                 <a:ea typeface="Courier" charset="0"/>
                 <a:cs typeface="Courier" charset="0"/>
               </a:rPr>
-              <a:t>Clone the SLAC repo (</a:t>
+              <a:t>Clone the SLAC </a:t>
             </a:r>
             <a:r>
               <a:rPr lang="en-US" sz="2800" dirty="0" smtClean="0">
                 <a:latin typeface="Courier" charset="0"/>
                 <a:ea typeface="Courier" charset="0"/>
                 <a:cs typeface="Courier" charset="0"/>
-                <a:hlinkClick r:id="rId5"/>
-              </a:rPr>
-              <a:t>https://</a:t>
-            </a:r>
-            <a:r>
-              <a:rPr lang="en-US" sz="2800" dirty="0" err="1" smtClean="0">
-                <a:latin typeface="Courier" charset="0"/>
-                <a:ea typeface="Courier" charset="0"/>
-                <a:cs typeface="Courier" charset="0"/>
-                <a:hlinkClick r:id="rId5"/>
-              </a:rPr>
-              <a:t>github.com</a:t>
-            </a:r>
-            <a:r>
-              <a:rPr lang="en-US" sz="2800" dirty="0" smtClean="0">
-                <a:latin typeface="Courier" charset="0"/>
-                <a:ea typeface="Courier" charset="0"/>
-                <a:cs typeface="Courier" charset="0"/>
-                <a:hlinkClick r:id="rId5"/>
-              </a:rPr>
-              <a:t>/</a:t>
-            </a:r>
-            <a:r>
-              <a:rPr lang="en-US" sz="2800" dirty="0" err="1" smtClean="0">
-                <a:latin typeface="Courier" charset="0"/>
-                <a:ea typeface="Courier" charset="0"/>
-                <a:cs typeface="Courier" charset="0"/>
-                <a:hlinkClick r:id="rId5"/>
-              </a:rPr>
-              <a:t>rsnestor</a:t>
-            </a:r>
-            <a:r>
-              <a:rPr lang="en-US" sz="2800" dirty="0" smtClean="0">
-                <a:latin typeface="Courier" charset="0"/>
-                <a:ea typeface="Courier" charset="0"/>
-                <a:cs typeface="Courier" charset="0"/>
-                <a:hlinkClick r:id="rId5"/>
-              </a:rPr>
-              <a:t>/</a:t>
-            </a:r>
-            <a:r>
-              <a:rPr lang="en-US" sz="2800" dirty="0" err="1" smtClean="0">
-                <a:latin typeface="Courier" charset="0"/>
-                <a:ea typeface="Courier" charset="0"/>
-                <a:cs typeface="Courier" charset="0"/>
-                <a:hlinkClick r:id="rId5"/>
-              </a:rPr>
-              <a:t>slac.git</a:t>
-            </a:r>
-            <a:r>
-              <a:rPr lang="en-US" sz="2800" dirty="0" smtClean="0">
-                <a:latin typeface="Courier" charset="0"/>
-                <a:ea typeface="Courier" charset="0"/>
-                <a:cs typeface="Courier" charset="0"/>
-              </a:rPr>
-              <a:t>)</a:t>
+              </a:rPr>
+              <a:t>example code &amp; misc.</a:t>
             </a:r>
             <a:endParaRPr lang="en-US" sz="2800" dirty="0">
               <a:latin typeface="Courier" charset="0"/>
@@ -6114,28 +10387,282 @@
           <a:lstStyle/>
           <a:p>
             <a:r>
+              <a:rPr lang="en-US" dirty="0" smtClean="0">
+                <a:latin typeface="Courier" charset="0"/>
+                <a:ea typeface="Courier" charset="0"/>
+                <a:cs typeface="Courier" charset="0"/>
+              </a:rPr>
+              <a:t>ES6 Basics - Functions</a:t>
+            </a:r>
+            <a:endParaRPr lang="en-US" dirty="0">
+              <a:latin typeface="Courier" charset="0"/>
+              <a:ea typeface="Courier" charset="0"/>
+              <a:cs typeface="Courier" charset="0"/>
+            </a:endParaRPr>
+          </a:p>
+        </p:txBody>
+      </p:sp>
+      <mc:AlternateContent xmlns:mc="http://schemas.openxmlformats.org/markup-compatibility/2006" xmlns:we="http://schemas.microsoft.com/office/webextensions/webextension/2010/11" xmlns:pca="http://schemas.microsoft.com/office/powerpoint/2013/contentapp">
+        <mc:Choice Requires="we pca">
+          <p:graphicFrame>
+            <p:nvGraphicFramePr>
+              <p:cNvPr id="4" name="Content Placeholder 3" title="Code Presenter Pro"/>
+              <p:cNvGraphicFramePr>
+                <a:graphicFrameLocks noGrp="1"/>
+              </p:cNvGraphicFramePr>
+              <p:nvPr>
+                <p:ph idx="1"/>
+                <p:extLst/>
+              </p:nvPr>
+            </p:nvGraphicFramePr>
+            <p:xfrm>
+              <a:off x="838200" y="1825625"/>
+              <a:ext cx="10515600" cy="3813175"/>
+            </p:xfrm>
+            <a:graphic>
+              <a:graphicData uri="http://schemas.microsoft.com/office/webextensions/webextension/2010/11">
+                <we:webextensionref xmlns:we="http://schemas.microsoft.com/office/webextensions/webextension/2010/11" xmlns:r="http://schemas.openxmlformats.org/officeDocument/2006/relationships" r:id="rId3"/>
+              </a:graphicData>
+            </a:graphic>
+          </p:graphicFrame>
+        </mc:Choice>
+        <mc:Fallback xmlns="">
+          <p:pic>
+            <p:nvPicPr>
+              <p:cNvPr id="4" name="Content Placeholder 3" title="Code Presenter Pro"/>
+              <p:cNvPicPr>
+                <a:picLocks noGrp="1" noRot="1" noChangeAspect="1" noMove="1" noResize="1" noEditPoints="1" noAdjustHandles="1" noChangeArrowheads="1" noChangeShapeType="1"/>
+              </p:cNvPicPr>
+              <p:nvPr/>
+            </p:nvPicPr>
+            <p:blipFill>
+              <a:blip r:embed="rId4"/>
+              <a:stretch>
+                <a:fillRect/>
+              </a:stretch>
+            </p:blipFill>
+            <p:spPr>
+              <a:xfrm>
+                <a:off x="838200" y="1825625"/>
+                <a:ext cx="10515600" cy="3813175"/>
+              </a:xfrm>
+              <a:prstGeom prst="rect">
+                <a:avLst/>
+              </a:prstGeom>
+            </p:spPr>
+          </p:pic>
+        </mc:Fallback>
+      </mc:AlternateContent>
+    </p:spTree>
+    <p:extLst>
+      <p:ext uri="{BB962C8B-B14F-4D97-AF65-F5344CB8AC3E}">
+        <p14:creationId xmlns:p14="http://schemas.microsoft.com/office/powerpoint/2010/main" val="2035250668"/>
+      </p:ext>
+    </p:extLst>
+  </p:cSld>
+  <p:clrMapOvr>
+    <a:masterClrMapping/>
+  </p:clrMapOvr>
+  <p:timing>
+    <p:tnLst>
+      <p:par>
+        <p:cTn id="1" dur="indefinite" restart="never" nodeType="tmRoot"/>
+      </p:par>
+    </p:tnLst>
+  </p:timing>
+</p:sld>
+</file>
+
+<file path=ppt/slides/slide7.xml><?xml version="1.0" encoding="utf-8"?>
+<p:sld xmlns:a="http://schemas.openxmlformats.org/drawingml/2006/main" xmlns:r="http://schemas.openxmlformats.org/officeDocument/2006/relationships" xmlns:p="http://schemas.openxmlformats.org/presentationml/2006/main">
+  <p:cSld>
+    <p:spTree>
+      <p:nvGrpSpPr>
+        <p:cNvPr id="1" name=""/>
+        <p:cNvGrpSpPr/>
+        <p:nvPr/>
+      </p:nvGrpSpPr>
+      <p:grpSpPr>
+        <a:xfrm>
+          <a:off x="0" y="0"/>
+          <a:ext cx="0" cy="0"/>
+          <a:chOff x="0" y="0"/>
+          <a:chExt cx="0" cy="0"/>
+        </a:xfrm>
+      </p:grpSpPr>
+      <p:sp>
+        <p:nvSpPr>
+          <p:cNvPr id="2" name="Title 1"/>
+          <p:cNvSpPr>
+            <a:spLocks noGrp="1"/>
+          </p:cNvSpPr>
+          <p:nvPr>
+            <p:ph type="title"/>
+          </p:nvPr>
+        </p:nvSpPr>
+        <p:spPr/>
+        <p:txBody>
+          <a:bodyPr/>
+          <a:lstStyle/>
+          <a:p>
+            <a:r>
+              <a:rPr lang="en-US" dirty="0" smtClean="0">
+                <a:latin typeface="Courier" charset="0"/>
+                <a:ea typeface="Courier" charset="0"/>
+                <a:cs typeface="Courier" charset="0"/>
+              </a:rPr>
+              <a:t>ES6 Basics </a:t>
+            </a:r>
+            <a:r>
+              <a:rPr lang="mr-IN" dirty="0" smtClean="0">
+                <a:latin typeface="Courier" charset="0"/>
+                <a:ea typeface="Courier" charset="0"/>
+                <a:cs typeface="Courier" charset="0"/>
+              </a:rPr>
+              <a:t>–</a:t>
+            </a:r>
+            <a:r>
+              <a:rPr lang="en-US" dirty="0" smtClean="0">
+                <a:latin typeface="Courier" charset="0"/>
+                <a:ea typeface="Courier" charset="0"/>
+                <a:cs typeface="Courier" charset="0"/>
+              </a:rPr>
+              <a:t> Collections (Map)</a:t>
+            </a:r>
+            <a:endParaRPr lang="en-US" dirty="0">
+              <a:latin typeface="Courier" charset="0"/>
+              <a:ea typeface="Courier" charset="0"/>
+              <a:cs typeface="Courier" charset="0"/>
+            </a:endParaRPr>
+          </a:p>
+        </p:txBody>
+      </p:sp>
+      <mc:AlternateContent xmlns:mc="http://schemas.openxmlformats.org/markup-compatibility/2006" xmlns:we="http://schemas.microsoft.com/office/webextensions/webextension/2010/11" xmlns:pca="http://schemas.microsoft.com/office/powerpoint/2013/contentapp">
+        <mc:Choice Requires="we pca">
+          <p:graphicFrame>
+            <p:nvGraphicFramePr>
+              <p:cNvPr id="4" name="Content Placeholder 3" title="Code Presenter Pro"/>
+              <p:cNvGraphicFramePr>
+                <a:graphicFrameLocks noGrp="1"/>
+              </p:cNvGraphicFramePr>
+              <p:nvPr>
+                <p:ph idx="1"/>
+                <p:extLst/>
+              </p:nvPr>
+            </p:nvGraphicFramePr>
+            <p:xfrm>
+              <a:off x="838200" y="1825625"/>
+              <a:ext cx="10515600" cy="3813175"/>
+            </p:xfrm>
+            <a:graphic>
+              <a:graphicData uri="http://schemas.microsoft.com/office/webextensions/webextension/2010/11">
+                <we:webextensionref xmlns:we="http://schemas.microsoft.com/office/webextensions/webextension/2010/11" xmlns:r="http://schemas.openxmlformats.org/officeDocument/2006/relationships" r:id="rId3"/>
+              </a:graphicData>
+            </a:graphic>
+          </p:graphicFrame>
+        </mc:Choice>
+        <mc:Fallback xmlns="">
+          <p:pic>
+            <p:nvPicPr>
+              <p:cNvPr id="4" name="Content Placeholder 3" title="Code Presenter Pro"/>
+              <p:cNvPicPr>
+                <a:picLocks noGrp="1" noRot="1" noChangeAspect="1" noMove="1" noResize="1" noEditPoints="1" noAdjustHandles="1" noChangeArrowheads="1" noChangeShapeType="1"/>
+              </p:cNvPicPr>
+              <p:nvPr/>
+            </p:nvPicPr>
+            <p:blipFill>
+              <a:blip r:embed="rId4"/>
+              <a:stretch>
+                <a:fillRect/>
+              </a:stretch>
+            </p:blipFill>
+            <p:spPr>
+              <a:xfrm>
+                <a:off x="838200" y="1825625"/>
+                <a:ext cx="10515600" cy="3813175"/>
+              </a:xfrm>
+              <a:prstGeom prst="rect">
+                <a:avLst/>
+              </a:prstGeom>
+            </p:spPr>
+          </p:pic>
+        </mc:Fallback>
+      </mc:AlternateContent>
+    </p:spTree>
+    <p:extLst>
+      <p:ext uri="{BB962C8B-B14F-4D97-AF65-F5344CB8AC3E}">
+        <p14:creationId xmlns:p14="http://schemas.microsoft.com/office/powerpoint/2010/main" val="1225516782"/>
+      </p:ext>
+    </p:extLst>
+  </p:cSld>
+  <p:clrMapOvr>
+    <a:masterClrMapping/>
+  </p:clrMapOvr>
+  <p:timing>
+    <p:tnLst>
+      <p:par>
+        <p:cTn id="1" dur="indefinite" restart="never" nodeType="tmRoot"/>
+      </p:par>
+    </p:tnLst>
+  </p:timing>
+</p:sld>
+</file>
+
+<file path=ppt/slides/slide8.xml><?xml version="1.0" encoding="utf-8"?>
+<p:sld xmlns:a="http://schemas.openxmlformats.org/drawingml/2006/main" xmlns:r="http://schemas.openxmlformats.org/officeDocument/2006/relationships" xmlns:p="http://schemas.openxmlformats.org/presentationml/2006/main">
+  <p:cSld>
+    <p:spTree>
+      <p:nvGrpSpPr>
+        <p:cNvPr id="1" name=""/>
+        <p:cNvGrpSpPr/>
+        <p:nvPr/>
+      </p:nvGrpSpPr>
+      <p:grpSpPr>
+        <a:xfrm>
+          <a:off x="0" y="0"/>
+          <a:ext cx="0" cy="0"/>
+          <a:chOff x="0" y="0"/>
+          <a:chExt cx="0" cy="0"/>
+        </a:xfrm>
+      </p:grpSpPr>
+      <p:sp>
+        <p:nvSpPr>
+          <p:cNvPr id="2" name="Title 1"/>
+          <p:cNvSpPr>
+            <a:spLocks noGrp="1"/>
+          </p:cNvSpPr>
+          <p:nvPr>
+            <p:ph type="title"/>
+          </p:nvPr>
+        </p:nvSpPr>
+        <p:spPr/>
+        <p:txBody>
+          <a:bodyPr/>
+          <a:lstStyle/>
+          <a:p>
+            <a:r>
+              <a:rPr lang="en-US" dirty="0" smtClean="0">
+                <a:latin typeface="Courier" charset="0"/>
+                <a:ea typeface="Courier" charset="0"/>
+                <a:cs typeface="Courier" charset="0"/>
+              </a:rPr>
+              <a:t>ES6 </a:t>
+            </a:r>
+            <a:r>
               <a:rPr lang="en-US" dirty="0" err="1" smtClean="0">
                 <a:latin typeface="Courier" charset="0"/>
                 <a:ea typeface="Courier" charset="0"/>
                 <a:cs typeface="Courier" charset="0"/>
               </a:rPr>
-              <a:t>Node.js</a:t>
-            </a:r>
-            <a:r>
-              <a:rPr lang="en-US" dirty="0">
-                <a:latin typeface="Courier" charset="0"/>
-                <a:ea typeface="Courier" charset="0"/>
-                <a:cs typeface="Courier" charset="0"/>
-              </a:rPr>
-              <a:t> </a:t>
-            </a:r>
-            <a:r>
-              <a:rPr lang="en-US" dirty="0" smtClean="0">
-                <a:latin typeface="Courier" charset="0"/>
-                <a:ea typeface="Courier" charset="0"/>
-                <a:cs typeface="Courier" charset="0"/>
-              </a:rPr>
-              <a:t>Client Example </a:t>
+              <a:t>Async</a:t>
+            </a:r>
+            <a:r>
+              <a:rPr lang="en-US" dirty="0" smtClean="0">
+                <a:latin typeface="Courier" charset="0"/>
+                <a:ea typeface="Courier" charset="0"/>
+                <a:cs typeface="Courier" charset="0"/>
+              </a:rPr>
+              <a:t> - Callback </a:t>
             </a:r>
             <a:endParaRPr lang="en-US" dirty="0">
               <a:latin typeface="Courier" charset="0"/>
@@ -6220,423 +10747,6 @@
 </p:sld>
 </file>
 
-<file path=ppt/slides/slide7.xml><?xml version="1.0" encoding="utf-8"?>
-<p:sld xmlns:a="http://schemas.openxmlformats.org/drawingml/2006/main" xmlns:r="http://schemas.openxmlformats.org/officeDocument/2006/relationships" xmlns:p="http://schemas.openxmlformats.org/presentationml/2006/main">
-  <p:cSld>
-    <p:spTree>
-      <p:nvGrpSpPr>
-        <p:cNvPr id="1" name=""/>
-        <p:cNvGrpSpPr/>
-        <p:nvPr/>
-      </p:nvGrpSpPr>
-      <p:grpSpPr>
-        <a:xfrm>
-          <a:off x="0" y="0"/>
-          <a:ext cx="0" cy="0"/>
-          <a:chOff x="0" y="0"/>
-          <a:chExt cx="0" cy="0"/>
-        </a:xfrm>
-      </p:grpSpPr>
-      <p:sp>
-        <p:nvSpPr>
-          <p:cNvPr id="2" name="Title 1"/>
-          <p:cNvSpPr>
-            <a:spLocks noGrp="1"/>
-          </p:cNvSpPr>
-          <p:nvPr>
-            <p:ph type="title"/>
-          </p:nvPr>
-        </p:nvSpPr>
-        <p:spPr/>
-        <p:txBody>
-          <a:bodyPr/>
-          <a:lstStyle/>
-          <a:p>
-            <a:r>
-              <a:rPr lang="en-US" dirty="0" err="1" smtClean="0">
-                <a:latin typeface="Courier" charset="0"/>
-                <a:ea typeface="Courier" charset="0"/>
-                <a:cs typeface="Courier" charset="0"/>
-              </a:rPr>
-              <a:t>Serverless</a:t>
-            </a:r>
-            <a:r>
-              <a:rPr lang="en-US" dirty="0" smtClean="0">
-                <a:latin typeface="Courier" charset="0"/>
-                <a:ea typeface="Courier" charset="0"/>
-                <a:cs typeface="Courier" charset="0"/>
-              </a:rPr>
-              <a:t> Architectures</a:t>
-            </a:r>
-            <a:endParaRPr lang="en-US" dirty="0">
-              <a:latin typeface="Courier" charset="0"/>
-              <a:ea typeface="Courier" charset="0"/>
-              <a:cs typeface="Courier" charset="0"/>
-            </a:endParaRPr>
-          </a:p>
-        </p:txBody>
-      </p:sp>
-      <p:sp>
-        <p:nvSpPr>
-          <p:cNvPr id="3" name="Content Placeholder 2"/>
-          <p:cNvSpPr>
-            <a:spLocks noGrp="1"/>
-          </p:cNvSpPr>
-          <p:nvPr>
-            <p:ph idx="1"/>
-          </p:nvPr>
-        </p:nvSpPr>
-        <p:spPr/>
-        <p:txBody>
-          <a:bodyPr>
-            <a:normAutofit/>
-          </a:bodyPr>
-          <a:lstStyle/>
-          <a:p>
-            <a:r>
-              <a:rPr lang="en-US" dirty="0" smtClean="0">
-                <a:latin typeface="Courier" charset="0"/>
-                <a:ea typeface="Courier" charset="0"/>
-                <a:cs typeface="Courier" charset="0"/>
-              </a:rPr>
-              <a:t>Autonomous functional execution on demand</a:t>
-            </a:r>
-            <a:endParaRPr lang="en-US" dirty="0" smtClean="0">
-              <a:latin typeface="Courier" charset="0"/>
-              <a:ea typeface="Courier" charset="0"/>
-              <a:cs typeface="Courier" charset="0"/>
-            </a:endParaRPr>
-          </a:p>
-          <a:p>
-            <a:r>
-              <a:rPr lang="en-US" dirty="0" smtClean="0">
-                <a:latin typeface="Courier" charset="0"/>
-                <a:ea typeface="Courier" charset="0"/>
-                <a:cs typeface="Courier" charset="0"/>
-              </a:rPr>
-              <a:t>Microservices</a:t>
-            </a:r>
-            <a:r>
-              <a:rPr lang="en-US" dirty="0">
-                <a:latin typeface="Courier" charset="0"/>
-                <a:ea typeface="Courier" charset="0"/>
-                <a:cs typeface="Courier" charset="0"/>
-              </a:rPr>
-              <a:t>? (</a:t>
-            </a:r>
-            <a:r>
-              <a:rPr lang="en-US" dirty="0">
-                <a:latin typeface="Courier" charset="0"/>
-                <a:ea typeface="Courier" charset="0"/>
-                <a:cs typeface="Courier" charset="0"/>
-                <a:hlinkClick r:id="rId3"/>
-              </a:rPr>
-              <a:t>https://12factor.net</a:t>
-            </a:r>
-            <a:r>
-              <a:rPr lang="en-US" dirty="0" smtClean="0">
-                <a:latin typeface="Courier" charset="0"/>
-                <a:ea typeface="Courier" charset="0"/>
-                <a:cs typeface="Courier" charset="0"/>
-                <a:hlinkClick r:id="rId3"/>
-              </a:rPr>
-              <a:t>/</a:t>
-            </a:r>
-            <a:r>
-              <a:rPr lang="en-US" dirty="0" smtClean="0">
-                <a:latin typeface="Courier" charset="0"/>
-                <a:ea typeface="Courier" charset="0"/>
-                <a:cs typeface="Courier" charset="0"/>
-              </a:rPr>
-              <a:t>)</a:t>
-            </a:r>
-            <a:endParaRPr lang="en-US" dirty="0" smtClean="0">
-              <a:latin typeface="Courier" charset="0"/>
-              <a:ea typeface="Courier" charset="0"/>
-              <a:cs typeface="Courier" charset="0"/>
-            </a:endParaRPr>
-          </a:p>
-          <a:p>
-            <a:r>
-              <a:rPr lang="en-US" dirty="0" smtClean="0">
-                <a:latin typeface="Courier" charset="0"/>
-                <a:ea typeface="Courier" charset="0"/>
-                <a:cs typeface="Courier" charset="0"/>
-              </a:rPr>
-              <a:t>In AWS, lambda </a:t>
-            </a:r>
-            <a:r>
-              <a:rPr lang="en-US" i="1" dirty="0" err="1" smtClean="0">
-                <a:solidFill>
-                  <a:schemeClr val="accent6">
-                    <a:lumMod val="75000"/>
-                  </a:schemeClr>
-                </a:solidFill>
-                <a:latin typeface="Courier" charset="0"/>
-                <a:ea typeface="Courier" charset="0"/>
-                <a:cs typeface="Courier" charset="0"/>
-              </a:rPr>
-              <a:t>instanceOf</a:t>
-            </a:r>
-            <a:r>
-              <a:rPr lang="en-US" dirty="0" smtClean="0">
-                <a:latin typeface="Courier" charset="0"/>
-                <a:ea typeface="Courier" charset="0"/>
-                <a:cs typeface="Courier" charset="0"/>
-              </a:rPr>
-              <a:t> </a:t>
-            </a:r>
-            <a:r>
-              <a:rPr lang="en-US" dirty="0" err="1" smtClean="0">
-                <a:latin typeface="Courier" charset="0"/>
-                <a:ea typeface="Courier" charset="0"/>
-                <a:cs typeface="Courier" charset="0"/>
-              </a:rPr>
-              <a:t>serverless</a:t>
-            </a:r>
-            <a:r>
-              <a:rPr lang="en-US" dirty="0" smtClean="0">
-                <a:latin typeface="Courier" charset="0"/>
-                <a:ea typeface="Courier" charset="0"/>
-                <a:cs typeface="Courier" charset="0"/>
-              </a:rPr>
-              <a:t> function</a:t>
-            </a:r>
-            <a:endParaRPr lang="en-US" dirty="0" smtClean="0">
-              <a:latin typeface="Courier" charset="0"/>
-              <a:ea typeface="Courier" charset="0"/>
-              <a:cs typeface="Courier" charset="0"/>
-            </a:endParaRPr>
-          </a:p>
-          <a:p>
-            <a:r>
-              <a:rPr lang="en-US" dirty="0" smtClean="0">
-                <a:latin typeface="Courier" charset="0"/>
-                <a:ea typeface="Courier" charset="0"/>
-                <a:cs typeface="Courier" charset="0"/>
-              </a:rPr>
-              <a:t>Primary languages supported are Java, Python, and JavaScript (</a:t>
-            </a:r>
-            <a:r>
-              <a:rPr lang="en-US" dirty="0" err="1" smtClean="0">
-                <a:latin typeface="Courier" charset="0"/>
-                <a:ea typeface="Courier" charset="0"/>
-                <a:cs typeface="Courier" charset="0"/>
-              </a:rPr>
-              <a:t>node.js</a:t>
-            </a:r>
-            <a:r>
-              <a:rPr lang="en-US" dirty="0" smtClean="0">
-                <a:latin typeface="Courier" charset="0"/>
-                <a:ea typeface="Courier" charset="0"/>
-                <a:cs typeface="Courier" charset="0"/>
-              </a:rPr>
-              <a:t>)</a:t>
-            </a:r>
-          </a:p>
-          <a:p>
-            <a:endParaRPr lang="en-US" dirty="0" smtClean="0">
-              <a:latin typeface="Courier" charset="0"/>
-              <a:ea typeface="Courier" charset="0"/>
-              <a:cs typeface="Courier" charset="0"/>
-            </a:endParaRPr>
-          </a:p>
-        </p:txBody>
-      </p:sp>
-    </p:spTree>
-    <p:extLst>
-      <p:ext uri="{BB962C8B-B14F-4D97-AF65-F5344CB8AC3E}">
-        <p14:creationId xmlns:p14="http://schemas.microsoft.com/office/powerpoint/2010/main" val="666813900"/>
-      </p:ext>
-    </p:extLst>
-  </p:cSld>
-  <p:clrMapOvr>
-    <a:masterClrMapping/>
-  </p:clrMapOvr>
-  <p:timing>
-    <p:tnLst>
-      <p:par>
-        <p:cTn id="1" dur="indefinite" restart="never" nodeType="tmRoot"/>
-      </p:par>
-    </p:tnLst>
-  </p:timing>
-</p:sld>
-</file>
-
-<file path=ppt/slides/slide8.xml><?xml version="1.0" encoding="utf-8"?>
-<p:sld xmlns:a="http://schemas.openxmlformats.org/drawingml/2006/main" xmlns:r="http://schemas.openxmlformats.org/officeDocument/2006/relationships" xmlns:p="http://schemas.openxmlformats.org/presentationml/2006/main">
-  <p:cSld>
-    <p:spTree>
-      <p:nvGrpSpPr>
-        <p:cNvPr id="1" name=""/>
-        <p:cNvGrpSpPr/>
-        <p:nvPr/>
-      </p:nvGrpSpPr>
-      <p:grpSpPr>
-        <a:xfrm>
-          <a:off x="0" y="0"/>
-          <a:ext cx="0" cy="0"/>
-          <a:chOff x="0" y="0"/>
-          <a:chExt cx="0" cy="0"/>
-        </a:xfrm>
-      </p:grpSpPr>
-      <p:sp>
-        <p:nvSpPr>
-          <p:cNvPr id="2" name="Title 1"/>
-          <p:cNvSpPr>
-            <a:spLocks noGrp="1"/>
-          </p:cNvSpPr>
-          <p:nvPr>
-            <p:ph type="title"/>
-          </p:nvPr>
-        </p:nvSpPr>
-        <p:spPr/>
-        <p:txBody>
-          <a:bodyPr/>
-          <a:lstStyle/>
-          <a:p>
-            <a:r>
-              <a:rPr lang="en-US" dirty="0" smtClean="0">
-                <a:latin typeface="Courier" charset="0"/>
-                <a:ea typeface="Courier" charset="0"/>
-                <a:cs typeface="Courier" charset="0"/>
-              </a:rPr>
-              <a:t>The </a:t>
-            </a:r>
-            <a:r>
-              <a:rPr lang="en-US" i="1" dirty="0" err="1" smtClean="0">
-                <a:latin typeface="Courier" charset="0"/>
-                <a:ea typeface="Courier" charset="0"/>
-                <a:cs typeface="Courier" charset="0"/>
-              </a:rPr>
-              <a:t>Serverless</a:t>
-            </a:r>
-            <a:r>
-              <a:rPr lang="en-US" dirty="0" smtClean="0">
-                <a:latin typeface="Courier" charset="0"/>
-                <a:ea typeface="Courier" charset="0"/>
-                <a:cs typeface="Courier" charset="0"/>
-              </a:rPr>
-              <a:t> Framework</a:t>
-            </a:r>
-            <a:endParaRPr lang="en-US" dirty="0">
-              <a:latin typeface="Courier" charset="0"/>
-              <a:ea typeface="Courier" charset="0"/>
-              <a:cs typeface="Courier" charset="0"/>
-            </a:endParaRPr>
-          </a:p>
-        </p:txBody>
-      </p:sp>
-      <p:sp>
-        <p:nvSpPr>
-          <p:cNvPr id="3" name="Content Placeholder 2"/>
-          <p:cNvSpPr>
-            <a:spLocks noGrp="1"/>
-          </p:cNvSpPr>
-          <p:nvPr>
-            <p:ph idx="1"/>
-          </p:nvPr>
-        </p:nvSpPr>
-        <p:spPr/>
-        <p:txBody>
-          <a:bodyPr>
-            <a:normAutofit/>
-          </a:bodyPr>
-          <a:lstStyle/>
-          <a:p>
-            <a:r>
-              <a:rPr lang="en-US" dirty="0" smtClean="0">
-                <a:latin typeface="Courier" charset="0"/>
-                <a:ea typeface="Courier" charset="0"/>
-                <a:cs typeface="Courier" charset="0"/>
-              </a:rPr>
-              <a:t>Open source build and deployment tool</a:t>
-            </a:r>
-          </a:p>
-          <a:p>
-            <a:r>
-              <a:rPr lang="en-US" dirty="0" smtClean="0">
-                <a:latin typeface="Courier" charset="0"/>
-                <a:ea typeface="Courier" charset="0"/>
-                <a:cs typeface="Courier" charset="0"/>
-              </a:rPr>
-              <a:t>Support for multiple public cloud providers (Google, Azure, and AWS)</a:t>
-            </a:r>
-            <a:endParaRPr lang="en-US" dirty="0" smtClean="0">
-              <a:latin typeface="Courier" charset="0"/>
-              <a:ea typeface="Courier" charset="0"/>
-              <a:cs typeface="Courier" charset="0"/>
-            </a:endParaRPr>
-          </a:p>
-          <a:p>
-            <a:r>
-              <a:rPr lang="en-US" dirty="0" smtClean="0">
-                <a:latin typeface="Courier" charset="0"/>
-                <a:ea typeface="Courier" charset="0"/>
-                <a:cs typeface="Courier" charset="0"/>
-              </a:rPr>
-              <a:t>Multi-language support</a:t>
-            </a:r>
-            <a:endParaRPr lang="en-US" dirty="0" smtClean="0">
-              <a:latin typeface="Courier" charset="0"/>
-              <a:ea typeface="Courier" charset="0"/>
-              <a:cs typeface="Courier" charset="0"/>
-            </a:endParaRPr>
-          </a:p>
-          <a:p>
-            <a:r>
-              <a:rPr lang="en-US" dirty="0" smtClean="0">
-                <a:latin typeface="Courier" charset="0"/>
-                <a:ea typeface="Courier" charset="0"/>
-                <a:cs typeface="Courier" charset="0"/>
-              </a:rPr>
-              <a:t>Abstracts configuration and deployment orchestration details</a:t>
-            </a:r>
-            <a:endParaRPr lang="en-US" dirty="0" smtClean="0">
-              <a:latin typeface="Courier" charset="0"/>
-              <a:ea typeface="Courier" charset="0"/>
-              <a:cs typeface="Courier" charset="0"/>
-            </a:endParaRPr>
-          </a:p>
-          <a:p>
-            <a:r>
-              <a:rPr lang="en-US" dirty="0" smtClean="0">
-                <a:latin typeface="Courier" charset="0"/>
-                <a:ea typeface="Courier" charset="0"/>
-                <a:cs typeface="Courier" charset="0"/>
-              </a:rPr>
-              <a:t>Supports the integration with several cloud services including event/messaging, database, and file I/O</a:t>
-            </a:r>
-          </a:p>
-          <a:p>
-            <a:endParaRPr lang="en-US" dirty="0" smtClean="0">
-              <a:latin typeface="Courier" charset="0"/>
-              <a:ea typeface="Courier" charset="0"/>
-              <a:cs typeface="Courier" charset="0"/>
-            </a:endParaRPr>
-          </a:p>
-        </p:txBody>
-      </p:sp>
-    </p:spTree>
-    <p:extLst>
-      <p:ext uri="{BB962C8B-B14F-4D97-AF65-F5344CB8AC3E}">
-        <p14:creationId xmlns:p14="http://schemas.microsoft.com/office/powerpoint/2010/main" val="1267705222"/>
-      </p:ext>
-    </p:extLst>
-  </p:cSld>
-  <p:clrMapOvr>
-    <a:masterClrMapping/>
-  </p:clrMapOvr>
-  <p:timing>
-    <p:tnLst>
-      <p:par>
-        <p:cTn id="1" dur="indefinite" restart="never" nodeType="tmRoot"/>
-      </p:par>
-    </p:tnLst>
-  </p:timing>
-</p:sld>
-</file>
-
 <file path=ppt/slides/slide9.xml><?xml version="1.0" encoding="utf-8"?>
 <p:sld xmlns:a="http://schemas.openxmlformats.org/drawingml/2006/main" xmlns:r="http://schemas.openxmlformats.org/officeDocument/2006/relationships" xmlns:p="http://schemas.openxmlformats.org/presentationml/2006/main">
   <p:cSld>
@@ -6670,20 +10780,44 @@
           <a:lstStyle/>
           <a:p>
             <a:r>
+              <a:rPr lang="en-US" dirty="0" smtClean="0">
+                <a:latin typeface="Courier" charset="0"/>
+                <a:ea typeface="Courier" charset="0"/>
+                <a:cs typeface="Courier" charset="0"/>
+              </a:rPr>
+              <a:t>ES6 </a:t>
+            </a:r>
+            <a:r>
               <a:rPr lang="en-US" dirty="0" err="1" smtClean="0">
                 <a:latin typeface="Courier" charset="0"/>
                 <a:ea typeface="Courier" charset="0"/>
                 <a:cs typeface="Courier" charset="0"/>
               </a:rPr>
-              <a:t>Serverless</a:t>
-            </a:r>
-            <a:r>
-              <a:rPr lang="en-US" dirty="0" smtClean="0">
-                <a:latin typeface="Courier" charset="0"/>
-                <a:ea typeface="Courier" charset="0"/>
-                <a:cs typeface="Courier" charset="0"/>
-              </a:rPr>
-              <a:t> Hello World!</a:t>
+              <a:t>Async</a:t>
+            </a:r>
+            <a:r>
+              <a:rPr lang="en-US" dirty="0" smtClean="0">
+                <a:latin typeface="Courier" charset="0"/>
+                <a:ea typeface="Courier" charset="0"/>
+                <a:cs typeface="Courier" charset="0"/>
+              </a:rPr>
+              <a:t> </a:t>
+            </a:r>
+            <a:r>
+              <a:rPr lang="mr-IN" dirty="0" smtClean="0">
+                <a:latin typeface="Courier" charset="0"/>
+                <a:ea typeface="Courier" charset="0"/>
+                <a:cs typeface="Courier" charset="0"/>
+              </a:rPr>
+              <a:t>–</a:t>
+            </a:r>
+            <a:r>
+              <a:rPr lang="en-US" dirty="0" smtClean="0">
+                <a:latin typeface="Courier" charset="0"/>
+                <a:ea typeface="Courier" charset="0"/>
+                <a:cs typeface="Courier" charset="0"/>
+              </a:rPr>
+              <a:t> Promise</a:t>
             </a:r>
             <a:endParaRPr lang="en-US" dirty="0">
               <a:latin typeface="Courier" charset="0"/>
@@ -6693,444 +10827,61 @@
           </a:p>
         </p:txBody>
       </p:sp>
-      <p:sp>
-        <p:nvSpPr>
-          <p:cNvPr id="5" name="Content Placeholder 4"/>
-          <p:cNvSpPr>
-            <a:spLocks noGrp="1"/>
-          </p:cNvSpPr>
-          <p:nvPr>
-            <p:ph idx="1"/>
-          </p:nvPr>
-        </p:nvSpPr>
-        <p:spPr>
-          <a:xfrm>
-            <a:off x="838200" y="1825625"/>
-            <a:ext cx="10515600" cy="2400011"/>
-          </a:xfrm>
-          <a:solidFill>
-            <a:schemeClr val="accent6">
-              <a:lumMod val="75000"/>
-            </a:schemeClr>
-          </a:solidFill>
-          <a:ln>
-            <a:solidFill>
-              <a:schemeClr val="tx1"/>
-            </a:solidFill>
-          </a:ln>
-        </p:spPr>
-        <p:txBody>
-          <a:bodyPr>
-            <a:normAutofit fontScale="92500" lnSpcReduction="20000"/>
-          </a:bodyPr>
-          <a:lstStyle/>
-          <a:p>
-            <a:pPr marL="0" indent="0">
-              <a:buNone/>
-            </a:pPr>
-            <a:r>
-              <a:rPr lang="en-US" dirty="0" smtClean="0">
-                <a:solidFill>
-                  <a:srgbClr val="FFFF00"/>
-                </a:solidFill>
-                <a:latin typeface="Courier" charset="0"/>
-                <a:ea typeface="Courier" charset="0"/>
-                <a:cs typeface="Courier" charset="0"/>
-              </a:rPr>
-              <a:t>$ </a:t>
-            </a:r>
-            <a:r>
-              <a:rPr lang="en-US" dirty="0" err="1" smtClean="0">
-                <a:solidFill>
-                  <a:srgbClr val="FFFF00"/>
-                </a:solidFill>
-                <a:latin typeface="Courier" charset="0"/>
-                <a:ea typeface="Courier" charset="0"/>
-                <a:cs typeface="Courier" charset="0"/>
-              </a:rPr>
-              <a:t>serverless</a:t>
-            </a:r>
-            <a:r>
-              <a:rPr lang="en-US" dirty="0" smtClean="0">
-                <a:solidFill>
-                  <a:srgbClr val="FFFF00"/>
-                </a:solidFill>
-                <a:latin typeface="Courier" charset="0"/>
-                <a:ea typeface="Courier" charset="0"/>
-                <a:cs typeface="Courier" charset="0"/>
-              </a:rPr>
-              <a:t> --help</a:t>
-            </a:r>
-            <a:endParaRPr lang="en-US" dirty="0" smtClean="0">
-              <a:solidFill>
-                <a:srgbClr val="FFFF00"/>
-              </a:solidFill>
-              <a:latin typeface="Courier" charset="0"/>
-              <a:ea typeface="Courier" charset="0"/>
-              <a:cs typeface="Courier" charset="0"/>
-            </a:endParaRPr>
-          </a:p>
-          <a:p>
-            <a:pPr marL="0" indent="0">
-              <a:buNone/>
-            </a:pPr>
-            <a:r>
-              <a:rPr lang="en-US" dirty="0" smtClean="0">
-                <a:solidFill>
-                  <a:srgbClr val="FFFF00"/>
-                </a:solidFill>
-                <a:latin typeface="Courier" charset="0"/>
-                <a:ea typeface="Courier" charset="0"/>
-                <a:cs typeface="Courier" charset="0"/>
-              </a:rPr>
-              <a:t>. . .</a:t>
-            </a:r>
-          </a:p>
-          <a:p>
-            <a:pPr marL="0" indent="0">
-              <a:buNone/>
-            </a:pPr>
-            <a:r>
-              <a:rPr lang="en-US" dirty="0" smtClean="0">
-                <a:solidFill>
-                  <a:srgbClr val="FFFF00"/>
-                </a:solidFill>
-                <a:latin typeface="Courier" charset="0"/>
-                <a:ea typeface="Courier" charset="0"/>
-                <a:cs typeface="Courier" charset="0"/>
-              </a:rPr>
-              <a:t>$ </a:t>
-            </a:r>
-            <a:r>
-              <a:rPr lang="en-US" dirty="0" err="1" smtClean="0">
-                <a:solidFill>
-                  <a:srgbClr val="FFFF00"/>
-                </a:solidFill>
-                <a:latin typeface="Courier" charset="0"/>
-                <a:ea typeface="Courier" charset="0"/>
-                <a:cs typeface="Courier" charset="0"/>
-              </a:rPr>
-              <a:t>serverless</a:t>
-            </a:r>
-            <a:r>
-              <a:rPr lang="en-US" dirty="0" smtClean="0">
-                <a:solidFill>
-                  <a:srgbClr val="FFFF00"/>
-                </a:solidFill>
-                <a:latin typeface="Courier" charset="0"/>
-                <a:ea typeface="Courier" charset="0"/>
-                <a:cs typeface="Courier" charset="0"/>
-              </a:rPr>
-              <a:t> </a:t>
-            </a:r>
-            <a:r>
-              <a:rPr lang="en-US" dirty="0">
-                <a:solidFill>
-                  <a:srgbClr val="FFFF00"/>
-                </a:solidFill>
-                <a:latin typeface="Courier" charset="0"/>
-                <a:ea typeface="Courier" charset="0"/>
-                <a:cs typeface="Courier" charset="0"/>
-              </a:rPr>
-              <a:t>create --template </a:t>
-            </a:r>
-            <a:r>
-              <a:rPr lang="en-US" dirty="0" err="1">
-                <a:solidFill>
-                  <a:srgbClr val="FFFF00"/>
-                </a:solidFill>
-                <a:latin typeface="Courier" charset="0"/>
-                <a:ea typeface="Courier" charset="0"/>
-                <a:cs typeface="Courier" charset="0"/>
-              </a:rPr>
-              <a:t>aws-nodejs</a:t>
-            </a:r>
-            <a:r>
-              <a:rPr lang="en-US" dirty="0">
-                <a:solidFill>
-                  <a:srgbClr val="FFFF00"/>
-                </a:solidFill>
-                <a:latin typeface="Courier" charset="0"/>
-                <a:ea typeface="Courier" charset="0"/>
-                <a:cs typeface="Courier" charset="0"/>
-              </a:rPr>
-              <a:t> --path </a:t>
-            </a:r>
-            <a:r>
-              <a:rPr lang="en-US" dirty="0" smtClean="0">
-                <a:solidFill>
-                  <a:srgbClr val="FFFF00"/>
-                </a:solidFill>
-                <a:latin typeface="Courier" charset="0"/>
-                <a:ea typeface="Courier" charset="0"/>
-                <a:cs typeface="Courier" charset="0"/>
-              </a:rPr>
-              <a:t>aws-node-foo-svc1</a:t>
-            </a:r>
-          </a:p>
-          <a:p>
-            <a:pPr marL="0" indent="0">
-              <a:buNone/>
-            </a:pPr>
-            <a:r>
-              <a:rPr lang="en-US" dirty="0" smtClean="0">
-                <a:solidFill>
-                  <a:srgbClr val="FFFF00"/>
-                </a:solidFill>
-                <a:latin typeface="Courier" charset="0"/>
-                <a:ea typeface="Courier" charset="0"/>
-                <a:cs typeface="Courier" charset="0"/>
-              </a:rPr>
-              <a:t>$ </a:t>
-            </a:r>
-            <a:r>
-              <a:rPr lang="en-US" dirty="0" err="1" smtClean="0">
-                <a:solidFill>
-                  <a:srgbClr val="FFFF00"/>
-                </a:solidFill>
-                <a:latin typeface="Courier" charset="0"/>
-                <a:ea typeface="Courier" charset="0"/>
-                <a:cs typeface="Courier" charset="0"/>
-              </a:rPr>
-              <a:t>serverless</a:t>
-            </a:r>
-            <a:r>
-              <a:rPr lang="en-US" dirty="0" smtClean="0">
-                <a:solidFill>
-                  <a:srgbClr val="FFFF00"/>
-                </a:solidFill>
-                <a:latin typeface="Courier" charset="0"/>
-                <a:ea typeface="Courier" charset="0"/>
-                <a:cs typeface="Courier" charset="0"/>
-              </a:rPr>
-              <a:t> deploy</a:t>
-            </a:r>
-          </a:p>
-          <a:p>
-            <a:pPr marL="0" indent="0">
-              <a:buNone/>
-            </a:pPr>
-            <a:r>
-              <a:rPr lang="en-US" dirty="0" smtClean="0">
-                <a:solidFill>
-                  <a:srgbClr val="FFFF00"/>
-                </a:solidFill>
-                <a:latin typeface="Courier" charset="0"/>
-                <a:ea typeface="Courier" charset="0"/>
-                <a:cs typeface="Courier" charset="0"/>
-              </a:rPr>
-              <a:t>$ </a:t>
-            </a:r>
-            <a:r>
-              <a:rPr lang="en-US" dirty="0" err="1">
-                <a:solidFill>
-                  <a:srgbClr val="FFFF00"/>
-                </a:solidFill>
-                <a:latin typeface="Courier" charset="0"/>
-                <a:ea typeface="Courier" charset="0"/>
-                <a:cs typeface="Courier" charset="0"/>
-              </a:rPr>
-              <a:t>serverless</a:t>
-            </a:r>
-            <a:r>
-              <a:rPr lang="en-US" dirty="0">
-                <a:solidFill>
-                  <a:srgbClr val="FFFF00"/>
-                </a:solidFill>
-                <a:latin typeface="Courier" charset="0"/>
-                <a:ea typeface="Courier" charset="0"/>
-                <a:cs typeface="Courier" charset="0"/>
-              </a:rPr>
-              <a:t> invoke -f hello </a:t>
-            </a:r>
-            <a:r>
-              <a:rPr lang="mr-IN" dirty="0" smtClean="0">
-                <a:solidFill>
-                  <a:srgbClr val="FFFF00"/>
-                </a:solidFill>
-                <a:latin typeface="Courier" charset="0"/>
-                <a:ea typeface="Courier" charset="0"/>
-                <a:cs typeface="Courier" charset="0"/>
-              </a:rPr>
-              <a:t>–</a:t>
-            </a:r>
-            <a:r>
-              <a:rPr lang="en-US" dirty="0" smtClean="0">
-                <a:solidFill>
-                  <a:srgbClr val="FFFF00"/>
-                </a:solidFill>
-                <a:latin typeface="Courier" charset="0"/>
-                <a:ea typeface="Courier" charset="0"/>
-                <a:cs typeface="Courier" charset="0"/>
-              </a:rPr>
-              <a:t>l</a:t>
-            </a:r>
-          </a:p>
-          <a:p>
-            <a:pPr marL="0" indent="0">
-              <a:buNone/>
-            </a:pPr>
-            <a:endParaRPr lang="en-US" dirty="0">
-              <a:solidFill>
-                <a:srgbClr val="FFFF00"/>
-              </a:solidFill>
-              <a:latin typeface="Courier" charset="0"/>
-              <a:ea typeface="Courier" charset="0"/>
-              <a:cs typeface="Courier" charset="0"/>
-            </a:endParaRPr>
-          </a:p>
-          <a:p>
-            <a:pPr marL="0" indent="0">
-              <a:buNone/>
-            </a:pPr>
-            <a:endParaRPr lang="en-US" dirty="0">
-              <a:solidFill>
-                <a:srgbClr val="FFFF00"/>
-              </a:solidFill>
-              <a:latin typeface="Courier" charset="0"/>
-              <a:ea typeface="Courier" charset="0"/>
-              <a:cs typeface="Courier" charset="0"/>
-            </a:endParaRPr>
-          </a:p>
-        </p:txBody>
-      </p:sp>
-      <p:sp>
-        <p:nvSpPr>
-          <p:cNvPr id="6" name="TextBox 5"/>
-          <p:cNvSpPr txBox="1"/>
-          <p:nvPr/>
-        </p:nvSpPr>
-        <p:spPr>
-          <a:xfrm>
-            <a:off x="838200" y="4360573"/>
-            <a:ext cx="10515600" cy="2246769"/>
-          </a:xfrm>
-          <a:prstGeom prst="rect">
-            <a:avLst/>
-          </a:prstGeom>
-          <a:noFill/>
-        </p:spPr>
-        <p:txBody>
-          <a:bodyPr wrap="square" rtlCol="0">
-            <a:spAutoFit/>
-          </a:bodyPr>
-          <a:lstStyle/>
-          <a:p>
-            <a:pPr marL="285750" indent="-285750">
-              <a:buFont typeface="Arial" charset="0"/>
-              <a:buChar char="•"/>
-            </a:pPr>
-            <a:r>
-              <a:rPr lang="en-US" sz="2800" dirty="0" smtClean="0">
-                <a:latin typeface="Courier" charset="0"/>
-                <a:ea typeface="Courier" charset="0"/>
-                <a:cs typeface="Courier" charset="0"/>
-              </a:rPr>
-              <a:t>Simple </a:t>
-            </a:r>
-            <a:r>
-              <a:rPr lang="en-US" sz="2800" dirty="0" err="1" smtClean="0">
-                <a:latin typeface="Courier" charset="0"/>
-                <a:ea typeface="Courier" charset="0"/>
-                <a:cs typeface="Courier" charset="0"/>
-              </a:rPr>
-              <a:t>npm</a:t>
-            </a:r>
-            <a:r>
-              <a:rPr lang="en-US" sz="2800" dirty="0" smtClean="0">
-                <a:latin typeface="Courier" charset="0"/>
-                <a:ea typeface="Courier" charset="0"/>
-                <a:cs typeface="Courier" charset="0"/>
-              </a:rPr>
-              <a:t> install (use root for global) </a:t>
-            </a:r>
-          </a:p>
-          <a:p>
-            <a:pPr marL="285750" indent="-285750">
-              <a:buFont typeface="Arial" charset="0"/>
-              <a:buChar char="•"/>
-            </a:pPr>
-            <a:r>
-              <a:rPr lang="en-US" sz="2800" dirty="0" smtClean="0">
-                <a:latin typeface="Courier" charset="0"/>
-                <a:ea typeface="Courier" charset="0"/>
-                <a:cs typeface="Courier" charset="0"/>
-              </a:rPr>
-              <a:t>Many service </a:t>
-            </a:r>
-            <a:r>
-              <a:rPr lang="en-US" sz="2800" dirty="0" smtClean="0">
-                <a:latin typeface="Courier" charset="0"/>
-                <a:ea typeface="Courier" charset="0"/>
-                <a:cs typeface="Courier" charset="0"/>
-                <a:hlinkClick r:id="rId3"/>
-              </a:rPr>
-              <a:t>templates</a:t>
-            </a:r>
-            <a:r>
-              <a:rPr lang="en-US" sz="2800" dirty="0" smtClean="0">
-                <a:latin typeface="Courier" charset="0"/>
-                <a:ea typeface="Courier" charset="0"/>
-                <a:cs typeface="Courier" charset="0"/>
-              </a:rPr>
-              <a:t> options (</a:t>
-            </a:r>
-            <a:r>
-              <a:rPr lang="en-US" sz="2800" dirty="0" err="1" smtClean="0">
-                <a:latin typeface="Courier" charset="0"/>
-                <a:ea typeface="Courier" charset="0"/>
-                <a:cs typeface="Courier" charset="0"/>
-              </a:rPr>
-              <a:t>py</a:t>
-            </a:r>
-            <a:r>
-              <a:rPr lang="en-US" sz="2800" dirty="0" smtClean="0">
-                <a:latin typeface="Courier" charset="0"/>
-                <a:ea typeface="Courier" charset="0"/>
-                <a:cs typeface="Courier" charset="0"/>
-              </a:rPr>
-              <a:t>, node, java)</a:t>
-            </a:r>
-          </a:p>
-          <a:p>
-            <a:pPr marL="285750" indent="-285750">
-              <a:buFont typeface="Arial" charset="0"/>
-              <a:buChar char="•"/>
-            </a:pPr>
-            <a:r>
-              <a:rPr lang="en-US" sz="2800" dirty="0" smtClean="0">
-                <a:latin typeface="Courier" charset="0"/>
-                <a:ea typeface="Courier" charset="0"/>
-                <a:cs typeface="Courier" charset="0"/>
-              </a:rPr>
-              <a:t>Re-deploy functions independently</a:t>
-            </a:r>
-          </a:p>
-          <a:p>
-            <a:pPr marL="285750" indent="-285750">
-              <a:buFont typeface="Arial" charset="0"/>
-              <a:buChar char="•"/>
-            </a:pPr>
-            <a:r>
-              <a:rPr lang="en-US" sz="2800" dirty="0" smtClean="0">
-                <a:latin typeface="Courier" charset="0"/>
-                <a:ea typeface="Courier" charset="0"/>
-                <a:cs typeface="Courier" charset="0"/>
-              </a:rPr>
-              <a:t>Local invocation of functions for testing before deployment</a:t>
-            </a:r>
-            <a:endParaRPr lang="en-US" sz="2800" dirty="0" smtClean="0">
-              <a:latin typeface="Courier" charset="0"/>
-              <a:ea typeface="Courier" charset="0"/>
-              <a:cs typeface="Courier" charset="0"/>
-            </a:endParaRPr>
-          </a:p>
-        </p:txBody>
-      </p:sp>
+      <mc:AlternateContent xmlns:mc="http://schemas.openxmlformats.org/markup-compatibility/2006" xmlns:we="http://schemas.microsoft.com/office/webextensions/webextension/2010/11" xmlns:pca="http://schemas.microsoft.com/office/powerpoint/2013/contentapp">
+        <mc:Choice Requires="we pca">
+          <p:graphicFrame>
+            <p:nvGraphicFramePr>
+              <p:cNvPr id="4" name="Content Placeholder 3" title="Code Presenter Pro"/>
+              <p:cNvGraphicFramePr>
+                <a:graphicFrameLocks noGrp="1"/>
+              </p:cNvGraphicFramePr>
+              <p:nvPr>
+                <p:ph idx="1"/>
+                <p:extLst/>
+              </p:nvPr>
+            </p:nvGraphicFramePr>
+            <p:xfrm>
+              <a:off x="838200" y="1825625"/>
+              <a:ext cx="10515600" cy="3813175"/>
+            </p:xfrm>
+            <a:graphic>
+              <a:graphicData uri="http://schemas.microsoft.com/office/webextensions/webextension/2010/11">
+                <we:webextensionref xmlns:we="http://schemas.microsoft.com/office/webextensions/webextension/2010/11" xmlns:r="http://schemas.openxmlformats.org/officeDocument/2006/relationships" r:id="rId3"/>
+              </a:graphicData>
+            </a:graphic>
+          </p:graphicFrame>
+        </mc:Choice>
+        <mc:Fallback xmlns="">
+          <p:pic>
+            <p:nvPicPr>
+              <p:cNvPr id="4" name="Content Placeholder 3" title="Code Presenter Pro"/>
+              <p:cNvPicPr>
+                <a:picLocks noGrp="1" noRot="1" noChangeAspect="1" noMove="1" noResize="1" noEditPoints="1" noAdjustHandles="1" noChangeArrowheads="1" noChangeShapeType="1"/>
+              </p:cNvPicPr>
+              <p:nvPr/>
+            </p:nvPicPr>
+            <p:blipFill>
+              <a:blip r:embed="rId4"/>
+              <a:stretch>
+                <a:fillRect/>
+              </a:stretch>
+            </p:blipFill>
+            <p:spPr>
+              <a:xfrm>
+                <a:off x="838200" y="1825625"/>
+                <a:ext cx="10515600" cy="3813175"/>
+              </a:xfrm>
+              <a:prstGeom prst="rect">
+                <a:avLst/>
+              </a:prstGeom>
+            </p:spPr>
+          </p:pic>
+        </mc:Fallback>
+      </mc:AlternateContent>
     </p:spTree>
     <p:extLst>
       <p:ext uri="{BB962C8B-B14F-4D97-AF65-F5344CB8AC3E}">
-        <p14:creationId xmlns:p14="http://schemas.microsoft.com/office/powerpoint/2010/main" val="93868783"/>
+        <p14:creationId xmlns:p14="http://schemas.microsoft.com/office/powerpoint/2010/main" val="1808274196"/>
       </p:ext>
     </p:extLst>
   </p:cSld>
@@ -7684,6 +11435,34 @@
 </file>
 
 <file path=ppt/webextensions/webextension2.xml><?xml version="1.0" encoding="utf-8"?>
+<we:webextension xmlns:we="http://schemas.microsoft.com/office/webextensions/webextension/2010/11" id="{D31AEE91-6FE3-B046-B9F9-F30670B9184F}">
+  <we:reference id="wa104379263" version="1.0.0.1" store="en-US" storeType="OMEX"/>
+  <we:alternateReferences>
+    <we:reference id="WA104379263" version="1.0.0.1" store="WA104379263" storeType="OMEX"/>
+  </we:alternateReferences>
+  <we:properties>
+    <we:property name="config" value="{&quot;display_lang&quot;:&quot;en&quot;,&quot;display_font&quot;:&quot;Courier New&quot;,&quot;syntax_color&quot;:{&quot;Reserved words&quot;:&quot;#0000ff&quot;,&quot;Built-in objects&quot;:&quot;#FF0000&quot;,&quot;Line comment&quot;:&quot;#008000&quot;,&quot;Block comment&quot;:&quot;#008000&quot;,&quot;Quotation&quot;:&quot;#FF00FF&quot;,&quot;Quotation 2&quot;:&quot;#FF00FF&quot;,&quot;Number&quot;:&quot;#800080&quot;},&quot;old_syntax_color&quot;:{&quot;Reserved words&quot;:&quot;#0000FF&quot;,&quot;Built-in objects&quot;:&quot;#FF0000&quot;,&quot;Line comment&quot;:&quot;#008000&quot;,&quot;Block comment&quot;:&quot;#008000&quot;,&quot;Quotation&quot;:&quot;#FF00FF&quot;,&quot;Quotation 2&quot;:&quot;#FF00FF&quot;,&quot;Number&quot;:&quot;#800080&quot;},&quot;show_line_number&quot;:true,&quot;code_lang&quot;:&quot;js&quot;,&quot;code&quot;:&quot;function say(word) {\n   console.log(word);\n}\n \n//function as a parameter\nfunction execute(someFunction, value) {\n   someFunction(value);\n}\n \nsay(\&quot;Hello\&quot;);\nexecute(say, \&quot;World!\&quot;);\n\n//anonymous function\nexecute(function(word){ console.log(word) }, \&quot;Goodbye\&quot;);\n//single param fat arrow\nexecute(w =&gt; { console.log(w) }, \&quot;G2\&quot;); //single param \&quot;fat arrow\&quot;\n//self-executing empty anonymous function \n(() =&gt; console.log(\&quot;Empty anonymous\&quot;))();&quot;,&quot;ctags&quot;:{&quot;execute&quot;:[{&quot;linenum&quot;:&quot;6&quot;,&quot;signature&quot;:&quot;function execute(someFunction, value) {&quot;}],&quot;say&quot;:[{&quot;linenum&quot;:&quot;1&quot;,&quot;signature&quot;:&quot;function say(word) {&quot;}]}}"/>
+  </we:properties>
+  <we:bindings/>
+  <we:snapshot xmlns:r="http://schemas.openxmlformats.org/officeDocument/2006/relationships" r:embed="rId1"/>
+</we:webextension>
+</file>
+
+<file path=ppt/webextensions/webextension3.xml><?xml version="1.0" encoding="utf-8"?>
+<we:webextension xmlns:we="http://schemas.microsoft.com/office/webextensions/webextension/2010/11" id="{03217449-68FE-2F44-B361-2A660FFD5EB9}">
+  <we:reference id="wa104379263" version="1.0.0.1" store="en-US" storeType="OMEX"/>
+  <we:alternateReferences>
+    <we:reference id="WA104379263" version="1.0.0.1" store="WA104379263" storeType="OMEX"/>
+  </we:alternateReferences>
+  <we:properties>
+    <we:property name="config" value="{&quot;display_lang&quot;:&quot;en&quot;,&quot;display_font&quot;:&quot;Courier New&quot;,&quot;syntax_color&quot;:{&quot;Reserved words&quot;:&quot;#0000ff&quot;,&quot;Built-in objects&quot;:&quot;#FF0000&quot;,&quot;Line comment&quot;:&quot;#008000&quot;,&quot;Block comment&quot;:&quot;#008000&quot;,&quot;Quotation&quot;:&quot;#FF00FF&quot;,&quot;Quotation 2&quot;:&quot;#FF00FF&quot;,&quot;Number&quot;:&quot;#800080&quot;},&quot;old_syntax_color&quot;:{&quot;Reserved words&quot;:&quot;#0000FF&quot;,&quot;Built-in objects&quot;:&quot;#FF0000&quot;,&quot;Line comment&quot;:&quot;#008000&quot;,&quot;Block comment&quot;:&quot;#008000&quot;,&quot;Quotation&quot;:&quot;#FF00FF&quot;,&quot;Quotation 2&quot;:&quot;#FF00FF&quot;,&quot;Number&quot;:&quot;#800080&quot;},&quot;show_line_number&quot;:true,&quot;code_lang&quot;:&quot;js&quot;,&quot;code&quot;:&quot;\nconst m = new Map();\nm.set(\&quot;KEY\&quot;,123);\nlog(m.get(\&quot;KEY\&quot;));\n\nconst KEY = {}; //object key\nm.set(KEY,() =&gt; {console.log(321);} ); //anonymous function\nm.set(NaN,() =&gt; {return 999;} );\n\nlog(m.values());\nlog([...m]); //spread operator\nlog([...m.keys()]);\nlog([...m.values()]);\n\nlog([...m.keys()][2]); //array instance\n[...m.values()][1](); \nlog([...m.values()][2]());\n\nconst m2 = new Map([['a',1],['b',2],['c',99]]);\nconst m3 = new Map([...m2].map(([k, v]) =&gt; [k.toUpperCase(), 2 * v]));\nlog([...m3]);\nlog([...m3].filter(([k, v]) =&gt; v &lt; 100)); //filter callback\nlog([...m3.keys()].filter(k =&gt; k &lt; 'C'));\nconst m2str = JSON.stringify([...m2]);\nlog(m2str);\nlog(JSON.parse(m2str));\n\nfunction log(s) {\n    console.log(s);\n}&quot;,&quot;ctags&quot;:{&quot;log&quot;:[{&quot;linenum&quot;:&quot;28&quot;,&quot;signature&quot;:&quot;function log(s) {&quot;}]}}"/>
+  </we:properties>
+  <we:bindings/>
+  <we:snapshot xmlns:r="http://schemas.openxmlformats.org/officeDocument/2006/relationships" r:embed="rId1"/>
+</we:webextension>
+</file>
+
+<file path=ppt/webextensions/webextension4.xml><?xml version="1.0" encoding="utf-8"?>
 <we:webextension xmlns:we="http://schemas.microsoft.com/office/webextensions/webextension/2010/11" id="{AF9CC111-48EC-A448-AC52-DC476D313B8E}">
   <we:reference id="wa104379263" version="1.0.0.1" store="en-US" storeType="OMEX"/>
   <we:alternateReferences>
@@ -7697,7 +11476,21 @@
 </we:webextension>
 </file>
 
-<file path=ppt/webextensions/webextension3.xml><?xml version="1.0" encoding="utf-8"?>
+<file path=ppt/webextensions/webextension5.xml><?xml version="1.0" encoding="utf-8"?>
+<we:webextension xmlns:we="http://schemas.microsoft.com/office/webextensions/webextension/2010/11" id="{79D930EB-0CA9-7B4D-A365-7C95409C14B0}">
+  <we:reference id="wa104379263" version="1.0.0.1" store="en-US" storeType="OMEX"/>
+  <we:alternateReferences>
+    <we:reference id="WA104379263" version="1.0.0.1" store="WA104379263" storeType="OMEX"/>
+  </we:alternateReferences>
+  <we:properties>
+    <we:property name="config" value="{&quot;display_lang&quot;:&quot;en&quot;,&quot;display_font&quot;:&quot;Courier New&quot;,&quot;syntax_color&quot;:{&quot;Reserved words&quot;:&quot;#0000ff&quot;,&quot;Built-in objects&quot;:&quot;#FF0000&quot;,&quot;Line comment&quot;:&quot;#008000&quot;,&quot;Block comment&quot;:&quot;#008000&quot;,&quot;Quotation&quot;:&quot;#FF00FF&quot;,&quot;Quotation 2&quot;:&quot;#FF00FF&quot;,&quot;Number&quot;:&quot;#800080&quot;},&quot;old_syntax_color&quot;:{&quot;Reserved words&quot;:&quot;#0000FF&quot;,&quot;Built-in objects&quot;:&quot;#FF0000&quot;,&quot;Line comment&quot;:&quot;#008000&quot;,&quot;Block comment&quot;:&quot;#008000&quot;,&quot;Quotation&quot;:&quot;#FF00FF&quot;,&quot;Quotation 2&quot;:&quot;#FF00FF&quot;,&quot;Number&quot;:&quot;#800080&quot;},&quot;show_line_number&quot;:true,&quot;code_lang&quot;:&quot;js&quot;,&quot;code&quot;:&quot;const axios = require(\&quot;axios\&quot;);\nconst url =\n  \&quot;http://localhost:8080\&quot;;\naxios\n  .get(url)\n  .then(response =&gt; {\n    console.log(\n        `Loan Type: ${response.loan.type}\\n`,\n        `Loan Amt: ${response.loan.upb}\\n`,\n        `Primary Borrower: ${response.loan.borrower[0].name}\\n`\n    );\n  })\n  .catch(error =&gt; {\n    console.log(error);\n  });&quot;,&quot;ctags&quot;:{}}"/>
+  </we:properties>
+  <we:bindings/>
+  <we:snapshot xmlns:r="http://schemas.openxmlformats.org/officeDocument/2006/relationships" r:embed="rId1"/>
+</we:webextension>
+</file>
+
+<file path=ppt/webextensions/webextension6.xml><?xml version="1.0" encoding="utf-8"?>
 <we:webextension xmlns:we="http://schemas.microsoft.com/office/webextensions/webextension/2010/11" id="{2DD9BFBB-1184-4840-89A3-8DF150018B43}">
   <we:reference id="wa104379263" version="1.0.0.1" store="en-US" storeType="OMEX"/>
   <we:alternateReferences>
@@ -7711,7 +11504,7 @@
 </we:webextension>
 </file>
 
-<file path=ppt/webextensions/webextension4.xml><?xml version="1.0" encoding="utf-8"?>
+<file path=ppt/webextensions/webextension7.xml><?xml version="1.0" encoding="utf-8"?>
 <we:webextension xmlns:we="http://schemas.microsoft.com/office/webextensions/webextension/2010/11" id="{B0511681-F3C9-C240-B29A-84377B9A3FA9}">
   <we:reference id="wa104379263" version="1.0.0.1" store="en-US" storeType="OMEX"/>
   <we:alternateReferences>
@@ -7725,7 +11518,7 @@
 </we:webextension>
 </file>
 
-<file path=ppt/webextensions/webextension5.xml><?xml version="1.0" encoding="utf-8"?>
+<file path=ppt/webextensions/webextension8.xml><?xml version="1.0" encoding="utf-8"?>
 <we:webextension xmlns:we="http://schemas.microsoft.com/office/webextensions/webextension/2010/11" id="{4C804D67-ED73-BF4C-8FAE-61E15076D884}">
   <we:reference id="wa104379263" version="1.0.0.1" store="en-US" storeType="OMEX"/>
   <we:alternateReferences>
@@ -7739,7 +11532,7 @@
 </we:webextension>
 </file>
 
-<file path=ppt/webextensions/webextension6.xml><?xml version="1.0" encoding="utf-8"?>
+<file path=ppt/webextensions/webextension9.xml><?xml version="1.0" encoding="utf-8"?>
 <we:webextension xmlns:we="http://schemas.microsoft.com/office/webextensions/webextension/2010/11" id="{A4D3909D-FE39-DF4A-8BC2-5A8641C70378}">
   <we:reference id="wa104379263" version="1.0.0.1" store="en-US" storeType="OMEX"/>
   <we:alternateReferences>

--- a/doc/slac_slides.pptx
+++ b/doc/slac_slides.pptx
@@ -5,30 +5,31 @@
     <p:sldMasterId id="2147483648" r:id="rId1"/>
   </p:sldMasterIdLst>
   <p:notesMasterIdLst>
-    <p:notesMasterId r:id="rId23"/>
+    <p:notesMasterId r:id="rId24"/>
   </p:notesMasterIdLst>
   <p:sldIdLst>
     <p:sldId id="256" r:id="rId2"/>
-    <p:sldId id="257" r:id="rId3"/>
-    <p:sldId id="259" r:id="rId4"/>
-    <p:sldId id="258" r:id="rId5"/>
-    <p:sldId id="260" r:id="rId6"/>
-    <p:sldId id="273" r:id="rId7"/>
-    <p:sldId id="274" r:id="rId8"/>
-    <p:sldId id="261" r:id="rId9"/>
-    <p:sldId id="275" r:id="rId10"/>
-    <p:sldId id="262" r:id="rId11"/>
-    <p:sldId id="263" r:id="rId12"/>
-    <p:sldId id="276" r:id="rId13"/>
-    <p:sldId id="264" r:id="rId14"/>
-    <p:sldId id="265" r:id="rId15"/>
-    <p:sldId id="266" r:id="rId16"/>
-    <p:sldId id="267" r:id="rId17"/>
-    <p:sldId id="269" r:id="rId18"/>
-    <p:sldId id="271" r:id="rId19"/>
-    <p:sldId id="270" r:id="rId20"/>
-    <p:sldId id="268" r:id="rId21"/>
-    <p:sldId id="272" r:id="rId22"/>
+    <p:sldId id="277" r:id="rId3"/>
+    <p:sldId id="257" r:id="rId4"/>
+    <p:sldId id="259" r:id="rId5"/>
+    <p:sldId id="258" r:id="rId6"/>
+    <p:sldId id="260" r:id="rId7"/>
+    <p:sldId id="273" r:id="rId8"/>
+    <p:sldId id="274" r:id="rId9"/>
+    <p:sldId id="261" r:id="rId10"/>
+    <p:sldId id="275" r:id="rId11"/>
+    <p:sldId id="262" r:id="rId12"/>
+    <p:sldId id="263" r:id="rId13"/>
+    <p:sldId id="276" r:id="rId14"/>
+    <p:sldId id="264" r:id="rId15"/>
+    <p:sldId id="265" r:id="rId16"/>
+    <p:sldId id="266" r:id="rId17"/>
+    <p:sldId id="267" r:id="rId18"/>
+    <p:sldId id="269" r:id="rId19"/>
+    <p:sldId id="271" r:id="rId20"/>
+    <p:sldId id="270" r:id="rId21"/>
+    <p:sldId id="268" r:id="rId22"/>
+    <p:sldId id="272" r:id="rId23"/>
   </p:sldIdLst>
   <p:sldSz cx="12192000" cy="6858000"/>
   <p:notesSz cx="6858000" cy="9144000"/>
@@ -228,7 +229,7 @@
           <a:p>
             <a:fld id="{6800231F-0754-1D4E-B428-E40EAA7101A3}" type="datetimeFigureOut">
               <a:rPr lang="en-US" smtClean="0"/>
-              <a:t>9/11/17</a:t>
+              <a:t>9/13/17</a:t>
             </a:fld>
             <a:endParaRPr lang="en-US"/>
           </a:p>
@@ -542,7 +543,41 @@
           <a:p>
             <a:r>
               <a:rPr lang="en-US" dirty="0" smtClean="0"/>
-              <a:t>A single call stack</a:t>
+              <a:t>1) A </a:t>
+            </a:r>
+            <a:r>
+              <a:rPr lang="en-US" dirty="0" smtClean="0"/>
+              <a:t>single call </a:t>
+            </a:r>
+            <a:r>
+              <a:rPr lang="en-US" dirty="0" smtClean="0"/>
+              <a:t>stack</a:t>
+            </a:r>
+          </a:p>
+          <a:p>
+            <a:r>
+              <a:rPr lang="en-US" dirty="0" smtClean="0">
+                <a:latin typeface="Courier" charset="0"/>
+                <a:ea typeface="Courier" charset="0"/>
+                <a:cs typeface="Courier" charset="0"/>
+              </a:rPr>
+              <a:t>2)</a:t>
+            </a:r>
+            <a:r>
+              <a:rPr lang="en-US" baseline="0" dirty="0" smtClean="0">
+                <a:latin typeface="Courier" charset="0"/>
+                <a:ea typeface="Courier" charset="0"/>
+                <a:cs typeface="Courier" charset="0"/>
+              </a:rPr>
+              <a:t> </a:t>
+            </a:r>
+            <a:r>
+              <a:rPr lang="en-US" dirty="0" smtClean="0">
+                <a:latin typeface="Courier" charset="0"/>
+                <a:ea typeface="Courier" charset="0"/>
+                <a:cs typeface="Courier" charset="0"/>
+              </a:rPr>
+              <a:t>Multi-threading emulates concurrency but is expensive (context switching and memory)</a:t>
             </a:r>
             <a:endParaRPr lang="en-US" dirty="0"/>
           </a:p>
@@ -565,7 +600,7 @@
           <a:p>
             <a:fld id="{F2525AB9-A250-384A-A45B-2B27F02B4CAC}" type="slidenum">
               <a:rPr lang="en-US" smtClean="0"/>
-              <a:t>3</a:t>
+              <a:t>4</a:t>
             </a:fld>
             <a:endParaRPr lang="en-US"/>
           </a:p>
@@ -697,7 +732,7 @@
           <a:p>
             <a:fld id="{F2525AB9-A250-384A-A45B-2B27F02B4CAC}" type="slidenum">
               <a:rPr lang="en-US" smtClean="0"/>
-              <a:t>14</a:t>
+              <a:t>15</a:t>
             </a:fld>
             <a:endParaRPr lang="en-US"/>
           </a:p>
@@ -804,7 +839,7 @@
           <a:p>
             <a:fld id="{F2525AB9-A250-384A-A45B-2B27F02B4CAC}" type="slidenum">
               <a:rPr lang="en-US" smtClean="0"/>
-              <a:t>15</a:t>
+              <a:t>16</a:t>
             </a:fld>
             <a:endParaRPr lang="en-US"/>
           </a:p>
@@ -891,7 +926,7 @@
           <a:p>
             <a:fld id="{F2525AB9-A250-384A-A45B-2B27F02B4CAC}" type="slidenum">
               <a:rPr lang="en-US" smtClean="0"/>
-              <a:t>16</a:t>
+              <a:t>17</a:t>
             </a:fld>
             <a:endParaRPr lang="en-US"/>
           </a:p>
@@ -975,7 +1010,7 @@
           <a:p>
             <a:fld id="{F2525AB9-A250-384A-A45B-2B27F02B4CAC}" type="slidenum">
               <a:rPr lang="en-US" smtClean="0"/>
-              <a:t>17</a:t>
+              <a:t>18</a:t>
             </a:fld>
             <a:endParaRPr lang="en-US"/>
           </a:p>
@@ -1059,7 +1094,7 @@
           <a:p>
             <a:fld id="{F2525AB9-A250-384A-A45B-2B27F02B4CAC}" type="slidenum">
               <a:rPr lang="en-US" smtClean="0"/>
-              <a:t>18</a:t>
+              <a:t>19</a:t>
             </a:fld>
             <a:endParaRPr lang="en-US"/>
           </a:p>
@@ -1187,7 +1222,6 @@
               <a:rPr lang="en-US" baseline="0" dirty="0" smtClean="0"/>
               <a:t>After executing API, take a look at the DB</a:t>
             </a:r>
-            <a:endParaRPr lang="en-US" baseline="0" dirty="0" smtClean="0"/>
           </a:p>
         </p:txBody>
       </p:sp>
@@ -1208,7 +1242,7 @@
           <a:p>
             <a:fld id="{F2525AB9-A250-384A-A45B-2B27F02B4CAC}" type="slidenum">
               <a:rPr lang="en-US" smtClean="0"/>
-              <a:t>19</a:t>
+              <a:t>20</a:t>
             </a:fld>
             <a:endParaRPr lang="en-US"/>
           </a:p>
@@ -1273,11 +1307,7 @@
           <a:p>
             <a:r>
               <a:rPr lang="en-US" baseline="0" dirty="0" smtClean="0"/>
-              <a:t>1</a:t>
-            </a:r>
-            <a:r>
-              <a:rPr lang="en-US" baseline="0" dirty="0" smtClean="0"/>
-              <a:t>) After deployment:  </a:t>
+              <a:t>1) After deployment:  </a:t>
             </a:r>
             <a:r>
               <a:rPr lang="en-US" baseline="0" dirty="0" err="1" smtClean="0"/>
@@ -1295,7 +1325,6 @@
               <a:rPr lang="en-US" baseline="0" dirty="0" smtClean="0"/>
               <a:t>”</a:t>
             </a:r>
-            <a:endParaRPr lang="en-US" baseline="0" dirty="0" smtClean="0"/>
           </a:p>
         </p:txBody>
       </p:sp>
@@ -1316,7 +1345,7 @@
           <a:p>
             <a:fld id="{F2525AB9-A250-384A-A45B-2B27F02B4CAC}" type="slidenum">
               <a:rPr lang="en-US" smtClean="0"/>
-              <a:t>20</a:t>
+              <a:t>21</a:t>
             </a:fld>
             <a:endParaRPr lang="en-US"/>
           </a:p>
@@ -1381,11 +1410,7 @@
           <a:p>
             <a:r>
               <a:rPr lang="en-US" baseline="0" dirty="0" smtClean="0"/>
-              <a:t>1</a:t>
-            </a:r>
-            <a:r>
-              <a:rPr lang="en-US" baseline="0" dirty="0" smtClean="0"/>
-              <a:t>) After deployment:  </a:t>
+              <a:t>1) After deployment:  </a:t>
             </a:r>
             <a:r>
               <a:rPr lang="en-US" baseline="0" dirty="0" err="1" smtClean="0"/>
@@ -1403,7 +1428,6 @@
               <a:rPr lang="en-US" baseline="0" dirty="0" smtClean="0"/>
               <a:t>”</a:t>
             </a:r>
-            <a:endParaRPr lang="en-US" baseline="0" dirty="0" smtClean="0"/>
           </a:p>
         </p:txBody>
       </p:sp>
@@ -1424,7 +1448,7 @@
           <a:p>
             <a:fld id="{F2525AB9-A250-384A-A45B-2B27F02B4CAC}" type="slidenum">
               <a:rPr lang="en-US" smtClean="0"/>
-              <a:t>21</a:t>
+              <a:t>22</a:t>
             </a:fld>
             <a:endParaRPr lang="en-US"/>
           </a:p>
@@ -1491,7 +1515,6 @@
               <a:rPr lang="en-US" dirty="0" smtClean="0"/>
               <a:t>Code (the node “boilerplate” hello world):</a:t>
             </a:r>
-            <a:endParaRPr lang="en-US" dirty="0" smtClean="0"/>
           </a:p>
           <a:p>
             <a:r>
@@ -1570,7 +1593,7 @@
           <a:p>
             <a:fld id="{F2525AB9-A250-384A-A45B-2B27F02B4CAC}" type="slidenum">
               <a:rPr lang="en-US" smtClean="0"/>
-              <a:t>5</a:t>
+              <a:t>6</a:t>
             </a:fld>
             <a:endParaRPr lang="en-US"/>
           </a:p>
@@ -1701,7 +1724,7 @@
           <a:p>
             <a:fld id="{F2525AB9-A250-384A-A45B-2B27F02B4CAC}" type="slidenum">
               <a:rPr lang="en-US" smtClean="0"/>
-              <a:t>6</a:t>
+              <a:t>7</a:t>
             </a:fld>
             <a:endParaRPr lang="en-US"/>
           </a:p>
@@ -1832,7 +1855,7 @@
           <a:p>
             <a:fld id="{F2525AB9-A250-384A-A45B-2B27F02B4CAC}" type="slidenum">
               <a:rPr lang="en-US" smtClean="0"/>
-              <a:t>7</a:t>
+              <a:t>8</a:t>
             </a:fld>
             <a:endParaRPr lang="en-US"/>
           </a:p>
@@ -1963,7 +1986,7 @@
           <a:p>
             <a:fld id="{F2525AB9-A250-384A-A45B-2B27F02B4CAC}" type="slidenum">
               <a:rPr lang="en-US" smtClean="0"/>
-              <a:t>8</a:t>
+              <a:t>9</a:t>
             </a:fld>
             <a:endParaRPr lang="en-US"/>
           </a:p>
@@ -2094,7 +2117,7 @@
           <a:p>
             <a:fld id="{F2525AB9-A250-384A-A45B-2B27F02B4CAC}" type="slidenum">
               <a:rPr lang="en-US" smtClean="0"/>
-              <a:t>9</a:t>
+              <a:t>10</a:t>
             </a:fld>
             <a:endParaRPr lang="en-US"/>
           </a:p>
@@ -2192,11 +2215,7 @@
           <a:p>
             <a:r>
               <a:rPr lang="en-US" dirty="0" smtClean="0"/>
-              <a:t>A </a:t>
-            </a:r>
-            <a:r>
-              <a:rPr lang="en-US" dirty="0" smtClean="0"/>
-              <a:t>single call stack</a:t>
+              <a:t>A single call stack</a:t>
             </a:r>
             <a:endParaRPr lang="en-US" dirty="0"/>
           </a:p>
@@ -2219,7 +2238,7 @@
           <a:p>
             <a:fld id="{F2525AB9-A250-384A-A45B-2B27F02B4CAC}" type="slidenum">
               <a:rPr lang="en-US" smtClean="0"/>
-              <a:t>10</a:t>
+              <a:t>11</a:t>
             </a:fld>
             <a:endParaRPr lang="en-US"/>
           </a:p>
@@ -2307,7 +2326,7 @@
           <a:p>
             <a:fld id="{F2525AB9-A250-384A-A45B-2B27F02B4CAC}" type="slidenum">
               <a:rPr lang="en-US" smtClean="0"/>
-              <a:t>11</a:t>
+              <a:t>12</a:t>
             </a:fld>
             <a:endParaRPr lang="en-US"/>
           </a:p>
@@ -2484,11 +2503,7 @@
           <a:p>
             <a:r>
               <a:rPr lang="en-US" baseline="0" dirty="0" smtClean="0"/>
-              <a:t>4) If deploy fails, check credentials for "serverless" </a:t>
-            </a:r>
-            <a:r>
-              <a:rPr lang="en-US" baseline="0" dirty="0" smtClean="0"/>
-              <a:t>profile</a:t>
+              <a:t>4) If deploy fails, check credentials for "serverless" profile</a:t>
             </a:r>
           </a:p>
           <a:p>
@@ -2510,16 +2525,11 @@
               <a:rPr lang="en-US" baseline="0" dirty="0" smtClean="0"/>
               <a:t> stack</a:t>
             </a:r>
-            <a:endParaRPr lang="en-US" baseline="0" dirty="0" smtClean="0"/>
           </a:p>
           <a:p>
             <a:r>
               <a:rPr lang="en-US" baseline="0" dirty="0" smtClean="0"/>
-              <a:t>7) </a:t>
-            </a:r>
-            <a:r>
-              <a:rPr lang="en-US" baseline="0" dirty="0" smtClean="0"/>
-              <a:t>Modify the code and re-deploy the function only: "</a:t>
+              <a:t>7) Modify the code and re-deploy the function only: "</a:t>
             </a:r>
             <a:r>
               <a:rPr lang="en-US" dirty="0" smtClean="0"/>
@@ -2588,7 +2598,7 @@
           <a:p>
             <a:fld id="{F2525AB9-A250-384A-A45B-2B27F02B4CAC}" type="slidenum">
               <a:rPr lang="en-US" smtClean="0"/>
-              <a:t>13</a:t>
+              <a:t>14</a:t>
             </a:fld>
             <a:endParaRPr lang="en-US"/>
           </a:p>
@@ -2738,7 +2748,7 @@
           <a:p>
             <a:fld id="{FF482567-8505-0D40-A9EB-E8AA574657D0}" type="datetimeFigureOut">
               <a:rPr lang="en-US" smtClean="0"/>
-              <a:t>9/11/17</a:t>
+              <a:t>9/13/17</a:t>
             </a:fld>
             <a:endParaRPr lang="en-US"/>
           </a:p>
@@ -2908,7 +2918,7 @@
           <a:p>
             <a:fld id="{FF482567-8505-0D40-A9EB-E8AA574657D0}" type="datetimeFigureOut">
               <a:rPr lang="en-US" smtClean="0"/>
-              <a:t>9/11/17</a:t>
+              <a:t>9/13/17</a:t>
             </a:fld>
             <a:endParaRPr lang="en-US"/>
           </a:p>
@@ -3088,7 +3098,7 @@
           <a:p>
             <a:fld id="{FF482567-8505-0D40-A9EB-E8AA574657D0}" type="datetimeFigureOut">
               <a:rPr lang="en-US" smtClean="0"/>
-              <a:t>9/11/17</a:t>
+              <a:t>9/13/17</a:t>
             </a:fld>
             <a:endParaRPr lang="en-US"/>
           </a:p>
@@ -3258,7 +3268,7 @@
           <a:p>
             <a:fld id="{FF482567-8505-0D40-A9EB-E8AA574657D0}" type="datetimeFigureOut">
               <a:rPr lang="en-US" smtClean="0"/>
-              <a:t>9/11/17</a:t>
+              <a:t>9/13/17</a:t>
             </a:fld>
             <a:endParaRPr lang="en-US"/>
           </a:p>
@@ -3504,7 +3514,7 @@
           <a:p>
             <a:fld id="{FF482567-8505-0D40-A9EB-E8AA574657D0}" type="datetimeFigureOut">
               <a:rPr lang="en-US" smtClean="0"/>
-              <a:t>9/11/17</a:t>
+              <a:t>9/13/17</a:t>
             </a:fld>
             <a:endParaRPr lang="en-US"/>
           </a:p>
@@ -3736,7 +3746,7 @@
           <a:p>
             <a:fld id="{FF482567-8505-0D40-A9EB-E8AA574657D0}" type="datetimeFigureOut">
               <a:rPr lang="en-US" smtClean="0"/>
-              <a:t>9/11/17</a:t>
+              <a:t>9/13/17</a:t>
             </a:fld>
             <a:endParaRPr lang="en-US"/>
           </a:p>
@@ -4103,7 +4113,7 @@
           <a:p>
             <a:fld id="{FF482567-8505-0D40-A9EB-E8AA574657D0}" type="datetimeFigureOut">
               <a:rPr lang="en-US" smtClean="0"/>
-              <a:t>9/11/17</a:t>
+              <a:t>9/13/17</a:t>
             </a:fld>
             <a:endParaRPr lang="en-US"/>
           </a:p>
@@ -4221,7 +4231,7 @@
           <a:p>
             <a:fld id="{FF482567-8505-0D40-A9EB-E8AA574657D0}" type="datetimeFigureOut">
               <a:rPr lang="en-US" smtClean="0"/>
-              <a:t>9/11/17</a:t>
+              <a:t>9/13/17</a:t>
             </a:fld>
             <a:endParaRPr lang="en-US"/>
           </a:p>
@@ -4316,7 +4326,7 @@
           <a:p>
             <a:fld id="{FF482567-8505-0D40-A9EB-E8AA574657D0}" type="datetimeFigureOut">
               <a:rPr lang="en-US" smtClean="0"/>
-              <a:t>9/11/17</a:t>
+              <a:t>9/13/17</a:t>
             </a:fld>
             <a:endParaRPr lang="en-US"/>
           </a:p>
@@ -4593,7 +4603,7 @@
           <a:p>
             <a:fld id="{FF482567-8505-0D40-A9EB-E8AA574657D0}" type="datetimeFigureOut">
               <a:rPr lang="en-US" smtClean="0"/>
-              <a:t>9/11/17</a:t>
+              <a:t>9/13/17</a:t>
             </a:fld>
             <a:endParaRPr lang="en-US"/>
           </a:p>
@@ -4846,7 +4856,7 @@
           <a:p>
             <a:fld id="{FF482567-8505-0D40-A9EB-E8AA574657D0}" type="datetimeFigureOut">
               <a:rPr lang="en-US" smtClean="0"/>
-              <a:t>9/11/17</a:t>
+              <a:t>9/13/17</a:t>
             </a:fld>
             <a:endParaRPr lang="en-US"/>
           </a:p>
@@ -5059,7 +5069,7 @@
           <a:p>
             <a:fld id="{FF482567-8505-0D40-A9EB-E8AA574657D0}" type="datetimeFigureOut">
               <a:rPr lang="en-US" smtClean="0"/>
-              <a:t>9/11/17</a:t>
+              <a:t>9/13/17</a:t>
             </a:fld>
             <a:endParaRPr lang="en-US"/>
           </a:p>
@@ -5630,20 +5640,44 @@
           <a:lstStyle/>
           <a:p>
             <a:r>
+              <a:rPr lang="en-US" dirty="0" smtClean="0">
+                <a:latin typeface="Courier" charset="0"/>
+                <a:ea typeface="Courier" charset="0"/>
+                <a:cs typeface="Courier" charset="0"/>
+              </a:rPr>
+              <a:t>ES6 </a:t>
+            </a:r>
+            <a:r>
               <a:rPr lang="en-US" dirty="0" err="1" smtClean="0">
                 <a:latin typeface="Courier" charset="0"/>
                 <a:ea typeface="Courier" charset="0"/>
                 <a:cs typeface="Courier" charset="0"/>
               </a:rPr>
-              <a:t>Serverless</a:t>
-            </a:r>
-            <a:r>
-              <a:rPr lang="en-US" dirty="0" smtClean="0">
-                <a:latin typeface="Courier" charset="0"/>
-                <a:ea typeface="Courier" charset="0"/>
-                <a:cs typeface="Courier" charset="0"/>
-              </a:rPr>
-              <a:t> Architectures</a:t>
+              <a:t>Async</a:t>
+            </a:r>
+            <a:r>
+              <a:rPr lang="en-US" dirty="0" smtClean="0">
+                <a:latin typeface="Courier" charset="0"/>
+                <a:ea typeface="Courier" charset="0"/>
+                <a:cs typeface="Courier" charset="0"/>
+              </a:rPr>
+              <a:t> </a:t>
+            </a:r>
+            <a:r>
+              <a:rPr lang="mr-IN" dirty="0" smtClean="0">
+                <a:latin typeface="Courier" charset="0"/>
+                <a:ea typeface="Courier" charset="0"/>
+                <a:cs typeface="Courier" charset="0"/>
+              </a:rPr>
+              <a:t>–</a:t>
+            </a:r>
+            <a:r>
+              <a:rPr lang="en-US" dirty="0" smtClean="0">
+                <a:latin typeface="Courier" charset="0"/>
+                <a:ea typeface="Courier" charset="0"/>
+                <a:cs typeface="Courier" charset="0"/>
+              </a:rPr>
+              <a:t> Promise</a:t>
             </a:r>
             <a:endParaRPr lang="en-US" dirty="0">
               <a:latin typeface="Courier" charset="0"/>
@@ -5653,277 +5687,61 @@
           </a:p>
         </p:txBody>
       </p:sp>
-      <p:sp>
-        <p:nvSpPr>
-          <p:cNvPr id="3" name="Content Placeholder 2"/>
-          <p:cNvSpPr>
-            <a:spLocks noGrp="1"/>
-          </p:cNvSpPr>
-          <p:nvPr>
-            <p:ph idx="1"/>
-          </p:nvPr>
-        </p:nvSpPr>
-        <p:spPr/>
-        <p:txBody>
-          <a:bodyPr>
-            <a:normAutofit/>
-          </a:bodyPr>
-          <a:lstStyle/>
-          <a:p>
-            <a:r>
-              <a:rPr lang="en-US" dirty="0" smtClean="0">
-                <a:latin typeface="Courier" charset="0"/>
-                <a:ea typeface="Courier" charset="0"/>
-                <a:cs typeface="Courier" charset="0"/>
-              </a:rPr>
-              <a:t>Autonomous functional execution on </a:t>
-            </a:r>
-            <a:r>
-              <a:rPr lang="en-US" dirty="0" smtClean="0">
-                <a:latin typeface="Courier" charset="0"/>
-                <a:ea typeface="Courier" charset="0"/>
-                <a:cs typeface="Courier" charset="0"/>
-              </a:rPr>
-              <a:t>demand </a:t>
-            </a:r>
-            <a:r>
-              <a:rPr lang="mr-IN" dirty="0" smtClean="0">
-                <a:latin typeface="Courier" charset="0"/>
-                <a:ea typeface="Courier" charset="0"/>
-                <a:cs typeface="Courier" charset="0"/>
-              </a:rPr>
-              <a:t>–</a:t>
-            </a:r>
-            <a:r>
-              <a:rPr lang="en-US" dirty="0" smtClean="0">
-                <a:latin typeface="Courier" charset="0"/>
-                <a:ea typeface="Courier" charset="0"/>
-                <a:cs typeface="Courier" charset="0"/>
-              </a:rPr>
-              <a:t> Function as a Service </a:t>
-            </a:r>
-            <a:r>
-              <a:rPr lang="en-US" dirty="0" err="1" smtClean="0">
-                <a:latin typeface="Courier" charset="0"/>
-                <a:ea typeface="Courier" charset="0"/>
-                <a:cs typeface="Courier" charset="0"/>
-              </a:rPr>
-              <a:t>FaaS</a:t>
-            </a:r>
-            <a:endParaRPr lang="en-US" dirty="0" smtClean="0">
-              <a:latin typeface="Courier" charset="0"/>
-              <a:ea typeface="Courier" charset="0"/>
-              <a:cs typeface="Courier" charset="0"/>
-            </a:endParaRPr>
-          </a:p>
-          <a:p>
-            <a:r>
-              <a:rPr lang="en-US" dirty="0" smtClean="0">
-                <a:latin typeface="Courier" charset="0"/>
-                <a:ea typeface="Courier" charset="0"/>
-                <a:cs typeface="Courier" charset="0"/>
-              </a:rPr>
-              <a:t>Microservices</a:t>
-            </a:r>
-            <a:r>
-              <a:rPr lang="en-US" dirty="0">
-                <a:latin typeface="Courier" charset="0"/>
-                <a:ea typeface="Courier" charset="0"/>
-                <a:cs typeface="Courier" charset="0"/>
-              </a:rPr>
-              <a:t>? (</a:t>
-            </a:r>
-            <a:r>
-              <a:rPr lang="en-US" dirty="0">
-                <a:latin typeface="Courier" charset="0"/>
-                <a:ea typeface="Courier" charset="0"/>
-                <a:cs typeface="Courier" charset="0"/>
-                <a:hlinkClick r:id="rId3"/>
-              </a:rPr>
-              <a:t>https://12factor.net</a:t>
-            </a:r>
-            <a:r>
-              <a:rPr lang="en-US" dirty="0" smtClean="0">
-                <a:latin typeface="Courier" charset="0"/>
-                <a:ea typeface="Courier" charset="0"/>
-                <a:cs typeface="Courier" charset="0"/>
-                <a:hlinkClick r:id="rId3"/>
-              </a:rPr>
-              <a:t>/</a:t>
-            </a:r>
-            <a:r>
-              <a:rPr lang="en-US" dirty="0" smtClean="0">
-                <a:latin typeface="Courier" charset="0"/>
-                <a:ea typeface="Courier" charset="0"/>
-                <a:cs typeface="Courier" charset="0"/>
-              </a:rPr>
-              <a:t>)</a:t>
-            </a:r>
-          </a:p>
-          <a:p>
-            <a:r>
-              <a:rPr lang="en-US" dirty="0" smtClean="0">
-                <a:latin typeface="Courier" charset="0"/>
-                <a:ea typeface="Courier" charset="0"/>
-                <a:cs typeface="Courier" charset="0"/>
-              </a:rPr>
-              <a:t>In AWS, lambda </a:t>
-            </a:r>
-            <a:r>
-              <a:rPr lang="en-US" i="1" dirty="0" err="1" smtClean="0">
-                <a:solidFill>
-                  <a:schemeClr val="accent6">
-                    <a:lumMod val="75000"/>
-                  </a:schemeClr>
-                </a:solidFill>
-                <a:latin typeface="Courier" charset="0"/>
-                <a:ea typeface="Courier" charset="0"/>
-                <a:cs typeface="Courier" charset="0"/>
-              </a:rPr>
-              <a:t>instanceOf</a:t>
-            </a:r>
-            <a:r>
-              <a:rPr lang="en-US" dirty="0" smtClean="0">
-                <a:latin typeface="Courier" charset="0"/>
-                <a:ea typeface="Courier" charset="0"/>
-                <a:cs typeface="Courier" charset="0"/>
-              </a:rPr>
-              <a:t> serverless </a:t>
-            </a:r>
-            <a:r>
-              <a:rPr lang="en-US" dirty="0" smtClean="0">
-                <a:latin typeface="Courier" charset="0"/>
-                <a:ea typeface="Courier" charset="0"/>
-                <a:cs typeface="Courier" charset="0"/>
-              </a:rPr>
-              <a:t>function</a:t>
-            </a:r>
-            <a:endParaRPr lang="en-US" dirty="0" smtClean="0">
-              <a:latin typeface="Courier" charset="0"/>
-              <a:ea typeface="Courier" charset="0"/>
-              <a:cs typeface="Courier" charset="0"/>
-            </a:endParaRPr>
-          </a:p>
-          <a:p>
-            <a:r>
-              <a:rPr lang="en-US" dirty="0" smtClean="0">
-                <a:latin typeface="Courier" charset="0"/>
-                <a:ea typeface="Courier" charset="0"/>
-                <a:cs typeface="Courier" charset="0"/>
-              </a:rPr>
-              <a:t>Many languages </a:t>
-            </a:r>
-            <a:r>
-              <a:rPr lang="en-US" dirty="0" smtClean="0">
-                <a:latin typeface="Courier" charset="0"/>
-                <a:ea typeface="Courier" charset="0"/>
-                <a:cs typeface="Courier" charset="0"/>
-              </a:rPr>
-              <a:t>supported </a:t>
-            </a:r>
-            <a:r>
-              <a:rPr lang="en-US" dirty="0" smtClean="0">
-                <a:latin typeface="Courier" charset="0"/>
-                <a:ea typeface="Courier" charset="0"/>
-                <a:cs typeface="Courier" charset="0"/>
-              </a:rPr>
-              <a:t>including Java</a:t>
-            </a:r>
-            <a:r>
-              <a:rPr lang="en-US" dirty="0" smtClean="0">
-                <a:latin typeface="Courier" charset="0"/>
-                <a:ea typeface="Courier" charset="0"/>
-                <a:cs typeface="Courier" charset="0"/>
-              </a:rPr>
-              <a:t>, Python, and JavaScript (</a:t>
-            </a:r>
-            <a:r>
-              <a:rPr lang="en-US" dirty="0" err="1" smtClean="0">
-                <a:latin typeface="Courier" charset="0"/>
-                <a:ea typeface="Courier" charset="0"/>
-                <a:cs typeface="Courier" charset="0"/>
-              </a:rPr>
-              <a:t>node.js</a:t>
-            </a:r>
-            <a:r>
-              <a:rPr lang="en-US" dirty="0" smtClean="0">
-                <a:latin typeface="Courier" charset="0"/>
-                <a:ea typeface="Courier" charset="0"/>
-                <a:cs typeface="Courier" charset="0"/>
-              </a:rPr>
-              <a:t>)</a:t>
-            </a:r>
-          </a:p>
-          <a:p>
-            <a:r>
-              <a:rPr lang="en-US" dirty="0" smtClean="0">
-                <a:latin typeface="Courier" charset="0"/>
-                <a:ea typeface="Courier" charset="0"/>
-                <a:cs typeface="Courier" charset="0"/>
-              </a:rPr>
-              <a:t>Benefits </a:t>
-            </a:r>
-            <a:r>
-              <a:rPr lang="mr-IN" dirty="0" smtClean="0">
-                <a:latin typeface="Courier" charset="0"/>
-                <a:ea typeface="Courier" charset="0"/>
-                <a:cs typeface="Courier" charset="0"/>
-              </a:rPr>
-              <a:t>–</a:t>
-            </a:r>
-            <a:r>
-              <a:rPr lang="en-US" dirty="0" smtClean="0">
-                <a:latin typeface="Courier" charset="0"/>
-                <a:ea typeface="Courier" charset="0"/>
-                <a:cs typeface="Courier" charset="0"/>
-              </a:rPr>
-              <a:t> Cost, Scalability, Flexibility</a:t>
-            </a:r>
-          </a:p>
-          <a:p>
-            <a:r>
-              <a:rPr lang="en-US" dirty="0" smtClean="0">
-                <a:latin typeface="Courier" charset="0"/>
-                <a:ea typeface="Courier" charset="0"/>
-                <a:cs typeface="Courier" charset="0"/>
-              </a:rPr>
-              <a:t>Constraints </a:t>
-            </a:r>
-            <a:r>
-              <a:rPr lang="mr-IN" dirty="0" smtClean="0">
-                <a:latin typeface="Courier" charset="0"/>
-                <a:ea typeface="Courier" charset="0"/>
-                <a:cs typeface="Courier" charset="0"/>
-              </a:rPr>
-              <a:t>–</a:t>
-            </a:r>
-            <a:r>
-              <a:rPr lang="en-US" dirty="0" smtClean="0">
-                <a:latin typeface="Courier" charset="0"/>
-                <a:ea typeface="Courier" charset="0"/>
-                <a:cs typeface="Courier" charset="0"/>
-              </a:rPr>
-              <a:t> Execution caps, Response time with JVM dependent languages</a:t>
-            </a:r>
-            <a:endParaRPr lang="en-US" dirty="0" smtClean="0">
-              <a:latin typeface="Courier" charset="0"/>
-              <a:ea typeface="Courier" charset="0"/>
-              <a:cs typeface="Courier" charset="0"/>
-            </a:endParaRPr>
-          </a:p>
-          <a:p>
-            <a:endParaRPr lang="en-US" dirty="0" smtClean="0">
-              <a:latin typeface="Courier" charset="0"/>
-              <a:ea typeface="Courier" charset="0"/>
-              <a:cs typeface="Courier" charset="0"/>
-            </a:endParaRPr>
-          </a:p>
-        </p:txBody>
-      </p:sp>
+      <mc:AlternateContent xmlns:mc="http://schemas.openxmlformats.org/markup-compatibility/2006" xmlns:we="http://schemas.microsoft.com/office/webextensions/webextension/2010/11" xmlns:pca="http://schemas.microsoft.com/office/powerpoint/2013/contentapp">
+        <mc:Choice Requires="we pca">
+          <p:graphicFrame>
+            <p:nvGraphicFramePr>
+              <p:cNvPr id="4" name="Content Placeholder 3" title="Code Presenter Pro"/>
+              <p:cNvGraphicFramePr>
+                <a:graphicFrameLocks noGrp="1"/>
+              </p:cNvGraphicFramePr>
+              <p:nvPr>
+                <p:ph idx="1"/>
+                <p:extLst/>
+              </p:nvPr>
+            </p:nvGraphicFramePr>
+            <p:xfrm>
+              <a:off x="838200" y="1825625"/>
+              <a:ext cx="10515600" cy="3813175"/>
+            </p:xfrm>
+            <a:graphic>
+              <a:graphicData uri="http://schemas.microsoft.com/office/webextensions/webextension/2010/11">
+                <we:webextensionref xmlns:we="http://schemas.microsoft.com/office/webextensions/webextension/2010/11" xmlns:r="http://schemas.openxmlformats.org/officeDocument/2006/relationships" r:id="rId3"/>
+              </a:graphicData>
+            </a:graphic>
+          </p:graphicFrame>
+        </mc:Choice>
+        <mc:Fallback xmlns="">
+          <p:pic>
+            <p:nvPicPr>
+              <p:cNvPr id="4" name="Content Placeholder 3" title="Code Presenter Pro"/>
+              <p:cNvPicPr>
+                <a:picLocks noGrp="1" noRot="1" noChangeAspect="1" noMove="1" noResize="1" noEditPoints="1" noAdjustHandles="1" noChangeArrowheads="1" noChangeShapeType="1"/>
+              </p:cNvPicPr>
+              <p:nvPr/>
+            </p:nvPicPr>
+            <p:blipFill>
+              <a:blip r:embed="rId4"/>
+              <a:stretch>
+                <a:fillRect/>
+              </a:stretch>
+            </p:blipFill>
+            <p:spPr>
+              <a:xfrm>
+                <a:off x="838200" y="1825625"/>
+                <a:ext cx="10515600" cy="3813175"/>
+              </a:xfrm>
+              <a:prstGeom prst="rect">
+                <a:avLst/>
+              </a:prstGeom>
+            </p:spPr>
+          </p:pic>
+        </mc:Fallback>
+      </mc:AlternateContent>
     </p:spTree>
     <p:extLst>
       <p:ext uri="{BB962C8B-B14F-4D97-AF65-F5344CB8AC3E}">
-        <p14:creationId xmlns:p14="http://schemas.microsoft.com/office/powerpoint/2010/main" val="666813900"/>
+        <p14:creationId xmlns:p14="http://schemas.microsoft.com/office/powerpoint/2010/main" val="1808274196"/>
       </p:ext>
     </p:extLst>
   </p:cSld>
@@ -5973,15 +5791,7 @@
           <a:lstStyle/>
           <a:p>
             <a:r>
-              <a:rPr lang="en-US" dirty="0" smtClean="0">
-                <a:latin typeface="Courier" charset="0"/>
-                <a:ea typeface="Courier" charset="0"/>
-                <a:cs typeface="Courier" charset="0"/>
-              </a:rPr>
-              <a:t>The </a:t>
-            </a:r>
-            <a:r>
-              <a:rPr lang="en-US" i="1" dirty="0" err="1" smtClean="0">
+              <a:rPr lang="en-US" dirty="0" err="1" smtClean="0">
                 <a:latin typeface="Courier" charset="0"/>
                 <a:ea typeface="Courier" charset="0"/>
                 <a:cs typeface="Courier" charset="0"/>
@@ -5994,7 +5804,7 @@
                 <a:ea typeface="Courier" charset="0"/>
                 <a:cs typeface="Courier" charset="0"/>
               </a:rPr>
-              <a:t> Framework</a:t>
+              <a:t> Architectures</a:t>
             </a:r>
             <a:endParaRPr lang="en-US" dirty="0">
               <a:latin typeface="Courier" charset="0"/>
@@ -6027,55 +5837,31 @@
                 <a:ea typeface="Courier" charset="0"/>
                 <a:cs typeface="Courier" charset="0"/>
               </a:rPr>
-              <a:t>Open source build and deployment tool</a:t>
-            </a:r>
-          </a:p>
-          <a:p>
-            <a:r>
-              <a:rPr lang="en-US" dirty="0" smtClean="0">
-                <a:latin typeface="Courier" charset="0"/>
-                <a:ea typeface="Courier" charset="0"/>
-                <a:cs typeface="Courier" charset="0"/>
-              </a:rPr>
-              <a:t>Support for multiple public cloud providers (Google, Azure, and AWS)</a:t>
-            </a:r>
-          </a:p>
-          <a:p>
-            <a:r>
-              <a:rPr lang="en-US" dirty="0" smtClean="0">
-                <a:latin typeface="Courier" charset="0"/>
-                <a:ea typeface="Courier" charset="0"/>
-                <a:cs typeface="Courier" charset="0"/>
-              </a:rPr>
-              <a:t>Multi-language support</a:t>
-            </a:r>
-          </a:p>
-          <a:p>
-            <a:r>
-              <a:rPr lang="en-US" dirty="0" smtClean="0">
-                <a:latin typeface="Courier" charset="0"/>
-                <a:ea typeface="Courier" charset="0"/>
-                <a:cs typeface="Courier" charset="0"/>
-              </a:rPr>
-              <a:t>Abstracts configuration and deployment orchestration details</a:t>
-            </a:r>
-          </a:p>
-          <a:p>
-            <a:r>
-              <a:rPr lang="en-US" dirty="0" smtClean="0">
-                <a:latin typeface="Courier" charset="0"/>
-                <a:ea typeface="Courier" charset="0"/>
-                <a:cs typeface="Courier" charset="0"/>
-              </a:rPr>
-              <a:t>Supports the integration with several cloud services including event/messaging, database, and </a:t>
-            </a:r>
-            <a:r>
-              <a:rPr lang="en-US" dirty="0" smtClean="0">
-                <a:latin typeface="Courier" charset="0"/>
-                <a:ea typeface="Courier" charset="0"/>
-                <a:cs typeface="Courier" charset="0"/>
-              </a:rPr>
-              <a:t>storage</a:t>
+              <a:t>Autonomous functional execution on demand </a:t>
+            </a:r>
+            <a:r>
+              <a:rPr lang="mr-IN" dirty="0" smtClean="0">
+                <a:latin typeface="Courier" charset="0"/>
+                <a:ea typeface="Courier" charset="0"/>
+                <a:cs typeface="Courier" charset="0"/>
+              </a:rPr>
+              <a:t>–</a:t>
+            </a:r>
+            <a:r>
+              <a:rPr lang="en-US" dirty="0" smtClean="0">
+                <a:latin typeface="Courier" charset="0"/>
+                <a:ea typeface="Courier" charset="0"/>
+                <a:cs typeface="Courier" charset="0"/>
+              </a:rPr>
+              <a:t> Function as a Service </a:t>
+            </a:r>
+            <a:r>
+              <a:rPr lang="en-US" dirty="0" err="1" smtClean="0">
+                <a:latin typeface="Courier" charset="0"/>
+                <a:ea typeface="Courier" charset="0"/>
+                <a:cs typeface="Courier" charset="0"/>
+              </a:rPr>
+              <a:t>FaaS</a:t>
             </a:r>
             <a:endParaRPr lang="en-US" dirty="0" smtClean="0">
               <a:latin typeface="Courier" charset="0"/>
@@ -6084,6 +5870,159 @@
             </a:endParaRPr>
           </a:p>
           <a:p>
+            <a:r>
+              <a:rPr lang="en-US" dirty="0" smtClean="0">
+                <a:latin typeface="Courier" charset="0"/>
+                <a:ea typeface="Courier" charset="0"/>
+                <a:cs typeface="Courier" charset="0"/>
+              </a:rPr>
+              <a:t>Microservices</a:t>
+            </a:r>
+            <a:r>
+              <a:rPr lang="en-US" dirty="0">
+                <a:latin typeface="Courier" charset="0"/>
+                <a:ea typeface="Courier" charset="0"/>
+                <a:cs typeface="Courier" charset="0"/>
+              </a:rPr>
+              <a:t>? (</a:t>
+            </a:r>
+            <a:r>
+              <a:rPr lang="en-US" dirty="0">
+                <a:latin typeface="Courier" charset="0"/>
+                <a:ea typeface="Courier" charset="0"/>
+                <a:cs typeface="Courier" charset="0"/>
+                <a:hlinkClick r:id="rId3"/>
+              </a:rPr>
+              <a:t>https://12factor.net</a:t>
+            </a:r>
+            <a:r>
+              <a:rPr lang="en-US" dirty="0" smtClean="0">
+                <a:latin typeface="Courier" charset="0"/>
+                <a:ea typeface="Courier" charset="0"/>
+                <a:cs typeface="Courier" charset="0"/>
+                <a:hlinkClick r:id="rId3"/>
+              </a:rPr>
+              <a:t>/</a:t>
+            </a:r>
+            <a:r>
+              <a:rPr lang="en-US" dirty="0" smtClean="0">
+                <a:latin typeface="Courier" charset="0"/>
+                <a:ea typeface="Courier" charset="0"/>
+                <a:cs typeface="Courier" charset="0"/>
+              </a:rPr>
+              <a:t>)</a:t>
+            </a:r>
+          </a:p>
+          <a:p>
+            <a:r>
+              <a:rPr lang="en-US" dirty="0" smtClean="0">
+                <a:latin typeface="Courier" charset="0"/>
+                <a:ea typeface="Courier" charset="0"/>
+                <a:cs typeface="Courier" charset="0"/>
+              </a:rPr>
+              <a:t>In AWS, lambda </a:t>
+            </a:r>
+            <a:r>
+              <a:rPr lang="en-US" i="1" dirty="0" err="1" smtClean="0">
+                <a:solidFill>
+                  <a:schemeClr val="accent6">
+                    <a:lumMod val="75000"/>
+                  </a:schemeClr>
+                </a:solidFill>
+                <a:latin typeface="Courier" charset="0"/>
+                <a:ea typeface="Courier" charset="0"/>
+                <a:cs typeface="Courier" charset="0"/>
+              </a:rPr>
+              <a:t>instanceOf</a:t>
+            </a:r>
+            <a:r>
+              <a:rPr lang="en-US" dirty="0" smtClean="0">
+                <a:latin typeface="Courier" charset="0"/>
+                <a:ea typeface="Courier" charset="0"/>
+                <a:cs typeface="Courier" charset="0"/>
+              </a:rPr>
+              <a:t> serverless function</a:t>
+            </a:r>
+          </a:p>
+          <a:p>
+            <a:r>
+              <a:rPr lang="en-US" dirty="0" smtClean="0">
+                <a:latin typeface="Courier" charset="0"/>
+                <a:ea typeface="Courier" charset="0"/>
+                <a:cs typeface="Courier" charset="0"/>
+              </a:rPr>
+              <a:t>Many languages supported including Java, Python, and JavaScript (</a:t>
+            </a:r>
+            <a:r>
+              <a:rPr lang="en-US" dirty="0" err="1" smtClean="0">
+                <a:latin typeface="Courier" charset="0"/>
+                <a:ea typeface="Courier" charset="0"/>
+                <a:cs typeface="Courier" charset="0"/>
+              </a:rPr>
+              <a:t>node.js</a:t>
+            </a:r>
+            <a:r>
+              <a:rPr lang="en-US" dirty="0" smtClean="0">
+                <a:latin typeface="Courier" charset="0"/>
+                <a:ea typeface="Courier" charset="0"/>
+                <a:cs typeface="Courier" charset="0"/>
+              </a:rPr>
+              <a:t>)</a:t>
+            </a:r>
+          </a:p>
+          <a:p>
+            <a:r>
+              <a:rPr lang="en-US" dirty="0" smtClean="0">
+                <a:latin typeface="Courier" charset="0"/>
+                <a:ea typeface="Courier" charset="0"/>
+                <a:cs typeface="Courier" charset="0"/>
+              </a:rPr>
+              <a:t>Benefits </a:t>
+            </a:r>
+            <a:r>
+              <a:rPr lang="mr-IN" dirty="0" smtClean="0">
+                <a:latin typeface="Courier" charset="0"/>
+                <a:ea typeface="Courier" charset="0"/>
+                <a:cs typeface="Courier" charset="0"/>
+              </a:rPr>
+              <a:t>–</a:t>
+            </a:r>
+            <a:r>
+              <a:rPr lang="en-US" dirty="0" smtClean="0">
+                <a:latin typeface="Courier" charset="0"/>
+                <a:ea typeface="Courier" charset="0"/>
+                <a:cs typeface="Courier" charset="0"/>
+              </a:rPr>
+              <a:t> Cost, Scalability, Flexibility</a:t>
+            </a:r>
+          </a:p>
+          <a:p>
+            <a:r>
+              <a:rPr lang="en-US" dirty="0" smtClean="0">
+                <a:latin typeface="Courier" charset="0"/>
+                <a:ea typeface="Courier" charset="0"/>
+                <a:cs typeface="Courier" charset="0"/>
+              </a:rPr>
+              <a:t>Constraints </a:t>
+            </a:r>
+            <a:r>
+              <a:rPr lang="mr-IN" dirty="0" smtClean="0">
+                <a:latin typeface="Courier" charset="0"/>
+                <a:ea typeface="Courier" charset="0"/>
+                <a:cs typeface="Courier" charset="0"/>
+              </a:rPr>
+              <a:t>–</a:t>
+            </a:r>
+            <a:r>
+              <a:rPr lang="en-US" dirty="0" smtClean="0">
+                <a:latin typeface="Courier" charset="0"/>
+                <a:ea typeface="Courier" charset="0"/>
+                <a:cs typeface="Courier" charset="0"/>
+              </a:rPr>
+              <a:t> Execution caps, Response time with JVM dependent languages</a:t>
+            </a:r>
+          </a:p>
+          <a:p>
             <a:endParaRPr lang="en-US" dirty="0" smtClean="0">
               <a:latin typeface="Courier" charset="0"/>
               <a:ea typeface="Courier" charset="0"/>
@@ -6095,7 +6034,7 @@
     </p:spTree>
     <p:extLst>
       <p:ext uri="{BB962C8B-B14F-4D97-AF65-F5344CB8AC3E}">
-        <p14:creationId xmlns:p14="http://schemas.microsoft.com/office/powerpoint/2010/main" val="1267705222"/>
+        <p14:creationId xmlns:p14="http://schemas.microsoft.com/office/powerpoint/2010/main" val="666813900"/>
       </p:ext>
     </p:extLst>
   </p:cSld>
@@ -6150,15 +6089,23 @@
                 <a:ea typeface="Courier" charset="0"/>
                 <a:cs typeface="Courier" charset="0"/>
               </a:rPr>
-              <a:t>Serverless </a:t>
-            </a:r>
-            <a:r>
-              <a:rPr lang="en-US" dirty="0" smtClean="0">
-                <a:latin typeface="Courier" charset="0"/>
-                <a:ea typeface="Courier" charset="0"/>
-                <a:cs typeface="Courier" charset="0"/>
-              </a:rPr>
-              <a:t>Housekeeping</a:t>
+              <a:t>The </a:t>
+            </a:r>
+            <a:r>
+              <a:rPr lang="en-US" i="1" dirty="0" err="1" smtClean="0">
+                <a:latin typeface="Courier" charset="0"/>
+                <a:ea typeface="Courier" charset="0"/>
+                <a:cs typeface="Courier" charset="0"/>
+              </a:rPr>
+              <a:t>Serverless</a:t>
+            </a:r>
+            <a:r>
+              <a:rPr lang="en-US" dirty="0" smtClean="0">
+                <a:latin typeface="Courier" charset="0"/>
+                <a:ea typeface="Courier" charset="0"/>
+                <a:cs typeface="Courier" charset="0"/>
+              </a:rPr>
+              <a:t> Framework</a:t>
             </a:r>
             <a:endParaRPr lang="en-US" dirty="0">
               <a:latin typeface="Courier" charset="0"/>
@@ -6170,316 +6117,83 @@
       </p:sp>
       <p:sp>
         <p:nvSpPr>
-          <p:cNvPr id="7" name="TextBox 6"/>
-          <p:cNvSpPr txBox="1"/>
-          <p:nvPr/>
-        </p:nvSpPr>
-        <p:spPr>
-          <a:xfrm>
-            <a:off x="838200" y="1690688"/>
-            <a:ext cx="10515600" cy="2246769"/>
-          </a:xfrm>
-          <a:prstGeom prst="rect">
-            <a:avLst/>
-          </a:prstGeom>
-          <a:noFill/>
-        </p:spPr>
-        <p:txBody>
-          <a:bodyPr wrap="square" rtlCol="0">
-            <a:spAutoFit/>
+          <p:cNvPr id="3" name="Content Placeholder 2"/>
+          <p:cNvSpPr>
+            <a:spLocks noGrp="1"/>
+          </p:cNvSpPr>
+          <p:nvPr>
+            <p:ph idx="1"/>
+          </p:nvPr>
+        </p:nvSpPr>
+        <p:spPr/>
+        <p:txBody>
+          <a:bodyPr>
+            <a:normAutofit/>
           </a:bodyPr>
           <a:lstStyle/>
           <a:p>
-            <a:pPr marL="285750" indent="-285750">
-              <a:buFont typeface="Arial" charset="0"/>
-              <a:buChar char="•"/>
-            </a:pPr>
-            <a:r>
-              <a:rPr lang="en-US" sz="2800" dirty="0" smtClean="0">
-                <a:latin typeface="Courier" charset="0"/>
-                <a:ea typeface="Courier" charset="0"/>
-                <a:cs typeface="Courier" charset="0"/>
-              </a:rPr>
-              <a:t>AWS Account </a:t>
-            </a:r>
-          </a:p>
-          <a:p>
-            <a:pPr marL="285750" indent="-285750">
-              <a:buFont typeface="Arial" charset="0"/>
-              <a:buChar char="•"/>
-            </a:pPr>
-            <a:r>
-              <a:rPr lang="en-US" sz="2800" dirty="0" smtClean="0">
-                <a:latin typeface="Courier" charset="0"/>
-                <a:ea typeface="Courier" charset="0"/>
-                <a:cs typeface="Courier" charset="0"/>
-              </a:rPr>
-              <a:t>User</a:t>
-            </a:r>
-            <a:r>
-              <a:rPr lang="en-US" sz="2800" i="1" dirty="0" smtClean="0">
-                <a:latin typeface="Courier" charset="0"/>
-                <a:ea typeface="Courier" charset="0"/>
-                <a:cs typeface="Courier" charset="0"/>
-              </a:rPr>
-              <a:t> </a:t>
-            </a:r>
-            <a:r>
-              <a:rPr lang="en-US" sz="2800" dirty="0" err="1" smtClean="0">
-                <a:solidFill>
-                  <a:srgbClr val="00B050"/>
-                </a:solidFill>
-                <a:latin typeface="Courier" charset="0"/>
-                <a:ea typeface="Courier" charset="0"/>
-                <a:cs typeface="Courier" charset="0"/>
-              </a:rPr>
-              <a:t>serverless_admin</a:t>
-            </a:r>
-            <a:r>
-              <a:rPr lang="en-US" sz="2800" dirty="0" smtClean="0">
-                <a:solidFill>
-                  <a:srgbClr val="00B050"/>
-                </a:solidFill>
-                <a:latin typeface="Courier" charset="0"/>
-                <a:ea typeface="Courier" charset="0"/>
-                <a:cs typeface="Courier" charset="0"/>
-              </a:rPr>
-              <a:t> </a:t>
-            </a:r>
-            <a:r>
-              <a:rPr lang="en-US" sz="2800" dirty="0">
-                <a:latin typeface="Courier" charset="0"/>
-                <a:ea typeface="Courier" charset="0"/>
-                <a:cs typeface="Courier" charset="0"/>
-              </a:rPr>
-              <a:t>with </a:t>
-            </a:r>
-            <a:r>
-              <a:rPr lang="en-US" sz="2800" dirty="0" smtClean="0">
-                <a:latin typeface="Courier" charset="0"/>
-                <a:ea typeface="Courier" charset="0"/>
-                <a:cs typeface="Courier" charset="0"/>
-              </a:rPr>
-              <a:t>IAM policy </a:t>
-            </a:r>
-            <a:r>
-              <a:rPr lang="en-US" sz="2800" dirty="0" err="1" smtClean="0">
-                <a:solidFill>
-                  <a:srgbClr val="FF0000"/>
-                </a:solidFill>
-                <a:latin typeface="Courier" charset="0"/>
-                <a:ea typeface="Courier" charset="0"/>
-                <a:cs typeface="Courier" charset="0"/>
-              </a:rPr>
-              <a:t>AmazonAPIGatewayInvokeFullAccess</a:t>
-            </a:r>
-            <a:endParaRPr lang="en-US" sz="2800" dirty="0" smtClean="0">
-              <a:solidFill>
-                <a:srgbClr val="FF0000"/>
-              </a:solidFill>
+            <a:r>
+              <a:rPr lang="en-US" dirty="0" smtClean="0">
+                <a:latin typeface="Courier" charset="0"/>
+                <a:ea typeface="Courier" charset="0"/>
+                <a:cs typeface="Courier" charset="0"/>
+              </a:rPr>
+              <a:t>Open source build and deployment tool</a:t>
+            </a:r>
+          </a:p>
+          <a:p>
+            <a:r>
+              <a:rPr lang="en-US" dirty="0" smtClean="0">
+                <a:latin typeface="Courier" charset="0"/>
+                <a:ea typeface="Courier" charset="0"/>
+                <a:cs typeface="Courier" charset="0"/>
+              </a:rPr>
+              <a:t>Support for multiple public cloud providers (Google, Azure, and AWS)</a:t>
+            </a:r>
+          </a:p>
+          <a:p>
+            <a:r>
+              <a:rPr lang="en-US" dirty="0" smtClean="0">
+                <a:latin typeface="Courier" charset="0"/>
+                <a:ea typeface="Courier" charset="0"/>
+                <a:cs typeface="Courier" charset="0"/>
+              </a:rPr>
+              <a:t>Multi-language support</a:t>
+            </a:r>
+          </a:p>
+          <a:p>
+            <a:r>
+              <a:rPr lang="en-US" dirty="0" smtClean="0">
+                <a:latin typeface="Courier" charset="0"/>
+                <a:ea typeface="Courier" charset="0"/>
+                <a:cs typeface="Courier" charset="0"/>
+              </a:rPr>
+              <a:t>Abstracts configuration and deployment orchestration details</a:t>
+            </a:r>
+          </a:p>
+          <a:p>
+            <a:r>
+              <a:rPr lang="en-US" dirty="0" smtClean="0">
+                <a:latin typeface="Courier" charset="0"/>
+                <a:ea typeface="Courier" charset="0"/>
+                <a:cs typeface="Courier" charset="0"/>
+              </a:rPr>
+              <a:t>Supports the integration with several cloud services including event/messaging, database, and storage</a:t>
+            </a:r>
+          </a:p>
+          <a:p>
+            <a:endParaRPr lang="en-US" dirty="0" smtClean="0">
               <a:latin typeface="Courier" charset="0"/>
               <a:ea typeface="Courier" charset="0"/>
               <a:cs typeface="Courier" charset="0"/>
             </a:endParaRPr>
           </a:p>
-          <a:p>
-            <a:pPr marL="285750" indent="-285750">
-              <a:buFont typeface="Arial" charset="0"/>
-              <a:buChar char="•"/>
-            </a:pPr>
-            <a:r>
-              <a:rPr lang="en-US" sz="2800" dirty="0" smtClean="0">
-                <a:latin typeface="Courier" charset="0"/>
-                <a:ea typeface="Courier" charset="0"/>
-                <a:cs typeface="Courier" charset="0"/>
-              </a:rPr>
-              <a:t>External </a:t>
-            </a:r>
-            <a:r>
-              <a:rPr lang="en-US" sz="2800" dirty="0" err="1" smtClean="0">
-                <a:latin typeface="Courier" charset="0"/>
-                <a:ea typeface="Courier" charset="0"/>
-                <a:cs typeface="Courier" charset="0"/>
-              </a:rPr>
-              <a:t>wifi</a:t>
-            </a:r>
-            <a:r>
-              <a:rPr lang="en-US" sz="2800" dirty="0" smtClean="0">
-                <a:latin typeface="Courier" charset="0"/>
-                <a:ea typeface="Courier" charset="0"/>
-                <a:cs typeface="Courier" charset="0"/>
-              </a:rPr>
-              <a:t> “hotspot”</a:t>
-            </a:r>
-          </a:p>
-          <a:p>
-            <a:pPr marL="285750" indent="-285750">
-              <a:buFont typeface="Arial" charset="0"/>
-              <a:buChar char="•"/>
-            </a:pPr>
-            <a:r>
-              <a:rPr lang="en-US" sz="2800" dirty="0" smtClean="0">
-                <a:latin typeface="Courier" charset="0"/>
-                <a:ea typeface="Courier" charset="0"/>
-                <a:cs typeface="Courier" charset="0"/>
-              </a:rPr>
-              <a:t>The serverless framework installed</a:t>
-            </a:r>
-          </a:p>
-        </p:txBody>
-      </p:sp>
-      <p:sp>
-        <p:nvSpPr>
-          <p:cNvPr id="6" name="Content Placeholder 4"/>
-          <p:cNvSpPr>
-            <a:spLocks noGrp="1"/>
-          </p:cNvSpPr>
-          <p:nvPr>
-            <p:ph idx="1"/>
-          </p:nvPr>
-        </p:nvSpPr>
-        <p:spPr>
-          <a:xfrm>
-            <a:off x="838200" y="4214864"/>
-            <a:ext cx="10515600" cy="1222375"/>
-          </a:xfrm>
-          <a:solidFill>
-            <a:schemeClr val="accent6">
-              <a:lumMod val="75000"/>
-            </a:schemeClr>
-          </a:solidFill>
-          <a:ln>
-            <a:solidFill>
-              <a:schemeClr val="tx1"/>
-            </a:solidFill>
-          </a:ln>
-        </p:spPr>
-        <p:txBody>
-          <a:bodyPr/>
-          <a:lstStyle/>
-          <a:p>
-            <a:pPr marL="0" indent="0">
-              <a:buNone/>
-            </a:pPr>
-            <a:r>
-              <a:rPr lang="en-US" dirty="0" smtClean="0">
-                <a:solidFill>
-                  <a:srgbClr val="FFFF00"/>
-                </a:solidFill>
-                <a:latin typeface="Courier" charset="0"/>
-                <a:ea typeface="Courier" charset="0"/>
-                <a:cs typeface="Courier" charset="0"/>
-              </a:rPr>
-              <a:t>$ </a:t>
-            </a:r>
-            <a:r>
-              <a:rPr lang="en-US" dirty="0" err="1" smtClean="0">
-                <a:solidFill>
-                  <a:srgbClr val="FFFF00"/>
-                </a:solidFill>
-                <a:latin typeface="Courier" charset="0"/>
-                <a:ea typeface="Courier" charset="0"/>
-                <a:cs typeface="Courier" charset="0"/>
-              </a:rPr>
-              <a:t>sudo</a:t>
-            </a:r>
-            <a:r>
-              <a:rPr lang="en-US" dirty="0" smtClean="0">
-                <a:solidFill>
-                  <a:srgbClr val="FFFF00"/>
-                </a:solidFill>
-                <a:latin typeface="Courier" charset="0"/>
-                <a:ea typeface="Courier" charset="0"/>
-                <a:cs typeface="Courier" charset="0"/>
-              </a:rPr>
-              <a:t> </a:t>
-            </a:r>
-            <a:r>
-              <a:rPr lang="en-US" dirty="0" err="1" smtClean="0">
-                <a:solidFill>
-                  <a:srgbClr val="FFFF00"/>
-                </a:solidFill>
-                <a:latin typeface="Courier" charset="0"/>
-                <a:ea typeface="Courier" charset="0"/>
-                <a:cs typeface="Courier" charset="0"/>
-              </a:rPr>
-              <a:t>npm</a:t>
-            </a:r>
-            <a:r>
-              <a:rPr lang="en-US" dirty="0" smtClean="0">
-                <a:solidFill>
-                  <a:srgbClr val="FFFF00"/>
-                </a:solidFill>
-                <a:latin typeface="Courier" charset="0"/>
-                <a:ea typeface="Courier" charset="0"/>
-                <a:cs typeface="Courier" charset="0"/>
-              </a:rPr>
-              <a:t> </a:t>
-            </a:r>
-            <a:r>
-              <a:rPr lang="en-US" dirty="0" err="1" smtClean="0">
-                <a:solidFill>
-                  <a:srgbClr val="FFFF00"/>
-                </a:solidFill>
-                <a:latin typeface="Courier" charset="0"/>
-                <a:ea typeface="Courier" charset="0"/>
-                <a:cs typeface="Courier" charset="0"/>
-              </a:rPr>
-              <a:t>i</a:t>
-            </a:r>
-            <a:r>
-              <a:rPr lang="en-US" dirty="0" smtClean="0">
-                <a:solidFill>
-                  <a:srgbClr val="FFFF00"/>
-                </a:solidFill>
-                <a:latin typeface="Courier" charset="0"/>
-                <a:ea typeface="Courier" charset="0"/>
-                <a:cs typeface="Courier" charset="0"/>
-              </a:rPr>
-              <a:t> serverless -g</a:t>
-            </a:r>
-          </a:p>
-          <a:p>
-            <a:pPr marL="0" indent="0">
-              <a:buNone/>
-            </a:pPr>
-            <a:r>
-              <a:rPr lang="en-US" dirty="0" smtClean="0">
-                <a:solidFill>
-                  <a:srgbClr val="FFFF00"/>
-                </a:solidFill>
-                <a:latin typeface="Courier" charset="0"/>
-                <a:ea typeface="Courier" charset="0"/>
-                <a:cs typeface="Courier" charset="0"/>
-              </a:rPr>
-              <a:t>$ </a:t>
-            </a:r>
-            <a:r>
-              <a:rPr lang="en-US" dirty="0" smtClean="0">
-                <a:solidFill>
-                  <a:srgbClr val="FFFF00"/>
-                </a:solidFill>
-                <a:latin typeface="Courier" charset="0"/>
-                <a:ea typeface="Courier" charset="0"/>
-                <a:cs typeface="Courier" charset="0"/>
-              </a:rPr>
-              <a:t>serverless --help</a:t>
-            </a:r>
-            <a:endParaRPr lang="en-US" dirty="0">
-              <a:solidFill>
-                <a:srgbClr val="FFFF00"/>
-              </a:solidFill>
-              <a:latin typeface="Courier" charset="0"/>
-              <a:ea typeface="Courier" charset="0"/>
-              <a:cs typeface="Courier" charset="0"/>
-            </a:endParaRPr>
-          </a:p>
         </p:txBody>
       </p:sp>
     </p:spTree>
     <p:extLst>
       <p:ext uri="{BB962C8B-B14F-4D97-AF65-F5344CB8AC3E}">
-        <p14:creationId xmlns:p14="http://schemas.microsoft.com/office/powerpoint/2010/main" val="1871028215"/>
+        <p14:creationId xmlns:p14="http://schemas.microsoft.com/office/powerpoint/2010/main" val="1267705222"/>
       </p:ext>
     </p:extLst>
   </p:cSld>
@@ -6529,6 +6243,371 @@
           <a:lstStyle/>
           <a:p>
             <a:r>
+              <a:rPr lang="en-US" dirty="0" smtClean="0">
+                <a:latin typeface="Courier" charset="0"/>
+                <a:ea typeface="Courier" charset="0"/>
+                <a:cs typeface="Courier" charset="0"/>
+              </a:rPr>
+              <a:t>Serverless Housekeeping</a:t>
+            </a:r>
+            <a:endParaRPr lang="en-US" dirty="0">
+              <a:latin typeface="Courier" charset="0"/>
+              <a:ea typeface="Courier" charset="0"/>
+              <a:cs typeface="Courier" charset="0"/>
+            </a:endParaRPr>
+          </a:p>
+        </p:txBody>
+      </p:sp>
+      <p:sp>
+        <p:nvSpPr>
+          <p:cNvPr id="7" name="TextBox 6"/>
+          <p:cNvSpPr txBox="1"/>
+          <p:nvPr/>
+        </p:nvSpPr>
+        <p:spPr>
+          <a:xfrm>
+            <a:off x="838200" y="1690688"/>
+            <a:ext cx="10515600" cy="2246769"/>
+          </a:xfrm>
+          <a:prstGeom prst="rect">
+            <a:avLst/>
+          </a:prstGeom>
+          <a:noFill/>
+        </p:spPr>
+        <p:txBody>
+          <a:bodyPr wrap="square" rtlCol="0">
+            <a:spAutoFit/>
+          </a:bodyPr>
+          <a:lstStyle/>
+          <a:p>
+            <a:pPr marL="285750" indent="-285750">
+              <a:buFont typeface="Arial" charset="0"/>
+              <a:buChar char="•"/>
+            </a:pPr>
+            <a:r>
+              <a:rPr lang="en-US" sz="2800" dirty="0" smtClean="0">
+                <a:latin typeface="Courier" charset="0"/>
+                <a:ea typeface="Courier" charset="0"/>
+                <a:cs typeface="Courier" charset="0"/>
+              </a:rPr>
+              <a:t>AWS Account </a:t>
+            </a:r>
+          </a:p>
+          <a:p>
+            <a:pPr marL="285750" indent="-285750">
+              <a:buFont typeface="Arial" charset="0"/>
+              <a:buChar char="•"/>
+            </a:pPr>
+            <a:r>
+              <a:rPr lang="en-US" sz="2800" dirty="0" smtClean="0">
+                <a:latin typeface="Courier" charset="0"/>
+                <a:ea typeface="Courier" charset="0"/>
+                <a:cs typeface="Courier" charset="0"/>
+              </a:rPr>
+              <a:t>User</a:t>
+            </a:r>
+            <a:r>
+              <a:rPr lang="en-US" sz="2800" i="1" dirty="0" smtClean="0">
+                <a:latin typeface="Courier" charset="0"/>
+                <a:ea typeface="Courier" charset="0"/>
+                <a:cs typeface="Courier" charset="0"/>
+              </a:rPr>
+              <a:t> </a:t>
+            </a:r>
+            <a:r>
+              <a:rPr lang="en-US" sz="2800" dirty="0" err="1" smtClean="0">
+                <a:solidFill>
+                  <a:srgbClr val="00B050"/>
+                </a:solidFill>
+                <a:latin typeface="Courier" charset="0"/>
+                <a:ea typeface="Courier" charset="0"/>
+                <a:cs typeface="Courier" charset="0"/>
+              </a:rPr>
+              <a:t>serverless_admin</a:t>
+            </a:r>
+            <a:r>
+              <a:rPr lang="en-US" sz="2800" dirty="0" smtClean="0">
+                <a:solidFill>
+                  <a:srgbClr val="00B050"/>
+                </a:solidFill>
+                <a:latin typeface="Courier" charset="0"/>
+                <a:ea typeface="Courier" charset="0"/>
+                <a:cs typeface="Courier" charset="0"/>
+              </a:rPr>
+              <a:t> </a:t>
+            </a:r>
+            <a:r>
+              <a:rPr lang="en-US" sz="2800" dirty="0">
+                <a:latin typeface="Courier" charset="0"/>
+                <a:ea typeface="Courier" charset="0"/>
+                <a:cs typeface="Courier" charset="0"/>
+              </a:rPr>
+              <a:t>with </a:t>
+            </a:r>
+            <a:r>
+              <a:rPr lang="en-US" sz="2800" dirty="0" smtClean="0">
+                <a:latin typeface="Courier" charset="0"/>
+                <a:ea typeface="Courier" charset="0"/>
+                <a:cs typeface="Courier" charset="0"/>
+              </a:rPr>
+              <a:t>IAM policy </a:t>
+            </a:r>
+            <a:r>
+              <a:rPr lang="en-US" sz="2800" dirty="0" err="1" smtClean="0">
+                <a:solidFill>
+                  <a:srgbClr val="FF0000"/>
+                </a:solidFill>
+                <a:latin typeface="Courier" charset="0"/>
+                <a:ea typeface="Courier" charset="0"/>
+                <a:cs typeface="Courier" charset="0"/>
+              </a:rPr>
+              <a:t>AmazonAPIGatewayInvokeFullAccess</a:t>
+            </a:r>
+            <a:endParaRPr lang="en-US" sz="2800" dirty="0" smtClean="0">
+              <a:solidFill>
+                <a:srgbClr val="FF0000"/>
+              </a:solidFill>
+              <a:latin typeface="Courier" charset="0"/>
+              <a:ea typeface="Courier" charset="0"/>
+              <a:cs typeface="Courier" charset="0"/>
+            </a:endParaRPr>
+          </a:p>
+          <a:p>
+            <a:pPr marL="285750" indent="-285750">
+              <a:buFont typeface="Arial" charset="0"/>
+              <a:buChar char="•"/>
+            </a:pPr>
+            <a:r>
+              <a:rPr lang="en-US" sz="2800" dirty="0" smtClean="0">
+                <a:latin typeface="Courier" charset="0"/>
+                <a:ea typeface="Courier" charset="0"/>
+                <a:cs typeface="Courier" charset="0"/>
+              </a:rPr>
+              <a:t>External </a:t>
+            </a:r>
+            <a:r>
+              <a:rPr lang="en-US" sz="2800" dirty="0" err="1" smtClean="0">
+                <a:latin typeface="Courier" charset="0"/>
+                <a:ea typeface="Courier" charset="0"/>
+                <a:cs typeface="Courier" charset="0"/>
+              </a:rPr>
+              <a:t>wifi</a:t>
+            </a:r>
+            <a:r>
+              <a:rPr lang="en-US" sz="2800" dirty="0" smtClean="0">
+                <a:latin typeface="Courier" charset="0"/>
+                <a:ea typeface="Courier" charset="0"/>
+                <a:cs typeface="Courier" charset="0"/>
+              </a:rPr>
+              <a:t> “hotspot”</a:t>
+            </a:r>
+          </a:p>
+          <a:p>
+            <a:pPr marL="285750" indent="-285750">
+              <a:buFont typeface="Arial" charset="0"/>
+              <a:buChar char="•"/>
+            </a:pPr>
+            <a:r>
+              <a:rPr lang="en-US" sz="2800" dirty="0" smtClean="0">
+                <a:latin typeface="Courier" charset="0"/>
+                <a:ea typeface="Courier" charset="0"/>
+                <a:cs typeface="Courier" charset="0"/>
+              </a:rPr>
+              <a:t>The serverless framework installed</a:t>
+            </a:r>
+          </a:p>
+        </p:txBody>
+      </p:sp>
+      <p:sp>
+        <p:nvSpPr>
+          <p:cNvPr id="6" name="Content Placeholder 4"/>
+          <p:cNvSpPr>
+            <a:spLocks noGrp="1"/>
+          </p:cNvSpPr>
+          <p:nvPr>
+            <p:ph idx="1"/>
+          </p:nvPr>
+        </p:nvSpPr>
+        <p:spPr>
+          <a:xfrm>
+            <a:off x="838200" y="4214864"/>
+            <a:ext cx="10515600" cy="1222375"/>
+          </a:xfrm>
+          <a:solidFill>
+            <a:schemeClr val="accent6">
+              <a:lumMod val="75000"/>
+            </a:schemeClr>
+          </a:solidFill>
+          <a:ln>
+            <a:solidFill>
+              <a:schemeClr val="tx1"/>
+            </a:solidFill>
+          </a:ln>
+        </p:spPr>
+        <p:txBody>
+          <a:bodyPr/>
+          <a:lstStyle/>
+          <a:p>
+            <a:pPr marL="0" indent="0">
+              <a:buNone/>
+            </a:pPr>
+            <a:r>
+              <a:rPr lang="en-US" dirty="0" smtClean="0">
+                <a:solidFill>
+                  <a:srgbClr val="FFFF00"/>
+                </a:solidFill>
+                <a:latin typeface="Courier" charset="0"/>
+                <a:ea typeface="Courier" charset="0"/>
+                <a:cs typeface="Courier" charset="0"/>
+              </a:rPr>
+              <a:t>$ </a:t>
+            </a:r>
+            <a:r>
+              <a:rPr lang="en-US" dirty="0" err="1" smtClean="0">
+                <a:solidFill>
+                  <a:srgbClr val="FFFF00"/>
+                </a:solidFill>
+                <a:latin typeface="Courier" charset="0"/>
+                <a:ea typeface="Courier" charset="0"/>
+                <a:cs typeface="Courier" charset="0"/>
+              </a:rPr>
+              <a:t>sudo</a:t>
+            </a:r>
+            <a:r>
+              <a:rPr lang="en-US" dirty="0" smtClean="0">
+                <a:solidFill>
+                  <a:srgbClr val="FFFF00"/>
+                </a:solidFill>
+                <a:latin typeface="Courier" charset="0"/>
+                <a:ea typeface="Courier" charset="0"/>
+                <a:cs typeface="Courier" charset="0"/>
+              </a:rPr>
+              <a:t> </a:t>
+            </a:r>
+            <a:r>
+              <a:rPr lang="en-US" dirty="0" err="1" smtClean="0">
+                <a:solidFill>
+                  <a:srgbClr val="FFFF00"/>
+                </a:solidFill>
+                <a:latin typeface="Courier" charset="0"/>
+                <a:ea typeface="Courier" charset="0"/>
+                <a:cs typeface="Courier" charset="0"/>
+              </a:rPr>
+              <a:t>npm</a:t>
+            </a:r>
+            <a:r>
+              <a:rPr lang="en-US" dirty="0" smtClean="0">
+                <a:solidFill>
+                  <a:srgbClr val="FFFF00"/>
+                </a:solidFill>
+                <a:latin typeface="Courier" charset="0"/>
+                <a:ea typeface="Courier" charset="0"/>
+                <a:cs typeface="Courier" charset="0"/>
+              </a:rPr>
+              <a:t> </a:t>
+            </a:r>
+            <a:r>
+              <a:rPr lang="en-US" dirty="0" err="1" smtClean="0">
+                <a:solidFill>
+                  <a:srgbClr val="FFFF00"/>
+                </a:solidFill>
+                <a:latin typeface="Courier" charset="0"/>
+                <a:ea typeface="Courier" charset="0"/>
+                <a:cs typeface="Courier" charset="0"/>
+              </a:rPr>
+              <a:t>i</a:t>
+            </a:r>
+            <a:r>
+              <a:rPr lang="en-US" dirty="0" smtClean="0">
+                <a:solidFill>
+                  <a:srgbClr val="FFFF00"/>
+                </a:solidFill>
+                <a:latin typeface="Courier" charset="0"/>
+                <a:ea typeface="Courier" charset="0"/>
+                <a:cs typeface="Courier" charset="0"/>
+              </a:rPr>
+              <a:t> serverless -g</a:t>
+            </a:r>
+          </a:p>
+          <a:p>
+            <a:pPr marL="0" indent="0">
+              <a:buNone/>
+            </a:pPr>
+            <a:r>
+              <a:rPr lang="en-US" dirty="0" smtClean="0">
+                <a:solidFill>
+                  <a:srgbClr val="FFFF00"/>
+                </a:solidFill>
+                <a:latin typeface="Courier" charset="0"/>
+                <a:ea typeface="Courier" charset="0"/>
+                <a:cs typeface="Courier" charset="0"/>
+              </a:rPr>
+              <a:t>$ serverless --help</a:t>
+            </a:r>
+            <a:endParaRPr lang="en-US" dirty="0">
+              <a:solidFill>
+                <a:srgbClr val="FFFF00"/>
+              </a:solidFill>
+              <a:latin typeface="Courier" charset="0"/>
+              <a:ea typeface="Courier" charset="0"/>
+              <a:cs typeface="Courier" charset="0"/>
+            </a:endParaRPr>
+          </a:p>
+        </p:txBody>
+      </p:sp>
+    </p:spTree>
+    <p:extLst>
+      <p:ext uri="{BB962C8B-B14F-4D97-AF65-F5344CB8AC3E}">
+        <p14:creationId xmlns:p14="http://schemas.microsoft.com/office/powerpoint/2010/main" val="1871028215"/>
+      </p:ext>
+    </p:extLst>
+  </p:cSld>
+  <p:clrMapOvr>
+    <a:masterClrMapping/>
+  </p:clrMapOvr>
+  <p:timing>
+    <p:tnLst>
+      <p:par>
+        <p:cTn id="1" dur="indefinite" restart="never" nodeType="tmRoot"/>
+      </p:par>
+    </p:tnLst>
+  </p:timing>
+</p:sld>
+</file>
+
+<file path=ppt/slides/slide14.xml><?xml version="1.0" encoding="utf-8"?>
+<p:sld xmlns:a="http://schemas.openxmlformats.org/drawingml/2006/main" xmlns:r="http://schemas.openxmlformats.org/officeDocument/2006/relationships" xmlns:p="http://schemas.openxmlformats.org/presentationml/2006/main">
+  <p:cSld>
+    <p:spTree>
+      <p:nvGrpSpPr>
+        <p:cNvPr id="1" name=""/>
+        <p:cNvGrpSpPr/>
+        <p:nvPr/>
+      </p:nvGrpSpPr>
+      <p:grpSpPr>
+        <a:xfrm>
+          <a:off x="0" y="0"/>
+          <a:ext cx="0" cy="0"/>
+          <a:chOff x="0" y="0"/>
+          <a:chExt cx="0" cy="0"/>
+        </a:xfrm>
+      </p:grpSpPr>
+      <p:sp>
+        <p:nvSpPr>
+          <p:cNvPr id="2" name="Title 1"/>
+          <p:cNvSpPr>
+            <a:spLocks noGrp="1"/>
+          </p:cNvSpPr>
+          <p:nvPr>
+            <p:ph type="title"/>
+          </p:nvPr>
+        </p:nvSpPr>
+        <p:spPr/>
+        <p:txBody>
+          <a:bodyPr/>
+          <a:lstStyle/>
+          <a:p>
+            <a:r>
               <a:rPr lang="en-US" dirty="0" err="1" smtClean="0">
                 <a:latin typeface="Courier" charset="0"/>
                 <a:ea typeface="Courier" charset="0"/>
@@ -6907,24 +6986,32 @@
                 <a:ea typeface="Courier" charset="0"/>
                 <a:cs typeface="Courier" charset="0"/>
               </a:rPr>
-              <a:t>Many service </a:t>
+              <a:t>Many service runtime </a:t>
             </a:r>
             <a:r>
               <a:rPr lang="en-US" sz="2400" dirty="0" smtClean="0">
                 <a:latin typeface="Courier" charset="0"/>
                 <a:ea typeface="Courier" charset="0"/>
                 <a:cs typeface="Courier" charset="0"/>
-              </a:rPr>
-              <a:t>runtime </a:t>
+                <a:hlinkClick r:id="rId3"/>
+              </a:rPr>
+              <a:t>templates</a:t>
             </a:r>
             <a:r>
               <a:rPr lang="en-US" sz="2400" dirty="0" smtClean="0">
                 <a:latin typeface="Courier" charset="0"/>
                 <a:ea typeface="Courier" charset="0"/>
                 <a:cs typeface="Courier" charset="0"/>
-                <a:hlinkClick r:id="rId3"/>
-              </a:rPr>
-              <a:t>templates</a:t>
+              </a:rPr>
+              <a:t> (python, node, java, </a:t>
+            </a:r>
+            <a:r>
+              <a:rPr lang="en-US" sz="2400" dirty="0" err="1" smtClean="0">
+                <a:latin typeface="Courier" charset="0"/>
+                <a:ea typeface="Courier" charset="0"/>
+                <a:cs typeface="Courier" charset="0"/>
+              </a:rPr>
+              <a:t>scala</a:t>
             </a:r>
             <a:r>
               <a:rPr lang="en-US" sz="2400" dirty="0" smtClean="0">
@@ -6932,45 +7019,8 @@
                 <a:ea typeface="Courier" charset="0"/>
                 <a:cs typeface="Courier" charset="0"/>
               </a:rPr>
-              <a:t> (python, </a:t>
-            </a:r>
-            <a:r>
-              <a:rPr lang="en-US" sz="2400" dirty="0" smtClean="0">
-                <a:latin typeface="Courier" charset="0"/>
-                <a:ea typeface="Courier" charset="0"/>
-                <a:cs typeface="Courier" charset="0"/>
-              </a:rPr>
-              <a:t>node, </a:t>
-            </a:r>
-            <a:r>
-              <a:rPr lang="en-US" sz="2400" dirty="0" smtClean="0">
-                <a:latin typeface="Courier" charset="0"/>
-                <a:ea typeface="Courier" charset="0"/>
-                <a:cs typeface="Courier" charset="0"/>
-              </a:rPr>
-              <a:t>java, </a:t>
-            </a:r>
-            <a:r>
-              <a:rPr lang="en-US" sz="2400" dirty="0" err="1" smtClean="0">
-                <a:latin typeface="Courier" charset="0"/>
-                <a:ea typeface="Courier" charset="0"/>
-                <a:cs typeface="Courier" charset="0"/>
-              </a:rPr>
-              <a:t>scala</a:t>
-            </a:r>
-            <a:r>
-              <a:rPr lang="en-US" sz="2400" dirty="0" smtClean="0">
-                <a:latin typeface="Courier" charset="0"/>
-                <a:ea typeface="Courier" charset="0"/>
-                <a:cs typeface="Courier" charset="0"/>
-              </a:rPr>
               <a:t>, etc.)</a:t>
             </a:r>
-            <a:endParaRPr lang="en-US" sz="2400" dirty="0" smtClean="0">
-              <a:latin typeface="Courier" charset="0"/>
-              <a:ea typeface="Courier" charset="0"/>
-              <a:cs typeface="Courier" charset="0"/>
-            </a:endParaRPr>
           </a:p>
           <a:p>
             <a:pPr marL="285750" indent="-285750">
@@ -7022,7 +7072,7 @@
 </p:sld>
 </file>
 
-<file path=ppt/slides/slide14.xml><?xml version="1.0" encoding="utf-8"?>
+<file path=ppt/slides/slide15.xml><?xml version="1.0" encoding="utf-8"?>
 <p:sld xmlns:a="http://schemas.openxmlformats.org/drawingml/2006/main" xmlns:r="http://schemas.openxmlformats.org/officeDocument/2006/relationships" xmlns:p="http://schemas.openxmlformats.org/presentationml/2006/main">
   <p:cSld>
     <p:spTree>
@@ -7249,7 +7299,7 @@
 </p:sld>
 </file>
 
-<file path=ppt/slides/slide15.xml><?xml version="1.0" encoding="utf-8"?>
+<file path=ppt/slides/slide16.xml><?xml version="1.0" encoding="utf-8"?>
 <p:sld xmlns:a="http://schemas.openxmlformats.org/drawingml/2006/main" xmlns:r="http://schemas.openxmlformats.org/officeDocument/2006/relationships" xmlns:p="http://schemas.openxmlformats.org/presentationml/2006/main">
   <p:cSld>
     <p:spTree>
@@ -7408,7 +7458,7 @@
 </p:sld>
 </file>
 
-<file path=ppt/slides/slide16.xml><?xml version="1.0" encoding="utf-8"?>
+<file path=ppt/slides/slide17.xml><?xml version="1.0" encoding="utf-8"?>
 <p:sld xmlns:a="http://schemas.openxmlformats.org/drawingml/2006/main" xmlns:r="http://schemas.openxmlformats.org/officeDocument/2006/relationships" xmlns:p="http://schemas.openxmlformats.org/presentationml/2006/main">
   <p:cSld>
     <p:spTree>
@@ -7609,304 +7659,6 @@
 </p:sld>
 </file>
 
-<file path=ppt/slides/slide17.xml><?xml version="1.0" encoding="utf-8"?>
-<p:sld xmlns:a="http://schemas.openxmlformats.org/drawingml/2006/main" xmlns:r="http://schemas.openxmlformats.org/officeDocument/2006/relationships" xmlns:p="http://schemas.openxmlformats.org/presentationml/2006/main">
-  <p:cSld>
-    <p:spTree>
-      <p:nvGrpSpPr>
-        <p:cNvPr id="1" name=""/>
-        <p:cNvGrpSpPr/>
-        <p:nvPr/>
-      </p:nvGrpSpPr>
-      <p:grpSpPr>
-        <a:xfrm>
-          <a:off x="0" y="0"/>
-          <a:ext cx="0" cy="0"/>
-          <a:chOff x="0" y="0"/>
-          <a:chExt cx="0" cy="0"/>
-        </a:xfrm>
-      </p:grpSpPr>
-      <p:sp>
-        <p:nvSpPr>
-          <p:cNvPr id="2" name="Title 1"/>
-          <p:cNvSpPr>
-            <a:spLocks noGrp="1"/>
-          </p:cNvSpPr>
-          <p:nvPr>
-            <p:ph type="title"/>
-          </p:nvPr>
-        </p:nvSpPr>
-        <p:spPr/>
-        <p:txBody>
-          <a:bodyPr/>
-          <a:lstStyle/>
-          <a:p>
-            <a:r>
-              <a:rPr lang="en-US" dirty="0" err="1" smtClean="0">
-                <a:latin typeface="Courier" charset="0"/>
-                <a:ea typeface="Courier" charset="0"/>
-                <a:cs typeface="Courier" charset="0"/>
-              </a:rPr>
-              <a:t>serverless.yml</a:t>
-            </a:r>
-            <a:r>
-              <a:rPr lang="en-US" dirty="0" smtClean="0">
-                <a:latin typeface="Courier" charset="0"/>
-                <a:ea typeface="Courier" charset="0"/>
-                <a:cs typeface="Courier" charset="0"/>
-              </a:rPr>
-              <a:t> </a:t>
-            </a:r>
-            <a:r>
-              <a:rPr lang="mr-IN" dirty="0" smtClean="0">
-                <a:latin typeface="Courier" charset="0"/>
-                <a:ea typeface="Courier" charset="0"/>
-                <a:cs typeface="Courier" charset="0"/>
-              </a:rPr>
-              <a:t>–</a:t>
-            </a:r>
-            <a:r>
-              <a:rPr lang="en-US" dirty="0" smtClean="0">
-                <a:latin typeface="Courier" charset="0"/>
-                <a:ea typeface="Courier" charset="0"/>
-                <a:cs typeface="Courier" charset="0"/>
-              </a:rPr>
-              <a:t> AWS details</a:t>
-            </a:r>
-            <a:endParaRPr lang="en-US" dirty="0">
-              <a:latin typeface="Courier" charset="0"/>
-              <a:ea typeface="Courier" charset="0"/>
-              <a:cs typeface="Courier" charset="0"/>
-            </a:endParaRPr>
-          </a:p>
-        </p:txBody>
-      </p:sp>
-      <p:sp>
-        <p:nvSpPr>
-          <p:cNvPr id="3" name="Content Placeholder 2"/>
-          <p:cNvSpPr>
-            <a:spLocks noGrp="1"/>
-          </p:cNvSpPr>
-          <p:nvPr>
-            <p:ph idx="1"/>
-          </p:nvPr>
-        </p:nvSpPr>
-        <p:spPr/>
-        <p:txBody>
-          <a:bodyPr>
-            <a:normAutofit fontScale="92500" lnSpcReduction="20000"/>
-          </a:bodyPr>
-          <a:lstStyle/>
-          <a:p>
-            <a:r>
-              <a:rPr lang="en-US" dirty="0">
-                <a:latin typeface="Courier" charset="0"/>
-                <a:ea typeface="Courier" charset="0"/>
-                <a:cs typeface="Courier" charset="0"/>
-                <a:hlinkClick r:id="rId3"/>
-              </a:rPr>
-              <a:t>s</a:t>
-            </a:r>
-            <a:r>
-              <a:rPr lang="en-US" dirty="0" smtClean="0">
-                <a:latin typeface="Courier" charset="0"/>
-                <a:ea typeface="Courier" charset="0"/>
-                <a:cs typeface="Courier" charset="0"/>
-                <a:hlinkClick r:id="rId3"/>
-              </a:rPr>
-              <a:t>erverless.yml</a:t>
-            </a:r>
-            <a:r>
-              <a:rPr lang="en-US" dirty="0" smtClean="0">
-                <a:latin typeface="Courier" charset="0"/>
-                <a:ea typeface="Courier" charset="0"/>
-                <a:cs typeface="Courier" charset="0"/>
-              </a:rPr>
-              <a:t> (yaml) - configuration defines cloud provider deployment details, functions and their event triggers, and resource dependencies </a:t>
-            </a:r>
-            <a:endParaRPr lang="en-US" dirty="0" smtClean="0">
-              <a:latin typeface="Courier" charset="0"/>
-              <a:ea typeface="Courier" charset="0"/>
-              <a:cs typeface="Courier" charset="0"/>
-            </a:endParaRPr>
-          </a:p>
-          <a:p>
-            <a:r>
-              <a:rPr lang="en-US" b="1" i="1" dirty="0" smtClean="0">
-                <a:latin typeface="Courier" charset="0"/>
-                <a:ea typeface="Courier" charset="0"/>
-                <a:cs typeface="Courier" charset="0"/>
-              </a:rPr>
-              <a:t>Provider</a:t>
-            </a:r>
-            <a:r>
-              <a:rPr lang="en-US" dirty="0" smtClean="0">
-                <a:latin typeface="Courier" charset="0"/>
-                <a:ea typeface="Courier" charset="0"/>
-                <a:cs typeface="Courier" charset="0"/>
-              </a:rPr>
-              <a:t> configuration can include </a:t>
-            </a:r>
-            <a:r>
-              <a:rPr lang="en-US" dirty="0" err="1" smtClean="0">
-                <a:solidFill>
-                  <a:srgbClr val="FF0000"/>
-                </a:solidFill>
-                <a:latin typeface="Courier" charset="0"/>
-                <a:ea typeface="Courier" charset="0"/>
-                <a:cs typeface="Courier" charset="0"/>
-              </a:rPr>
-              <a:t>iamRoleStatements</a:t>
-            </a:r>
-            <a:r>
-              <a:rPr lang="en-US" dirty="0" smtClean="0">
-                <a:solidFill>
-                  <a:srgbClr val="FF0000"/>
-                </a:solidFill>
-                <a:latin typeface="Courier" charset="0"/>
-                <a:ea typeface="Courier" charset="0"/>
-                <a:cs typeface="Courier" charset="0"/>
-              </a:rPr>
-              <a:t> </a:t>
-            </a:r>
-            <a:r>
-              <a:rPr lang="en-US" dirty="0" smtClean="0">
-                <a:latin typeface="Courier" charset="0"/>
-                <a:ea typeface="Courier" charset="0"/>
-                <a:cs typeface="Courier" charset="0"/>
-              </a:rPr>
-              <a:t>for dependencies that require additional permissions.  You can use </a:t>
-            </a:r>
-            <a:r>
-              <a:rPr lang="en-US" dirty="0" err="1" smtClean="0">
-                <a:latin typeface="Courier" charset="0"/>
-                <a:ea typeface="Courier" charset="0"/>
-                <a:cs typeface="Courier" charset="0"/>
-              </a:rPr>
-              <a:t>CloudFormation</a:t>
-            </a:r>
-            <a:r>
-              <a:rPr lang="en-US" dirty="0" smtClean="0">
-                <a:latin typeface="Courier" charset="0"/>
-                <a:ea typeface="Courier" charset="0"/>
-                <a:cs typeface="Courier" charset="0"/>
-              </a:rPr>
-              <a:t> syntax (yuck).</a:t>
-            </a:r>
-            <a:endParaRPr lang="en-US" dirty="0" smtClean="0">
-              <a:latin typeface="Courier" charset="0"/>
-              <a:ea typeface="Courier" charset="0"/>
-              <a:cs typeface="Courier" charset="0"/>
-            </a:endParaRPr>
-          </a:p>
-          <a:p>
-            <a:r>
-              <a:rPr lang="en-US" dirty="0" smtClean="0">
-                <a:latin typeface="Courier" charset="0"/>
-                <a:ea typeface="Courier" charset="0"/>
-                <a:cs typeface="Courier" charset="0"/>
-              </a:rPr>
-              <a:t>VPC </a:t>
-            </a:r>
-            <a:r>
-              <a:rPr lang="en-US" dirty="0" err="1" smtClean="0">
-                <a:latin typeface="Courier" charset="0"/>
-                <a:ea typeface="Courier" charset="0"/>
-                <a:cs typeface="Courier" charset="0"/>
-              </a:rPr>
-              <a:t>config</a:t>
-            </a:r>
-            <a:r>
-              <a:rPr lang="en-US" dirty="0" smtClean="0">
-                <a:latin typeface="Courier" charset="0"/>
-                <a:ea typeface="Courier" charset="0"/>
-                <a:cs typeface="Courier" charset="0"/>
-              </a:rPr>
-              <a:t> (security groups and subnets) are supported at the service and function level (overrides)</a:t>
-            </a:r>
-            <a:endParaRPr lang="en-US" dirty="0" smtClean="0">
-              <a:latin typeface="Courier" charset="0"/>
-              <a:ea typeface="Courier" charset="0"/>
-              <a:cs typeface="Courier" charset="0"/>
-            </a:endParaRPr>
-          </a:p>
-          <a:p>
-            <a:r>
-              <a:rPr lang="en-US" dirty="0" smtClean="0">
-                <a:latin typeface="Courier" charset="0"/>
-                <a:ea typeface="Courier" charset="0"/>
-                <a:cs typeface="Courier" charset="0"/>
-              </a:rPr>
-              <a:t>Environment variables and tags ar</a:t>
-            </a:r>
-            <a:r>
-              <a:rPr lang="en-US" dirty="0" smtClean="0">
-                <a:latin typeface="Courier" charset="0"/>
-                <a:ea typeface="Courier" charset="0"/>
-                <a:cs typeface="Courier" charset="0"/>
-              </a:rPr>
-              <a:t>e supported</a:t>
-            </a:r>
-          </a:p>
-          <a:p>
-            <a:r>
-              <a:rPr lang="en-US" dirty="0" smtClean="0">
-                <a:latin typeface="Courier" charset="0"/>
-                <a:ea typeface="Courier" charset="0"/>
-                <a:cs typeface="Courier" charset="0"/>
-              </a:rPr>
-              <a:t>AWS KMS keys can be specified </a:t>
-            </a:r>
-            <a:r>
-              <a:rPr lang="en-US" dirty="0">
-                <a:latin typeface="Courier" charset="0"/>
-                <a:ea typeface="Courier" charset="0"/>
-                <a:cs typeface="Courier" charset="0"/>
-              </a:rPr>
-              <a:t>using </a:t>
-            </a:r>
-            <a:r>
-              <a:rPr lang="en-US" dirty="0" err="1" smtClean="0">
-                <a:solidFill>
-                  <a:srgbClr val="FF0000"/>
-                </a:solidFill>
-                <a:latin typeface="Courier" charset="0"/>
-                <a:ea typeface="Courier" charset="0"/>
-                <a:cs typeface="Courier" charset="0"/>
-              </a:rPr>
-              <a:t>awsKmsKeyArn</a:t>
-            </a:r>
-            <a:endParaRPr lang="en-US" dirty="0" smtClean="0">
-              <a:solidFill>
-                <a:srgbClr val="FF0000"/>
-              </a:solidFill>
-              <a:latin typeface="Courier" charset="0"/>
-              <a:ea typeface="Courier" charset="0"/>
-              <a:cs typeface="Courier" charset="0"/>
-            </a:endParaRPr>
-          </a:p>
-        </p:txBody>
-      </p:sp>
-    </p:spTree>
-    <p:extLst>
-      <p:ext uri="{BB962C8B-B14F-4D97-AF65-F5344CB8AC3E}">
-        <p14:creationId xmlns:p14="http://schemas.microsoft.com/office/powerpoint/2010/main" val="388165695"/>
-      </p:ext>
-    </p:extLst>
-  </p:cSld>
-  <p:clrMapOvr>
-    <a:masterClrMapping/>
-  </p:clrMapOvr>
-  <p:timing>
-    <p:tnLst>
-      <p:par>
-        <p:cTn id="1" dur="indefinite" restart="never" nodeType="tmRoot"/>
-      </p:par>
-    </p:tnLst>
-  </p:timing>
-</p:sld>
-</file>
-
 <file path=ppt/slides/slide18.xml><?xml version="1.0" encoding="utf-8"?>
 <p:sld xmlns:a="http://schemas.openxmlformats.org/drawingml/2006/main" xmlns:r="http://schemas.openxmlformats.org/officeDocument/2006/relationships" xmlns:p="http://schemas.openxmlformats.org/presentationml/2006/main">
   <p:cSld>
@@ -7969,7 +7721,7 @@
                 <a:ea typeface="Courier" charset="0"/>
                 <a:cs typeface="Courier" charset="0"/>
               </a:rPr>
-              <a:t> Resources</a:t>
+              <a:t> AWS details</a:t>
             </a:r>
             <a:endParaRPr lang="en-US" dirty="0">
               <a:latin typeface="Courier" charset="0"/>
@@ -7992,207 +7744,83 @@
         <p:spPr/>
         <p:txBody>
           <a:bodyPr>
-            <a:normAutofit lnSpcReduction="10000"/>
+            <a:normAutofit fontScale="92500" lnSpcReduction="20000"/>
           </a:bodyPr>
           <a:lstStyle/>
           <a:p>
             <a:r>
-              <a:rPr lang="en-US" dirty="0" smtClean="0">
-                <a:latin typeface="Courier" charset="0"/>
-                <a:ea typeface="Courier" charset="0"/>
-                <a:cs typeface="Courier" charset="0"/>
-              </a:rPr>
-              <a:t>AWS infrastructure dependencies are configured as a </a:t>
-            </a:r>
+              <a:rPr lang="en-US" dirty="0">
+                <a:latin typeface="Courier" charset="0"/>
+                <a:ea typeface="Courier" charset="0"/>
+                <a:cs typeface="Courier" charset="0"/>
+                <a:hlinkClick r:id="rId3"/>
+              </a:rPr>
+              <a:t>s</a:t>
+            </a:r>
+            <a:r>
+              <a:rPr lang="en-US" dirty="0" smtClean="0">
+                <a:latin typeface="Courier" charset="0"/>
+                <a:ea typeface="Courier" charset="0"/>
+                <a:cs typeface="Courier" charset="0"/>
+                <a:hlinkClick r:id="rId3"/>
+              </a:rPr>
+              <a:t>erverless.yml</a:t>
+            </a:r>
+            <a:r>
+              <a:rPr lang="en-US" dirty="0" smtClean="0">
+                <a:latin typeface="Courier" charset="0"/>
+                <a:ea typeface="Courier" charset="0"/>
+                <a:cs typeface="Courier" charset="0"/>
+              </a:rPr>
+              <a:t> (yaml) - configuration defines cloud provider deployment details, functions and their event triggers, and resource dependencies </a:t>
+            </a:r>
+          </a:p>
+          <a:p>
             <a:r>
               <a:rPr lang="en-US" b="1" i="1" dirty="0" smtClean="0">
                 <a:latin typeface="Courier" charset="0"/>
                 <a:ea typeface="Courier" charset="0"/>
                 <a:cs typeface="Courier" charset="0"/>
               </a:rPr>
-              <a:t>Resource</a:t>
-            </a:r>
-            <a:r>
-              <a:rPr lang="en-US" dirty="0" smtClean="0">
-                <a:latin typeface="Courier" charset="0"/>
-                <a:ea typeface="Courier" charset="0"/>
-                <a:cs typeface="Courier" charset="0"/>
-              </a:rPr>
-              <a:t> in </a:t>
-            </a:r>
-            <a:r>
-              <a:rPr lang="en-US" dirty="0" err="1" smtClean="0">
-                <a:latin typeface="Courier" charset="0"/>
-                <a:ea typeface="Courier" charset="0"/>
-                <a:cs typeface="Courier" charset="0"/>
-              </a:rPr>
-              <a:t>serverless.yml</a:t>
-            </a:r>
-            <a:r>
-              <a:rPr lang="en-US" dirty="0" smtClean="0">
-                <a:latin typeface="Courier" charset="0"/>
-                <a:ea typeface="Courier" charset="0"/>
-                <a:cs typeface="Courier" charset="0"/>
-              </a:rPr>
-              <a:t> (e.g., </a:t>
-            </a:r>
-            <a:r>
-              <a:rPr lang="en-US" dirty="0" err="1" smtClean="0">
-                <a:latin typeface="Courier" charset="0"/>
-                <a:ea typeface="Courier" charset="0"/>
-                <a:cs typeface="Courier" charset="0"/>
-              </a:rPr>
-              <a:t>DynamoDB</a:t>
-            </a:r>
-            <a:r>
-              <a:rPr lang="en-US" dirty="0" smtClean="0">
-                <a:latin typeface="Courier" charset="0"/>
-                <a:ea typeface="Courier" charset="0"/>
-                <a:cs typeface="Courier" charset="0"/>
-              </a:rPr>
-              <a:t>, S3)</a:t>
-            </a:r>
-            <a:endParaRPr lang="en-US" dirty="0" smtClean="0">
-              <a:latin typeface="Courier" charset="0"/>
-              <a:ea typeface="Courier" charset="0"/>
-              <a:cs typeface="Courier" charset="0"/>
-            </a:endParaRPr>
-          </a:p>
-          <a:p>
-            <a:r>
-              <a:rPr lang="en-US" dirty="0" smtClean="0">
-                <a:latin typeface="Courier" charset="0"/>
-                <a:ea typeface="Courier" charset="0"/>
-                <a:cs typeface="Courier" charset="0"/>
-              </a:rPr>
-              <a:t>The serverless framework uses a standard naming convention within the </a:t>
-            </a:r>
-            <a:r>
-              <a:rPr lang="en-US" dirty="0" err="1" smtClean="0">
-                <a:latin typeface="Courier" charset="0"/>
-                <a:ea typeface="Courier" charset="0"/>
-                <a:cs typeface="Courier" charset="0"/>
-              </a:rPr>
-              <a:t>CloudFormation</a:t>
-            </a:r>
-            <a:r>
-              <a:rPr lang="en-US" dirty="0" smtClean="0">
-                <a:latin typeface="Courier" charset="0"/>
-                <a:ea typeface="Courier" charset="0"/>
-                <a:cs typeface="Courier" charset="0"/>
-              </a:rPr>
-              <a:t> templates </a:t>
-            </a:r>
-            <a:r>
-              <a:rPr lang="en-US" dirty="0">
-                <a:latin typeface="Courier" charset="0"/>
-                <a:ea typeface="Courier" charset="0"/>
-                <a:cs typeface="Courier" charset="0"/>
-              </a:rPr>
-              <a:t>it generates: </a:t>
-            </a:r>
-            <a:r>
-              <a:rPr lang="en-US" dirty="0">
-                <a:solidFill>
-                  <a:srgbClr val="00B050"/>
-                </a:solidFill>
-                <a:latin typeface="Courier" charset="0"/>
-                <a:ea typeface="Courier" charset="0"/>
-                <a:cs typeface="Courier" charset="0"/>
-              </a:rPr>
-              <a:t>{Function Name}{Cloud Formation Resource Type}{Resource Name}{</a:t>
-            </a:r>
-            <a:r>
-              <a:rPr lang="en-US" dirty="0" err="1">
-                <a:solidFill>
-                  <a:srgbClr val="00B050"/>
-                </a:solidFill>
-                <a:latin typeface="Courier" charset="0"/>
-                <a:ea typeface="Courier" charset="0"/>
-                <a:cs typeface="Courier" charset="0"/>
-              </a:rPr>
-              <a:t>SequentialID</a:t>
-            </a:r>
-            <a:r>
-              <a:rPr lang="en-US" dirty="0">
-                <a:solidFill>
-                  <a:srgbClr val="00B050"/>
-                </a:solidFill>
-                <a:latin typeface="Courier" charset="0"/>
-                <a:ea typeface="Courier" charset="0"/>
-                <a:cs typeface="Courier" charset="0"/>
-              </a:rPr>
-              <a:t> or </a:t>
-            </a:r>
-            <a:r>
-              <a:rPr lang="en-US" dirty="0" smtClean="0">
-                <a:solidFill>
-                  <a:srgbClr val="00B050"/>
-                </a:solidFill>
-                <a:latin typeface="Courier" charset="0"/>
-                <a:ea typeface="Courier" charset="0"/>
-                <a:cs typeface="Courier" charset="0"/>
-              </a:rPr>
-              <a:t>Random String}</a:t>
-            </a:r>
-          </a:p>
-          <a:p>
-            <a:r>
-              <a:rPr lang="en-US" dirty="0" smtClean="0">
-                <a:latin typeface="Courier" charset="0"/>
-                <a:ea typeface="Courier" charset="0"/>
-                <a:cs typeface="Courier" charset="0"/>
-              </a:rPr>
-              <a:t>Example: Mapping lambda events to </a:t>
-            </a:r>
-            <a:r>
-              <a:rPr lang="en-US" dirty="0" err="1" smtClean="0">
-                <a:latin typeface="Courier" charset="0"/>
-                <a:ea typeface="Courier" charset="0"/>
-                <a:cs typeface="Courier" charset="0"/>
-              </a:rPr>
-              <a:t>DynamoDB</a:t>
-            </a:r>
-            <a:r>
-              <a:rPr lang="en-US" dirty="0" smtClean="0">
-                <a:latin typeface="Courier" charset="0"/>
-                <a:ea typeface="Courier" charset="0"/>
-                <a:cs typeface="Courier" charset="0"/>
-              </a:rPr>
-              <a:t> uses </a:t>
-            </a:r>
-            <a:r>
-              <a:rPr lang="en-US" dirty="0">
-                <a:solidFill>
-                  <a:srgbClr val="00B050"/>
-                </a:solidFill>
-                <a:latin typeface="Courier" charset="0"/>
-                <a:ea typeface="Courier" charset="0"/>
-                <a:cs typeface="Courier" charset="0"/>
-              </a:rPr>
-              <a:t>{</a:t>
+              <a:t>Provider</a:t>
+            </a:r>
+            <a:r>
+              <a:rPr lang="en-US" dirty="0" smtClean="0">
+                <a:latin typeface="Courier" charset="0"/>
+                <a:ea typeface="Courier" charset="0"/>
+                <a:cs typeface="Courier" charset="0"/>
+              </a:rPr>
+              <a:t> configuration can include </a:t>
             </a:r>
             <a:r>
               <a:rPr lang="en-US" dirty="0" err="1" smtClean="0">
                 <a:solidFill>
-                  <a:srgbClr val="00B050"/>
+                  <a:srgbClr val="FF0000"/>
                 </a:solidFill>
                 <a:latin typeface="Courier" charset="0"/>
                 <a:ea typeface="Courier" charset="0"/>
                 <a:cs typeface="Courier" charset="0"/>
               </a:rPr>
-              <a:t>normalizedFunctionName</a:t>
+              <a:t>iamRoleStatements</a:t>
             </a:r>
             <a:r>
               <a:rPr lang="en-US" dirty="0" smtClean="0">
                 <a:solidFill>
-                  <a:srgbClr val="00B050"/>
+                  <a:srgbClr val="FF0000"/>
                 </a:solidFill>
                 <a:latin typeface="Courier" charset="0"/>
                 <a:ea typeface="Courier" charset="0"/>
                 <a:cs typeface="Courier" charset="0"/>
               </a:rPr>
-              <a:t>}</a:t>
+              <a:t> </a:t>
+            </a:r>
+            <a:r>
+              <a:rPr lang="en-US" dirty="0" smtClean="0">
+                <a:latin typeface="Courier" charset="0"/>
+                <a:ea typeface="Courier" charset="0"/>
+                <a:cs typeface="Courier" charset="0"/>
+              </a:rPr>
+              <a:t>for dependencies that require additional permissions.  You can use </a:t>
             </a:r>
             <a:r>
               <a:rPr lang="en-US" dirty="0" err="1" smtClean="0">
@@ -8200,52 +7828,84 @@
                 <a:ea typeface="Courier" charset="0"/>
                 <a:cs typeface="Courier" charset="0"/>
               </a:rPr>
-              <a:t>EventSourceMappingDynamodb</a:t>
-            </a:r>
-            <a:r>
-              <a:rPr lang="en-US" dirty="0" smtClean="0">
-                <a:solidFill>
-                  <a:srgbClr val="00B050"/>
-                </a:solidFill>
-                <a:latin typeface="Courier" charset="0"/>
-                <a:ea typeface="Courier" charset="0"/>
-                <a:cs typeface="Courier" charset="0"/>
-              </a:rPr>
-              <a:t>{</a:t>
+              <a:t>CloudFormation</a:t>
+            </a:r>
+            <a:r>
+              <a:rPr lang="en-US" dirty="0" smtClean="0">
+                <a:latin typeface="Courier" charset="0"/>
+                <a:ea typeface="Courier" charset="0"/>
+                <a:cs typeface="Courier" charset="0"/>
+              </a:rPr>
+              <a:t> syntax (yuck).</a:t>
+            </a:r>
+          </a:p>
+          <a:p>
+            <a:r>
+              <a:rPr lang="en-US" dirty="0" smtClean="0">
+                <a:latin typeface="Courier" charset="0"/>
+                <a:ea typeface="Courier" charset="0"/>
+                <a:cs typeface="Courier" charset="0"/>
+              </a:rPr>
+              <a:t>VPC </a:t>
+            </a:r>
+            <a:r>
+              <a:rPr lang="en-US" dirty="0" err="1" smtClean="0">
+                <a:latin typeface="Courier" charset="0"/>
+                <a:ea typeface="Courier" charset="0"/>
+                <a:cs typeface="Courier" charset="0"/>
+              </a:rPr>
+              <a:t>config</a:t>
+            </a:r>
+            <a:r>
+              <a:rPr lang="en-US" dirty="0" smtClean="0">
+                <a:latin typeface="Courier" charset="0"/>
+                <a:ea typeface="Courier" charset="0"/>
+                <a:cs typeface="Courier" charset="0"/>
+              </a:rPr>
+              <a:t> (security groups and subnets) are supported at the service and function level (overrides)</a:t>
+            </a:r>
+          </a:p>
+          <a:p>
+            <a:r>
+              <a:rPr lang="en-US" dirty="0" smtClean="0">
+                <a:latin typeface="Courier" charset="0"/>
+                <a:ea typeface="Courier" charset="0"/>
+                <a:cs typeface="Courier" charset="0"/>
+              </a:rPr>
+              <a:t>Environment variables and tags are supported</a:t>
+            </a:r>
+          </a:p>
+          <a:p>
+            <a:r>
+              <a:rPr lang="en-US" dirty="0" smtClean="0">
+                <a:latin typeface="Courier" charset="0"/>
+                <a:ea typeface="Courier" charset="0"/>
+                <a:cs typeface="Courier" charset="0"/>
+              </a:rPr>
+              <a:t>AWS KMS keys can be specified </a:t>
+            </a:r>
+            <a:r>
+              <a:rPr lang="en-US" dirty="0">
+                <a:latin typeface="Courier" charset="0"/>
+                <a:ea typeface="Courier" charset="0"/>
+                <a:cs typeface="Courier" charset="0"/>
+              </a:rPr>
+              <a:t>using </a:t>
             </a:r>
             <a:r>
               <a:rPr lang="en-US" dirty="0" err="1" smtClean="0">
                 <a:solidFill>
-                  <a:srgbClr val="00B050"/>
+                  <a:srgbClr val="FF0000"/>
                 </a:solidFill>
                 <a:latin typeface="Courier" charset="0"/>
                 <a:ea typeface="Courier" charset="0"/>
                 <a:cs typeface="Courier" charset="0"/>
               </a:rPr>
-              <a:t>tableName</a:t>
-            </a:r>
-            <a:r>
-              <a:rPr lang="en-US" dirty="0" smtClean="0">
-                <a:solidFill>
-                  <a:srgbClr val="00B050"/>
-                </a:solidFill>
-                <a:latin typeface="Courier" charset="0"/>
-                <a:ea typeface="Courier" charset="0"/>
-                <a:cs typeface="Courier" charset="0"/>
-              </a:rPr>
-              <a:t>}</a:t>
-            </a:r>
-            <a:r>
-              <a:rPr lang="en-US" dirty="0" smtClean="0">
-                <a:latin typeface="Courier" charset="0"/>
-                <a:ea typeface="Courier" charset="0"/>
-                <a:cs typeface="Courier" charset="0"/>
-              </a:rPr>
-              <a:t> </a:t>
+              <a:t>awsKmsKeyArn</a:t>
             </a:r>
             <a:endParaRPr lang="en-US" dirty="0" smtClean="0">
               <a:solidFill>
-                <a:srgbClr val="00B050"/>
+                <a:srgbClr val="FF0000"/>
               </a:solidFill>
               <a:latin typeface="Courier" charset="0"/>
               <a:ea typeface="Courier" charset="0"/>
@@ -8257,7 +7917,7 @@
     </p:spTree>
     <p:extLst>
       <p:ext uri="{BB962C8B-B14F-4D97-AF65-F5344CB8AC3E}">
-        <p14:creationId xmlns:p14="http://schemas.microsoft.com/office/powerpoint/2010/main" val="89093370"/>
+        <p14:creationId xmlns:p14="http://schemas.microsoft.com/office/powerpoint/2010/main" val="388165695"/>
       </p:ext>
     </p:extLst>
   </p:cSld>
@@ -8307,20 +7967,36 @@
           <a:lstStyle/>
           <a:p>
             <a:r>
-              <a:rPr lang="en-US" dirty="0" smtClean="0">
-                <a:latin typeface="Courier" charset="0"/>
-                <a:ea typeface="Courier" charset="0"/>
-                <a:cs typeface="Courier" charset="0"/>
-              </a:rPr>
-              <a:t>CRUD Endpoints for </a:t>
-            </a:r>
-            <a:r>
               <a:rPr lang="en-US" dirty="0" err="1" smtClean="0">
                 <a:latin typeface="Courier" charset="0"/>
                 <a:ea typeface="Courier" charset="0"/>
                 <a:cs typeface="Courier" charset="0"/>
               </a:rPr>
-              <a:t>DynamoDB</a:t>
+              <a:t>serverless.yml</a:t>
+            </a:r>
+            <a:r>
+              <a:rPr lang="en-US" dirty="0" smtClean="0">
+                <a:latin typeface="Courier" charset="0"/>
+                <a:ea typeface="Courier" charset="0"/>
+                <a:cs typeface="Courier" charset="0"/>
+              </a:rPr>
+              <a:t> </a:t>
+            </a:r>
+            <a:r>
+              <a:rPr lang="mr-IN" dirty="0" smtClean="0">
+                <a:latin typeface="Courier" charset="0"/>
+                <a:ea typeface="Courier" charset="0"/>
+                <a:cs typeface="Courier" charset="0"/>
+              </a:rPr>
+              <a:t>–</a:t>
+            </a:r>
+            <a:r>
+              <a:rPr lang="en-US" dirty="0" smtClean="0">
+                <a:latin typeface="Courier" charset="0"/>
+                <a:ea typeface="Courier" charset="0"/>
+                <a:cs typeface="Courier" charset="0"/>
+              </a:rPr>
+              <a:t> Resources</a:t>
             </a:r>
             <a:endParaRPr lang="en-US" dirty="0">
               <a:latin typeface="Courier" charset="0"/>
@@ -8332,7 +8008,7 @@
       </p:sp>
       <p:sp>
         <p:nvSpPr>
-          <p:cNvPr id="7" name="Content Placeholder 4"/>
+          <p:cNvPr id="3" name="Content Placeholder 2"/>
           <p:cNvSpPr>
             <a:spLocks noGrp="1"/>
           </p:cNvSpPr>
@@ -8340,688 +8016,270 @@
             <p:ph idx="1"/>
           </p:nvPr>
         </p:nvSpPr>
-        <p:spPr>
-          <a:xfrm>
-            <a:off x="838200" y="3607978"/>
-            <a:ext cx="10515600" cy="2702129"/>
-          </a:xfrm>
-          <a:solidFill>
-            <a:schemeClr val="accent6">
-              <a:lumMod val="75000"/>
-            </a:schemeClr>
-          </a:solidFill>
-          <a:ln>
-            <a:solidFill>
-              <a:schemeClr val="tx1"/>
-            </a:solidFill>
-          </a:ln>
-        </p:spPr>
+        <p:spPr/>
         <p:txBody>
           <a:bodyPr>
-            <a:normAutofit fontScale="70000" lnSpcReduction="20000"/>
+            <a:normAutofit lnSpcReduction="10000"/>
           </a:bodyPr>
           <a:lstStyle/>
           <a:p>
-            <a:pPr marL="0" indent="0">
-              <a:buNone/>
-            </a:pPr>
-            <a:r>
-              <a:rPr lang="en-US" dirty="0" smtClean="0">
-                <a:solidFill>
-                  <a:srgbClr val="FFFF00"/>
-                </a:solidFill>
-                <a:latin typeface="Courier" charset="0"/>
-                <a:ea typeface="Courier" charset="0"/>
-                <a:cs typeface="Courier" charset="0"/>
-              </a:rPr>
-              <a:t>$ </a:t>
+            <a:r>
+              <a:rPr lang="en-US" dirty="0" smtClean="0">
+                <a:latin typeface="Courier" charset="0"/>
+                <a:ea typeface="Courier" charset="0"/>
+                <a:cs typeface="Courier" charset="0"/>
+              </a:rPr>
+              <a:t>AWS infrastructure dependencies are configured as a </a:t>
+            </a:r>
+            <a:r>
+              <a:rPr lang="en-US" b="1" i="1" dirty="0" smtClean="0">
+                <a:latin typeface="Courier" charset="0"/>
+                <a:ea typeface="Courier" charset="0"/>
+                <a:cs typeface="Courier" charset="0"/>
+              </a:rPr>
+              <a:t>Resource</a:t>
+            </a:r>
+            <a:r>
+              <a:rPr lang="en-US" dirty="0" smtClean="0">
+                <a:latin typeface="Courier" charset="0"/>
+                <a:ea typeface="Courier" charset="0"/>
+                <a:cs typeface="Courier" charset="0"/>
+              </a:rPr>
+              <a:t> in </a:t>
+            </a:r>
+            <a:r>
+              <a:rPr lang="en-US" dirty="0" err="1" smtClean="0">
+                <a:latin typeface="Courier" charset="0"/>
+                <a:ea typeface="Courier" charset="0"/>
+                <a:cs typeface="Courier" charset="0"/>
+              </a:rPr>
+              <a:t>serverless.yml</a:t>
+            </a:r>
+            <a:r>
+              <a:rPr lang="en-US" dirty="0" smtClean="0">
+                <a:latin typeface="Courier" charset="0"/>
+                <a:ea typeface="Courier" charset="0"/>
+                <a:cs typeface="Courier" charset="0"/>
+              </a:rPr>
+              <a:t> (e.g., </a:t>
+            </a:r>
+            <a:r>
+              <a:rPr lang="en-US" dirty="0" err="1" smtClean="0">
+                <a:latin typeface="Courier" charset="0"/>
+                <a:ea typeface="Courier" charset="0"/>
+                <a:cs typeface="Courier" charset="0"/>
+              </a:rPr>
+              <a:t>DynamoDB</a:t>
+            </a:r>
+            <a:r>
+              <a:rPr lang="en-US" dirty="0" smtClean="0">
+                <a:latin typeface="Courier" charset="0"/>
+                <a:ea typeface="Courier" charset="0"/>
+                <a:cs typeface="Courier" charset="0"/>
+              </a:rPr>
+              <a:t>, S3)</a:t>
+            </a:r>
+          </a:p>
+          <a:p>
+            <a:r>
+              <a:rPr lang="en-US" dirty="0" smtClean="0">
+                <a:latin typeface="Courier" charset="0"/>
+                <a:ea typeface="Courier" charset="0"/>
+                <a:cs typeface="Courier" charset="0"/>
+              </a:rPr>
+              <a:t>The serverless framework uses a standard naming convention within the </a:t>
+            </a:r>
+            <a:r>
+              <a:rPr lang="en-US" dirty="0" err="1" smtClean="0">
+                <a:latin typeface="Courier" charset="0"/>
+                <a:ea typeface="Courier" charset="0"/>
+                <a:cs typeface="Courier" charset="0"/>
+              </a:rPr>
+              <a:t>CloudFormation</a:t>
+            </a:r>
+            <a:r>
+              <a:rPr lang="en-US" dirty="0" smtClean="0">
+                <a:latin typeface="Courier" charset="0"/>
+                <a:ea typeface="Courier" charset="0"/>
+                <a:cs typeface="Courier" charset="0"/>
+              </a:rPr>
+              <a:t> templates </a:t>
+            </a:r>
+            <a:r>
+              <a:rPr lang="en-US" dirty="0">
+                <a:latin typeface="Courier" charset="0"/>
+                <a:ea typeface="Courier" charset="0"/>
+                <a:cs typeface="Courier" charset="0"/>
+              </a:rPr>
+              <a:t>it generates: </a:t>
             </a:r>
             <a:r>
               <a:rPr lang="en-US" dirty="0">
                 <a:solidFill>
-                  <a:srgbClr val="FFFF00"/>
+                  <a:srgbClr val="00B050"/>
                 </a:solidFill>
                 <a:latin typeface="Courier" charset="0"/>
                 <a:ea typeface="Courier" charset="0"/>
                 <a:cs typeface="Courier" charset="0"/>
               </a:rPr>
-              <a:t>cd examples/</a:t>
+              <a:t>{Function Name}{Cloud Formation Resource Type}{Resource Name}{</a:t>
             </a:r>
             <a:r>
               <a:rPr lang="en-US" dirty="0" err="1">
                 <a:solidFill>
-                  <a:srgbClr val="FFFF00"/>
+                  <a:srgbClr val="00B050"/>
                 </a:solidFill>
                 <a:latin typeface="Courier" charset="0"/>
                 <a:ea typeface="Courier" charset="0"/>
                 <a:cs typeface="Courier" charset="0"/>
               </a:rPr>
-              <a:t>aws</a:t>
+              <a:t>SequentialID</a:t>
             </a:r>
             <a:r>
               <a:rPr lang="en-US" dirty="0">
                 <a:solidFill>
-                  <a:srgbClr val="FFFF00"/>
+                  <a:srgbClr val="00B050"/>
                 </a:solidFill>
                 <a:latin typeface="Courier" charset="0"/>
                 <a:ea typeface="Courier" charset="0"/>
                 <a:cs typeface="Courier" charset="0"/>
               </a:rPr>
-              <a:t>-node-rest-</a:t>
-            </a:r>
-            <a:r>
-              <a:rPr lang="en-US" dirty="0" err="1">
+              <a:t> or </a:t>
+            </a:r>
+            <a:r>
+              <a:rPr lang="en-US" dirty="0" smtClean="0">
                 <a:solidFill>
-                  <a:srgbClr val="FFFF00"/>
+                  <a:srgbClr val="00B050"/>
                 </a:solidFill>
                 <a:latin typeface="Courier" charset="0"/>
                 <a:ea typeface="Courier" charset="0"/>
                 <a:cs typeface="Courier" charset="0"/>
               </a:rPr>
-              <a:t>api</a:t>
+              <a:t>Random String}</a:t>
+            </a:r>
+          </a:p>
+          <a:p>
+            <a:r>
+              <a:rPr lang="en-US" dirty="0" smtClean="0">
+                <a:latin typeface="Courier" charset="0"/>
+                <a:ea typeface="Courier" charset="0"/>
+                <a:cs typeface="Courier" charset="0"/>
+              </a:rPr>
+              <a:t>Example: Mapping lambda events to </a:t>
+            </a:r>
+            <a:r>
+              <a:rPr lang="en-US" dirty="0" err="1" smtClean="0">
+                <a:latin typeface="Courier" charset="0"/>
+                <a:ea typeface="Courier" charset="0"/>
+                <a:cs typeface="Courier" charset="0"/>
+              </a:rPr>
+              <a:t>DynamoDB</a:t>
+            </a:r>
+            <a:r>
+              <a:rPr lang="en-US" dirty="0" smtClean="0">
+                <a:latin typeface="Courier" charset="0"/>
+                <a:ea typeface="Courier" charset="0"/>
+                <a:cs typeface="Courier" charset="0"/>
+              </a:rPr>
+              <a:t> uses </a:t>
             </a:r>
             <a:r>
               <a:rPr lang="en-US" dirty="0">
                 <a:solidFill>
-                  <a:srgbClr val="FFFF00"/>
+                  <a:srgbClr val="00B050"/>
                 </a:solidFill>
                 <a:latin typeface="Courier" charset="0"/>
                 <a:ea typeface="Courier" charset="0"/>
                 <a:cs typeface="Courier" charset="0"/>
               </a:rPr>
-              <a:t>-with-</a:t>
-            </a:r>
-            <a:r>
-              <a:rPr lang="en-US" dirty="0" err="1">
+              <a:t>{</a:t>
+            </a:r>
+            <a:r>
+              <a:rPr lang="en-US" dirty="0" err="1" smtClean="0">
                 <a:solidFill>
-                  <a:srgbClr val="FFFF00"/>
+                  <a:srgbClr val="00B050"/>
                 </a:solidFill>
                 <a:latin typeface="Courier" charset="0"/>
                 <a:ea typeface="Courier" charset="0"/>
                 <a:cs typeface="Courier" charset="0"/>
               </a:rPr>
-              <a:t>dynamodb</a:t>
+              <a:t>normalizedFunctionName</a:t>
+            </a:r>
+            <a:r>
+              <a:rPr lang="en-US" dirty="0" smtClean="0">
+                <a:solidFill>
+                  <a:srgbClr val="00B050"/>
+                </a:solidFill>
+                <a:latin typeface="Courier" charset="0"/>
+                <a:ea typeface="Courier" charset="0"/>
+                <a:cs typeface="Courier" charset="0"/>
+              </a:rPr>
+              <a:t>}</a:t>
+            </a:r>
+            <a:r>
+              <a:rPr lang="en-US" dirty="0" err="1" smtClean="0">
+                <a:latin typeface="Courier" charset="0"/>
+                <a:ea typeface="Courier" charset="0"/>
+                <a:cs typeface="Courier" charset="0"/>
+              </a:rPr>
+              <a:t>EventSourceMappingDynamodb</a:t>
+            </a:r>
+            <a:r>
+              <a:rPr lang="en-US" dirty="0" smtClean="0">
+                <a:solidFill>
+                  <a:srgbClr val="00B050"/>
+                </a:solidFill>
+                <a:latin typeface="Courier" charset="0"/>
+                <a:ea typeface="Courier" charset="0"/>
+                <a:cs typeface="Courier" charset="0"/>
+              </a:rPr>
+              <a:t>{</a:t>
+            </a:r>
+            <a:r>
+              <a:rPr lang="en-US" dirty="0" err="1" smtClean="0">
+                <a:solidFill>
+                  <a:srgbClr val="00B050"/>
+                </a:solidFill>
+                <a:latin typeface="Courier" charset="0"/>
+                <a:ea typeface="Courier" charset="0"/>
+                <a:cs typeface="Courier" charset="0"/>
+              </a:rPr>
+              <a:t>tableName</a:t>
+            </a:r>
+            <a:r>
+              <a:rPr lang="en-US" dirty="0" smtClean="0">
+                <a:solidFill>
+                  <a:srgbClr val="00B050"/>
+                </a:solidFill>
+                <a:latin typeface="Courier" charset="0"/>
+                <a:ea typeface="Courier" charset="0"/>
+                <a:cs typeface="Courier" charset="0"/>
+              </a:rPr>
+              <a:t>}</a:t>
+            </a:r>
+            <a:r>
+              <a:rPr lang="en-US" dirty="0" smtClean="0">
+                <a:latin typeface="Courier" charset="0"/>
+                <a:ea typeface="Courier" charset="0"/>
+                <a:cs typeface="Courier" charset="0"/>
+              </a:rPr>
+              <a:t> </a:t>
             </a:r>
             <a:endParaRPr lang="en-US" dirty="0" smtClean="0">
               <a:solidFill>
-                <a:srgbClr val="FFFF00"/>
+                <a:srgbClr val="00B050"/>
               </a:solidFill>
               <a:latin typeface="Courier" charset="0"/>
               <a:ea typeface="Courier" charset="0"/>
               <a:cs typeface="Courier" charset="0"/>
             </a:endParaRPr>
           </a:p>
-          <a:p>
-            <a:pPr marL="0" indent="0">
-              <a:buNone/>
-            </a:pPr>
-            <a:r>
-              <a:rPr lang="en-US" dirty="0" smtClean="0">
-                <a:solidFill>
-                  <a:srgbClr val="FFFF00"/>
-                </a:solidFill>
-                <a:latin typeface="Courier" charset="0"/>
-                <a:ea typeface="Courier" charset="0"/>
-                <a:cs typeface="Courier" charset="0"/>
-              </a:rPr>
-              <a:t>$ </a:t>
-            </a:r>
-            <a:r>
-              <a:rPr lang="en-US" dirty="0" err="1" smtClean="0">
-                <a:solidFill>
-                  <a:srgbClr val="FFFF00"/>
-                </a:solidFill>
-                <a:latin typeface="Courier" charset="0"/>
-                <a:ea typeface="Courier" charset="0"/>
-                <a:cs typeface="Courier" charset="0"/>
-              </a:rPr>
-              <a:t>npm</a:t>
-            </a:r>
-            <a:r>
-              <a:rPr lang="en-US" dirty="0" smtClean="0">
-                <a:solidFill>
-                  <a:srgbClr val="FFFF00"/>
-                </a:solidFill>
-                <a:latin typeface="Courier" charset="0"/>
-                <a:ea typeface="Courier" charset="0"/>
-                <a:cs typeface="Courier" charset="0"/>
-              </a:rPr>
-              <a:t> install </a:t>
-            </a:r>
-            <a:r>
-              <a:rPr lang="en-US" dirty="0" smtClean="0">
-                <a:latin typeface="Courier" charset="0"/>
-                <a:ea typeface="Courier" charset="0"/>
-                <a:cs typeface="Courier" charset="0"/>
-              </a:rPr>
-              <a:t>(</a:t>
-            </a:r>
-            <a:r>
-              <a:rPr lang="en-US" i="1" dirty="0" err="1" smtClean="0">
-                <a:latin typeface="Courier" charset="0"/>
-                <a:ea typeface="Courier" charset="0"/>
-                <a:cs typeface="Courier" charset="0"/>
-              </a:rPr>
-              <a:t>uuid</a:t>
-            </a:r>
-            <a:r>
-              <a:rPr lang="en-US" dirty="0" smtClean="0">
-                <a:latin typeface="Courier" charset="0"/>
-                <a:ea typeface="Courier" charset="0"/>
-                <a:cs typeface="Courier" charset="0"/>
-              </a:rPr>
-              <a:t>)</a:t>
-            </a:r>
-            <a:endParaRPr lang="en-US" dirty="0" smtClean="0">
-              <a:latin typeface="Courier" charset="0"/>
-              <a:ea typeface="Courier" charset="0"/>
-              <a:cs typeface="Courier" charset="0"/>
-            </a:endParaRPr>
-          </a:p>
-          <a:p>
-            <a:pPr marL="0" indent="0">
-              <a:buNone/>
-            </a:pPr>
-            <a:r>
-              <a:rPr lang="en-US" dirty="0" smtClean="0">
-                <a:solidFill>
-                  <a:srgbClr val="FFFF00"/>
-                </a:solidFill>
-                <a:latin typeface="Courier" charset="0"/>
-                <a:ea typeface="Courier" charset="0"/>
-                <a:cs typeface="Courier" charset="0"/>
-              </a:rPr>
-              <a:t>$ </a:t>
-            </a:r>
-            <a:r>
-              <a:rPr lang="en-US" dirty="0" smtClean="0">
-                <a:solidFill>
-                  <a:srgbClr val="FFFF00"/>
-                </a:solidFill>
-                <a:latin typeface="Courier" charset="0"/>
-                <a:ea typeface="Courier" charset="0"/>
-                <a:cs typeface="Courier" charset="0"/>
-              </a:rPr>
-              <a:t>serverless deploy</a:t>
-            </a:r>
-          </a:p>
-          <a:p>
-            <a:pPr marL="0" indent="0">
-              <a:buNone/>
-            </a:pPr>
-            <a:r>
-              <a:rPr lang="en-US" dirty="0" smtClean="0">
-                <a:solidFill>
-                  <a:srgbClr val="FFFF00"/>
-                </a:solidFill>
-                <a:latin typeface="Courier" charset="0"/>
-                <a:ea typeface="Courier" charset="0"/>
-                <a:cs typeface="Courier" charset="0"/>
-              </a:rPr>
-              <a:t>. . .</a:t>
-            </a:r>
-          </a:p>
-          <a:p>
-            <a:pPr marL="0" indent="0">
-              <a:buNone/>
-            </a:pPr>
-            <a:r>
-              <a:rPr lang="en-US" dirty="0" smtClean="0">
-                <a:solidFill>
-                  <a:srgbClr val="FFFF00"/>
-                </a:solidFill>
-                <a:latin typeface="Courier" charset="0"/>
-                <a:ea typeface="Courier" charset="0"/>
-                <a:cs typeface="Courier" charset="0"/>
-              </a:rPr>
-              <a:t>$ curl </a:t>
-            </a:r>
-            <a:r>
-              <a:rPr lang="mr-IN" dirty="0" smtClean="0">
-                <a:solidFill>
-                  <a:srgbClr val="FFFF00"/>
-                </a:solidFill>
-                <a:latin typeface="Courier" charset="0"/>
-                <a:ea typeface="Courier" charset="0"/>
-                <a:cs typeface="Courier" charset="0"/>
-              </a:rPr>
-              <a:t>–</a:t>
-            </a:r>
-            <a:r>
-              <a:rPr lang="en-US" dirty="0" smtClean="0">
-                <a:solidFill>
-                  <a:srgbClr val="FFFF00"/>
-                </a:solidFill>
-                <a:latin typeface="Courier" charset="0"/>
-                <a:ea typeface="Courier" charset="0"/>
-                <a:cs typeface="Courier" charset="0"/>
-              </a:rPr>
-              <a:t>X POST https</a:t>
-            </a:r>
-            <a:r>
-              <a:rPr lang="en-US" dirty="0">
-                <a:solidFill>
-                  <a:srgbClr val="FFFF00"/>
-                </a:solidFill>
-                <a:latin typeface="Courier" charset="0"/>
-                <a:ea typeface="Courier" charset="0"/>
-                <a:cs typeface="Courier" charset="0"/>
-              </a:rPr>
-              <a:t>://[XXXXX]/dev/loans</a:t>
-            </a:r>
-            <a:r>
-              <a:rPr lang="en-US" dirty="0" smtClean="0">
-                <a:solidFill>
-                  <a:srgbClr val="FFFF00"/>
-                </a:solidFill>
-                <a:latin typeface="Courier" charset="0"/>
-                <a:ea typeface="Courier" charset="0"/>
-                <a:cs typeface="Courier" charset="0"/>
-              </a:rPr>
-              <a:t>/ --data </a:t>
-            </a:r>
-            <a:r>
-              <a:rPr lang="en-US" dirty="0" smtClean="0">
-                <a:solidFill>
-                  <a:schemeClr val="tx1">
-                    <a:lumMod val="95000"/>
-                  </a:schemeClr>
-                </a:solidFill>
-                <a:latin typeface="Courier" charset="0"/>
-                <a:ea typeface="Courier" charset="0"/>
-                <a:cs typeface="Courier" charset="0"/>
-              </a:rPr>
-              <a:t>‘</a:t>
-            </a:r>
-            <a:r>
-              <a:rPr lang="mr-IN" dirty="0">
-                <a:solidFill>
-                  <a:schemeClr val="tx1">
-                    <a:lumMod val="95000"/>
-                  </a:schemeClr>
-                </a:solidFill>
-                <a:latin typeface="Courier" charset="0"/>
-                <a:ea typeface="Courier" charset="0"/>
-                <a:cs typeface="Courier" charset="0"/>
-              </a:rPr>
-              <a:t>{"</a:t>
-            </a:r>
-            <a:r>
-              <a:rPr lang="mr-IN" dirty="0" err="1">
-                <a:solidFill>
-                  <a:schemeClr val="tx1">
-                    <a:lumMod val="95000"/>
-                  </a:schemeClr>
-                </a:solidFill>
-                <a:latin typeface="Courier" charset="0"/>
-                <a:ea typeface="Courier" charset="0"/>
-                <a:cs typeface="Courier" charset="0"/>
-              </a:rPr>
-              <a:t>loan</a:t>
-            </a:r>
-            <a:r>
-              <a:rPr lang="mr-IN" dirty="0">
-                <a:solidFill>
-                  <a:schemeClr val="tx1">
-                    <a:lumMod val="95000"/>
-                  </a:schemeClr>
-                </a:solidFill>
-                <a:latin typeface="Courier" charset="0"/>
-                <a:ea typeface="Courier" charset="0"/>
-                <a:cs typeface="Courier" charset="0"/>
-              </a:rPr>
-              <a:t>": {"</a:t>
-            </a:r>
-            <a:r>
-              <a:rPr lang="mr-IN" dirty="0" err="1">
-                <a:solidFill>
-                  <a:schemeClr val="tx1">
-                    <a:lumMod val="95000"/>
-                  </a:schemeClr>
-                </a:solidFill>
-                <a:latin typeface="Courier" charset="0"/>
-                <a:ea typeface="Courier" charset="0"/>
-                <a:cs typeface="Courier" charset="0"/>
-              </a:rPr>
-              <a:t>upb</a:t>
-            </a:r>
-            <a:r>
-              <a:rPr lang="mr-IN" dirty="0">
-                <a:solidFill>
-                  <a:schemeClr val="tx1">
-                    <a:lumMod val="95000"/>
-                  </a:schemeClr>
-                </a:solidFill>
-                <a:latin typeface="Courier" charset="0"/>
-                <a:ea typeface="Courier" charset="0"/>
-                <a:cs typeface="Courier" charset="0"/>
-              </a:rPr>
-              <a:t>": 250000, "</a:t>
-            </a:r>
-            <a:r>
-              <a:rPr lang="mr-IN" dirty="0" err="1">
-                <a:solidFill>
-                  <a:schemeClr val="tx1">
-                    <a:lumMod val="95000"/>
-                  </a:schemeClr>
-                </a:solidFill>
-                <a:latin typeface="Courier" charset="0"/>
-                <a:ea typeface="Courier" charset="0"/>
-                <a:cs typeface="Courier" charset="0"/>
-              </a:rPr>
-              <a:t>amort</a:t>
-            </a:r>
-            <a:r>
-              <a:rPr lang="mr-IN" dirty="0">
-                <a:solidFill>
-                  <a:schemeClr val="tx1">
-                    <a:lumMod val="95000"/>
-                  </a:schemeClr>
-                </a:solidFill>
-                <a:latin typeface="Courier" charset="0"/>
-                <a:ea typeface="Courier" charset="0"/>
-                <a:cs typeface="Courier" charset="0"/>
-              </a:rPr>
-              <a:t>": "FRM", "</a:t>
-            </a:r>
-            <a:r>
-              <a:rPr lang="mr-IN" dirty="0" err="1">
-                <a:solidFill>
-                  <a:schemeClr val="tx1">
-                    <a:lumMod val="95000"/>
-                  </a:schemeClr>
-                </a:solidFill>
-                <a:latin typeface="Courier" charset="0"/>
-                <a:ea typeface="Courier" charset="0"/>
-                <a:cs typeface="Courier" charset="0"/>
-              </a:rPr>
-              <a:t>term</a:t>
-            </a:r>
-            <a:r>
-              <a:rPr lang="mr-IN" dirty="0">
-                <a:solidFill>
-                  <a:schemeClr val="tx1">
-                    <a:lumMod val="95000"/>
-                  </a:schemeClr>
-                </a:solidFill>
-                <a:latin typeface="Courier" charset="0"/>
-                <a:ea typeface="Courier" charset="0"/>
-                <a:cs typeface="Courier" charset="0"/>
-              </a:rPr>
-              <a:t>": 30 }}'</a:t>
-            </a:r>
-            <a:endParaRPr lang="en-US" dirty="0" smtClean="0">
-              <a:solidFill>
-                <a:schemeClr val="tx1">
-                  <a:lumMod val="95000"/>
-                </a:schemeClr>
-              </a:solidFill>
-              <a:latin typeface="Courier" charset="0"/>
-              <a:ea typeface="Courier" charset="0"/>
-              <a:cs typeface="Courier" charset="0"/>
-            </a:endParaRPr>
-          </a:p>
-          <a:p>
-            <a:pPr marL="0" indent="0">
-              <a:buNone/>
-            </a:pPr>
-            <a:r>
-              <a:rPr lang="en-US" dirty="0" smtClean="0">
-                <a:solidFill>
-                  <a:srgbClr val="FFFF00"/>
-                </a:solidFill>
-                <a:latin typeface="Courier" charset="0"/>
-                <a:ea typeface="Courier" charset="0"/>
-                <a:cs typeface="Courier" charset="0"/>
-              </a:rPr>
-              <a:t>$ curl https://[XXXXX]/dev/loans/&lt;id&gt;</a:t>
-            </a:r>
-          </a:p>
-          <a:p>
-            <a:pPr marL="0" indent="0">
-              <a:buNone/>
-            </a:pPr>
-            <a:r>
-              <a:rPr lang="en-US" dirty="0" smtClean="0">
-                <a:solidFill>
-                  <a:srgbClr val="FFFF00"/>
-                </a:solidFill>
-                <a:latin typeface="Courier" charset="0"/>
-                <a:ea typeface="Courier" charset="0"/>
-                <a:cs typeface="Courier" charset="0"/>
-              </a:rPr>
-              <a:t>$ curl </a:t>
-            </a:r>
-            <a:r>
-              <a:rPr lang="mr-IN" dirty="0" smtClean="0">
-                <a:solidFill>
-                  <a:srgbClr val="FFFF00"/>
-                </a:solidFill>
-                <a:latin typeface="Courier" charset="0"/>
-                <a:ea typeface="Courier" charset="0"/>
-                <a:cs typeface="Courier" charset="0"/>
-              </a:rPr>
-              <a:t>–</a:t>
-            </a:r>
-            <a:r>
-              <a:rPr lang="en-US" dirty="0" smtClean="0">
-                <a:solidFill>
-                  <a:srgbClr val="FFFF00"/>
-                </a:solidFill>
-                <a:latin typeface="Courier" charset="0"/>
-                <a:ea typeface="Courier" charset="0"/>
-                <a:cs typeface="Courier" charset="0"/>
-              </a:rPr>
-              <a:t>X DELETE </a:t>
-            </a:r>
-            <a:r>
-              <a:rPr lang="en-US" dirty="0">
-                <a:solidFill>
-                  <a:srgbClr val="FFFF00"/>
-                </a:solidFill>
-                <a:latin typeface="Courier" charset="0"/>
-                <a:ea typeface="Courier" charset="0"/>
-                <a:cs typeface="Courier" charset="0"/>
-              </a:rPr>
-              <a:t>https://[XXXXX]/dev/loans</a:t>
-            </a:r>
-            <a:r>
-              <a:rPr lang="en-US" dirty="0" smtClean="0">
-                <a:solidFill>
-                  <a:srgbClr val="FFFF00"/>
-                </a:solidFill>
-                <a:latin typeface="Courier" charset="0"/>
-                <a:ea typeface="Courier" charset="0"/>
-                <a:cs typeface="Courier" charset="0"/>
-              </a:rPr>
-              <a:t>/&lt;id&gt;</a:t>
-            </a:r>
-          </a:p>
-          <a:p>
-            <a:pPr marL="0" indent="0">
-              <a:buNone/>
-            </a:pPr>
-            <a:endParaRPr lang="en-US" dirty="0" smtClean="0">
-              <a:solidFill>
-                <a:srgbClr val="FFFF00"/>
-              </a:solidFill>
-              <a:latin typeface="Courier" charset="0"/>
-              <a:ea typeface="Courier" charset="0"/>
-              <a:cs typeface="Courier" charset="0"/>
-            </a:endParaRPr>
-          </a:p>
-          <a:p>
-            <a:pPr marL="0" indent="0">
-              <a:buNone/>
-            </a:pPr>
-            <a:endParaRPr lang="en-US" dirty="0">
-              <a:solidFill>
-                <a:srgbClr val="FFFF00"/>
-              </a:solidFill>
-              <a:latin typeface="Courier" charset="0"/>
-              <a:ea typeface="Courier" charset="0"/>
-              <a:cs typeface="Courier" charset="0"/>
-            </a:endParaRPr>
-          </a:p>
-        </p:txBody>
-      </p:sp>
-      <p:sp>
-        <p:nvSpPr>
-          <p:cNvPr id="5" name="TextBox 4"/>
-          <p:cNvSpPr txBox="1"/>
-          <p:nvPr/>
-        </p:nvSpPr>
-        <p:spPr>
-          <a:xfrm>
-            <a:off x="838200" y="1690688"/>
-            <a:ext cx="10515600" cy="1569660"/>
-          </a:xfrm>
-          <a:prstGeom prst="rect">
-            <a:avLst/>
-          </a:prstGeom>
-          <a:noFill/>
-        </p:spPr>
-        <p:txBody>
-          <a:bodyPr wrap="square" rtlCol="0">
-            <a:spAutoFit/>
-          </a:bodyPr>
-          <a:lstStyle/>
-          <a:p>
-            <a:pPr marL="285750" indent="-285750">
-              <a:buFont typeface="Arial" charset="0"/>
-              <a:buChar char="•"/>
-            </a:pPr>
-            <a:r>
-              <a:rPr lang="en-US" sz="2400" dirty="0" smtClean="0">
-                <a:latin typeface="Courier" charset="0"/>
-                <a:ea typeface="Courier" charset="0"/>
-                <a:cs typeface="Courier" charset="0"/>
-              </a:rPr>
-              <a:t>Create a </a:t>
-            </a:r>
-            <a:r>
-              <a:rPr lang="en-US" sz="2400" dirty="0" err="1" smtClean="0">
-                <a:latin typeface="Courier" charset="0"/>
-                <a:ea typeface="Courier" charset="0"/>
-                <a:cs typeface="Courier" charset="0"/>
-              </a:rPr>
-              <a:t>DynamoDB</a:t>
-            </a:r>
-            <a:r>
-              <a:rPr lang="en-US" sz="2400" dirty="0" smtClean="0">
-                <a:latin typeface="Courier" charset="0"/>
-                <a:ea typeface="Courier" charset="0"/>
-                <a:cs typeface="Courier" charset="0"/>
-              </a:rPr>
-              <a:t> table (note: </a:t>
-            </a:r>
-            <a:r>
-              <a:rPr lang="en-US" sz="2400" dirty="0" err="1" smtClean="0">
-                <a:latin typeface="Courier" charset="0"/>
-                <a:ea typeface="Courier" charset="0"/>
-                <a:cs typeface="Courier" charset="0"/>
-              </a:rPr>
-              <a:t>env</a:t>
-            </a:r>
-            <a:r>
-              <a:rPr lang="en-US" sz="2400" dirty="0" smtClean="0">
-                <a:latin typeface="Courier" charset="0"/>
-                <a:ea typeface="Courier" charset="0"/>
-                <a:cs typeface="Courier" charset="0"/>
-              </a:rPr>
-              <a:t> prop for </a:t>
-            </a:r>
-            <a:r>
-              <a:rPr lang="en-US" sz="2400" dirty="0" err="1" smtClean="0">
-                <a:latin typeface="Courier" charset="0"/>
-                <a:ea typeface="Courier" charset="0"/>
-                <a:cs typeface="Courier" charset="0"/>
-              </a:rPr>
-              <a:t>tbl</a:t>
-            </a:r>
-            <a:r>
-              <a:rPr lang="en-US" sz="2400" dirty="0" smtClean="0">
-                <a:latin typeface="Courier" charset="0"/>
-                <a:ea typeface="Courier" charset="0"/>
-                <a:cs typeface="Courier" charset="0"/>
-              </a:rPr>
-              <a:t> name) </a:t>
-            </a:r>
-            <a:endParaRPr lang="en-US" sz="2400" dirty="0" smtClean="0">
-              <a:latin typeface="Courier" charset="0"/>
-              <a:ea typeface="Courier" charset="0"/>
-              <a:cs typeface="Courier" charset="0"/>
-            </a:endParaRPr>
-          </a:p>
-          <a:p>
-            <a:pPr marL="285750" indent="-285750">
-              <a:buFont typeface="Arial" charset="0"/>
-              <a:buChar char="•"/>
-            </a:pPr>
-            <a:r>
-              <a:rPr lang="en-US" sz="2400" dirty="0" smtClean="0">
-                <a:latin typeface="Courier" charset="0"/>
-                <a:ea typeface="Courier" charset="0"/>
-                <a:cs typeface="Courier" charset="0"/>
-              </a:rPr>
-              <a:t>Configure the proper IAM roles</a:t>
-            </a:r>
-          </a:p>
-          <a:p>
-            <a:pPr marL="285750" indent="-285750">
-              <a:buFont typeface="Arial" charset="0"/>
-              <a:buChar char="•"/>
-            </a:pPr>
-            <a:r>
-              <a:rPr lang="en-US" sz="2400" dirty="0" smtClean="0">
-                <a:latin typeface="Courier" charset="0"/>
-                <a:ea typeface="Courier" charset="0"/>
-                <a:cs typeface="Courier" charset="0"/>
-              </a:rPr>
-              <a:t>Map APIs to functions</a:t>
-            </a:r>
-            <a:endParaRPr lang="en-US" sz="2400" dirty="0">
-              <a:latin typeface="Courier" charset="0"/>
-              <a:ea typeface="Courier" charset="0"/>
-              <a:cs typeface="Courier" charset="0"/>
-            </a:endParaRPr>
-          </a:p>
-          <a:p>
-            <a:pPr marL="285750" indent="-285750">
-              <a:buFont typeface="Arial" charset="0"/>
-              <a:buChar char="•"/>
-            </a:pPr>
-            <a:r>
-              <a:rPr lang="en-US" sz="2400" dirty="0" smtClean="0">
-                <a:latin typeface="Courier" charset="0"/>
-                <a:ea typeface="Courier" charset="0"/>
-                <a:cs typeface="Courier" charset="0"/>
-              </a:rPr>
-              <a:t>TODO </a:t>
-            </a:r>
-            <a:r>
-              <a:rPr lang="mr-IN" sz="2400" dirty="0" smtClean="0">
-                <a:latin typeface="Courier" charset="0"/>
-                <a:ea typeface="Courier" charset="0"/>
-                <a:cs typeface="Courier" charset="0"/>
-              </a:rPr>
-              <a:t>–</a:t>
-            </a:r>
-            <a:r>
-              <a:rPr lang="en-US" sz="2400" dirty="0" smtClean="0">
-                <a:latin typeface="Courier" charset="0"/>
-                <a:ea typeface="Courier" charset="0"/>
-                <a:cs typeface="Courier" charset="0"/>
-              </a:rPr>
-              <a:t> Implement update handler</a:t>
-            </a:r>
-          </a:p>
         </p:txBody>
       </p:sp>
     </p:spTree>
     <p:extLst>
       <p:ext uri="{BB962C8B-B14F-4D97-AF65-F5344CB8AC3E}">
-        <p14:creationId xmlns:p14="http://schemas.microsoft.com/office/powerpoint/2010/main" val="610823104"/>
+        <p14:creationId xmlns:p14="http://schemas.microsoft.com/office/powerpoint/2010/main" val="89093370"/>
       </p:ext>
     </p:extLst>
   </p:cSld>
@@ -9076,23 +8334,7 @@
                 <a:ea typeface="Courier" charset="0"/>
                 <a:cs typeface="Courier" charset="0"/>
               </a:rPr>
-              <a:t>ES6 and </a:t>
-            </a:r>
-            <a:r>
-              <a:rPr lang="en-US" dirty="0" err="1" smtClean="0">
-                <a:latin typeface="Courier" charset="0"/>
-                <a:ea typeface="Courier" charset="0"/>
-                <a:cs typeface="Courier" charset="0"/>
-              </a:rPr>
-              <a:t>node.js</a:t>
-            </a:r>
-            <a:r>
-              <a:rPr lang="en-US" dirty="0" smtClean="0">
-                <a:latin typeface="Courier" charset="0"/>
-                <a:ea typeface="Courier" charset="0"/>
-                <a:cs typeface="Courier" charset="0"/>
-              </a:rPr>
-              <a:t> </a:t>
+              <a:t>Welcome </a:t>
             </a:r>
             <a:endParaRPr lang="en-US" dirty="0">
               <a:latin typeface="Courier" charset="0"/>
@@ -9115,52 +8357,20 @@
         <p:spPr/>
         <p:txBody>
           <a:bodyPr>
-            <a:normAutofit lnSpcReduction="10000"/>
+            <a:normAutofit/>
           </a:bodyPr>
           <a:lstStyle/>
           <a:p>
-            <a:r>
-              <a:rPr lang="en-US" dirty="0" smtClean="0">
-                <a:latin typeface="Courier" charset="0"/>
-                <a:ea typeface="Courier" charset="0"/>
-                <a:cs typeface="Courier" charset="0"/>
-              </a:rPr>
-              <a:t>ECMAScript 2015 (ES6) - a significant evolution of the language.</a:t>
-            </a:r>
-          </a:p>
-          <a:p>
-            <a:r>
-              <a:rPr lang="en-US" dirty="0" smtClean="0">
-                <a:latin typeface="Courier" charset="0"/>
-                <a:ea typeface="Courier" charset="0"/>
-                <a:cs typeface="Courier" charset="0"/>
-              </a:rPr>
-              <a:t>Compatible </a:t>
-            </a:r>
-            <a:r>
-              <a:rPr lang="en-US" dirty="0" smtClean="0">
-                <a:latin typeface="Courier" charset="0"/>
-                <a:ea typeface="Courier" charset="0"/>
-                <a:cs typeface="Courier" charset="0"/>
-              </a:rPr>
-              <a:t>with most modern browsers (</a:t>
-            </a:r>
-            <a:r>
-              <a:rPr lang="en-US" dirty="0" smtClean="0">
-                <a:latin typeface="Courier" charset="0"/>
-                <a:ea typeface="Courier" charset="0"/>
-                <a:cs typeface="Courier" charset="0"/>
-                <a:hlinkClick r:id="rId2"/>
-              </a:rPr>
-              <a:t>http://kangax.github.io/compat-table/es6/</a:t>
-            </a:r>
-            <a:r>
-              <a:rPr lang="en-US" dirty="0">
-                <a:latin typeface="Courier" charset="0"/>
-                <a:ea typeface="Courier" charset="0"/>
-                <a:cs typeface="Courier" charset="0"/>
-              </a:rPr>
-              <a:t>)</a:t>
+            <a:pPr marL="0" indent="0">
+              <a:buNone/>
+            </a:pPr>
+            <a:r>
+              <a:rPr lang="en-US" dirty="0" smtClean="0">
+                <a:latin typeface="Courier" charset="0"/>
+                <a:ea typeface="Courier" charset="0"/>
+                <a:cs typeface="Courier" charset="0"/>
+              </a:rPr>
+              <a:t>Goals for this session</a:t>
             </a:r>
             <a:endParaRPr lang="en-US" dirty="0" smtClean="0">
               <a:latin typeface="Courier" charset="0"/>
@@ -9175,86 +8385,7 @@
                 <a:ea typeface="Courier" charset="0"/>
                 <a:cs typeface="Courier" charset="0"/>
               </a:rPr>
-              <a:t>Node.js </a:t>
-            </a:r>
-            <a:r>
-              <a:rPr lang="mr-IN" dirty="0" smtClean="0">
-                <a:latin typeface="Courier" charset="0"/>
-                <a:ea typeface="Courier" charset="0"/>
-                <a:cs typeface="Courier" charset="0"/>
-              </a:rPr>
-              <a:t>–</a:t>
-            </a:r>
-            <a:r>
-              <a:rPr lang="en-US" dirty="0" smtClean="0">
-                <a:latin typeface="Courier" charset="0"/>
-                <a:ea typeface="Courier" charset="0"/>
-                <a:cs typeface="Courier" charset="0"/>
-              </a:rPr>
-              <a:t> Server side JavaScript using Chrome V8 </a:t>
-            </a:r>
-          </a:p>
-          <a:p>
-            <a:r>
-              <a:rPr lang="en-US" dirty="0" smtClean="0">
-                <a:latin typeface="Courier" charset="0"/>
-                <a:ea typeface="Courier" charset="0"/>
-                <a:cs typeface="Courier" charset="0"/>
-              </a:rPr>
-              <a:t>Node.js is </a:t>
-            </a:r>
-            <a:r>
-              <a:rPr lang="en-US" dirty="0" smtClean="0">
-                <a:latin typeface="Courier" charset="0"/>
-                <a:ea typeface="Courier" charset="0"/>
-                <a:cs typeface="Courier" charset="0"/>
-              </a:rPr>
-              <a:t>an </a:t>
-            </a:r>
-            <a:r>
-              <a:rPr lang="en-US" dirty="0" smtClean="0">
-                <a:latin typeface="Courier" charset="0"/>
-                <a:ea typeface="Courier" charset="0"/>
-                <a:cs typeface="Courier" charset="0"/>
-              </a:rPr>
-              <a:t>extremely performant, event based platform that is ideal serverless </a:t>
-            </a:r>
-            <a:r>
-              <a:rPr lang="en-US" dirty="0" smtClean="0">
-                <a:latin typeface="Courier" charset="0"/>
-                <a:ea typeface="Courier" charset="0"/>
-                <a:cs typeface="Courier" charset="0"/>
-              </a:rPr>
-              <a:t>implementations</a:t>
-            </a:r>
-          </a:p>
-          <a:p>
-            <a:r>
-              <a:rPr lang="en-US" dirty="0" smtClean="0">
-                <a:latin typeface="Courier" charset="0"/>
-                <a:ea typeface="Courier" charset="0"/>
-                <a:cs typeface="Courier" charset="0"/>
-                <a:hlinkClick r:id="rId3"/>
-              </a:rPr>
-              <a:t>https</a:t>
-            </a:r>
-            <a:r>
-              <a:rPr lang="en-US" dirty="0">
-                <a:latin typeface="Courier" charset="0"/>
-                <a:ea typeface="Courier" charset="0"/>
-                <a:cs typeface="Courier" charset="0"/>
-                <a:hlinkClick r:id="rId3"/>
-              </a:rPr>
-              <a:t>://nodejs.org/dist/latest-v6.x/docs/api</a:t>
-            </a:r>
-            <a:r>
-              <a:rPr lang="en-US" dirty="0" smtClean="0">
-                <a:latin typeface="Courier" charset="0"/>
-                <a:ea typeface="Courier" charset="0"/>
-                <a:cs typeface="Courier" charset="0"/>
-                <a:hlinkClick r:id="rId3"/>
-              </a:rPr>
-              <a:t>/</a:t>
+              <a:t>Shared learning</a:t>
             </a:r>
             <a:endParaRPr lang="en-US" dirty="0" smtClean="0">
               <a:latin typeface="Courier" charset="0"/>
@@ -9262,12 +8393,92 @@
               <a:cs typeface="Courier" charset="0"/>
             </a:endParaRPr>
           </a:p>
+          <a:p>
+            <a:r>
+              <a:rPr lang="en-US" dirty="0" smtClean="0">
+                <a:latin typeface="Courier" charset="0"/>
+                <a:ea typeface="Courier" charset="0"/>
+                <a:cs typeface="Courier" charset="0"/>
+              </a:rPr>
+              <a:t>I’m a </a:t>
+            </a:r>
+            <a:r>
+              <a:rPr lang="en-US" dirty="0" err="1" smtClean="0">
+                <a:latin typeface="Courier" charset="0"/>
+                <a:ea typeface="Courier" charset="0"/>
+                <a:cs typeface="Courier" charset="0"/>
+              </a:rPr>
+              <a:t>node.js</a:t>
+            </a:r>
+            <a:r>
+              <a:rPr lang="en-US" dirty="0" smtClean="0">
+                <a:latin typeface="Courier" charset="0"/>
+                <a:ea typeface="Courier" charset="0"/>
+                <a:cs typeface="Courier" charset="0"/>
+              </a:rPr>
+              <a:t> newbie </a:t>
+            </a:r>
+            <a:r>
+              <a:rPr lang="mr-IN" dirty="0" smtClean="0">
+                <a:latin typeface="Courier" charset="0"/>
+                <a:ea typeface="Courier" charset="0"/>
+                <a:cs typeface="Courier" charset="0"/>
+              </a:rPr>
+              <a:t>…</a:t>
+            </a:r>
+            <a:r>
+              <a:rPr lang="en-US" dirty="0" smtClean="0">
+                <a:latin typeface="Courier" charset="0"/>
+                <a:ea typeface="Courier" charset="0"/>
+                <a:cs typeface="Courier" charset="0"/>
+              </a:rPr>
+              <a:t> please share your knowledge as we proceed through the session! </a:t>
+            </a:r>
+            <a:endParaRPr lang="en-US" dirty="0" smtClean="0">
+              <a:latin typeface="Courier" charset="0"/>
+              <a:ea typeface="Courier" charset="0"/>
+              <a:cs typeface="Courier" charset="0"/>
+            </a:endParaRPr>
+          </a:p>
+          <a:p>
+            <a:r>
+              <a:rPr lang="en-US" dirty="0" smtClean="0">
+                <a:latin typeface="Courier" charset="0"/>
+                <a:ea typeface="Courier" charset="0"/>
+                <a:cs typeface="Courier" charset="0"/>
+              </a:rPr>
+              <a:t>There were some pre-requisites, housekeeping slides to follow </a:t>
+            </a:r>
+          </a:p>
+          <a:p>
+            <a:r>
+              <a:rPr lang="en-US" dirty="0" smtClean="0">
+                <a:latin typeface="Courier" charset="0"/>
+                <a:ea typeface="Courier" charset="0"/>
+                <a:cs typeface="Courier" charset="0"/>
+              </a:rPr>
+              <a:t>Let’s go </a:t>
+            </a:r>
+            <a:r>
+              <a:rPr lang="mr-IN" dirty="0" smtClean="0">
+                <a:latin typeface="Courier" charset="0"/>
+                <a:ea typeface="Courier" charset="0"/>
+                <a:cs typeface="Courier" charset="0"/>
+              </a:rPr>
+              <a:t>…</a:t>
+            </a:r>
+            <a:endParaRPr lang="en-US" dirty="0" smtClean="0">
+              <a:latin typeface="Courier" charset="0"/>
+              <a:ea typeface="Courier" charset="0"/>
+              <a:cs typeface="Courier" charset="0"/>
+            </a:endParaRPr>
+          </a:p>
         </p:txBody>
       </p:sp>
     </p:spTree>
     <p:extLst>
       <p:ext uri="{BB962C8B-B14F-4D97-AF65-F5344CB8AC3E}">
-        <p14:creationId xmlns:p14="http://schemas.microsoft.com/office/powerpoint/2010/main" val="270903119"/>
+        <p14:creationId xmlns:p14="http://schemas.microsoft.com/office/powerpoint/2010/main" val="553151459"/>
       </p:ext>
     </p:extLst>
   </p:cSld>
@@ -9317,6 +8528,749 @@
           <a:lstStyle/>
           <a:p>
             <a:r>
+              <a:rPr lang="en-US" dirty="0" smtClean="0">
+                <a:latin typeface="Courier" charset="0"/>
+                <a:ea typeface="Courier" charset="0"/>
+                <a:cs typeface="Courier" charset="0"/>
+              </a:rPr>
+              <a:t>CRUD Endpoints for </a:t>
+            </a:r>
+            <a:r>
+              <a:rPr lang="en-US" dirty="0" err="1" smtClean="0">
+                <a:latin typeface="Courier" charset="0"/>
+                <a:ea typeface="Courier" charset="0"/>
+                <a:cs typeface="Courier" charset="0"/>
+              </a:rPr>
+              <a:t>DynamoDB</a:t>
+            </a:r>
+            <a:endParaRPr lang="en-US" dirty="0">
+              <a:latin typeface="Courier" charset="0"/>
+              <a:ea typeface="Courier" charset="0"/>
+              <a:cs typeface="Courier" charset="0"/>
+            </a:endParaRPr>
+          </a:p>
+        </p:txBody>
+      </p:sp>
+      <p:sp>
+        <p:nvSpPr>
+          <p:cNvPr id="7" name="Content Placeholder 4"/>
+          <p:cNvSpPr>
+            <a:spLocks noGrp="1"/>
+          </p:cNvSpPr>
+          <p:nvPr>
+            <p:ph idx="1"/>
+          </p:nvPr>
+        </p:nvSpPr>
+        <p:spPr>
+          <a:xfrm>
+            <a:off x="838200" y="3607978"/>
+            <a:ext cx="10515600" cy="2702129"/>
+          </a:xfrm>
+          <a:solidFill>
+            <a:schemeClr val="accent6">
+              <a:lumMod val="75000"/>
+            </a:schemeClr>
+          </a:solidFill>
+          <a:ln>
+            <a:solidFill>
+              <a:schemeClr val="tx1"/>
+            </a:solidFill>
+          </a:ln>
+        </p:spPr>
+        <p:txBody>
+          <a:bodyPr>
+            <a:normAutofit fontScale="70000" lnSpcReduction="20000"/>
+          </a:bodyPr>
+          <a:lstStyle/>
+          <a:p>
+            <a:pPr marL="0" indent="0">
+              <a:buNone/>
+            </a:pPr>
+            <a:r>
+              <a:rPr lang="en-US" dirty="0" smtClean="0">
+                <a:solidFill>
+                  <a:srgbClr val="FFFF00"/>
+                </a:solidFill>
+                <a:latin typeface="Courier" charset="0"/>
+                <a:ea typeface="Courier" charset="0"/>
+                <a:cs typeface="Courier" charset="0"/>
+              </a:rPr>
+              <a:t>$ </a:t>
+            </a:r>
+            <a:r>
+              <a:rPr lang="en-US" dirty="0">
+                <a:solidFill>
+                  <a:srgbClr val="FFFF00"/>
+                </a:solidFill>
+                <a:latin typeface="Courier" charset="0"/>
+                <a:ea typeface="Courier" charset="0"/>
+                <a:cs typeface="Courier" charset="0"/>
+              </a:rPr>
+              <a:t>cd examples/</a:t>
+            </a:r>
+            <a:r>
+              <a:rPr lang="en-US" dirty="0" err="1">
+                <a:solidFill>
+                  <a:srgbClr val="FFFF00"/>
+                </a:solidFill>
+                <a:latin typeface="Courier" charset="0"/>
+                <a:ea typeface="Courier" charset="0"/>
+                <a:cs typeface="Courier" charset="0"/>
+              </a:rPr>
+              <a:t>aws</a:t>
+            </a:r>
+            <a:r>
+              <a:rPr lang="en-US" dirty="0">
+                <a:solidFill>
+                  <a:srgbClr val="FFFF00"/>
+                </a:solidFill>
+                <a:latin typeface="Courier" charset="0"/>
+                <a:ea typeface="Courier" charset="0"/>
+                <a:cs typeface="Courier" charset="0"/>
+              </a:rPr>
+              <a:t>-node-rest-</a:t>
+            </a:r>
+            <a:r>
+              <a:rPr lang="en-US" dirty="0" err="1">
+                <a:solidFill>
+                  <a:srgbClr val="FFFF00"/>
+                </a:solidFill>
+                <a:latin typeface="Courier" charset="0"/>
+                <a:ea typeface="Courier" charset="0"/>
+                <a:cs typeface="Courier" charset="0"/>
+              </a:rPr>
+              <a:t>api</a:t>
+            </a:r>
+            <a:r>
+              <a:rPr lang="en-US" dirty="0">
+                <a:solidFill>
+                  <a:srgbClr val="FFFF00"/>
+                </a:solidFill>
+                <a:latin typeface="Courier" charset="0"/>
+                <a:ea typeface="Courier" charset="0"/>
+                <a:cs typeface="Courier" charset="0"/>
+              </a:rPr>
+              <a:t>-with-</a:t>
+            </a:r>
+            <a:r>
+              <a:rPr lang="en-US" dirty="0" err="1">
+                <a:solidFill>
+                  <a:srgbClr val="FFFF00"/>
+                </a:solidFill>
+                <a:latin typeface="Courier" charset="0"/>
+                <a:ea typeface="Courier" charset="0"/>
+                <a:cs typeface="Courier" charset="0"/>
+              </a:rPr>
+              <a:t>dynamodb</a:t>
+            </a:r>
+            <a:endParaRPr lang="en-US" dirty="0" smtClean="0">
+              <a:solidFill>
+                <a:srgbClr val="FFFF00"/>
+              </a:solidFill>
+              <a:latin typeface="Courier" charset="0"/>
+              <a:ea typeface="Courier" charset="0"/>
+              <a:cs typeface="Courier" charset="0"/>
+            </a:endParaRPr>
+          </a:p>
+          <a:p>
+            <a:pPr marL="0" indent="0">
+              <a:buNone/>
+            </a:pPr>
+            <a:r>
+              <a:rPr lang="en-US" dirty="0" smtClean="0">
+                <a:solidFill>
+                  <a:srgbClr val="FFFF00"/>
+                </a:solidFill>
+                <a:latin typeface="Courier" charset="0"/>
+                <a:ea typeface="Courier" charset="0"/>
+                <a:cs typeface="Courier" charset="0"/>
+              </a:rPr>
+              <a:t>$ </a:t>
+            </a:r>
+            <a:r>
+              <a:rPr lang="en-US" dirty="0" err="1" smtClean="0">
+                <a:solidFill>
+                  <a:srgbClr val="FFFF00"/>
+                </a:solidFill>
+                <a:latin typeface="Courier" charset="0"/>
+                <a:ea typeface="Courier" charset="0"/>
+                <a:cs typeface="Courier" charset="0"/>
+              </a:rPr>
+              <a:t>npm</a:t>
+            </a:r>
+            <a:r>
+              <a:rPr lang="en-US" dirty="0" smtClean="0">
+                <a:solidFill>
+                  <a:srgbClr val="FFFF00"/>
+                </a:solidFill>
+                <a:latin typeface="Courier" charset="0"/>
+                <a:ea typeface="Courier" charset="0"/>
+                <a:cs typeface="Courier" charset="0"/>
+              </a:rPr>
+              <a:t> install </a:t>
+            </a:r>
+            <a:r>
+              <a:rPr lang="en-US" dirty="0" smtClean="0">
+                <a:latin typeface="Courier" charset="0"/>
+                <a:ea typeface="Courier" charset="0"/>
+                <a:cs typeface="Courier" charset="0"/>
+              </a:rPr>
+              <a:t>(</a:t>
+            </a:r>
+            <a:r>
+              <a:rPr lang="en-US" i="1" dirty="0" err="1" smtClean="0">
+                <a:latin typeface="Courier" charset="0"/>
+                <a:ea typeface="Courier" charset="0"/>
+                <a:cs typeface="Courier" charset="0"/>
+              </a:rPr>
+              <a:t>uuid</a:t>
+            </a:r>
+            <a:r>
+              <a:rPr lang="en-US" dirty="0" smtClean="0">
+                <a:latin typeface="Courier" charset="0"/>
+                <a:ea typeface="Courier" charset="0"/>
+                <a:cs typeface="Courier" charset="0"/>
+              </a:rPr>
+              <a:t>)</a:t>
+            </a:r>
+          </a:p>
+          <a:p>
+            <a:pPr marL="0" indent="0">
+              <a:buNone/>
+            </a:pPr>
+            <a:r>
+              <a:rPr lang="en-US" dirty="0" smtClean="0">
+                <a:solidFill>
+                  <a:srgbClr val="FFFF00"/>
+                </a:solidFill>
+                <a:latin typeface="Courier" charset="0"/>
+                <a:ea typeface="Courier" charset="0"/>
+                <a:cs typeface="Courier" charset="0"/>
+              </a:rPr>
+              <a:t>$ serverless deploy</a:t>
+            </a:r>
+          </a:p>
+          <a:p>
+            <a:pPr marL="0" indent="0">
+              <a:buNone/>
+            </a:pPr>
+            <a:r>
+              <a:rPr lang="en-US" dirty="0" smtClean="0">
+                <a:solidFill>
+                  <a:srgbClr val="FFFF00"/>
+                </a:solidFill>
+                <a:latin typeface="Courier" charset="0"/>
+                <a:ea typeface="Courier" charset="0"/>
+                <a:cs typeface="Courier" charset="0"/>
+              </a:rPr>
+              <a:t>. . .</a:t>
+            </a:r>
+          </a:p>
+          <a:p>
+            <a:pPr marL="0" indent="0">
+              <a:buNone/>
+            </a:pPr>
+            <a:r>
+              <a:rPr lang="en-US" dirty="0" smtClean="0">
+                <a:solidFill>
+                  <a:srgbClr val="FFFF00"/>
+                </a:solidFill>
+                <a:latin typeface="Courier" charset="0"/>
+                <a:ea typeface="Courier" charset="0"/>
+                <a:cs typeface="Courier" charset="0"/>
+              </a:rPr>
+              <a:t>$ curl </a:t>
+            </a:r>
+            <a:r>
+              <a:rPr lang="mr-IN" dirty="0" smtClean="0">
+                <a:solidFill>
+                  <a:srgbClr val="FFFF00"/>
+                </a:solidFill>
+                <a:latin typeface="Courier" charset="0"/>
+                <a:ea typeface="Courier" charset="0"/>
+                <a:cs typeface="Courier" charset="0"/>
+              </a:rPr>
+              <a:t>–</a:t>
+            </a:r>
+            <a:r>
+              <a:rPr lang="en-US" dirty="0" smtClean="0">
+                <a:solidFill>
+                  <a:srgbClr val="FFFF00"/>
+                </a:solidFill>
+                <a:latin typeface="Courier" charset="0"/>
+                <a:ea typeface="Courier" charset="0"/>
+                <a:cs typeface="Courier" charset="0"/>
+              </a:rPr>
+              <a:t>X POST https</a:t>
+            </a:r>
+            <a:r>
+              <a:rPr lang="en-US" dirty="0">
+                <a:solidFill>
+                  <a:srgbClr val="FFFF00"/>
+                </a:solidFill>
+                <a:latin typeface="Courier" charset="0"/>
+                <a:ea typeface="Courier" charset="0"/>
+                <a:cs typeface="Courier" charset="0"/>
+              </a:rPr>
+              <a:t>://[XXXXX]/dev/loans</a:t>
+            </a:r>
+            <a:r>
+              <a:rPr lang="en-US" dirty="0" smtClean="0">
+                <a:solidFill>
+                  <a:srgbClr val="FFFF00"/>
+                </a:solidFill>
+                <a:latin typeface="Courier" charset="0"/>
+                <a:ea typeface="Courier" charset="0"/>
+                <a:cs typeface="Courier" charset="0"/>
+              </a:rPr>
+              <a:t>/ --data </a:t>
+            </a:r>
+            <a:r>
+              <a:rPr lang="en-US" dirty="0" smtClean="0">
+                <a:solidFill>
+                  <a:schemeClr val="tx1">
+                    <a:lumMod val="95000"/>
+                  </a:schemeClr>
+                </a:solidFill>
+                <a:latin typeface="Courier" charset="0"/>
+                <a:ea typeface="Courier" charset="0"/>
+                <a:cs typeface="Courier" charset="0"/>
+              </a:rPr>
+              <a:t>‘</a:t>
+            </a:r>
+            <a:r>
+              <a:rPr lang="mr-IN" dirty="0">
+                <a:solidFill>
+                  <a:schemeClr val="tx1">
+                    <a:lumMod val="95000"/>
+                  </a:schemeClr>
+                </a:solidFill>
+                <a:latin typeface="Courier" charset="0"/>
+                <a:ea typeface="Courier" charset="0"/>
+                <a:cs typeface="Courier" charset="0"/>
+              </a:rPr>
+              <a:t>{"</a:t>
+            </a:r>
+            <a:r>
+              <a:rPr lang="mr-IN" dirty="0" err="1">
+                <a:solidFill>
+                  <a:schemeClr val="tx1">
+                    <a:lumMod val="95000"/>
+                  </a:schemeClr>
+                </a:solidFill>
+                <a:latin typeface="Courier" charset="0"/>
+                <a:ea typeface="Courier" charset="0"/>
+                <a:cs typeface="Courier" charset="0"/>
+              </a:rPr>
+              <a:t>loan</a:t>
+            </a:r>
+            <a:r>
+              <a:rPr lang="mr-IN" dirty="0">
+                <a:solidFill>
+                  <a:schemeClr val="tx1">
+                    <a:lumMod val="95000"/>
+                  </a:schemeClr>
+                </a:solidFill>
+                <a:latin typeface="Courier" charset="0"/>
+                <a:ea typeface="Courier" charset="0"/>
+                <a:cs typeface="Courier" charset="0"/>
+              </a:rPr>
+              <a:t>": {"</a:t>
+            </a:r>
+            <a:r>
+              <a:rPr lang="mr-IN" dirty="0" err="1">
+                <a:solidFill>
+                  <a:schemeClr val="tx1">
+                    <a:lumMod val="95000"/>
+                  </a:schemeClr>
+                </a:solidFill>
+                <a:latin typeface="Courier" charset="0"/>
+                <a:ea typeface="Courier" charset="0"/>
+                <a:cs typeface="Courier" charset="0"/>
+              </a:rPr>
+              <a:t>upb</a:t>
+            </a:r>
+            <a:r>
+              <a:rPr lang="mr-IN" dirty="0">
+                <a:solidFill>
+                  <a:schemeClr val="tx1">
+                    <a:lumMod val="95000"/>
+                  </a:schemeClr>
+                </a:solidFill>
+                <a:latin typeface="Courier" charset="0"/>
+                <a:ea typeface="Courier" charset="0"/>
+                <a:cs typeface="Courier" charset="0"/>
+              </a:rPr>
+              <a:t>": 250000, "</a:t>
+            </a:r>
+            <a:r>
+              <a:rPr lang="mr-IN" dirty="0" err="1">
+                <a:solidFill>
+                  <a:schemeClr val="tx1">
+                    <a:lumMod val="95000"/>
+                  </a:schemeClr>
+                </a:solidFill>
+                <a:latin typeface="Courier" charset="0"/>
+                <a:ea typeface="Courier" charset="0"/>
+                <a:cs typeface="Courier" charset="0"/>
+              </a:rPr>
+              <a:t>amort</a:t>
+            </a:r>
+            <a:r>
+              <a:rPr lang="mr-IN" dirty="0">
+                <a:solidFill>
+                  <a:schemeClr val="tx1">
+                    <a:lumMod val="95000"/>
+                  </a:schemeClr>
+                </a:solidFill>
+                <a:latin typeface="Courier" charset="0"/>
+                <a:ea typeface="Courier" charset="0"/>
+                <a:cs typeface="Courier" charset="0"/>
+              </a:rPr>
+              <a:t>": "FRM", "</a:t>
+            </a:r>
+            <a:r>
+              <a:rPr lang="mr-IN" dirty="0" err="1">
+                <a:solidFill>
+                  <a:schemeClr val="tx1">
+                    <a:lumMod val="95000"/>
+                  </a:schemeClr>
+                </a:solidFill>
+                <a:latin typeface="Courier" charset="0"/>
+                <a:ea typeface="Courier" charset="0"/>
+                <a:cs typeface="Courier" charset="0"/>
+              </a:rPr>
+              <a:t>term</a:t>
+            </a:r>
+            <a:r>
+              <a:rPr lang="mr-IN" dirty="0">
+                <a:solidFill>
+                  <a:schemeClr val="tx1">
+                    <a:lumMod val="95000"/>
+                  </a:schemeClr>
+                </a:solidFill>
+                <a:latin typeface="Courier" charset="0"/>
+                <a:ea typeface="Courier" charset="0"/>
+                <a:cs typeface="Courier" charset="0"/>
+              </a:rPr>
+              <a:t>": 30 }}'</a:t>
+            </a:r>
+            <a:endParaRPr lang="en-US" dirty="0" smtClean="0">
+              <a:solidFill>
+                <a:schemeClr val="tx1">
+                  <a:lumMod val="95000"/>
+                </a:schemeClr>
+              </a:solidFill>
+              <a:latin typeface="Courier" charset="0"/>
+              <a:ea typeface="Courier" charset="0"/>
+              <a:cs typeface="Courier" charset="0"/>
+            </a:endParaRPr>
+          </a:p>
+          <a:p>
+            <a:pPr marL="0" indent="0">
+              <a:buNone/>
+            </a:pPr>
+            <a:r>
+              <a:rPr lang="en-US" dirty="0" smtClean="0">
+                <a:solidFill>
+                  <a:srgbClr val="FFFF00"/>
+                </a:solidFill>
+                <a:latin typeface="Courier" charset="0"/>
+                <a:ea typeface="Courier" charset="0"/>
+                <a:cs typeface="Courier" charset="0"/>
+              </a:rPr>
+              <a:t>$ curl https://[XXXXX]/dev/loans/&lt;id&gt;</a:t>
+            </a:r>
+          </a:p>
+          <a:p>
+            <a:pPr marL="0" indent="0">
+              <a:buNone/>
+            </a:pPr>
+            <a:r>
+              <a:rPr lang="en-US" dirty="0" smtClean="0">
+                <a:solidFill>
+                  <a:srgbClr val="FFFF00"/>
+                </a:solidFill>
+                <a:latin typeface="Courier" charset="0"/>
+                <a:ea typeface="Courier" charset="0"/>
+                <a:cs typeface="Courier" charset="0"/>
+              </a:rPr>
+              <a:t>$ curl </a:t>
+            </a:r>
+            <a:r>
+              <a:rPr lang="mr-IN" dirty="0" smtClean="0">
+                <a:solidFill>
+                  <a:srgbClr val="FFFF00"/>
+                </a:solidFill>
+                <a:latin typeface="Courier" charset="0"/>
+                <a:ea typeface="Courier" charset="0"/>
+                <a:cs typeface="Courier" charset="0"/>
+              </a:rPr>
+              <a:t>–</a:t>
+            </a:r>
+            <a:r>
+              <a:rPr lang="en-US" dirty="0" smtClean="0">
+                <a:solidFill>
+                  <a:srgbClr val="FFFF00"/>
+                </a:solidFill>
+                <a:latin typeface="Courier" charset="0"/>
+                <a:ea typeface="Courier" charset="0"/>
+                <a:cs typeface="Courier" charset="0"/>
+              </a:rPr>
+              <a:t>X DELETE </a:t>
+            </a:r>
+            <a:r>
+              <a:rPr lang="en-US" dirty="0">
+                <a:solidFill>
+                  <a:srgbClr val="FFFF00"/>
+                </a:solidFill>
+                <a:latin typeface="Courier" charset="0"/>
+                <a:ea typeface="Courier" charset="0"/>
+                <a:cs typeface="Courier" charset="0"/>
+              </a:rPr>
+              <a:t>https://[XXXXX]/dev/loans</a:t>
+            </a:r>
+            <a:r>
+              <a:rPr lang="en-US" dirty="0" smtClean="0">
+                <a:solidFill>
+                  <a:srgbClr val="FFFF00"/>
+                </a:solidFill>
+                <a:latin typeface="Courier" charset="0"/>
+                <a:ea typeface="Courier" charset="0"/>
+                <a:cs typeface="Courier" charset="0"/>
+              </a:rPr>
+              <a:t>/&lt;id&gt;</a:t>
+            </a:r>
+          </a:p>
+          <a:p>
+            <a:pPr marL="0" indent="0">
+              <a:buNone/>
+            </a:pPr>
+            <a:endParaRPr lang="en-US" dirty="0" smtClean="0">
+              <a:solidFill>
+                <a:srgbClr val="FFFF00"/>
+              </a:solidFill>
+              <a:latin typeface="Courier" charset="0"/>
+              <a:ea typeface="Courier" charset="0"/>
+              <a:cs typeface="Courier" charset="0"/>
+            </a:endParaRPr>
+          </a:p>
+          <a:p>
+            <a:pPr marL="0" indent="0">
+              <a:buNone/>
+            </a:pPr>
+            <a:endParaRPr lang="en-US" dirty="0">
+              <a:solidFill>
+                <a:srgbClr val="FFFF00"/>
+              </a:solidFill>
+              <a:latin typeface="Courier" charset="0"/>
+              <a:ea typeface="Courier" charset="0"/>
+              <a:cs typeface="Courier" charset="0"/>
+            </a:endParaRPr>
+          </a:p>
+        </p:txBody>
+      </p:sp>
+      <p:sp>
+        <p:nvSpPr>
+          <p:cNvPr id="5" name="TextBox 4"/>
+          <p:cNvSpPr txBox="1"/>
+          <p:nvPr/>
+        </p:nvSpPr>
+        <p:spPr>
+          <a:xfrm>
+            <a:off x="838200" y="1690688"/>
+            <a:ext cx="10515600" cy="1569660"/>
+          </a:xfrm>
+          <a:prstGeom prst="rect">
+            <a:avLst/>
+          </a:prstGeom>
+          <a:noFill/>
+        </p:spPr>
+        <p:txBody>
+          <a:bodyPr wrap="square" rtlCol="0">
+            <a:spAutoFit/>
+          </a:bodyPr>
+          <a:lstStyle/>
+          <a:p>
+            <a:pPr marL="285750" indent="-285750">
+              <a:buFont typeface="Arial" charset="0"/>
+              <a:buChar char="•"/>
+            </a:pPr>
+            <a:r>
+              <a:rPr lang="en-US" sz="2400" dirty="0" smtClean="0">
+                <a:latin typeface="Courier" charset="0"/>
+                <a:ea typeface="Courier" charset="0"/>
+                <a:cs typeface="Courier" charset="0"/>
+              </a:rPr>
+              <a:t>Create a </a:t>
+            </a:r>
+            <a:r>
+              <a:rPr lang="en-US" sz="2400" dirty="0" err="1" smtClean="0">
+                <a:latin typeface="Courier" charset="0"/>
+                <a:ea typeface="Courier" charset="0"/>
+                <a:cs typeface="Courier" charset="0"/>
+              </a:rPr>
+              <a:t>DynamoDB</a:t>
+            </a:r>
+            <a:r>
+              <a:rPr lang="en-US" sz="2400" dirty="0" smtClean="0">
+                <a:latin typeface="Courier" charset="0"/>
+                <a:ea typeface="Courier" charset="0"/>
+                <a:cs typeface="Courier" charset="0"/>
+              </a:rPr>
+              <a:t> table (note: </a:t>
+            </a:r>
+            <a:r>
+              <a:rPr lang="en-US" sz="2400" dirty="0" err="1" smtClean="0">
+                <a:latin typeface="Courier" charset="0"/>
+                <a:ea typeface="Courier" charset="0"/>
+                <a:cs typeface="Courier" charset="0"/>
+              </a:rPr>
+              <a:t>env</a:t>
+            </a:r>
+            <a:r>
+              <a:rPr lang="en-US" sz="2400" dirty="0" smtClean="0">
+                <a:latin typeface="Courier" charset="0"/>
+                <a:ea typeface="Courier" charset="0"/>
+                <a:cs typeface="Courier" charset="0"/>
+              </a:rPr>
+              <a:t> prop for </a:t>
+            </a:r>
+            <a:r>
+              <a:rPr lang="en-US" sz="2400" dirty="0" err="1" smtClean="0">
+                <a:latin typeface="Courier" charset="0"/>
+                <a:ea typeface="Courier" charset="0"/>
+                <a:cs typeface="Courier" charset="0"/>
+              </a:rPr>
+              <a:t>tbl</a:t>
+            </a:r>
+            <a:r>
+              <a:rPr lang="en-US" sz="2400" dirty="0" smtClean="0">
+                <a:latin typeface="Courier" charset="0"/>
+                <a:ea typeface="Courier" charset="0"/>
+                <a:cs typeface="Courier" charset="0"/>
+              </a:rPr>
+              <a:t> name) </a:t>
+            </a:r>
+          </a:p>
+          <a:p>
+            <a:pPr marL="285750" indent="-285750">
+              <a:buFont typeface="Arial" charset="0"/>
+              <a:buChar char="•"/>
+            </a:pPr>
+            <a:r>
+              <a:rPr lang="en-US" sz="2400" dirty="0" smtClean="0">
+                <a:latin typeface="Courier" charset="0"/>
+                <a:ea typeface="Courier" charset="0"/>
+                <a:cs typeface="Courier" charset="0"/>
+              </a:rPr>
+              <a:t>Configure the proper IAM roles</a:t>
+            </a:r>
+          </a:p>
+          <a:p>
+            <a:pPr marL="285750" indent="-285750">
+              <a:buFont typeface="Arial" charset="0"/>
+              <a:buChar char="•"/>
+            </a:pPr>
+            <a:r>
+              <a:rPr lang="en-US" sz="2400" dirty="0" smtClean="0">
+                <a:latin typeface="Courier" charset="0"/>
+                <a:ea typeface="Courier" charset="0"/>
+                <a:cs typeface="Courier" charset="0"/>
+              </a:rPr>
+              <a:t>Map APIs to functions</a:t>
+            </a:r>
+            <a:endParaRPr lang="en-US" sz="2400" dirty="0">
+              <a:latin typeface="Courier" charset="0"/>
+              <a:ea typeface="Courier" charset="0"/>
+              <a:cs typeface="Courier" charset="0"/>
+            </a:endParaRPr>
+          </a:p>
+          <a:p>
+            <a:pPr marL="285750" indent="-285750">
+              <a:buFont typeface="Arial" charset="0"/>
+              <a:buChar char="•"/>
+            </a:pPr>
+            <a:r>
+              <a:rPr lang="en-US" sz="2400" dirty="0" smtClean="0">
+                <a:latin typeface="Courier" charset="0"/>
+                <a:ea typeface="Courier" charset="0"/>
+                <a:cs typeface="Courier" charset="0"/>
+              </a:rPr>
+              <a:t>TODO </a:t>
+            </a:r>
+            <a:r>
+              <a:rPr lang="mr-IN" sz="2400" dirty="0" smtClean="0">
+                <a:latin typeface="Courier" charset="0"/>
+                <a:ea typeface="Courier" charset="0"/>
+                <a:cs typeface="Courier" charset="0"/>
+              </a:rPr>
+              <a:t>–</a:t>
+            </a:r>
+            <a:r>
+              <a:rPr lang="en-US" sz="2400" dirty="0" smtClean="0">
+                <a:latin typeface="Courier" charset="0"/>
+                <a:ea typeface="Courier" charset="0"/>
+                <a:cs typeface="Courier" charset="0"/>
+              </a:rPr>
+              <a:t> Implement update handler</a:t>
+            </a:r>
+          </a:p>
+        </p:txBody>
+      </p:sp>
+    </p:spTree>
+    <p:extLst>
+      <p:ext uri="{BB962C8B-B14F-4D97-AF65-F5344CB8AC3E}">
+        <p14:creationId xmlns:p14="http://schemas.microsoft.com/office/powerpoint/2010/main" val="610823104"/>
+      </p:ext>
+    </p:extLst>
+  </p:cSld>
+  <p:clrMapOvr>
+    <a:masterClrMapping/>
+  </p:clrMapOvr>
+  <p:timing>
+    <p:tnLst>
+      <p:par>
+        <p:cTn id="1" dur="indefinite" restart="never" nodeType="tmRoot"/>
+      </p:par>
+    </p:tnLst>
+  </p:timing>
+</p:sld>
+</file>
+
+<file path=ppt/slides/slide21.xml><?xml version="1.0" encoding="utf-8"?>
+<p:sld xmlns:a="http://schemas.openxmlformats.org/drawingml/2006/main" xmlns:r="http://schemas.openxmlformats.org/officeDocument/2006/relationships" xmlns:p="http://schemas.openxmlformats.org/presentationml/2006/main">
+  <p:cSld>
+    <p:spTree>
+      <p:nvGrpSpPr>
+        <p:cNvPr id="1" name=""/>
+        <p:cNvGrpSpPr/>
+        <p:nvPr/>
+      </p:nvGrpSpPr>
+      <p:grpSpPr>
+        <a:xfrm>
+          <a:off x="0" y="0"/>
+          <a:ext cx="0" cy="0"/>
+          <a:chOff x="0" y="0"/>
+          <a:chExt cx="0" cy="0"/>
+        </a:xfrm>
+      </p:grpSpPr>
+      <p:sp>
+        <p:nvSpPr>
+          <p:cNvPr id="2" name="Title 1"/>
+          <p:cNvSpPr>
+            <a:spLocks noGrp="1"/>
+          </p:cNvSpPr>
+          <p:nvPr>
+            <p:ph type="title"/>
+          </p:nvPr>
+        </p:nvSpPr>
+        <p:spPr/>
+        <p:txBody>
+          <a:bodyPr/>
+          <a:lstStyle/>
+          <a:p>
+            <a:r>
               <a:rPr lang="en-US" dirty="0" err="1" smtClean="0">
                 <a:latin typeface="Courier" charset="0"/>
                 <a:ea typeface="Courier" charset="0"/>
@@ -9386,14 +9340,6 @@
               </a:rPr>
               <a:t>$ serverless deploy</a:t>
             </a:r>
-            <a:endParaRPr lang="en-US" dirty="0" smtClean="0">
-              <a:solidFill>
-                <a:srgbClr val="FFFF00"/>
-              </a:solidFill>
-              <a:latin typeface="Courier" charset="0"/>
-              <a:ea typeface="Courier" charset="0"/>
-              <a:cs typeface="Courier" charset="0"/>
-            </a:endParaRPr>
           </a:p>
           <a:p>
             <a:pPr marL="0" indent="0">
@@ -9410,14 +9356,6 @@
               </a:rPr>
               <a:t>. . .</a:t>
             </a:r>
-            <a:endParaRPr lang="en-US" dirty="0" smtClean="0">
-              <a:solidFill>
-                <a:srgbClr val="FFFF00"/>
-              </a:solidFill>
-              <a:latin typeface="Courier" charset="0"/>
-              <a:ea typeface="Courier" charset="0"/>
-              <a:cs typeface="Courier" charset="0"/>
-            </a:endParaRPr>
           </a:p>
           <a:p>
             <a:pPr marL="0" indent="0">
@@ -9526,7 +9464,7 @@
 </p:sld>
 </file>
 
-<file path=ppt/slides/slide21.xml><?xml version="1.0" encoding="utf-8"?>
+<file path=ppt/slides/slide22.xml><?xml version="1.0" encoding="utf-8"?>
 <p:sld xmlns:a="http://schemas.openxmlformats.org/drawingml/2006/main" xmlns:r="http://schemas.openxmlformats.org/officeDocument/2006/relationships" xmlns:p="http://schemas.openxmlformats.org/presentationml/2006/main">
   <p:cSld>
     <p:spTree>
@@ -9662,7 +9600,23 @@
                 <a:ea typeface="Courier" charset="0"/>
                 <a:cs typeface="Courier" charset="0"/>
               </a:rPr>
-              <a:t>Node.js - A Brief Discussion</a:t>
+              <a:t>ES6 and </a:t>
+            </a:r>
+            <a:r>
+              <a:rPr lang="en-US" dirty="0" err="1" smtClean="0">
+                <a:latin typeface="Courier" charset="0"/>
+                <a:ea typeface="Courier" charset="0"/>
+                <a:cs typeface="Courier" charset="0"/>
+              </a:rPr>
+              <a:t>node.js</a:t>
+            </a:r>
+            <a:r>
+              <a:rPr lang="en-US" dirty="0" smtClean="0">
+                <a:latin typeface="Courier" charset="0"/>
+                <a:ea typeface="Courier" charset="0"/>
+                <a:cs typeface="Courier" charset="0"/>
+              </a:rPr>
+              <a:t> </a:t>
             </a:r>
             <a:endParaRPr lang="en-US" dirty="0">
               <a:latin typeface="Courier" charset="0"/>
@@ -9685,110 +9639,127 @@
         <p:spPr/>
         <p:txBody>
           <a:bodyPr>
-            <a:normAutofit/>
+            <a:normAutofit lnSpcReduction="10000"/>
           </a:bodyPr>
           <a:lstStyle/>
           <a:p>
-            <a:pPr marL="0" indent="0">
-              <a:buNone/>
-            </a:pPr>
-            <a:r>
-              <a:rPr lang="en-US" dirty="0" smtClean="0">
-                <a:latin typeface="Courier" charset="0"/>
-                <a:ea typeface="Courier" charset="0"/>
-                <a:cs typeface="Courier" charset="0"/>
-              </a:rPr>
-              <a:t>“Threaded concurrency is a leaky abstraction” - Ryan Dahl (</a:t>
+            <a:r>
+              <a:rPr lang="en-US" dirty="0" smtClean="0">
+                <a:latin typeface="Courier" charset="0"/>
+                <a:ea typeface="Courier" charset="0"/>
+                <a:cs typeface="Courier" charset="0"/>
+              </a:rPr>
+              <a:t>ECMAScript 2015 (ES6) - a significant evolution of the language.</a:t>
+            </a:r>
+          </a:p>
+          <a:p>
+            <a:r>
+              <a:rPr lang="en-US" dirty="0" smtClean="0">
+                <a:latin typeface="Courier" charset="0"/>
+                <a:ea typeface="Courier" charset="0"/>
+                <a:cs typeface="Courier" charset="0"/>
+              </a:rPr>
+              <a:t>Compatible with most modern browsers (</a:t>
+            </a:r>
+            <a:r>
+              <a:rPr lang="en-US" dirty="0" smtClean="0">
+                <a:latin typeface="Courier" charset="0"/>
+                <a:ea typeface="Courier" charset="0"/>
+                <a:cs typeface="Courier" charset="0"/>
+                <a:hlinkClick r:id="rId2"/>
+              </a:rPr>
+              <a:t>http://kangax.github.io/compat-table/es6/</a:t>
             </a:r>
             <a:r>
               <a:rPr lang="en-US" dirty="0">
                 <a:latin typeface="Courier" charset="0"/>
                 <a:ea typeface="Courier" charset="0"/>
                 <a:cs typeface="Courier" charset="0"/>
+              </a:rPr>
+              <a:t>)</a:t>
+            </a:r>
+            <a:endParaRPr lang="en-US" dirty="0" smtClean="0">
+              <a:latin typeface="Courier" charset="0"/>
+              <a:ea typeface="Courier" charset="0"/>
+              <a:cs typeface="Courier" charset="0"/>
+            </a:endParaRPr>
+          </a:p>
+          <a:p>
+            <a:r>
+              <a:rPr lang="en-US" dirty="0" smtClean="0">
+                <a:latin typeface="Courier" charset="0"/>
+                <a:ea typeface="Courier" charset="0"/>
+                <a:cs typeface="Courier" charset="0"/>
+              </a:rPr>
+              <a:t>Node.js </a:t>
+            </a:r>
+            <a:r>
+              <a:rPr lang="mr-IN" dirty="0" smtClean="0">
+                <a:latin typeface="Courier" charset="0"/>
+                <a:ea typeface="Courier" charset="0"/>
+                <a:cs typeface="Courier" charset="0"/>
+              </a:rPr>
+              <a:t>–</a:t>
+            </a:r>
+            <a:r>
+              <a:rPr lang="en-US" dirty="0" smtClean="0">
+                <a:latin typeface="Courier" charset="0"/>
+                <a:ea typeface="Courier" charset="0"/>
+                <a:cs typeface="Courier" charset="0"/>
+              </a:rPr>
+              <a:t> Server side JavaScript using Chrome V8 </a:t>
+            </a:r>
+          </a:p>
+          <a:p>
+            <a:r>
+              <a:rPr lang="en-US" dirty="0" smtClean="0">
+                <a:latin typeface="Courier" charset="0"/>
+                <a:ea typeface="Courier" charset="0"/>
+                <a:cs typeface="Courier" charset="0"/>
+              </a:rPr>
+              <a:t>Node.js is an extremely performant, event based platform that is ideal serverless implementations</a:t>
+            </a:r>
+          </a:p>
+          <a:p>
+            <a:r>
+              <a:rPr lang="en-US" dirty="0" smtClean="0">
+                <a:latin typeface="Courier" charset="0"/>
+                <a:ea typeface="Courier" charset="0"/>
+                <a:cs typeface="Courier" charset="0"/>
                 <a:hlinkClick r:id="rId3"/>
               </a:rPr>
-              <a:t>https://</a:t>
-            </a:r>
-            <a:r>
-              <a:rPr lang="en-US" dirty="0" smtClean="0">
+              <a:t>https</a:t>
+            </a:r>
+            <a:r>
+              <a:rPr lang="en-US" dirty="0">
                 <a:latin typeface="Courier" charset="0"/>
                 <a:ea typeface="Courier" charset="0"/>
                 <a:cs typeface="Courier" charset="0"/>
                 <a:hlinkClick r:id="rId3"/>
               </a:rPr>
-              <a:t>youtu.be/ztspvPYybIY</a:t>
-            </a:r>
-            <a:r>
-              <a:rPr lang="en-US" dirty="0" smtClean="0">
-                <a:latin typeface="Courier" charset="0"/>
-                <a:ea typeface="Courier" charset="0"/>
-                <a:cs typeface="Courier" charset="0"/>
-              </a:rPr>
-              <a:t>)</a:t>
-            </a:r>
-          </a:p>
-          <a:p>
-            <a:r>
-              <a:rPr lang="en-US" dirty="0" smtClean="0">
-                <a:latin typeface="Courier" charset="0"/>
-                <a:ea typeface="Courier" charset="0"/>
-                <a:cs typeface="Courier" charset="0"/>
-              </a:rPr>
-              <a:t>I/O is extremely fast</a:t>
-            </a:r>
-          </a:p>
-          <a:p>
-            <a:r>
-              <a:rPr lang="en-US" dirty="0" smtClean="0">
-                <a:latin typeface="Courier" charset="0"/>
-                <a:ea typeface="Courier" charset="0"/>
-                <a:cs typeface="Courier" charset="0"/>
-              </a:rPr>
-              <a:t>Single threaded ”event loop” vs. multiple threads</a:t>
-            </a:r>
-          </a:p>
-          <a:p>
-            <a:r>
-              <a:rPr lang="en-US" dirty="0" smtClean="0">
-                <a:latin typeface="Courier" charset="0"/>
-                <a:ea typeface="Courier" charset="0"/>
-                <a:cs typeface="Courier" charset="0"/>
-              </a:rPr>
-              <a:t>Multi-threading emulates concurrency but is expensive (context switching and memory)</a:t>
-            </a:r>
-          </a:p>
-          <a:p>
-            <a:r>
-              <a:rPr lang="en-US" dirty="0" smtClean="0">
-                <a:latin typeface="Courier" charset="0"/>
-                <a:ea typeface="Courier" charset="0"/>
-                <a:cs typeface="Courier" charset="0"/>
-              </a:rPr>
-              <a:t>Blocking operations can be performed asynchronously via callbacks (</a:t>
-            </a:r>
-            <a:r>
-              <a:rPr lang="en-US" i="1" dirty="0" smtClean="0">
-                <a:latin typeface="Courier" charset="0"/>
-                <a:ea typeface="Courier" charset="0"/>
-                <a:cs typeface="Courier" charset="0"/>
-              </a:rPr>
-              <a:t>key concept</a:t>
-            </a:r>
-            <a:r>
-              <a:rPr lang="en-US" dirty="0" smtClean="0">
-                <a:latin typeface="Courier" charset="0"/>
-                <a:ea typeface="Courier" charset="0"/>
-                <a:cs typeface="Courier" charset="0"/>
-              </a:rPr>
-              <a:t>)</a:t>
-            </a:r>
+              <a:t>://nodejs.org/dist/latest-v6.x/docs/api</a:t>
+            </a:r>
+            <a:r>
+              <a:rPr lang="en-US" dirty="0" smtClean="0">
+                <a:latin typeface="Courier" charset="0"/>
+                <a:ea typeface="Courier" charset="0"/>
+                <a:cs typeface="Courier" charset="0"/>
+                <a:hlinkClick r:id="rId3"/>
+              </a:rPr>
+              <a:t>/</a:t>
+            </a:r>
+            <a:endParaRPr lang="en-US" dirty="0" smtClean="0">
+              <a:latin typeface="Courier" charset="0"/>
+              <a:ea typeface="Courier" charset="0"/>
+              <a:cs typeface="Courier" charset="0"/>
+            </a:endParaRPr>
           </a:p>
         </p:txBody>
       </p:sp>
     </p:spTree>
     <p:extLst>
       <p:ext uri="{BB962C8B-B14F-4D97-AF65-F5344CB8AC3E}">
-        <p14:creationId xmlns:p14="http://schemas.microsoft.com/office/powerpoint/2010/main" val="1059941437"/>
+        <p14:creationId xmlns:p14="http://schemas.microsoft.com/office/powerpoint/2010/main" val="270903119"/>
       </p:ext>
     </p:extLst>
   </p:cSld>
@@ -9843,6 +9814,221 @@
                 <a:ea typeface="Courier" charset="0"/>
                 <a:cs typeface="Courier" charset="0"/>
               </a:rPr>
+              <a:t>Node.js - A Brief Discussion</a:t>
+            </a:r>
+            <a:endParaRPr lang="en-US" dirty="0">
+              <a:latin typeface="Courier" charset="0"/>
+              <a:ea typeface="Courier" charset="0"/>
+              <a:cs typeface="Courier" charset="0"/>
+            </a:endParaRPr>
+          </a:p>
+        </p:txBody>
+      </p:sp>
+      <p:sp>
+        <p:nvSpPr>
+          <p:cNvPr id="3" name="Content Placeholder 2"/>
+          <p:cNvSpPr>
+            <a:spLocks noGrp="1"/>
+          </p:cNvSpPr>
+          <p:nvPr>
+            <p:ph idx="1"/>
+          </p:nvPr>
+        </p:nvSpPr>
+        <p:spPr/>
+        <p:txBody>
+          <a:bodyPr>
+            <a:normAutofit/>
+          </a:bodyPr>
+          <a:lstStyle/>
+          <a:p>
+            <a:pPr marL="0" indent="0">
+              <a:buNone/>
+            </a:pPr>
+            <a:r>
+              <a:rPr lang="en-US" dirty="0" smtClean="0">
+                <a:latin typeface="Courier" charset="0"/>
+                <a:ea typeface="Courier" charset="0"/>
+                <a:cs typeface="Courier" charset="0"/>
+              </a:rPr>
+              <a:t>“Threaded concurrency is a leaky abstraction” - Ryan Dahl (</a:t>
+            </a:r>
+            <a:r>
+              <a:rPr lang="en-US" dirty="0">
+                <a:latin typeface="Courier" charset="0"/>
+                <a:ea typeface="Courier" charset="0"/>
+                <a:cs typeface="Courier" charset="0"/>
+                <a:hlinkClick r:id="rId3"/>
+              </a:rPr>
+              <a:t>https://</a:t>
+            </a:r>
+            <a:r>
+              <a:rPr lang="en-US" dirty="0" smtClean="0">
+                <a:latin typeface="Courier" charset="0"/>
+                <a:ea typeface="Courier" charset="0"/>
+                <a:cs typeface="Courier" charset="0"/>
+                <a:hlinkClick r:id="rId3"/>
+              </a:rPr>
+              <a:t>youtu.be/ztspvPYybIY</a:t>
+            </a:r>
+            <a:r>
+              <a:rPr lang="en-US" dirty="0" smtClean="0">
+                <a:latin typeface="Courier" charset="0"/>
+                <a:ea typeface="Courier" charset="0"/>
+                <a:cs typeface="Courier" charset="0"/>
+              </a:rPr>
+              <a:t>)</a:t>
+            </a:r>
+          </a:p>
+          <a:p>
+            <a:r>
+              <a:rPr lang="en-US" dirty="0" smtClean="0">
+                <a:latin typeface="Courier" charset="0"/>
+                <a:ea typeface="Courier" charset="0"/>
+                <a:cs typeface="Courier" charset="0"/>
+              </a:rPr>
+              <a:t>I/O is extremely fast</a:t>
+            </a:r>
+          </a:p>
+          <a:p>
+            <a:r>
+              <a:rPr lang="en-US" dirty="0" smtClean="0">
+                <a:latin typeface="Courier" charset="0"/>
+                <a:ea typeface="Courier" charset="0"/>
+                <a:cs typeface="Courier" charset="0"/>
+              </a:rPr>
+              <a:t>Single threaded ”event loop” vs. multiple </a:t>
+            </a:r>
+            <a:r>
+              <a:rPr lang="en-US" dirty="0" smtClean="0">
+                <a:latin typeface="Courier" charset="0"/>
+                <a:ea typeface="Courier" charset="0"/>
+                <a:cs typeface="Courier" charset="0"/>
+              </a:rPr>
+              <a:t>threads</a:t>
+            </a:r>
+            <a:endParaRPr lang="en-US" dirty="0" smtClean="0">
+              <a:latin typeface="Courier" charset="0"/>
+              <a:ea typeface="Courier" charset="0"/>
+              <a:cs typeface="Courier" charset="0"/>
+            </a:endParaRPr>
+          </a:p>
+          <a:p>
+            <a:r>
+              <a:rPr lang="en-US" dirty="0" smtClean="0">
+                <a:latin typeface="Courier" charset="0"/>
+                <a:ea typeface="Courier" charset="0"/>
+                <a:cs typeface="Courier" charset="0"/>
+              </a:rPr>
+              <a:t>Blocking operations can be performed asynchronously via callbacks (</a:t>
+            </a:r>
+            <a:r>
+              <a:rPr lang="en-US" i="1" dirty="0" smtClean="0">
+                <a:latin typeface="Courier" charset="0"/>
+                <a:ea typeface="Courier" charset="0"/>
+                <a:cs typeface="Courier" charset="0"/>
+              </a:rPr>
+              <a:t>key concept</a:t>
+            </a:r>
+            <a:r>
+              <a:rPr lang="en-US" dirty="0" smtClean="0">
+                <a:latin typeface="Courier" charset="0"/>
+                <a:ea typeface="Courier" charset="0"/>
+                <a:cs typeface="Courier" charset="0"/>
+              </a:rPr>
+              <a:t>)</a:t>
+            </a:r>
+          </a:p>
+          <a:p>
+            <a:r>
+              <a:rPr lang="en-US" dirty="0" smtClean="0">
+                <a:latin typeface="Courier" charset="0"/>
+                <a:ea typeface="Courier" charset="0"/>
+                <a:cs typeface="Courier" charset="0"/>
+              </a:rPr>
+              <a:t>A brief “Un-packing” </a:t>
+            </a:r>
+            <a:r>
+              <a:rPr lang="mr-IN" dirty="0" smtClean="0">
+                <a:latin typeface="Courier" charset="0"/>
+                <a:ea typeface="Courier" charset="0"/>
+                <a:cs typeface="Courier" charset="0"/>
+              </a:rPr>
+              <a:t>–</a:t>
+            </a:r>
+            <a:r>
+              <a:rPr lang="en-US" dirty="0" smtClean="0">
+                <a:latin typeface="Courier" charset="0"/>
+                <a:ea typeface="Courier" charset="0"/>
+                <a:cs typeface="Courier" charset="0"/>
+              </a:rPr>
+              <a:t> The JS call stack and functional immutability [whiteboard]</a:t>
+            </a:r>
+            <a:endParaRPr lang="en-US" dirty="0" smtClean="0">
+              <a:latin typeface="Courier" charset="0"/>
+              <a:ea typeface="Courier" charset="0"/>
+              <a:cs typeface="Courier" charset="0"/>
+            </a:endParaRPr>
+          </a:p>
+        </p:txBody>
+      </p:sp>
+    </p:spTree>
+    <p:extLst>
+      <p:ext uri="{BB962C8B-B14F-4D97-AF65-F5344CB8AC3E}">
+        <p14:creationId xmlns:p14="http://schemas.microsoft.com/office/powerpoint/2010/main" val="1059941437"/>
+      </p:ext>
+    </p:extLst>
+  </p:cSld>
+  <p:clrMapOvr>
+    <a:masterClrMapping/>
+  </p:clrMapOvr>
+  <p:timing>
+    <p:tnLst>
+      <p:par>
+        <p:cTn id="1" dur="indefinite" restart="never" nodeType="tmRoot"/>
+      </p:par>
+    </p:tnLst>
+  </p:timing>
+</p:sld>
+</file>
+
+<file path=ppt/slides/slide5.xml><?xml version="1.0" encoding="utf-8"?>
+<p:sld xmlns:a="http://schemas.openxmlformats.org/drawingml/2006/main" xmlns:r="http://schemas.openxmlformats.org/officeDocument/2006/relationships" xmlns:p="http://schemas.openxmlformats.org/presentationml/2006/main">
+  <p:cSld>
+    <p:spTree>
+      <p:nvGrpSpPr>
+        <p:cNvPr id="1" name=""/>
+        <p:cNvGrpSpPr/>
+        <p:nvPr/>
+      </p:nvGrpSpPr>
+      <p:grpSpPr>
+        <a:xfrm>
+          <a:off x="0" y="0"/>
+          <a:ext cx="0" cy="0"/>
+          <a:chOff x="0" y="0"/>
+          <a:chExt cx="0" cy="0"/>
+        </a:xfrm>
+      </p:grpSpPr>
+      <p:sp>
+        <p:nvSpPr>
+          <p:cNvPr id="2" name="Title 1"/>
+          <p:cNvSpPr>
+            <a:spLocks noGrp="1"/>
+          </p:cNvSpPr>
+          <p:nvPr>
+            <p:ph type="title"/>
+          </p:nvPr>
+        </p:nvSpPr>
+        <p:spPr/>
+        <p:txBody>
+          <a:bodyPr/>
+          <a:lstStyle/>
+          <a:p>
+            <a:r>
+              <a:rPr lang="en-US" dirty="0" smtClean="0">
+                <a:latin typeface="Courier" charset="0"/>
+                <a:ea typeface="Courier" charset="0"/>
+                <a:cs typeface="Courier" charset="0"/>
+              </a:rPr>
               <a:t>Node.js Housekeeping</a:t>
             </a:r>
             <a:endParaRPr lang="en-US" dirty="0">
@@ -9897,18 +10083,7 @@
                 <a:ea typeface="Courier" charset="0"/>
                 <a:cs typeface="Courier" charset="0"/>
               </a:rPr>
-              <a:t>$ </a:t>
-            </a:r>
-            <a:r>
-              <a:rPr lang="en-US" dirty="0" smtClean="0">
-                <a:solidFill>
-                  <a:srgbClr val="FFFF00"/>
-                </a:solidFill>
-                <a:latin typeface="Courier" charset="0"/>
-                <a:ea typeface="Courier" charset="0"/>
-                <a:cs typeface="Courier" charset="0"/>
-              </a:rPr>
-              <a:t>node </a:t>
+              <a:t>$ node </a:t>
             </a:r>
             <a:r>
               <a:rPr lang="mr-IN" dirty="0" smtClean="0">
@@ -10177,15 +10352,7 @@
                 <a:ea typeface="Courier" charset="0"/>
                 <a:cs typeface="Courier" charset="0"/>
               </a:rPr>
-              <a:t>Clone the SLAC </a:t>
-            </a:r>
-            <a:r>
-              <a:rPr lang="en-US" sz="2800" dirty="0" smtClean="0">
-                <a:latin typeface="Courier" charset="0"/>
-                <a:ea typeface="Courier" charset="0"/>
-                <a:cs typeface="Courier" charset="0"/>
-              </a:rPr>
-              <a:t>example code &amp; misc.</a:t>
+              <a:t>Clone the SLAC example code &amp; misc.</a:t>
             </a:r>
             <a:endParaRPr lang="en-US" sz="2800" dirty="0">
               <a:latin typeface="Courier" charset="0"/>
@@ -10215,7 +10382,7 @@
 </p:sld>
 </file>
 
-<file path=ppt/slides/slide5.xml><?xml version="1.0" encoding="utf-8"?>
+<file path=ppt/slides/slide6.xml><?xml version="1.0" encoding="utf-8"?>
 <p:sld xmlns:a="http://schemas.openxmlformats.org/drawingml/2006/main" xmlns:r="http://schemas.openxmlformats.org/officeDocument/2006/relationships" xmlns:p="http://schemas.openxmlformats.org/presentationml/2006/main">
   <p:cSld>
     <p:spTree>
@@ -10354,7 +10521,7 @@
 </p:sld>
 </file>
 
-<file path=ppt/slides/slide6.xml><?xml version="1.0" encoding="utf-8"?>
+<file path=ppt/slides/slide7.xml><?xml version="1.0" encoding="utf-8"?>
 <p:sld xmlns:a="http://schemas.openxmlformats.org/drawingml/2006/main" xmlns:r="http://schemas.openxmlformats.org/officeDocument/2006/relationships" xmlns:p="http://schemas.openxmlformats.org/presentationml/2006/main">
   <p:cSld>
     <p:spTree>
@@ -10473,7 +10640,7 @@
 </p:sld>
 </file>
 
-<file path=ppt/slides/slide7.xml><?xml version="1.0" encoding="utf-8"?>
+<file path=ppt/slides/slide8.xml><?xml version="1.0" encoding="utf-8"?>
 <p:sld xmlns:a="http://schemas.openxmlformats.org/drawingml/2006/main" xmlns:r="http://schemas.openxmlformats.org/officeDocument/2006/relationships" xmlns:p="http://schemas.openxmlformats.org/presentationml/2006/main">
   <p:cSld>
     <p:spTree>
@@ -10608,7 +10775,7 @@
 </p:sld>
 </file>
 
-<file path=ppt/slides/slide8.xml><?xml version="1.0" encoding="utf-8"?>
+<file path=ppt/slides/slide9.xml><?xml version="1.0" encoding="utf-8"?>
 <p:sld xmlns:a="http://schemas.openxmlformats.org/drawingml/2006/main" xmlns:r="http://schemas.openxmlformats.org/officeDocument/2006/relationships" xmlns:p="http://schemas.openxmlformats.org/presentationml/2006/main">
   <p:cSld>
     <p:spTree>
@@ -10731,157 +10898,6 @@
     <p:extLst>
       <p:ext uri="{BB962C8B-B14F-4D97-AF65-F5344CB8AC3E}">
         <p14:creationId xmlns:p14="http://schemas.microsoft.com/office/powerpoint/2010/main" val="241825204"/>
-      </p:ext>
-    </p:extLst>
-  </p:cSld>
-  <p:clrMapOvr>
-    <a:masterClrMapping/>
-  </p:clrMapOvr>
-  <p:timing>
-    <p:tnLst>
-      <p:par>
-        <p:cTn id="1" dur="indefinite" restart="never" nodeType="tmRoot"/>
-      </p:par>
-    </p:tnLst>
-  </p:timing>
-</p:sld>
-</file>
-
-<file path=ppt/slides/slide9.xml><?xml version="1.0" encoding="utf-8"?>
-<p:sld xmlns:a="http://schemas.openxmlformats.org/drawingml/2006/main" xmlns:r="http://schemas.openxmlformats.org/officeDocument/2006/relationships" xmlns:p="http://schemas.openxmlformats.org/presentationml/2006/main">
-  <p:cSld>
-    <p:spTree>
-      <p:nvGrpSpPr>
-        <p:cNvPr id="1" name=""/>
-        <p:cNvGrpSpPr/>
-        <p:nvPr/>
-      </p:nvGrpSpPr>
-      <p:grpSpPr>
-        <a:xfrm>
-          <a:off x="0" y="0"/>
-          <a:ext cx="0" cy="0"/>
-          <a:chOff x="0" y="0"/>
-          <a:chExt cx="0" cy="0"/>
-        </a:xfrm>
-      </p:grpSpPr>
-      <p:sp>
-        <p:nvSpPr>
-          <p:cNvPr id="2" name="Title 1"/>
-          <p:cNvSpPr>
-            <a:spLocks noGrp="1"/>
-          </p:cNvSpPr>
-          <p:nvPr>
-            <p:ph type="title"/>
-          </p:nvPr>
-        </p:nvSpPr>
-        <p:spPr/>
-        <p:txBody>
-          <a:bodyPr/>
-          <a:lstStyle/>
-          <a:p>
-            <a:r>
-              <a:rPr lang="en-US" dirty="0" smtClean="0">
-                <a:latin typeface="Courier" charset="0"/>
-                <a:ea typeface="Courier" charset="0"/>
-                <a:cs typeface="Courier" charset="0"/>
-              </a:rPr>
-              <a:t>ES6 </a:t>
-            </a:r>
-            <a:r>
-              <a:rPr lang="en-US" dirty="0" err="1" smtClean="0">
-                <a:latin typeface="Courier" charset="0"/>
-                <a:ea typeface="Courier" charset="0"/>
-                <a:cs typeface="Courier" charset="0"/>
-              </a:rPr>
-              <a:t>Async</a:t>
-            </a:r>
-            <a:r>
-              <a:rPr lang="en-US" dirty="0" smtClean="0">
-                <a:latin typeface="Courier" charset="0"/>
-                <a:ea typeface="Courier" charset="0"/>
-                <a:cs typeface="Courier" charset="0"/>
-              </a:rPr>
-              <a:t> </a:t>
-            </a:r>
-            <a:r>
-              <a:rPr lang="mr-IN" dirty="0" smtClean="0">
-                <a:latin typeface="Courier" charset="0"/>
-                <a:ea typeface="Courier" charset="0"/>
-                <a:cs typeface="Courier" charset="0"/>
-              </a:rPr>
-              <a:t>–</a:t>
-            </a:r>
-            <a:r>
-              <a:rPr lang="en-US" dirty="0" smtClean="0">
-                <a:latin typeface="Courier" charset="0"/>
-                <a:ea typeface="Courier" charset="0"/>
-                <a:cs typeface="Courier" charset="0"/>
-              </a:rPr>
-              <a:t> Promise</a:t>
-            </a:r>
-            <a:endParaRPr lang="en-US" dirty="0">
-              <a:latin typeface="Courier" charset="0"/>
-              <a:ea typeface="Courier" charset="0"/>
-              <a:cs typeface="Courier" charset="0"/>
-            </a:endParaRPr>
-          </a:p>
-        </p:txBody>
-      </p:sp>
-      <mc:AlternateContent xmlns:mc="http://schemas.openxmlformats.org/markup-compatibility/2006" xmlns:we="http://schemas.microsoft.com/office/webextensions/webextension/2010/11" xmlns:pca="http://schemas.microsoft.com/office/powerpoint/2013/contentapp">
-        <mc:Choice Requires="we pca">
-          <p:graphicFrame>
-            <p:nvGraphicFramePr>
-              <p:cNvPr id="4" name="Content Placeholder 3" title="Code Presenter Pro"/>
-              <p:cNvGraphicFramePr>
-                <a:graphicFrameLocks noGrp="1"/>
-              </p:cNvGraphicFramePr>
-              <p:nvPr>
-                <p:ph idx="1"/>
-                <p:extLst/>
-              </p:nvPr>
-            </p:nvGraphicFramePr>
-            <p:xfrm>
-              <a:off x="838200" y="1825625"/>
-              <a:ext cx="10515600" cy="3813175"/>
-            </p:xfrm>
-            <a:graphic>
-              <a:graphicData uri="http://schemas.microsoft.com/office/webextensions/webextension/2010/11">
-                <we:webextensionref xmlns:we="http://schemas.microsoft.com/office/webextensions/webextension/2010/11" xmlns:r="http://schemas.openxmlformats.org/officeDocument/2006/relationships" r:id="rId3"/>
-              </a:graphicData>
-            </a:graphic>
-          </p:graphicFrame>
-        </mc:Choice>
-        <mc:Fallback xmlns="">
-          <p:pic>
-            <p:nvPicPr>
-              <p:cNvPr id="4" name="Content Placeholder 3" title="Code Presenter Pro"/>
-              <p:cNvPicPr>
-                <a:picLocks noGrp="1" noRot="1" noChangeAspect="1" noMove="1" noResize="1" noEditPoints="1" noAdjustHandles="1" noChangeArrowheads="1" noChangeShapeType="1"/>
-              </p:cNvPicPr>
-              <p:nvPr/>
-            </p:nvPicPr>
-            <p:blipFill>
-              <a:blip r:embed="rId4"/>
-              <a:stretch>
-                <a:fillRect/>
-              </a:stretch>
-            </p:blipFill>
-            <p:spPr>
-              <a:xfrm>
-                <a:off x="838200" y="1825625"/>
-                <a:ext cx="10515600" cy="3813175"/>
-              </a:xfrm>
-              <a:prstGeom prst="rect">
-                <a:avLst/>
-              </a:prstGeom>
-            </p:spPr>
-          </p:pic>
-        </mc:Fallback>
-      </mc:AlternateContent>
-    </p:spTree>
-    <p:extLst>
-      <p:ext uri="{BB962C8B-B14F-4D97-AF65-F5344CB8AC3E}">
-        <p14:creationId xmlns:p14="http://schemas.microsoft.com/office/powerpoint/2010/main" val="1808274196"/>
       </p:ext>
     </p:extLst>
   </p:cSld>

--- a/doc/slac_slides.pptx
+++ b/doc/slac_slides.pptx
@@ -5,7 +5,7 @@
     <p:sldMasterId id="2147483648" r:id="rId1"/>
   </p:sldMasterIdLst>
   <p:notesMasterIdLst>
-    <p:notesMasterId r:id="rId24"/>
+    <p:notesMasterId r:id="rId25"/>
   </p:notesMasterIdLst>
   <p:sldIdLst>
     <p:sldId id="256" r:id="rId2"/>
@@ -28,8 +28,9 @@
     <p:sldId id="269" r:id="rId19"/>
     <p:sldId id="271" r:id="rId20"/>
     <p:sldId id="270" r:id="rId21"/>
-    <p:sldId id="268" r:id="rId22"/>
-    <p:sldId id="272" r:id="rId23"/>
+    <p:sldId id="278" r:id="rId22"/>
+    <p:sldId id="268" r:id="rId23"/>
+    <p:sldId id="272" r:id="rId24"/>
   </p:sldIdLst>
   <p:sldSz cx="12192000" cy="6858000"/>
   <p:notesSz cx="6858000" cy="9144000"/>
@@ -229,7 +230,7 @@
           <a:p>
             <a:fld id="{6800231F-0754-1D4E-B428-E40EAA7101A3}" type="datetimeFigureOut">
               <a:rPr lang="en-US" smtClean="0"/>
-              <a:t>9/13/17</a:t>
+              <a:t>9/14/17</a:t>
             </a:fld>
             <a:endParaRPr lang="en-US"/>
           </a:p>
@@ -543,15 +544,7 @@
           <a:p>
             <a:r>
               <a:rPr lang="en-US" dirty="0" smtClean="0"/>
-              <a:t>1) A </a:t>
-            </a:r>
-            <a:r>
-              <a:rPr lang="en-US" dirty="0" smtClean="0"/>
-              <a:t>single call </a:t>
-            </a:r>
-            <a:r>
-              <a:rPr lang="en-US" dirty="0" smtClean="0"/>
-              <a:t>stack</a:t>
+              <a:t>1) A single call stack</a:t>
             </a:r>
           </a:p>
           <a:p>
@@ -577,7 +570,57 @@
                 <a:ea typeface="Courier" charset="0"/>
                 <a:cs typeface="Courier" charset="0"/>
               </a:rPr>
-              <a:t>Multi-threading emulates concurrency but is expensive (context switching and memory)</a:t>
+              <a:t>Multi-threading emulates concurrency but is expensive (context switching and memory</a:t>
+            </a:r>
+            <a:r>
+              <a:rPr lang="en-US" dirty="0" smtClean="0">
+                <a:latin typeface="Courier" charset="0"/>
+                <a:ea typeface="Courier" charset="0"/>
+                <a:cs typeface="Courier" charset="0"/>
+              </a:rPr>
+              <a:t>)</a:t>
+            </a:r>
+          </a:p>
+          <a:p>
+            <a:r>
+              <a:rPr lang="en-US" dirty="0" smtClean="0">
+                <a:latin typeface="Courier" charset="0"/>
+                <a:ea typeface="Courier" charset="0"/>
+                <a:cs typeface="Courier" charset="0"/>
+              </a:rPr>
+              <a:t>3) Un-packing whiteboard </a:t>
+            </a:r>
+            <a:r>
+              <a:rPr lang="mr-IN" dirty="0" smtClean="0">
+                <a:latin typeface="Courier" charset="0"/>
+                <a:ea typeface="Courier" charset="0"/>
+                <a:cs typeface="Courier" charset="0"/>
+              </a:rPr>
+              <a:t>–</a:t>
+            </a:r>
+            <a:r>
+              <a:rPr lang="en-US" dirty="0" smtClean="0">
+                <a:latin typeface="Courier" charset="0"/>
+                <a:ea typeface="Courier" charset="0"/>
+                <a:cs typeface="Courier" charset="0"/>
+              </a:rPr>
+              <a:t> a) Call stack</a:t>
+            </a:r>
+            <a:r>
+              <a:rPr lang="en-US" baseline="0" dirty="0" smtClean="0">
+                <a:latin typeface="Courier" charset="0"/>
+                <a:ea typeface="Courier" charset="0"/>
+                <a:cs typeface="Courier" charset="0"/>
+              </a:rPr>
+              <a:t> &amp; blocking operations, b) </a:t>
+            </a:r>
+            <a:r>
+              <a:rPr lang="en-US" baseline="0" smtClean="0">
+                <a:latin typeface="Courier" charset="0"/>
+                <a:ea typeface="Courier" charset="0"/>
+                <a:cs typeface="Courier" charset="0"/>
+              </a:rPr>
+              <a:t>Immutable arrays </a:t>
             </a:r>
             <a:endParaRPr lang="en-US" dirty="0"/>
           </a:p>
@@ -1305,26 +1348,230 @@
           <a:bodyPr/>
           <a:lstStyle/>
           <a:p>
+            <a:pPr marL="228600" marR="0" lvl="0" indent="-228600" algn="l" defTabSz="914400" rtl="0" eaLnBrk="1" fontAlgn="auto" latinLnBrk="0" hangingPunct="1">
+              <a:lnSpc>
+                <a:spcPct val="100000"/>
+              </a:lnSpc>
+              <a:spcBef>
+                <a:spcPts val="0"/>
+              </a:spcBef>
+              <a:spcAft>
+                <a:spcPts val="0"/>
+              </a:spcAft>
+              <a:buClrTx/>
+              <a:buSzTx/>
+              <a:buFontTx/>
+              <a:buNone/>
+              <a:tabLst/>
+              <a:defRPr/>
+            </a:pPr>
             <a:r>
               <a:rPr lang="en-US" baseline="0" dirty="0" smtClean="0"/>
-              <a:t>1) After deployment:  </a:t>
+              <a:t>If send problems, you can test </a:t>
             </a:r>
             <a:r>
               <a:rPr lang="en-US" baseline="0" dirty="0" err="1" smtClean="0"/>
-              <a:t>IoT</a:t>
+              <a:t>twilio</a:t>
             </a:r>
             <a:r>
               <a:rPr lang="en-US" baseline="0" dirty="0" smtClean="0"/>
-              <a:t> [Get Started] &gt; Test &gt; Publish “</a:t>
-            </a:r>
-            <a:r>
-              <a:rPr lang="en-US" baseline="0" dirty="0" err="1" smtClean="0"/>
-              <a:t>slac_topic</a:t>
-            </a:r>
-            <a:r>
-              <a:rPr lang="en-US" baseline="0" dirty="0" smtClean="0"/>
-              <a:t>”</a:t>
-            </a:r>
+              <a:t> account directly via curl:</a:t>
+            </a:r>
+          </a:p>
+          <a:p>
+            <a:pPr marL="228600" marR="0" lvl="0" indent="-228600" algn="l" defTabSz="914400" rtl="0" eaLnBrk="1" fontAlgn="auto" latinLnBrk="0" hangingPunct="1">
+              <a:lnSpc>
+                <a:spcPct val="100000"/>
+              </a:lnSpc>
+              <a:spcBef>
+                <a:spcPts val="0"/>
+              </a:spcBef>
+              <a:spcAft>
+                <a:spcPts val="0"/>
+              </a:spcAft>
+              <a:buClrTx/>
+              <a:buSzTx/>
+              <a:buFontTx/>
+              <a:buNone/>
+              <a:tabLst/>
+              <a:defRPr/>
+            </a:pPr>
+            <a:r>
+              <a:rPr lang="en-US" sz="1200" kern="1200" dirty="0" smtClean="0">
+                <a:solidFill>
+                  <a:schemeClr val="tx1"/>
+                </a:solidFill>
+                <a:effectLst/>
+                <a:latin typeface="+mn-lt"/>
+                <a:ea typeface="+mn-ea"/>
+                <a:cs typeface="+mn-cs"/>
+              </a:rPr>
+              <a:t>curl 'https://</a:t>
+            </a:r>
+            <a:r>
+              <a:rPr lang="en-US" sz="1200" kern="1200" dirty="0" err="1" smtClean="0">
+                <a:solidFill>
+                  <a:schemeClr val="tx1"/>
+                </a:solidFill>
+                <a:effectLst/>
+                <a:latin typeface="+mn-lt"/>
+                <a:ea typeface="+mn-ea"/>
+                <a:cs typeface="+mn-cs"/>
+              </a:rPr>
+              <a:t>api.twilio.com</a:t>
+            </a:r>
+            <a:r>
+              <a:rPr lang="en-US" sz="1200" kern="1200" dirty="0" smtClean="0">
+                <a:solidFill>
+                  <a:schemeClr val="tx1"/>
+                </a:solidFill>
+                <a:effectLst/>
+                <a:latin typeface="+mn-lt"/>
+                <a:ea typeface="+mn-ea"/>
+                <a:cs typeface="+mn-cs"/>
+              </a:rPr>
+              <a:t>/2010-04-01/Accounts/AC00ac799d0fe719223627d0c58ff6f59a/</a:t>
+            </a:r>
+            <a:r>
+              <a:rPr lang="en-US" sz="1200" kern="1200" dirty="0" err="1" smtClean="0">
+                <a:solidFill>
+                  <a:schemeClr val="tx1"/>
+                </a:solidFill>
+                <a:effectLst/>
+                <a:latin typeface="+mn-lt"/>
+                <a:ea typeface="+mn-ea"/>
+                <a:cs typeface="+mn-cs"/>
+              </a:rPr>
+              <a:t>Messages.json</a:t>
+            </a:r>
+            <a:r>
+              <a:rPr lang="en-US" sz="1200" kern="1200" dirty="0" smtClean="0">
+                <a:solidFill>
+                  <a:schemeClr val="tx1"/>
+                </a:solidFill>
+                <a:effectLst/>
+                <a:latin typeface="+mn-lt"/>
+                <a:ea typeface="+mn-ea"/>
+                <a:cs typeface="+mn-cs"/>
+              </a:rPr>
+              <a:t>' -X POST --data-</a:t>
+            </a:r>
+            <a:r>
+              <a:rPr lang="en-US" sz="1200" kern="1200" dirty="0" err="1" smtClean="0">
+                <a:solidFill>
+                  <a:schemeClr val="tx1"/>
+                </a:solidFill>
+                <a:effectLst/>
+                <a:latin typeface="+mn-lt"/>
+                <a:ea typeface="+mn-ea"/>
+                <a:cs typeface="+mn-cs"/>
+              </a:rPr>
+              <a:t>urlencode</a:t>
+            </a:r>
+            <a:r>
+              <a:rPr lang="en-US" sz="1200" kern="1200" dirty="0" smtClean="0">
+                <a:solidFill>
+                  <a:schemeClr val="tx1"/>
+                </a:solidFill>
+                <a:effectLst/>
+                <a:latin typeface="+mn-lt"/>
+                <a:ea typeface="+mn-ea"/>
+                <a:cs typeface="+mn-cs"/>
+              </a:rPr>
+              <a:t> 'To=+17039807058' --data-</a:t>
+            </a:r>
+            <a:r>
+              <a:rPr lang="en-US" sz="1200" kern="1200" dirty="0" err="1" smtClean="0">
+                <a:solidFill>
+                  <a:schemeClr val="tx1"/>
+                </a:solidFill>
+                <a:effectLst/>
+                <a:latin typeface="+mn-lt"/>
+                <a:ea typeface="+mn-ea"/>
+                <a:cs typeface="+mn-cs"/>
+              </a:rPr>
+              <a:t>urlencode</a:t>
+            </a:r>
+            <a:r>
+              <a:rPr lang="en-US" sz="1200" kern="1200" dirty="0" smtClean="0">
+                <a:solidFill>
+                  <a:schemeClr val="tx1"/>
+                </a:solidFill>
+                <a:effectLst/>
+                <a:latin typeface="+mn-lt"/>
+                <a:ea typeface="+mn-ea"/>
+                <a:cs typeface="+mn-cs"/>
+              </a:rPr>
+              <a:t> 'From=+12408470836' --data-</a:t>
+            </a:r>
+            <a:r>
+              <a:rPr lang="en-US" sz="1200" kern="1200" dirty="0" err="1" smtClean="0">
+                <a:solidFill>
+                  <a:schemeClr val="tx1"/>
+                </a:solidFill>
+                <a:effectLst/>
+                <a:latin typeface="+mn-lt"/>
+                <a:ea typeface="+mn-ea"/>
+                <a:cs typeface="+mn-cs"/>
+              </a:rPr>
+              <a:t>urlencode</a:t>
+            </a:r>
+            <a:r>
+              <a:rPr lang="en-US" sz="1200" kern="1200" dirty="0" smtClean="0">
+                <a:solidFill>
+                  <a:schemeClr val="tx1"/>
+                </a:solidFill>
+                <a:effectLst/>
+                <a:latin typeface="+mn-lt"/>
+                <a:ea typeface="+mn-ea"/>
+                <a:cs typeface="+mn-cs"/>
+              </a:rPr>
+              <a:t> 'Body=</a:t>
+            </a:r>
+            <a:r>
+              <a:rPr lang="en-US" sz="1200" kern="1200" dirty="0" err="1" smtClean="0">
+                <a:solidFill>
+                  <a:schemeClr val="tx1"/>
+                </a:solidFill>
+                <a:effectLst/>
+                <a:latin typeface="+mn-lt"/>
+                <a:ea typeface="+mn-ea"/>
+                <a:cs typeface="+mn-cs"/>
+              </a:rPr>
+              <a:t>Twilio</a:t>
+            </a:r>
+            <a:r>
+              <a:rPr lang="en-US" sz="1200" kern="1200" dirty="0" smtClean="0">
+                <a:solidFill>
+                  <a:schemeClr val="tx1"/>
+                </a:solidFill>
+                <a:effectLst/>
+                <a:latin typeface="+mn-lt"/>
+                <a:ea typeface="+mn-ea"/>
+                <a:cs typeface="+mn-cs"/>
+              </a:rPr>
+              <a:t> curl' -u {SID}:{AUTH}</a:t>
+            </a:r>
+          </a:p>
+          <a:p>
+            <a:pPr marL="228600" marR="0" lvl="0" indent="-228600" algn="l" defTabSz="914400" rtl="0" eaLnBrk="1" fontAlgn="auto" latinLnBrk="0" hangingPunct="1">
+              <a:lnSpc>
+                <a:spcPct val="100000"/>
+              </a:lnSpc>
+              <a:spcBef>
+                <a:spcPts val="0"/>
+              </a:spcBef>
+              <a:spcAft>
+                <a:spcPts val="0"/>
+              </a:spcAft>
+              <a:buClrTx/>
+              <a:buSzTx/>
+              <a:buFontTx/>
+              <a:buNone/>
+              <a:tabLst/>
+              <a:defRPr/>
+            </a:pPr>
+            <a:endParaRPr lang="en-US" baseline="0" dirty="0" smtClean="0"/>
           </a:p>
         </p:txBody>
       </p:sp>
@@ -1354,7 +1601,7 @@
     </p:spTree>
     <p:extLst>
       <p:ext uri="{BB962C8B-B14F-4D97-AF65-F5344CB8AC3E}">
-        <p14:creationId xmlns:p14="http://schemas.microsoft.com/office/powerpoint/2010/main" val="123910754"/>
+        <p14:creationId xmlns:p14="http://schemas.microsoft.com/office/powerpoint/2010/main" val="1109344342"/>
       </p:ext>
     </p:extLst>
   </p:cSld>
@@ -1449,6 +1696,109 @@
             <a:fld id="{F2525AB9-A250-384A-A45B-2B27F02B4CAC}" type="slidenum">
               <a:rPr lang="en-US" smtClean="0"/>
               <a:t>22</a:t>
+            </a:fld>
+            <a:endParaRPr lang="en-US"/>
+          </a:p>
+        </p:txBody>
+      </p:sp>
+    </p:spTree>
+    <p:extLst>
+      <p:ext uri="{BB962C8B-B14F-4D97-AF65-F5344CB8AC3E}">
+        <p14:creationId xmlns:p14="http://schemas.microsoft.com/office/powerpoint/2010/main" val="123910754"/>
+      </p:ext>
+    </p:extLst>
+  </p:cSld>
+  <p:clrMapOvr>
+    <a:masterClrMapping/>
+  </p:clrMapOvr>
+</p:notes>
+</file>
+
+<file path=ppt/notesSlides/notesSlide18.xml><?xml version="1.0" encoding="utf-8"?>
+<p:notes xmlns:a="http://schemas.openxmlformats.org/drawingml/2006/main" xmlns:r="http://schemas.openxmlformats.org/officeDocument/2006/relationships" xmlns:p="http://schemas.openxmlformats.org/presentationml/2006/main">
+  <p:cSld>
+    <p:spTree>
+      <p:nvGrpSpPr>
+        <p:cNvPr id="1" name=""/>
+        <p:cNvGrpSpPr/>
+        <p:nvPr/>
+      </p:nvGrpSpPr>
+      <p:grpSpPr>
+        <a:xfrm>
+          <a:off x="0" y="0"/>
+          <a:ext cx="0" cy="0"/>
+          <a:chOff x="0" y="0"/>
+          <a:chExt cx="0" cy="0"/>
+        </a:xfrm>
+      </p:grpSpPr>
+      <p:sp>
+        <p:nvSpPr>
+          <p:cNvPr id="2" name="Slide Image Placeholder 1"/>
+          <p:cNvSpPr>
+            <a:spLocks noGrp="1" noRot="1" noChangeAspect="1"/>
+          </p:cNvSpPr>
+          <p:nvPr>
+            <p:ph type="sldImg"/>
+          </p:nvPr>
+        </p:nvSpPr>
+        <p:spPr/>
+      </p:sp>
+      <p:sp>
+        <p:nvSpPr>
+          <p:cNvPr id="3" name="Notes Placeholder 2"/>
+          <p:cNvSpPr>
+            <a:spLocks noGrp="1"/>
+          </p:cNvSpPr>
+          <p:nvPr>
+            <p:ph type="body" idx="1"/>
+          </p:nvPr>
+        </p:nvSpPr>
+        <p:spPr/>
+        <p:txBody>
+          <a:bodyPr/>
+          <a:lstStyle/>
+          <a:p>
+            <a:r>
+              <a:rPr lang="en-US" baseline="0" dirty="0" smtClean="0"/>
+              <a:t>1) After deployment:  </a:t>
+            </a:r>
+            <a:r>
+              <a:rPr lang="en-US" baseline="0" dirty="0" err="1" smtClean="0"/>
+              <a:t>IoT</a:t>
+            </a:r>
+            <a:r>
+              <a:rPr lang="en-US" baseline="0" dirty="0" smtClean="0"/>
+              <a:t> [Get Started] &gt; Test &gt; Publish “</a:t>
+            </a:r>
+            <a:r>
+              <a:rPr lang="en-US" baseline="0" dirty="0" err="1" smtClean="0"/>
+              <a:t>slac_topic</a:t>
+            </a:r>
+            <a:r>
+              <a:rPr lang="en-US" baseline="0" dirty="0" smtClean="0"/>
+              <a:t>”</a:t>
+            </a:r>
+          </a:p>
+        </p:txBody>
+      </p:sp>
+      <p:sp>
+        <p:nvSpPr>
+          <p:cNvPr id="4" name="Slide Number Placeholder 3"/>
+          <p:cNvSpPr>
+            <a:spLocks noGrp="1"/>
+          </p:cNvSpPr>
+          <p:nvPr>
+            <p:ph type="sldNum" sz="quarter" idx="10"/>
+          </p:nvPr>
+        </p:nvSpPr>
+        <p:spPr/>
+        <p:txBody>
+          <a:bodyPr/>
+          <a:lstStyle/>
+          <a:p>
+            <a:fld id="{F2525AB9-A250-384A-A45B-2B27F02B4CAC}" type="slidenum">
+              <a:rPr lang="en-US" smtClean="0"/>
+              <a:t>23</a:t>
             </a:fld>
             <a:endParaRPr lang="en-US"/>
           </a:p>
@@ -2748,7 +3098,7 @@
           <a:p>
             <a:fld id="{FF482567-8505-0D40-A9EB-E8AA574657D0}" type="datetimeFigureOut">
               <a:rPr lang="en-US" smtClean="0"/>
-              <a:t>9/13/17</a:t>
+              <a:t>9/14/17</a:t>
             </a:fld>
             <a:endParaRPr lang="en-US"/>
           </a:p>
@@ -2918,7 +3268,7 @@
           <a:p>
             <a:fld id="{FF482567-8505-0D40-A9EB-E8AA574657D0}" type="datetimeFigureOut">
               <a:rPr lang="en-US" smtClean="0"/>
-              <a:t>9/13/17</a:t>
+              <a:t>9/14/17</a:t>
             </a:fld>
             <a:endParaRPr lang="en-US"/>
           </a:p>
@@ -3098,7 +3448,7 @@
           <a:p>
             <a:fld id="{FF482567-8505-0D40-A9EB-E8AA574657D0}" type="datetimeFigureOut">
               <a:rPr lang="en-US" smtClean="0"/>
-              <a:t>9/13/17</a:t>
+              <a:t>9/14/17</a:t>
             </a:fld>
             <a:endParaRPr lang="en-US"/>
           </a:p>
@@ -3268,7 +3618,7 @@
           <a:p>
             <a:fld id="{FF482567-8505-0D40-A9EB-E8AA574657D0}" type="datetimeFigureOut">
               <a:rPr lang="en-US" smtClean="0"/>
-              <a:t>9/13/17</a:t>
+              <a:t>9/14/17</a:t>
             </a:fld>
             <a:endParaRPr lang="en-US"/>
           </a:p>
@@ -3514,7 +3864,7 @@
           <a:p>
             <a:fld id="{FF482567-8505-0D40-A9EB-E8AA574657D0}" type="datetimeFigureOut">
               <a:rPr lang="en-US" smtClean="0"/>
-              <a:t>9/13/17</a:t>
+              <a:t>9/14/17</a:t>
             </a:fld>
             <a:endParaRPr lang="en-US"/>
           </a:p>
@@ -3746,7 +4096,7 @@
           <a:p>
             <a:fld id="{FF482567-8505-0D40-A9EB-E8AA574657D0}" type="datetimeFigureOut">
               <a:rPr lang="en-US" smtClean="0"/>
-              <a:t>9/13/17</a:t>
+              <a:t>9/14/17</a:t>
             </a:fld>
             <a:endParaRPr lang="en-US"/>
           </a:p>
@@ -4113,7 +4463,7 @@
           <a:p>
             <a:fld id="{FF482567-8505-0D40-A9EB-E8AA574657D0}" type="datetimeFigureOut">
               <a:rPr lang="en-US" smtClean="0"/>
-              <a:t>9/13/17</a:t>
+              <a:t>9/14/17</a:t>
             </a:fld>
             <a:endParaRPr lang="en-US"/>
           </a:p>
@@ -4231,7 +4581,7 @@
           <a:p>
             <a:fld id="{FF482567-8505-0D40-A9EB-E8AA574657D0}" type="datetimeFigureOut">
               <a:rPr lang="en-US" smtClean="0"/>
-              <a:t>9/13/17</a:t>
+              <a:t>9/14/17</a:t>
             </a:fld>
             <a:endParaRPr lang="en-US"/>
           </a:p>
@@ -4326,7 +4676,7 @@
           <a:p>
             <a:fld id="{FF482567-8505-0D40-A9EB-E8AA574657D0}" type="datetimeFigureOut">
               <a:rPr lang="en-US" smtClean="0"/>
-              <a:t>9/13/17</a:t>
+              <a:t>9/14/17</a:t>
             </a:fld>
             <a:endParaRPr lang="en-US"/>
           </a:p>
@@ -4603,7 +4953,7 @@
           <a:p>
             <a:fld id="{FF482567-8505-0D40-A9EB-E8AA574657D0}" type="datetimeFigureOut">
               <a:rPr lang="en-US" smtClean="0"/>
-              <a:t>9/13/17</a:t>
+              <a:t>9/14/17</a:t>
             </a:fld>
             <a:endParaRPr lang="en-US"/>
           </a:p>
@@ -4856,7 +5206,7 @@
           <a:p>
             <a:fld id="{FF482567-8505-0D40-A9EB-E8AA574657D0}" type="datetimeFigureOut">
               <a:rPr lang="en-US" smtClean="0"/>
-              <a:t>9/13/17</a:t>
+              <a:t>9/14/17</a:t>
             </a:fld>
             <a:endParaRPr lang="en-US"/>
           </a:p>
@@ -5069,7 +5419,7 @@
           <a:p>
             <a:fld id="{FF482567-8505-0D40-A9EB-E8AA574657D0}" type="datetimeFigureOut">
               <a:rPr lang="en-US" smtClean="0"/>
-              <a:t>9/13/17</a:t>
+              <a:t>9/14/17</a:t>
             </a:fld>
             <a:endParaRPr lang="en-US"/>
           </a:p>
@@ -8372,11 +8722,6 @@
               </a:rPr>
               <a:t>Goals for this session</a:t>
             </a:r>
-            <a:endParaRPr lang="en-US" dirty="0" smtClean="0">
-              <a:latin typeface="Courier" charset="0"/>
-              <a:ea typeface="Courier" charset="0"/>
-              <a:cs typeface="Courier" charset="0"/>
-            </a:endParaRPr>
           </a:p>
           <a:p>
             <a:r>
@@ -8387,11 +8732,6 @@
               </a:rPr>
               <a:t>Shared learning</a:t>
             </a:r>
-            <a:endParaRPr lang="en-US" dirty="0" smtClean="0">
-              <a:latin typeface="Courier" charset="0"/>
-              <a:ea typeface="Courier" charset="0"/>
-              <a:cs typeface="Courier" charset="0"/>
-            </a:endParaRPr>
           </a:p>
           <a:p>
             <a:r>
@@ -8434,11 +8774,6 @@
               </a:rPr>
               <a:t> please share your knowledge as we proceed through the session! </a:t>
             </a:r>
-            <a:endParaRPr lang="en-US" dirty="0" smtClean="0">
-              <a:latin typeface="Courier" charset="0"/>
-              <a:ea typeface="Courier" charset="0"/>
-              <a:cs typeface="Courier" charset="0"/>
-            </a:endParaRPr>
           </a:p>
           <a:p>
             <a:r>
@@ -9239,6 +9574,585 @@
 </file>
 
 <file path=ppt/slides/slide21.xml><?xml version="1.0" encoding="utf-8"?>
+<p:sld xmlns:a="http://schemas.openxmlformats.org/drawingml/2006/main" xmlns:r="http://schemas.openxmlformats.org/officeDocument/2006/relationships" xmlns:p="http://schemas.openxmlformats.org/presentationml/2006/main">
+  <p:cSld>
+    <p:spTree>
+      <p:nvGrpSpPr>
+        <p:cNvPr id="1" name=""/>
+        <p:cNvGrpSpPr/>
+        <p:nvPr/>
+      </p:nvGrpSpPr>
+      <p:grpSpPr>
+        <a:xfrm>
+          <a:off x="0" y="0"/>
+          <a:ext cx="0" cy="0"/>
+          <a:chOff x="0" y="0"/>
+          <a:chExt cx="0" cy="0"/>
+        </a:xfrm>
+      </p:grpSpPr>
+      <p:sp>
+        <p:nvSpPr>
+          <p:cNvPr id="2" name="Title 1"/>
+          <p:cNvSpPr>
+            <a:spLocks noGrp="1"/>
+          </p:cNvSpPr>
+          <p:nvPr>
+            <p:ph type="title"/>
+          </p:nvPr>
+        </p:nvSpPr>
+        <p:spPr/>
+        <p:txBody>
+          <a:bodyPr/>
+          <a:lstStyle/>
+          <a:p>
+            <a:r>
+              <a:rPr lang="en-US" dirty="0" smtClean="0">
+                <a:latin typeface="Courier" charset="0"/>
+                <a:ea typeface="Courier" charset="0"/>
+                <a:cs typeface="Courier" charset="0"/>
+              </a:rPr>
+              <a:t>SMS Event via </a:t>
+            </a:r>
+            <a:r>
+              <a:rPr lang="en-US" dirty="0" err="1" smtClean="0">
+                <a:latin typeface="Courier" charset="0"/>
+                <a:ea typeface="Courier" charset="0"/>
+                <a:cs typeface="Courier" charset="0"/>
+              </a:rPr>
+              <a:t>Twilio</a:t>
+            </a:r>
+            <a:endParaRPr lang="en-US" dirty="0">
+              <a:latin typeface="Courier" charset="0"/>
+              <a:ea typeface="Courier" charset="0"/>
+              <a:cs typeface="Courier" charset="0"/>
+            </a:endParaRPr>
+          </a:p>
+        </p:txBody>
+      </p:sp>
+      <p:sp>
+        <p:nvSpPr>
+          <p:cNvPr id="7" name="Content Placeholder 4"/>
+          <p:cNvSpPr>
+            <a:spLocks noGrp="1"/>
+          </p:cNvSpPr>
+          <p:nvPr>
+            <p:ph idx="1"/>
+          </p:nvPr>
+        </p:nvSpPr>
+        <p:spPr>
+          <a:xfrm>
+            <a:off x="838200" y="3701846"/>
+            <a:ext cx="10515600" cy="2210055"/>
+          </a:xfrm>
+          <a:solidFill>
+            <a:schemeClr val="accent6">
+              <a:lumMod val="75000"/>
+            </a:schemeClr>
+          </a:solidFill>
+          <a:ln>
+            <a:solidFill>
+              <a:schemeClr val="tx1"/>
+            </a:solidFill>
+          </a:ln>
+        </p:spPr>
+        <p:txBody>
+          <a:bodyPr>
+            <a:normAutofit fontScale="92500" lnSpcReduction="10000"/>
+          </a:bodyPr>
+          <a:lstStyle/>
+          <a:p>
+            <a:pPr marL="0" indent="0">
+              <a:buNone/>
+            </a:pPr>
+            <a:r>
+              <a:rPr lang="en-US" dirty="0" smtClean="0">
+                <a:solidFill>
+                  <a:srgbClr val="FFFF00"/>
+                </a:solidFill>
+                <a:latin typeface="Courier" charset="0"/>
+                <a:ea typeface="Courier" charset="0"/>
+                <a:cs typeface="Courier" charset="0"/>
+              </a:rPr>
+              <a:t>$ </a:t>
+            </a:r>
+            <a:r>
+              <a:rPr lang="en-US" dirty="0">
+                <a:solidFill>
+                  <a:srgbClr val="FFFF00"/>
+                </a:solidFill>
+                <a:latin typeface="Courier" charset="0"/>
+                <a:ea typeface="Courier" charset="0"/>
+                <a:cs typeface="Courier" charset="0"/>
+              </a:rPr>
+              <a:t>cd </a:t>
+            </a:r>
+            <a:r>
+              <a:rPr lang="en-US" dirty="0">
+                <a:solidFill>
+                  <a:srgbClr val="FFFF00"/>
+                </a:solidFill>
+                <a:latin typeface="Courier" charset="0"/>
+                <a:ea typeface="Courier" charset="0"/>
+                <a:cs typeface="Courier" charset="0"/>
+              </a:rPr>
+              <a:t>examples/</a:t>
+            </a:r>
+            <a:r>
+              <a:rPr lang="en-US" dirty="0" err="1">
+                <a:solidFill>
+                  <a:srgbClr val="FFFF00"/>
+                </a:solidFill>
+                <a:latin typeface="Courier" charset="0"/>
+                <a:ea typeface="Courier" charset="0"/>
+                <a:cs typeface="Courier" charset="0"/>
+              </a:rPr>
+              <a:t>aws</a:t>
+            </a:r>
+            <a:r>
+              <a:rPr lang="en-US" dirty="0">
+                <a:solidFill>
+                  <a:srgbClr val="FFFF00"/>
+                </a:solidFill>
+                <a:latin typeface="Courier" charset="0"/>
+                <a:ea typeface="Courier" charset="0"/>
+                <a:cs typeface="Courier" charset="0"/>
+              </a:rPr>
+              <a:t>-node-</a:t>
+            </a:r>
+            <a:r>
+              <a:rPr lang="en-US" dirty="0" err="1">
+                <a:solidFill>
+                  <a:srgbClr val="FFFF00"/>
+                </a:solidFill>
+                <a:latin typeface="Courier" charset="0"/>
+                <a:ea typeface="Courier" charset="0"/>
+                <a:cs typeface="Courier" charset="0"/>
+              </a:rPr>
+              <a:t>twilio</a:t>
+            </a:r>
+            <a:r>
+              <a:rPr lang="en-US" dirty="0">
+                <a:solidFill>
+                  <a:srgbClr val="FFFF00"/>
+                </a:solidFill>
+                <a:latin typeface="Courier" charset="0"/>
+                <a:ea typeface="Courier" charset="0"/>
+                <a:cs typeface="Courier" charset="0"/>
+              </a:rPr>
+              <a:t>-send-text-message</a:t>
+            </a:r>
+            <a:endParaRPr lang="en-US" dirty="0" smtClean="0">
+              <a:solidFill>
+                <a:srgbClr val="FFFF00"/>
+              </a:solidFill>
+              <a:latin typeface="Courier" charset="0"/>
+              <a:ea typeface="Courier" charset="0"/>
+              <a:cs typeface="Courier" charset="0"/>
+            </a:endParaRPr>
+          </a:p>
+          <a:p>
+            <a:pPr marL="0" indent="0">
+              <a:buNone/>
+            </a:pPr>
+            <a:r>
+              <a:rPr lang="en-US" dirty="0" smtClean="0">
+                <a:solidFill>
+                  <a:srgbClr val="FFFF00"/>
+                </a:solidFill>
+                <a:latin typeface="Courier" charset="0"/>
+                <a:ea typeface="Courier" charset="0"/>
+                <a:cs typeface="Courier" charset="0"/>
+              </a:rPr>
+              <a:t>$ </a:t>
+            </a:r>
+            <a:r>
+              <a:rPr lang="en-US" dirty="0" err="1" smtClean="0">
+                <a:solidFill>
+                  <a:srgbClr val="FFFF00"/>
+                </a:solidFill>
+                <a:latin typeface="Courier" charset="0"/>
+                <a:ea typeface="Courier" charset="0"/>
+                <a:cs typeface="Courier" charset="0"/>
+              </a:rPr>
+              <a:t>npm</a:t>
+            </a:r>
+            <a:r>
+              <a:rPr lang="en-US" dirty="0" smtClean="0">
+                <a:solidFill>
+                  <a:srgbClr val="FFFF00"/>
+                </a:solidFill>
+                <a:latin typeface="Courier" charset="0"/>
+                <a:ea typeface="Courier" charset="0"/>
+                <a:cs typeface="Courier" charset="0"/>
+              </a:rPr>
+              <a:t> install </a:t>
+            </a:r>
+            <a:r>
+              <a:rPr lang="en-US" dirty="0" smtClean="0">
+                <a:latin typeface="Courier" charset="0"/>
+                <a:ea typeface="Courier" charset="0"/>
+                <a:cs typeface="Courier" charset="0"/>
+              </a:rPr>
+              <a:t>(</a:t>
+            </a:r>
+            <a:r>
+              <a:rPr lang="en-US" i="1" dirty="0" err="1" smtClean="0">
+                <a:latin typeface="Courier" charset="0"/>
+                <a:ea typeface="Courier" charset="0"/>
+                <a:cs typeface="Courier" charset="0"/>
+              </a:rPr>
+              <a:t>twilio</a:t>
+            </a:r>
+            <a:r>
+              <a:rPr lang="en-US" dirty="0" smtClean="0">
+                <a:latin typeface="Courier" charset="0"/>
+                <a:ea typeface="Courier" charset="0"/>
+                <a:cs typeface="Courier" charset="0"/>
+              </a:rPr>
+              <a:t>)</a:t>
+            </a:r>
+            <a:endParaRPr lang="en-US" dirty="0" smtClean="0">
+              <a:latin typeface="Courier" charset="0"/>
+              <a:ea typeface="Courier" charset="0"/>
+              <a:cs typeface="Courier" charset="0"/>
+            </a:endParaRPr>
+          </a:p>
+          <a:p>
+            <a:pPr marL="0" indent="0">
+              <a:buNone/>
+            </a:pPr>
+            <a:r>
+              <a:rPr lang="en-US" dirty="0" smtClean="0">
+                <a:solidFill>
+                  <a:srgbClr val="FFFF00"/>
+                </a:solidFill>
+                <a:latin typeface="Courier" charset="0"/>
+                <a:ea typeface="Courier" charset="0"/>
+                <a:cs typeface="Courier" charset="0"/>
+              </a:rPr>
+              <a:t>$ serverless deploy</a:t>
+            </a:r>
+          </a:p>
+          <a:p>
+            <a:pPr marL="0" indent="0">
+              <a:buNone/>
+            </a:pPr>
+            <a:r>
+              <a:rPr lang="en-US" dirty="0" smtClean="0">
+                <a:solidFill>
+                  <a:srgbClr val="FFFF00"/>
+                </a:solidFill>
+                <a:latin typeface="Courier" charset="0"/>
+                <a:ea typeface="Courier" charset="0"/>
+                <a:cs typeface="Courier" charset="0"/>
+              </a:rPr>
+              <a:t>. . .</a:t>
+            </a:r>
+          </a:p>
+          <a:p>
+            <a:pPr marL="0" indent="0">
+              <a:buNone/>
+            </a:pPr>
+            <a:r>
+              <a:rPr lang="en-US" dirty="0" smtClean="0">
+                <a:solidFill>
+                  <a:srgbClr val="FFFF00"/>
+                </a:solidFill>
+                <a:latin typeface="Courier" charset="0"/>
+                <a:ea typeface="Courier" charset="0"/>
+                <a:cs typeface="Courier" charset="0"/>
+              </a:rPr>
+              <a:t>$ </a:t>
+            </a:r>
+            <a:r>
+              <a:rPr lang="en-US" dirty="0">
+                <a:solidFill>
+                  <a:srgbClr val="FFFF00"/>
+                </a:solidFill>
+                <a:latin typeface="Courier" charset="0"/>
+                <a:ea typeface="Courier" charset="0"/>
+                <a:cs typeface="Courier" charset="0"/>
+              </a:rPr>
+              <a:t>serverless invoke -f </a:t>
+            </a:r>
+            <a:r>
+              <a:rPr lang="en-US" dirty="0" err="1">
+                <a:solidFill>
+                  <a:srgbClr val="FFFF00"/>
+                </a:solidFill>
+                <a:latin typeface="Courier" charset="0"/>
+                <a:ea typeface="Courier" charset="0"/>
+                <a:cs typeface="Courier" charset="0"/>
+              </a:rPr>
+              <a:t>sendText</a:t>
+            </a:r>
+            <a:r>
+              <a:rPr lang="en-US" dirty="0">
+                <a:solidFill>
+                  <a:srgbClr val="FFFF00"/>
+                </a:solidFill>
+                <a:latin typeface="Courier" charset="0"/>
+                <a:ea typeface="Courier" charset="0"/>
+                <a:cs typeface="Courier" charset="0"/>
+              </a:rPr>
+              <a:t> --path </a:t>
+            </a:r>
+            <a:r>
+              <a:rPr lang="en-US" dirty="0" err="1" smtClean="0">
+                <a:solidFill>
+                  <a:srgbClr val="FFFF00"/>
+                </a:solidFill>
+                <a:latin typeface="Courier" charset="0"/>
+                <a:ea typeface="Courier" charset="0"/>
+                <a:cs typeface="Courier" charset="0"/>
+              </a:rPr>
+              <a:t>event.json</a:t>
+            </a:r>
+            <a:endParaRPr lang="en-US" dirty="0" smtClean="0">
+              <a:solidFill>
+                <a:srgbClr val="FFFF00"/>
+              </a:solidFill>
+              <a:latin typeface="Courier" charset="0"/>
+              <a:ea typeface="Courier" charset="0"/>
+              <a:cs typeface="Courier" charset="0"/>
+            </a:endParaRPr>
+          </a:p>
+          <a:p>
+            <a:pPr marL="0" indent="0">
+              <a:buNone/>
+            </a:pPr>
+            <a:endParaRPr lang="en-US" dirty="0" smtClean="0">
+              <a:solidFill>
+                <a:srgbClr val="FFFF00"/>
+              </a:solidFill>
+              <a:latin typeface="Courier" charset="0"/>
+              <a:ea typeface="Courier" charset="0"/>
+              <a:cs typeface="Courier" charset="0"/>
+            </a:endParaRPr>
+          </a:p>
+          <a:p>
+            <a:pPr marL="0" indent="0">
+              <a:buNone/>
+            </a:pPr>
+            <a:endParaRPr lang="en-US" dirty="0">
+              <a:solidFill>
+                <a:srgbClr val="FFFF00"/>
+              </a:solidFill>
+              <a:latin typeface="Courier" charset="0"/>
+              <a:ea typeface="Courier" charset="0"/>
+              <a:cs typeface="Courier" charset="0"/>
+            </a:endParaRPr>
+          </a:p>
+        </p:txBody>
+      </p:sp>
+      <p:sp>
+        <p:nvSpPr>
+          <p:cNvPr id="5" name="TextBox 4"/>
+          <p:cNvSpPr txBox="1"/>
+          <p:nvPr/>
+        </p:nvSpPr>
+        <p:spPr>
+          <a:xfrm>
+            <a:off x="838200" y="1690688"/>
+            <a:ext cx="10515600" cy="1569660"/>
+          </a:xfrm>
+          <a:prstGeom prst="rect">
+            <a:avLst/>
+          </a:prstGeom>
+          <a:noFill/>
+        </p:spPr>
+        <p:txBody>
+          <a:bodyPr wrap="square" rtlCol="0">
+            <a:spAutoFit/>
+          </a:bodyPr>
+          <a:lstStyle/>
+          <a:p>
+            <a:pPr marL="285750" indent="-285750">
+              <a:buFont typeface="Arial" charset="0"/>
+              <a:buChar char="•"/>
+            </a:pPr>
+            <a:r>
+              <a:rPr lang="en-US" sz="2400" dirty="0" smtClean="0">
+                <a:latin typeface="Courier" charset="0"/>
+                <a:ea typeface="Courier" charset="0"/>
+                <a:cs typeface="Courier" charset="0"/>
+              </a:rPr>
+              <a:t>Create a </a:t>
+            </a:r>
+            <a:r>
+              <a:rPr lang="en-US" sz="2400" dirty="0" err="1" smtClean="0">
+                <a:latin typeface="Courier" charset="0"/>
+                <a:ea typeface="Courier" charset="0"/>
+                <a:cs typeface="Courier" charset="0"/>
+              </a:rPr>
+              <a:t>Twilio</a:t>
+            </a:r>
+            <a:r>
+              <a:rPr lang="en-US" sz="2400" dirty="0" smtClean="0">
+                <a:latin typeface="Courier" charset="0"/>
+                <a:ea typeface="Courier" charset="0"/>
+                <a:cs typeface="Courier" charset="0"/>
+              </a:rPr>
+              <a:t> account &amp; phone# =&gt; http://</a:t>
+            </a:r>
+            <a:r>
+              <a:rPr lang="en-US" sz="2400" dirty="0" err="1" smtClean="0">
+                <a:latin typeface="Courier" charset="0"/>
+                <a:ea typeface="Courier" charset="0"/>
+                <a:cs typeface="Courier" charset="0"/>
+              </a:rPr>
+              <a:t>twilio.com</a:t>
+            </a:r>
+            <a:r>
+              <a:rPr lang="en-US" sz="2400" dirty="0" smtClean="0">
+                <a:latin typeface="Courier" charset="0"/>
+                <a:ea typeface="Courier" charset="0"/>
+                <a:cs typeface="Courier" charset="0"/>
+              </a:rPr>
+              <a:t> </a:t>
+            </a:r>
+            <a:endParaRPr lang="en-US" sz="2400" dirty="0" smtClean="0">
+              <a:latin typeface="Courier" charset="0"/>
+              <a:ea typeface="Courier" charset="0"/>
+              <a:cs typeface="Courier" charset="0"/>
+            </a:endParaRPr>
+          </a:p>
+          <a:p>
+            <a:pPr marL="285750" indent="-285750">
+              <a:buFont typeface="Arial" charset="0"/>
+              <a:buChar char="•"/>
+            </a:pPr>
+            <a:r>
+              <a:rPr lang="en-US" sz="2400" dirty="0" smtClean="0">
+                <a:latin typeface="Courier" charset="0"/>
+                <a:ea typeface="Courier" charset="0"/>
+                <a:cs typeface="Courier" charset="0"/>
+              </a:rPr>
+              <a:t>Update </a:t>
+            </a:r>
+            <a:r>
+              <a:rPr lang="en-US" sz="2400" dirty="0" err="1" smtClean="0">
+                <a:latin typeface="Courier" charset="0"/>
+                <a:ea typeface="Courier" charset="0"/>
+                <a:cs typeface="Courier" charset="0"/>
+              </a:rPr>
+              <a:t>serverless.yml</a:t>
+            </a:r>
+            <a:r>
+              <a:rPr lang="en-US" sz="2400" dirty="0" smtClean="0">
+                <a:latin typeface="Courier" charset="0"/>
+                <a:ea typeface="Courier" charset="0"/>
+                <a:cs typeface="Courier" charset="0"/>
+              </a:rPr>
+              <a:t> with SID, AUTH and phone#</a:t>
+            </a:r>
+            <a:endParaRPr lang="en-US" sz="2400" dirty="0" smtClean="0">
+              <a:latin typeface="Courier" charset="0"/>
+              <a:ea typeface="Courier" charset="0"/>
+              <a:cs typeface="Courier" charset="0"/>
+            </a:endParaRPr>
+          </a:p>
+          <a:p>
+            <a:pPr marL="285750" indent="-285750">
+              <a:buFont typeface="Arial" charset="0"/>
+              <a:buChar char="•"/>
+            </a:pPr>
+            <a:r>
+              <a:rPr lang="en-US" sz="2400" dirty="0" smtClean="0">
+                <a:latin typeface="Courier" charset="0"/>
+                <a:ea typeface="Courier" charset="0"/>
+                <a:cs typeface="Courier" charset="0"/>
+              </a:rPr>
+              <a:t>Update </a:t>
+            </a:r>
+            <a:r>
+              <a:rPr lang="en-US" sz="2400" dirty="0" err="1" smtClean="0">
+                <a:latin typeface="Courier" charset="0"/>
+                <a:ea typeface="Courier" charset="0"/>
+                <a:cs typeface="Courier" charset="0"/>
+              </a:rPr>
+              <a:t>event.json</a:t>
+            </a:r>
+            <a:r>
+              <a:rPr lang="en-US" sz="2400" dirty="0" smtClean="0">
+                <a:latin typeface="Courier" charset="0"/>
+                <a:ea typeface="Courier" charset="0"/>
+                <a:cs typeface="Courier" charset="0"/>
+              </a:rPr>
+              <a:t> (optional)</a:t>
+            </a:r>
+            <a:endParaRPr lang="en-US" sz="2400" dirty="0">
+              <a:latin typeface="Courier" charset="0"/>
+              <a:ea typeface="Courier" charset="0"/>
+              <a:cs typeface="Courier" charset="0"/>
+            </a:endParaRPr>
+          </a:p>
+          <a:p>
+            <a:pPr marL="285750" indent="-285750">
+              <a:buFont typeface="Arial" charset="0"/>
+              <a:buChar char="•"/>
+            </a:pPr>
+            <a:r>
+              <a:rPr lang="en-US" sz="2400" dirty="0" smtClean="0">
+                <a:latin typeface="Courier" charset="0"/>
+                <a:ea typeface="Courier" charset="0"/>
+                <a:cs typeface="Courier" charset="0"/>
+              </a:rPr>
+              <a:t>Update </a:t>
+            </a:r>
+            <a:r>
+              <a:rPr lang="en-US" sz="2400" dirty="0" smtClean="0">
+                <a:latin typeface="Courier" charset="0"/>
+                <a:ea typeface="Courier" charset="0"/>
+                <a:cs typeface="Courier" charset="0"/>
+              </a:rPr>
+              <a:t>frontend/</a:t>
+            </a:r>
+            <a:r>
+              <a:rPr lang="en-US" sz="2400" dirty="0" err="1" smtClean="0">
+                <a:latin typeface="Courier" charset="0"/>
+                <a:ea typeface="Courier" charset="0"/>
+                <a:cs typeface="Courier" charset="0"/>
+              </a:rPr>
+              <a:t>index.html</a:t>
+            </a:r>
+            <a:r>
+              <a:rPr lang="en-US" sz="2400" dirty="0" smtClean="0">
+                <a:latin typeface="Courier" charset="0"/>
+                <a:ea typeface="Courier" charset="0"/>
+                <a:cs typeface="Courier" charset="0"/>
+              </a:rPr>
+              <a:t> and deploy (optional)</a:t>
+            </a:r>
+            <a:endParaRPr lang="en-US" sz="2400" dirty="0" smtClean="0">
+              <a:latin typeface="Courier" charset="0"/>
+              <a:ea typeface="Courier" charset="0"/>
+              <a:cs typeface="Courier" charset="0"/>
+            </a:endParaRPr>
+          </a:p>
+        </p:txBody>
+      </p:sp>
+    </p:spTree>
+    <p:extLst>
+      <p:ext uri="{BB962C8B-B14F-4D97-AF65-F5344CB8AC3E}">
+        <p14:creationId xmlns:p14="http://schemas.microsoft.com/office/powerpoint/2010/main" val="509753175"/>
+      </p:ext>
+    </p:extLst>
+  </p:cSld>
+  <p:clrMapOvr>
+    <a:masterClrMapping/>
+  </p:clrMapOvr>
+  <p:timing>
+    <p:tnLst>
+      <p:par>
+        <p:cTn id="1" dur="indefinite" restart="never" nodeType="tmRoot"/>
+      </p:par>
+    </p:tnLst>
+  </p:timing>
+</p:sld>
+</file>
+
+<file path=ppt/slides/slide22.xml><?xml version="1.0" encoding="utf-8"?>
 <p:sld xmlns:a="http://schemas.openxmlformats.org/drawingml/2006/main" xmlns:r="http://schemas.openxmlformats.org/officeDocument/2006/relationships" xmlns:p="http://schemas.openxmlformats.org/presentationml/2006/main">
   <p:cSld>
     <p:spTree>
@@ -9464,7 +10378,7 @@
 </p:sld>
 </file>
 
-<file path=ppt/slides/slide22.xml><?xml version="1.0" encoding="utf-8"?>
+<file path=ppt/slides/slide23.xml><?xml version="1.0" encoding="utf-8"?>
 <p:sld xmlns:a="http://schemas.openxmlformats.org/drawingml/2006/main" xmlns:r="http://schemas.openxmlformats.org/officeDocument/2006/relationships" xmlns:p="http://schemas.openxmlformats.org/presentationml/2006/main">
   <p:cSld>
     <p:spTree>
@@ -9896,21 +10810,8 @@
                 <a:ea typeface="Courier" charset="0"/>
                 <a:cs typeface="Courier" charset="0"/>
               </a:rPr>
-              <a:t>Single threaded ”event loop” vs. multiple </a:t>
-            </a:r>
-            <a:r>
-              <a:rPr lang="en-US" dirty="0" smtClean="0">
-                <a:latin typeface="Courier" charset="0"/>
-                <a:ea typeface="Courier" charset="0"/>
-                <a:cs typeface="Courier" charset="0"/>
-              </a:rPr>
-              <a:t>threads</a:t>
-            </a:r>
-            <a:endParaRPr lang="en-US" dirty="0" smtClean="0">
-              <a:latin typeface="Courier" charset="0"/>
-              <a:ea typeface="Courier" charset="0"/>
-              <a:cs typeface="Courier" charset="0"/>
-            </a:endParaRPr>
+              <a:t>Single threaded ”event loop” vs. multiple threads</a:t>
+            </a:r>
           </a:p>
           <a:p>
             <a:r>
@@ -9963,11 +10864,6 @@
               </a:rPr>
               <a:t> The JS call stack and functional immutability [whiteboard]</a:t>
             </a:r>
-            <a:endParaRPr lang="en-US" dirty="0" smtClean="0">
-              <a:latin typeface="Courier" charset="0"/>
-              <a:ea typeface="Courier" charset="0"/>
-              <a:cs typeface="Courier" charset="0"/>
-            </a:endParaRPr>
           </a:p>
         </p:txBody>
       </p:sp>

--- a/doc/slac_slides.pptx
+++ b/doc/slac_slides.pptx
@@ -570,15 +570,7 @@
                 <a:ea typeface="Courier" charset="0"/>
                 <a:cs typeface="Courier" charset="0"/>
               </a:rPr>
-              <a:t>Multi-threading emulates concurrency but is expensive (context switching and memory</a:t>
-            </a:r>
-            <a:r>
-              <a:rPr lang="en-US" dirty="0" smtClean="0">
-                <a:latin typeface="Courier" charset="0"/>
-                <a:ea typeface="Courier" charset="0"/>
-                <a:cs typeface="Courier" charset="0"/>
-              </a:rPr>
-              <a:t>)</a:t>
+              <a:t>Multi-threading emulates concurrency but is expensive (context switching and memory)</a:t>
             </a:r>
           </a:p>
           <a:p>
@@ -2034,21 +2026,6 @@
             </a:r>
           </a:p>
           <a:p>
-            <a:endParaRPr lang="en-US" baseline="0" dirty="0" smtClean="0"/>
-          </a:p>
-          <a:p>
-            <a:r>
-              <a:rPr lang="en-US" baseline="0" dirty="0" smtClean="0"/>
-              <a:t>Execution:</a:t>
-            </a:r>
-          </a:p>
-          <a:p>
-            <a:r>
-              <a:rPr lang="en-US" baseline="0" dirty="0" smtClean="0"/>
-              <a:t>1. curl or browser</a:t>
-            </a:r>
-          </a:p>
-          <a:p>
             <a:r>
               <a:rPr lang="en-US" baseline="0" dirty="0" smtClean="0"/>
               <a:t> </a:t>
@@ -2137,53 +2114,6 @@
           <a:bodyPr/>
           <a:lstStyle/>
           <a:p>
-            <a:r>
-              <a:rPr lang="en-US" dirty="0" smtClean="0"/>
-              <a:t>Code:</a:t>
-            </a:r>
-          </a:p>
-          <a:p>
-            <a:r>
-              <a:rPr lang="en-US" dirty="0" smtClean="0"/>
-              <a:t>1. Get</a:t>
-            </a:r>
-            <a:r>
-              <a:rPr lang="en-US" baseline="0" dirty="0" smtClean="0"/>
-              <a:t> method callback with response object</a:t>
-            </a:r>
-          </a:p>
-          <a:p>
-            <a:r>
-              <a:rPr lang="en-US" baseline="0" dirty="0" smtClean="0"/>
-              <a:t>2. Event triggers (on "data", on "end")</a:t>
-            </a:r>
-          </a:p>
-          <a:p>
-            <a:r>
-              <a:rPr lang="en-US" baseline="0" dirty="0" smtClean="0"/>
-              <a:t>3. Nested functional implementations</a:t>
-            </a:r>
-          </a:p>
-          <a:p>
-            <a:endParaRPr lang="en-US" baseline="0" dirty="0" smtClean="0"/>
-          </a:p>
-          <a:p>
-            <a:r>
-              <a:rPr lang="en-US" baseline="0" dirty="0" smtClean="0"/>
-              <a:t>Execution:</a:t>
-            </a:r>
-          </a:p>
-          <a:p>
-            <a:r>
-              <a:rPr lang="en-US" baseline="0" dirty="0" smtClean="0"/>
-              <a:t>1. curl or browser</a:t>
-            </a:r>
-          </a:p>
-          <a:p>
-            <a:r>
-              <a:rPr lang="en-US" baseline="0" dirty="0" smtClean="0"/>
-              <a:t> </a:t>
-            </a:r>
             <a:endParaRPr lang="en-US" dirty="0"/>
           </a:p>
         </p:txBody>
@@ -2268,53 +2198,6 @@
           <a:bodyPr/>
           <a:lstStyle/>
           <a:p>
-            <a:r>
-              <a:rPr lang="en-US" dirty="0" smtClean="0"/>
-              <a:t>Code:</a:t>
-            </a:r>
-          </a:p>
-          <a:p>
-            <a:r>
-              <a:rPr lang="en-US" dirty="0" smtClean="0"/>
-              <a:t>1. Get</a:t>
-            </a:r>
-            <a:r>
-              <a:rPr lang="en-US" baseline="0" dirty="0" smtClean="0"/>
-              <a:t> method callback with response object</a:t>
-            </a:r>
-          </a:p>
-          <a:p>
-            <a:r>
-              <a:rPr lang="en-US" baseline="0" dirty="0" smtClean="0"/>
-              <a:t>2. Event triggers (on "data", on "end")</a:t>
-            </a:r>
-          </a:p>
-          <a:p>
-            <a:r>
-              <a:rPr lang="en-US" baseline="0" dirty="0" smtClean="0"/>
-              <a:t>3. Nested functional implementations</a:t>
-            </a:r>
-          </a:p>
-          <a:p>
-            <a:endParaRPr lang="en-US" baseline="0" dirty="0" smtClean="0"/>
-          </a:p>
-          <a:p>
-            <a:r>
-              <a:rPr lang="en-US" baseline="0" dirty="0" smtClean="0"/>
-              <a:t>Execution:</a:t>
-            </a:r>
-          </a:p>
-          <a:p>
-            <a:r>
-              <a:rPr lang="en-US" baseline="0" dirty="0" smtClean="0"/>
-              <a:t>1. curl or browser</a:t>
-            </a:r>
-          </a:p>
-          <a:p>
-            <a:r>
-              <a:rPr lang="en-US" baseline="0" dirty="0" smtClean="0"/>
-              <a:t> </a:t>
-            </a:r>
             <a:endParaRPr lang="en-US" dirty="0"/>
           </a:p>
         </p:txBody>
@@ -2399,53 +2282,6 @@
           <a:bodyPr/>
           <a:lstStyle/>
           <a:p>
-            <a:r>
-              <a:rPr lang="en-US" dirty="0" smtClean="0"/>
-              <a:t>Code:</a:t>
-            </a:r>
-          </a:p>
-          <a:p>
-            <a:r>
-              <a:rPr lang="en-US" dirty="0" smtClean="0"/>
-              <a:t>1. Get</a:t>
-            </a:r>
-            <a:r>
-              <a:rPr lang="en-US" baseline="0" dirty="0" smtClean="0"/>
-              <a:t> method callback with response object</a:t>
-            </a:r>
-          </a:p>
-          <a:p>
-            <a:r>
-              <a:rPr lang="en-US" baseline="0" dirty="0" smtClean="0"/>
-              <a:t>2. Event triggers (on "data", on "end")</a:t>
-            </a:r>
-          </a:p>
-          <a:p>
-            <a:r>
-              <a:rPr lang="en-US" baseline="0" dirty="0" smtClean="0"/>
-              <a:t>3. Nested functional implementations</a:t>
-            </a:r>
-          </a:p>
-          <a:p>
-            <a:endParaRPr lang="en-US" baseline="0" dirty="0" smtClean="0"/>
-          </a:p>
-          <a:p>
-            <a:r>
-              <a:rPr lang="en-US" baseline="0" dirty="0" smtClean="0"/>
-              <a:t>Execution:</a:t>
-            </a:r>
-          </a:p>
-          <a:p>
-            <a:r>
-              <a:rPr lang="en-US" baseline="0" dirty="0" smtClean="0"/>
-              <a:t>1. curl or browser</a:t>
-            </a:r>
-          </a:p>
-          <a:p>
-            <a:r>
-              <a:rPr lang="en-US" baseline="0" dirty="0" smtClean="0"/>
-              <a:t> </a:t>
-            </a:r>
             <a:endParaRPr lang="en-US" dirty="0"/>
           </a:p>
         </p:txBody>
@@ -2651,10 +2487,6 @@
           <a:bodyPr/>
           <a:lstStyle/>
           <a:p>
-            <a:r>
-              <a:rPr lang="en-US" dirty="0" smtClean="0"/>
-              <a:t>A single call stack</a:t>
-            </a:r>
             <a:endParaRPr lang="en-US" dirty="0"/>
           </a:p>
         </p:txBody>
@@ -9684,18 +9516,7 @@
                 <a:ea typeface="Courier" charset="0"/>
                 <a:cs typeface="Courier" charset="0"/>
               </a:rPr>
-              <a:t>cd </a:t>
-            </a:r>
-            <a:r>
-              <a:rPr lang="en-US" dirty="0">
-                <a:solidFill>
-                  <a:srgbClr val="FFFF00"/>
-                </a:solidFill>
-                <a:latin typeface="Courier" charset="0"/>
-                <a:ea typeface="Courier" charset="0"/>
-                <a:cs typeface="Courier" charset="0"/>
-              </a:rPr>
-              <a:t>examples/</a:t>
+              <a:t>cd examples/</a:t>
             </a:r>
             <a:r>
               <a:rPr lang="en-US" dirty="0" err="1">
@@ -9811,11 +9632,6 @@
               </a:rPr>
               <a:t>)</a:t>
             </a:r>
-            <a:endParaRPr lang="en-US" dirty="0" smtClean="0">
-              <a:latin typeface="Courier" charset="0"/>
-              <a:ea typeface="Courier" charset="0"/>
-              <a:cs typeface="Courier" charset="0"/>
-            </a:endParaRPr>
           </a:p>
           <a:p>
             <a:pPr marL="0" indent="0">
@@ -10011,11 +9827,6 @@
               </a:rPr>
               <a:t> </a:t>
             </a:r>
-            <a:endParaRPr lang="en-US" sz="2400" dirty="0" smtClean="0">
-              <a:latin typeface="Courier" charset="0"/>
-              <a:ea typeface="Courier" charset="0"/>
-              <a:cs typeface="Courier" charset="0"/>
-            </a:endParaRPr>
           </a:p>
           <a:p>
             <a:pPr marL="285750" indent="-285750">
@@ -10046,11 +9857,6 @@
               </a:rPr>
               <a:t> with SID, AUTH and phone#</a:t>
             </a:r>
-            <a:endParaRPr lang="en-US" sz="2400" dirty="0" smtClean="0">
-              <a:latin typeface="Courier" charset="0"/>
-              <a:ea typeface="Courier" charset="0"/>
-              <a:cs typeface="Courier" charset="0"/>
-            </a:endParaRPr>
           </a:p>
           <a:p>
             <a:pPr marL="285750" indent="-285750">
@@ -10098,7 +9904,15 @@
                 <a:ea typeface="Courier" charset="0"/>
                 <a:cs typeface="Courier" charset="0"/>
               </a:rPr>
-              <a:t>Update </a:t>
+              <a:t>Update frontend/</a:t>
+            </a:r>
+            <a:r>
+              <a:rPr lang="en-US" sz="2400" dirty="0" err="1" smtClean="0">
+                <a:latin typeface="Courier" charset="0"/>
+                <a:ea typeface="Courier" charset="0"/>
+                <a:cs typeface="Courier" charset="0"/>
+              </a:rPr>
+              <a:t>index.html</a:t>
             </a:r>
             <a:r>
               <a:rPr lang="en-US" sz="2400" dirty="0" smtClean="0">
@@ -10106,29 +9920,8 @@
                 <a:ea typeface="Courier" charset="0"/>
                 <a:cs typeface="Courier" charset="0"/>
               </a:rPr>
-              <a:t>frontend/</a:t>
-            </a:r>
-            <a:r>
-              <a:rPr lang="en-US" sz="2400" dirty="0" err="1" smtClean="0">
-                <a:latin typeface="Courier" charset="0"/>
-                <a:ea typeface="Courier" charset="0"/>
-                <a:cs typeface="Courier" charset="0"/>
-              </a:rPr>
-              <a:t>index.html</a:t>
-            </a:r>
-            <a:r>
-              <a:rPr lang="en-US" sz="2400" dirty="0" smtClean="0">
-                <a:latin typeface="Courier" charset="0"/>
-                <a:ea typeface="Courier" charset="0"/>
-                <a:cs typeface="Courier" charset="0"/>
-              </a:rPr>
               <a:t> and deploy (optional)</a:t>
             </a:r>
-            <a:endParaRPr lang="en-US" sz="2400" dirty="0" smtClean="0">
-              <a:latin typeface="Courier" charset="0"/>
-              <a:ea typeface="Courier" charset="0"/>
-              <a:cs typeface="Courier" charset="0"/>
-            </a:endParaRPr>
           </a:p>
         </p:txBody>
       </p:sp>
